--- a/proj2/iart_proj2_checkpoint.pptx
+++ b/proj2/iart_proj2_checkpoint.pptx
@@ -276,7 +276,7 @@
             </a:pPr>
             <a:fld id="{76969C88-B244-455D-A017-012B25B1ACDD}" type="datetimeFigureOut">
               <a:rPr lang="en-US"/>
-              <a:t>5/28/2022</a:t>
+              <a:t>5/29/2022</a:t>
             </a:fld>
             <a:endParaRPr lang="en-US"/>
           </a:p>
@@ -467,7 +467,7 @@
             </a:pPr>
             <a:fld id="{76969C88-B244-455D-A017-012B25B1ACDD}" type="datetimeFigureOut">
               <a:rPr lang="en-US"/>
-              <a:t>5/28/2022</a:t>
+              <a:t>5/29/2022</a:t>
             </a:fld>
             <a:endParaRPr lang="en-US"/>
           </a:p>
@@ -668,7 +668,7 @@
             </a:pPr>
             <a:fld id="{76969C88-B244-455D-A017-012B25B1ACDD}" type="datetimeFigureOut">
               <a:rPr lang="en-US"/>
-              <a:t>5/28/2022</a:t>
+              <a:t>5/29/2022</a:t>
             </a:fld>
             <a:endParaRPr lang="en-US"/>
           </a:p>
@@ -858,7 +858,7 @@
             </a:pPr>
             <a:fld id="{76969C88-B244-455D-A017-012B25B1ACDD}" type="datetimeFigureOut">
               <a:rPr lang="en-US"/>
-              <a:t>5/28/2022</a:t>
+              <a:t>5/29/2022</a:t>
             </a:fld>
             <a:endParaRPr lang="en-US"/>
           </a:p>
@@ -1114,7 +1114,7 @@
             </a:pPr>
             <a:fld id="{76969C88-B244-455D-A017-012B25B1ACDD}" type="datetimeFigureOut">
               <a:rPr lang="en-US"/>
-              <a:t>5/28/2022</a:t>
+              <a:t>5/29/2022</a:t>
             </a:fld>
             <a:endParaRPr lang="en-US"/>
           </a:p>
@@ -1381,7 +1381,7 @@
             </a:pPr>
             <a:fld id="{76969C88-B244-455D-A017-012B25B1ACDD}" type="datetimeFigureOut">
               <a:rPr lang="en-US"/>
-              <a:t>5/28/2022</a:t>
+              <a:t>5/29/2022</a:t>
             </a:fld>
             <a:endParaRPr lang="en-US"/>
           </a:p>
@@ -1789,7 +1789,7 @@
             </a:pPr>
             <a:fld id="{76969C88-B244-455D-A017-012B25B1ACDD}" type="datetimeFigureOut">
               <a:rPr lang="en-US"/>
-              <a:t>5/28/2022</a:t>
+              <a:t>5/29/2022</a:t>
             </a:fld>
             <a:endParaRPr lang="en-US"/>
           </a:p>
@@ -1914,7 +1914,7 @@
             </a:pPr>
             <a:fld id="{76969C88-B244-455D-A017-012B25B1ACDD}" type="datetimeFigureOut">
               <a:rPr lang="en-US"/>
-              <a:t>5/28/2022</a:t>
+              <a:t>5/29/2022</a:t>
             </a:fld>
             <a:endParaRPr lang="en-US"/>
           </a:p>
@@ -2013,7 +2013,7 @@
             </a:pPr>
             <a:fld id="{76969C88-B244-455D-A017-012B25B1ACDD}" type="datetimeFigureOut">
               <a:rPr lang="en-US"/>
-              <a:t>5/28/2022</a:t>
+              <a:t>5/29/2022</a:t>
             </a:fld>
             <a:endParaRPr lang="en-US"/>
           </a:p>
@@ -2313,7 +2313,7 @@
             </a:pPr>
             <a:fld id="{76969C88-B244-455D-A017-012B25B1ACDD}" type="datetimeFigureOut">
               <a:rPr lang="en-US"/>
-              <a:t>5/28/2022</a:t>
+              <a:t>5/29/2022</a:t>
             </a:fld>
             <a:endParaRPr lang="en-US"/>
           </a:p>
@@ -2583,7 +2583,7 @@
             </a:pPr>
             <a:fld id="{76969C88-B244-455D-A017-012B25B1ACDD}" type="datetimeFigureOut">
               <a:rPr lang="en-US"/>
-              <a:t>5/28/2022</a:t>
+              <a:t>5/29/2022</a:t>
             </a:fld>
             <a:endParaRPr lang="en-US"/>
           </a:p>
@@ -3303,7 +3303,7 @@
             </a:pPr>
             <a:fld id="{76969C88-B244-455D-A017-012B25B1ACDD}" type="datetimeFigureOut">
               <a:rPr lang="en-US"/>
-              <a:t>5/28/2022</a:t>
+              <a:t>5/29/2022</a:t>
             </a:fld>
             <a:endParaRPr lang="en-US"/>
           </a:p>
@@ -4307,7 +4307,7 @@
         </p:spPr>
         <p:txBody>
           <a:bodyPr vert="horz" lIns="91440" tIns="45720" rIns="91440" bIns="45720" rtlCol="0" anchor="t">
-            <a:normAutofit fontScale="92500"/>
+            <a:normAutofit lnSpcReduction="10000"/>
           </a:bodyPr>
           <a:lstStyle/>
           <a:p>
@@ -4347,7 +4347,7 @@
                   </a:srgbClr>
                 </a:solidFill>
               </a:rPr>
-              <a:t>So, given a dataset with information about telco customers we want to predict if a customer will churn or not</a:t>
+              <a:t>So, given a dataset with information about telco customers we want to predict if a customer will churn or not.</a:t>
             </a:r>
           </a:p>
           <a:p>
@@ -4359,7 +4359,7 @@
                   </a:srgbClr>
                 </a:solidFill>
               </a:rPr>
-              <a:t>In other words we want to, the main goal of this project is to predict if a customer will stop buying products/services in telco.</a:t>
+              <a:t>In other words the main goal of this project is to predict if a customer will stop buying products/services in telco.</a:t>
             </a:r>
           </a:p>
         </p:txBody>
@@ -4476,7 +4476,7 @@
               <a:t>course</a:t>
             </a:r>
             <a:r>
-              <a:rPr lang="pt-PT">
+              <a:rPr lang="pt-PT" dirty="0">
                 <a:ea typeface="+mn-lt"/>
                 <a:cs typeface="+mn-lt"/>
               </a:rPr>
@@ -4491,6 +4491,25 @@
                 <a:hlinkClick r:id="rId3"/>
               </a:rPr>
               <a:t>https://www.kaggle.com/datasets/easonlai/sample-telco-customer-churn-dataset</a:t>
+            </a:r>
+            <a:endParaRPr lang="pt-PT" dirty="0">
+              <a:ea typeface="+mn-lt"/>
+              <a:cs typeface="+mn-lt"/>
+            </a:endParaRPr>
+          </a:p>
+          <a:p>
+            <a:r>
+              <a:rPr lang="pt-PT" dirty="0">
+                <a:solidFill>
+                  <a:srgbClr val="FFFFFF">
+                    <a:alpha val="70000"/>
+                  </a:srgbClr>
+                </a:solidFill>
+                <a:ea typeface="+mn-lt"/>
+                <a:cs typeface="Arial"/>
+                <a:hlinkClick r:id="rId4"/>
+              </a:rPr>
+              <a:t>https://www.kaggle.com/datasets/blastchar/telco-customer-churn</a:t>
             </a:r>
             <a:endParaRPr lang="pt-PT" dirty="0">
               <a:solidFill>

--- a/proj2/iart_proj2_checkpoint.pptx
+++ b/proj2/iart_proj2_checkpoint.pptx
@@ -1,15 +1,15 @@
 
 <file path=ppt/presentation.xml><?xml version="1.0" encoding="utf-8"?>
-<p:presentation xmlns:a="http://schemas.openxmlformats.org/drawingml/2006/main" xmlns:r="http://schemas.openxmlformats.org/officeDocument/2006/relationships" xmlns:p="http://schemas.openxmlformats.org/presentationml/2006/main" saveSubsetFonts="1">
+<p:presentation xmlns:a="http://schemas.openxmlformats.org/drawingml/2006/main" xmlns:r="http://schemas.openxmlformats.org/officeDocument/2006/relationships" xmlns:p="http://schemas.openxmlformats.org/presentationml/2006/main" xmlns:m="http://schemas.openxmlformats.org/officeDocument/2006/math" xmlns:w="http://schemas.openxmlformats.org/wordprocessingml/2006/main" saveSubsetFonts="1">
   <p:sldMasterIdLst>
     <p:sldMasterId id="2147483648" r:id="rId1"/>
   </p:sldMasterIdLst>
   <p:sldIdLst>
-    <p:sldId id="256" r:id="rId2"/>
-    <p:sldId id="257" r:id="rId3"/>
-    <p:sldId id="258" r:id="rId4"/>
-    <p:sldId id="259" r:id="rId5"/>
-    <p:sldId id="260" r:id="rId6"/>
+    <p:sldId id="256" r:id="rId3"/>
+    <p:sldId id="257" r:id="rId4"/>
+    <p:sldId id="258" r:id="rId5"/>
+    <p:sldId id="259" r:id="rId6"/>
+    <p:sldId id="260" r:id="rId7"/>
   </p:sldIdLst>
   <p:sldSz cx="12192000" cy="6858000"/>
   <p:notesSz cx="12192000" cy="6858000"/>
@@ -108,42 +108,17 @@
       </a:defRPr>
     </a:lvl9pPr>
   </p:defaultTextStyle>
-  <p:extLst>
-    <p:ext uri="{EFAFB233-063F-42B5-8137-9DF3F51BA10A}">
-      <p15:sldGuideLst xmlns:p15="http://schemas.microsoft.com/office/powerpoint/2012/main">
-        <p15:guide id="1" orient="horz" pos="2160">
-          <p15:clr>
-            <a:srgbClr val="A4A3A4"/>
-          </p15:clr>
-        </p15:guide>
-        <p15:guide id="2" pos="2880">
-          <p15:clr>
-            <a:srgbClr val="A4A3A4"/>
-          </p15:clr>
-        </p15:guide>
-      </p15:sldGuideLst>
-    </p:ext>
-  </p:extLst>
 </p:presentation>
 </file>
 
-<file path=ppt/revisionInfo.xml><?xml version="1.0" encoding="utf-8"?>
-<p1510:revInfo xmlns:a="http://schemas.openxmlformats.org/drawingml/2006/main" xmlns:r="http://schemas.openxmlformats.org/officeDocument/2006/relationships" xmlns:p1510="http://schemas.microsoft.com/office/powerpoint/2015/10/main">
-  <p1510:revLst>
-    <p1510:client id="{0DCF6D82-A78A-42A3-8F89-C15D4BE23402}" v="322" dt="2022-05-28T20:11:10.107"/>
-    <p1510:client id="{7B16D6FE-AA98-4073-9FBA-BDAA968F85D1}" v="246" dt="2022-05-28T22:12:29.088"/>
-  </p1510:revLst>
-</p1510:revInfo>
-</file>
-
 <file path=ppt/slideLayouts/slideLayout1.xml><?xml version="1.0" encoding="utf-8"?>
-<p:sldLayout xmlns:a="http://schemas.openxmlformats.org/drawingml/2006/main" xmlns:r="http://schemas.openxmlformats.org/officeDocument/2006/relationships" xmlns:p="http://schemas.openxmlformats.org/presentationml/2006/main" showMasterPhAnim="0" type="title" preserve="1" userDrawn="1">
+<p:sldLayout xmlns:a="http://schemas.openxmlformats.org/drawingml/2006/main" xmlns:r="http://schemas.openxmlformats.org/officeDocument/2006/relationships" xmlns:p="http://schemas.openxmlformats.org/presentationml/2006/main" xmlns:m="http://schemas.openxmlformats.org/officeDocument/2006/math" xmlns:w="http://schemas.openxmlformats.org/wordprocessingml/2006/main" matchingName="" preserve="1" showMasterPhAnim="0" type="title" userDrawn="1">
   <p:cSld name="Title Slide">
     <p:spTree>
       <p:nvGrpSpPr>
-        <p:cNvPr id="1" name=""/>
+        <p:cNvPr id="1" name="" hidden="0"/>
         <p:cNvGrpSpPr/>
-        <p:nvPr/>
+        <p:nvPr isPhoto="0" userDrawn="0"/>
       </p:nvGrpSpPr>
       <p:grpSpPr bwMode="auto">
         <a:xfrm>
@@ -155,12 +130,12 @@
       </p:grpSpPr>
       <p:sp>
         <p:nvSpPr>
-          <p:cNvPr id="2" name="Title 1"/>
-          <p:cNvSpPr>
-            <a:spLocks noGrp="1"/>
-          </p:cNvSpPr>
-          <p:nvPr>
-            <p:ph type="ctrTitle"/>
+          <p:cNvPr id="2" name="Title 1" hidden="0"/>
+          <p:cNvSpPr>
+            <a:spLocks noGrp="1"/>
+          </p:cNvSpPr>
+          <p:nvPr isPhoto="0" userDrawn="0">
+            <p:ph type="ctrTitle" hasCustomPrompt="0"/>
           </p:nvPr>
         </p:nvSpPr>
         <p:spPr bwMode="auto">
@@ -190,12 +165,12 @@
       </p:sp>
       <p:sp>
         <p:nvSpPr>
-          <p:cNvPr id="3" name="Subtitle 2"/>
-          <p:cNvSpPr>
-            <a:spLocks noGrp="1"/>
-          </p:cNvSpPr>
-          <p:nvPr>
-            <p:ph type="subTitle" idx="1"/>
+          <p:cNvPr id="3" name="Subtitle 2" hidden="0"/>
+          <p:cNvSpPr>
+            <a:spLocks noGrp="1"/>
+          </p:cNvSpPr>
+          <p:nvPr isPhoto="0" userDrawn="0">
+            <p:ph type="subTitle" idx="1" hasCustomPrompt="0"/>
           </p:nvPr>
         </p:nvSpPr>
         <p:spPr bwMode="auto">
@@ -258,12 +233,12 @@
       </p:sp>
       <p:sp>
         <p:nvSpPr>
-          <p:cNvPr id="4" name="Date Placeholder 3"/>
-          <p:cNvSpPr>
-            <a:spLocks noGrp="1"/>
-          </p:cNvSpPr>
-          <p:nvPr>
-            <p:ph type="dt" sz="half" idx="10"/>
+          <p:cNvPr id="4" name="Date Placeholder 3" hidden="0"/>
+          <p:cNvSpPr>
+            <a:spLocks noGrp="1"/>
+          </p:cNvSpPr>
+          <p:nvPr isPhoto="0" userDrawn="0">
+            <p:ph type="dt" sz="half" idx="10" hasCustomPrompt="0"/>
           </p:nvPr>
         </p:nvSpPr>
         <p:spPr bwMode="auto"/>
@@ -276,7 +251,7 @@
             </a:pPr>
             <a:fld id="{76969C88-B244-455D-A017-012B25B1ACDD}" type="datetimeFigureOut">
               <a:rPr lang="en-US"/>
-              <a:t>5/29/2022</a:t>
+              <a:t/>
             </a:fld>
             <a:endParaRPr lang="en-US"/>
           </a:p>
@@ -284,12 +259,12 @@
       </p:sp>
       <p:sp>
         <p:nvSpPr>
-          <p:cNvPr id="5" name="Footer Placeholder 4"/>
-          <p:cNvSpPr>
-            <a:spLocks noGrp="1"/>
-          </p:cNvSpPr>
-          <p:nvPr>
-            <p:ph type="ftr" sz="quarter" idx="11"/>
+          <p:cNvPr id="5" name="Footer Placeholder 4" hidden="0"/>
+          <p:cNvSpPr>
+            <a:spLocks noGrp="1"/>
+          </p:cNvSpPr>
+          <p:nvPr isPhoto="0" userDrawn="0">
+            <p:ph type="ftr" sz="quarter" idx="11" hasCustomPrompt="0"/>
           </p:nvPr>
         </p:nvSpPr>
         <p:spPr bwMode="auto"/>
@@ -306,12 +281,12 @@
       </p:sp>
       <p:sp>
         <p:nvSpPr>
-          <p:cNvPr id="6" name="Slide Number Placeholder 5"/>
-          <p:cNvSpPr>
-            <a:spLocks noGrp="1"/>
-          </p:cNvSpPr>
-          <p:nvPr>
-            <p:ph type="sldNum" sz="quarter" idx="12"/>
+          <p:cNvPr id="6" name="Slide Number Placeholder 5" hidden="0"/>
+          <p:cNvSpPr>
+            <a:spLocks noGrp="1"/>
+          </p:cNvSpPr>
+          <p:nvPr isPhoto="0" userDrawn="0">
+            <p:ph type="sldNum" sz="quarter" idx="12" hasCustomPrompt="0"/>
           </p:nvPr>
         </p:nvSpPr>
         <p:spPr bwMode="auto"/>
@@ -324,7 +299,7 @@
             </a:pPr>
             <a:fld id="{07CE569E-9B7C-4CB9-AB80-C0841F922CFF}" type="slidenum">
               <a:rPr lang="en-US"/>
-              <a:t>‹nº›</a:t>
+              <a:t/>
             </a:fld>
             <a:endParaRPr lang="en-US"/>
           </a:p>
@@ -339,13 +314,13 @@
 </file>
 
 <file path=ppt/slideLayouts/slideLayout10.xml><?xml version="1.0" encoding="utf-8"?>
-<p:sldLayout xmlns:a="http://schemas.openxmlformats.org/drawingml/2006/main" xmlns:r="http://schemas.openxmlformats.org/officeDocument/2006/relationships" xmlns:p="http://schemas.openxmlformats.org/presentationml/2006/main" showMasterPhAnim="0" type="vertTx" preserve="1" userDrawn="1">
+<p:sldLayout xmlns:a="http://schemas.openxmlformats.org/drawingml/2006/main" xmlns:r="http://schemas.openxmlformats.org/officeDocument/2006/relationships" xmlns:p="http://schemas.openxmlformats.org/presentationml/2006/main" xmlns:m="http://schemas.openxmlformats.org/officeDocument/2006/math" xmlns:w="http://schemas.openxmlformats.org/wordprocessingml/2006/main" matchingName="" preserve="1" showMasterPhAnim="0" type="vertTx" userDrawn="1">
   <p:cSld name="Title and Vertical Text">
     <p:spTree>
       <p:nvGrpSpPr>
-        <p:cNvPr id="1" name=""/>
+        <p:cNvPr id="1" name="" hidden="0"/>
         <p:cNvGrpSpPr/>
-        <p:nvPr/>
+        <p:nvPr isPhoto="0" userDrawn="0"/>
       </p:nvGrpSpPr>
       <p:grpSpPr bwMode="auto">
         <a:xfrm>
@@ -357,12 +332,12 @@
       </p:grpSpPr>
       <p:sp>
         <p:nvSpPr>
-          <p:cNvPr id="2" name="Title 1"/>
-          <p:cNvSpPr>
-            <a:spLocks noGrp="1"/>
-          </p:cNvSpPr>
-          <p:nvPr>
-            <p:ph type="title"/>
+          <p:cNvPr id="2" name="Title 1" hidden="0"/>
+          <p:cNvSpPr>
+            <a:spLocks noGrp="1"/>
+          </p:cNvSpPr>
+          <p:nvPr isPhoto="0" userDrawn="0">
+            <p:ph type="title" hasCustomPrompt="0"/>
           </p:nvPr>
         </p:nvSpPr>
         <p:spPr bwMode="auto"/>
@@ -383,12 +358,12 @@
       </p:sp>
       <p:sp>
         <p:nvSpPr>
-          <p:cNvPr id="3" name="Vertical Text Placeholder 2"/>
-          <p:cNvSpPr>
-            <a:spLocks noGrp="1"/>
-          </p:cNvSpPr>
-          <p:nvPr>
-            <p:ph type="body" orient="vert" idx="1"/>
+          <p:cNvPr id="3" name="Vertical Text Placeholder 2" hidden="0"/>
+          <p:cNvSpPr>
+            <a:spLocks noGrp="1"/>
+          </p:cNvSpPr>
+          <p:nvPr isPhoto="0" userDrawn="0">
+            <p:ph type="body" orient="vert" idx="1" hasCustomPrompt="0"/>
           </p:nvPr>
         </p:nvSpPr>
         <p:spPr bwMode="auto"/>
@@ -449,12 +424,12 @@
       </p:sp>
       <p:sp>
         <p:nvSpPr>
-          <p:cNvPr id="4" name="Date Placeholder 3"/>
-          <p:cNvSpPr>
-            <a:spLocks noGrp="1"/>
-          </p:cNvSpPr>
-          <p:nvPr>
-            <p:ph type="dt" sz="half" idx="10"/>
+          <p:cNvPr id="4" name="Date Placeholder 3" hidden="0"/>
+          <p:cNvSpPr>
+            <a:spLocks noGrp="1"/>
+          </p:cNvSpPr>
+          <p:nvPr isPhoto="0" userDrawn="0">
+            <p:ph type="dt" sz="half" idx="10" hasCustomPrompt="0"/>
           </p:nvPr>
         </p:nvSpPr>
         <p:spPr bwMode="auto"/>
@@ -467,7 +442,7 @@
             </a:pPr>
             <a:fld id="{76969C88-B244-455D-A017-012B25B1ACDD}" type="datetimeFigureOut">
               <a:rPr lang="en-US"/>
-              <a:t>5/29/2022</a:t>
+              <a:t/>
             </a:fld>
             <a:endParaRPr lang="en-US"/>
           </a:p>
@@ -475,12 +450,12 @@
       </p:sp>
       <p:sp>
         <p:nvSpPr>
-          <p:cNvPr id="5" name="Footer Placeholder 4"/>
-          <p:cNvSpPr>
-            <a:spLocks noGrp="1"/>
-          </p:cNvSpPr>
-          <p:nvPr>
-            <p:ph type="ftr" sz="quarter" idx="11"/>
+          <p:cNvPr id="5" name="Footer Placeholder 4" hidden="0"/>
+          <p:cNvSpPr>
+            <a:spLocks noGrp="1"/>
+          </p:cNvSpPr>
+          <p:nvPr isPhoto="0" userDrawn="0">
+            <p:ph type="ftr" sz="quarter" idx="11" hasCustomPrompt="0"/>
           </p:nvPr>
         </p:nvSpPr>
         <p:spPr bwMode="auto"/>
@@ -497,12 +472,12 @@
       </p:sp>
       <p:sp>
         <p:nvSpPr>
-          <p:cNvPr id="6" name="Slide Number Placeholder 5"/>
-          <p:cNvSpPr>
-            <a:spLocks noGrp="1"/>
-          </p:cNvSpPr>
-          <p:nvPr>
-            <p:ph type="sldNum" sz="quarter" idx="12"/>
+          <p:cNvPr id="6" name="Slide Number Placeholder 5" hidden="0"/>
+          <p:cNvSpPr>
+            <a:spLocks noGrp="1"/>
+          </p:cNvSpPr>
+          <p:nvPr isPhoto="0" userDrawn="0">
+            <p:ph type="sldNum" sz="quarter" idx="12" hasCustomPrompt="0"/>
           </p:nvPr>
         </p:nvSpPr>
         <p:spPr bwMode="auto"/>
@@ -515,7 +490,7 @@
             </a:pPr>
             <a:fld id="{07CE569E-9B7C-4CB9-AB80-C0841F922CFF}" type="slidenum">
               <a:rPr lang="en-US"/>
-              <a:t>‹nº›</a:t>
+              <a:t/>
             </a:fld>
             <a:endParaRPr lang="en-US"/>
           </a:p>
@@ -530,13 +505,13 @@
 </file>
 
 <file path=ppt/slideLayouts/slideLayout11.xml><?xml version="1.0" encoding="utf-8"?>
-<p:sldLayout xmlns:a="http://schemas.openxmlformats.org/drawingml/2006/main" xmlns:r="http://schemas.openxmlformats.org/officeDocument/2006/relationships" xmlns:p="http://schemas.openxmlformats.org/presentationml/2006/main" showMasterPhAnim="0" type="vertTitleAndTx" preserve="1" userDrawn="1">
+<p:sldLayout xmlns:a="http://schemas.openxmlformats.org/drawingml/2006/main" xmlns:r="http://schemas.openxmlformats.org/officeDocument/2006/relationships" xmlns:p="http://schemas.openxmlformats.org/presentationml/2006/main" xmlns:m="http://schemas.openxmlformats.org/officeDocument/2006/math" xmlns:w="http://schemas.openxmlformats.org/wordprocessingml/2006/main" matchingName="" preserve="1" showMasterPhAnim="0" type="vertTitleAndTx" userDrawn="1">
   <p:cSld name="Vertical Title and Text">
     <p:spTree>
       <p:nvGrpSpPr>
-        <p:cNvPr id="1" name=""/>
+        <p:cNvPr id="1" name="" hidden="0"/>
         <p:cNvGrpSpPr/>
-        <p:nvPr/>
+        <p:nvPr isPhoto="0" userDrawn="0"/>
       </p:nvGrpSpPr>
       <p:grpSpPr bwMode="auto">
         <a:xfrm>
@@ -548,12 +523,12 @@
       </p:grpSpPr>
       <p:sp>
         <p:nvSpPr>
-          <p:cNvPr id="2" name="Vertical Title 1"/>
-          <p:cNvSpPr>
-            <a:spLocks noGrp="1"/>
-          </p:cNvSpPr>
-          <p:nvPr>
-            <p:ph type="title" orient="vert"/>
+          <p:cNvPr id="2" name="Vertical Title 1" hidden="0"/>
+          <p:cNvSpPr>
+            <a:spLocks noGrp="1"/>
+          </p:cNvSpPr>
+          <p:nvPr isPhoto="0" userDrawn="0">
+            <p:ph type="title" orient="vert" hasCustomPrompt="0"/>
           </p:nvPr>
         </p:nvSpPr>
         <p:spPr bwMode="auto">
@@ -579,12 +554,12 @@
       </p:sp>
       <p:sp>
         <p:nvSpPr>
-          <p:cNvPr id="3" name="Vertical Text Placeholder 2"/>
-          <p:cNvSpPr>
-            <a:spLocks noGrp="1"/>
-          </p:cNvSpPr>
-          <p:nvPr>
-            <p:ph type="body" orient="vert" idx="1"/>
+          <p:cNvPr id="3" name="Vertical Text Placeholder 2" hidden="0"/>
+          <p:cNvSpPr>
+            <a:spLocks noGrp="1"/>
+          </p:cNvSpPr>
+          <p:nvPr isPhoto="0" userDrawn="0">
+            <p:ph type="body" orient="vert" idx="1" hasCustomPrompt="0"/>
           </p:nvPr>
         </p:nvSpPr>
         <p:spPr bwMode="auto">
@@ -650,12 +625,12 @@
       </p:sp>
       <p:sp>
         <p:nvSpPr>
-          <p:cNvPr id="4" name="Date Placeholder 3"/>
-          <p:cNvSpPr>
-            <a:spLocks noGrp="1"/>
-          </p:cNvSpPr>
-          <p:nvPr>
-            <p:ph type="dt" sz="half" idx="10"/>
+          <p:cNvPr id="4" name="Date Placeholder 3" hidden="0"/>
+          <p:cNvSpPr>
+            <a:spLocks noGrp="1"/>
+          </p:cNvSpPr>
+          <p:nvPr isPhoto="0" userDrawn="0">
+            <p:ph type="dt" sz="half" idx="10" hasCustomPrompt="0"/>
           </p:nvPr>
         </p:nvSpPr>
         <p:spPr bwMode="auto"/>
@@ -668,7 +643,7 @@
             </a:pPr>
             <a:fld id="{76969C88-B244-455D-A017-012B25B1ACDD}" type="datetimeFigureOut">
               <a:rPr lang="en-US"/>
-              <a:t>5/29/2022</a:t>
+              <a:t/>
             </a:fld>
             <a:endParaRPr lang="en-US"/>
           </a:p>
@@ -676,12 +651,12 @@
       </p:sp>
       <p:sp>
         <p:nvSpPr>
-          <p:cNvPr id="5" name="Footer Placeholder 4"/>
-          <p:cNvSpPr>
-            <a:spLocks noGrp="1"/>
-          </p:cNvSpPr>
-          <p:nvPr>
-            <p:ph type="ftr" sz="quarter" idx="11"/>
+          <p:cNvPr id="5" name="Footer Placeholder 4" hidden="0"/>
+          <p:cNvSpPr>
+            <a:spLocks noGrp="1"/>
+          </p:cNvSpPr>
+          <p:nvPr isPhoto="0" userDrawn="0">
+            <p:ph type="ftr" sz="quarter" idx="11" hasCustomPrompt="0"/>
           </p:nvPr>
         </p:nvSpPr>
         <p:spPr bwMode="auto"/>
@@ -698,12 +673,12 @@
       </p:sp>
       <p:sp>
         <p:nvSpPr>
-          <p:cNvPr id="6" name="Slide Number Placeholder 5"/>
-          <p:cNvSpPr>
-            <a:spLocks noGrp="1"/>
-          </p:cNvSpPr>
-          <p:nvPr>
-            <p:ph type="sldNum" sz="quarter" idx="12"/>
+          <p:cNvPr id="6" name="Slide Number Placeholder 5" hidden="0"/>
+          <p:cNvSpPr>
+            <a:spLocks noGrp="1"/>
+          </p:cNvSpPr>
+          <p:nvPr isPhoto="0" userDrawn="0">
+            <p:ph type="sldNum" sz="quarter" idx="12" hasCustomPrompt="0"/>
           </p:nvPr>
         </p:nvSpPr>
         <p:spPr bwMode="auto"/>
@@ -716,7 +691,7 @@
             </a:pPr>
             <a:fld id="{07CE569E-9B7C-4CB9-AB80-C0841F922CFF}" type="slidenum">
               <a:rPr lang="en-US"/>
-              <a:t>‹nº›</a:t>
+              <a:t/>
             </a:fld>
             <a:endParaRPr lang="en-US"/>
           </a:p>
@@ -731,13 +706,13 @@
 </file>
 
 <file path=ppt/slideLayouts/slideLayout2.xml><?xml version="1.0" encoding="utf-8"?>
-<p:sldLayout xmlns:a="http://schemas.openxmlformats.org/drawingml/2006/main" xmlns:r="http://schemas.openxmlformats.org/officeDocument/2006/relationships" xmlns:p="http://schemas.openxmlformats.org/presentationml/2006/main" showMasterPhAnim="0" type="obj" preserve="1" userDrawn="1">
+<p:sldLayout xmlns:a="http://schemas.openxmlformats.org/drawingml/2006/main" xmlns:r="http://schemas.openxmlformats.org/officeDocument/2006/relationships" xmlns:p="http://schemas.openxmlformats.org/presentationml/2006/main" xmlns:m="http://schemas.openxmlformats.org/officeDocument/2006/math" xmlns:w="http://schemas.openxmlformats.org/wordprocessingml/2006/main" matchingName="" preserve="1" showMasterPhAnim="0" type="obj" userDrawn="1">
   <p:cSld name="Title and Content">
     <p:spTree>
       <p:nvGrpSpPr>
-        <p:cNvPr id="1" name=""/>
+        <p:cNvPr id="1" name="" hidden="0"/>
         <p:cNvGrpSpPr/>
-        <p:nvPr/>
+        <p:nvPr isPhoto="0" userDrawn="0"/>
       </p:nvGrpSpPr>
       <p:grpSpPr bwMode="auto">
         <a:xfrm>
@@ -749,12 +724,12 @@
       </p:grpSpPr>
       <p:sp>
         <p:nvSpPr>
-          <p:cNvPr id="2" name="Title 1"/>
-          <p:cNvSpPr>
-            <a:spLocks noGrp="1"/>
-          </p:cNvSpPr>
-          <p:nvPr>
-            <p:ph type="title"/>
+          <p:cNvPr id="2" name="Title 1" hidden="0"/>
+          <p:cNvSpPr>
+            <a:spLocks noGrp="1"/>
+          </p:cNvSpPr>
+          <p:nvPr isPhoto="0" userDrawn="0">
+            <p:ph type="title" hasCustomPrompt="0"/>
           </p:nvPr>
         </p:nvSpPr>
         <p:spPr bwMode="auto"/>
@@ -769,17 +744,18 @@
               <a:rPr lang="en-US"/>
               <a:t>Click to edit Master title style</a:t>
             </a:r>
-          </a:p>
-        </p:txBody>
-      </p:sp>
-      <p:sp>
-        <p:nvSpPr>
-          <p:cNvPr id="3" name="Content Placeholder 2"/>
-          <p:cNvSpPr>
-            <a:spLocks noGrp="1"/>
-          </p:cNvSpPr>
-          <p:nvPr>
-            <p:ph idx="1"/>
+            <a:endParaRPr/>
+          </a:p>
+        </p:txBody>
+      </p:sp>
+      <p:sp>
+        <p:nvSpPr>
+          <p:cNvPr id="3" name="Content Placeholder 2" hidden="0"/>
+          <p:cNvSpPr>
+            <a:spLocks noGrp="1"/>
+          </p:cNvSpPr>
+          <p:nvPr isPhoto="0" userDrawn="0">
+            <p:ph idx="1" hasCustomPrompt="0"/>
           </p:nvPr>
         </p:nvSpPr>
         <p:spPr bwMode="auto"/>
@@ -840,12 +816,12 @@
       </p:sp>
       <p:sp>
         <p:nvSpPr>
-          <p:cNvPr id="4" name="Date Placeholder 3"/>
-          <p:cNvSpPr>
-            <a:spLocks noGrp="1"/>
-          </p:cNvSpPr>
-          <p:nvPr>
-            <p:ph type="dt" sz="half" idx="10"/>
+          <p:cNvPr id="4" name="Date Placeholder 3" hidden="0"/>
+          <p:cNvSpPr>
+            <a:spLocks noGrp="1"/>
+          </p:cNvSpPr>
+          <p:nvPr isPhoto="0" userDrawn="0">
+            <p:ph type="dt" sz="half" idx="10" hasCustomPrompt="0"/>
           </p:nvPr>
         </p:nvSpPr>
         <p:spPr bwMode="auto"/>
@@ -858,7 +834,7 @@
             </a:pPr>
             <a:fld id="{76969C88-B244-455D-A017-012B25B1ACDD}" type="datetimeFigureOut">
               <a:rPr lang="en-US"/>
-              <a:t>5/29/2022</a:t>
+              <a:t/>
             </a:fld>
             <a:endParaRPr lang="en-US"/>
           </a:p>
@@ -866,12 +842,12 @@
       </p:sp>
       <p:sp>
         <p:nvSpPr>
-          <p:cNvPr id="5" name="Footer Placeholder 4"/>
-          <p:cNvSpPr>
-            <a:spLocks noGrp="1"/>
-          </p:cNvSpPr>
-          <p:nvPr>
-            <p:ph type="ftr" sz="quarter" idx="11"/>
+          <p:cNvPr id="5" name="Footer Placeholder 4" hidden="0"/>
+          <p:cNvSpPr>
+            <a:spLocks noGrp="1"/>
+          </p:cNvSpPr>
+          <p:nvPr isPhoto="0" userDrawn="0">
+            <p:ph type="ftr" sz="quarter" idx="11" hasCustomPrompt="0"/>
           </p:nvPr>
         </p:nvSpPr>
         <p:spPr bwMode="auto"/>
@@ -888,12 +864,12 @@
       </p:sp>
       <p:sp>
         <p:nvSpPr>
-          <p:cNvPr id="6" name="Slide Number Placeholder 5"/>
-          <p:cNvSpPr>
-            <a:spLocks noGrp="1"/>
-          </p:cNvSpPr>
-          <p:nvPr>
-            <p:ph type="sldNum" sz="quarter" idx="12"/>
+          <p:cNvPr id="6" name="Slide Number Placeholder 5" hidden="0"/>
+          <p:cNvSpPr>
+            <a:spLocks noGrp="1"/>
+          </p:cNvSpPr>
+          <p:nvPr isPhoto="0" userDrawn="0">
+            <p:ph type="sldNum" sz="quarter" idx="12" hasCustomPrompt="0"/>
           </p:nvPr>
         </p:nvSpPr>
         <p:spPr bwMode="auto"/>
@@ -906,7 +882,7 @@
             </a:pPr>
             <a:fld id="{07CE569E-9B7C-4CB9-AB80-C0841F922CFF}" type="slidenum">
               <a:rPr lang="en-US"/>
-              <a:t>‹nº›</a:t>
+              <a:t/>
             </a:fld>
             <a:endParaRPr lang="en-US"/>
           </a:p>
@@ -921,13 +897,13 @@
 </file>
 
 <file path=ppt/slideLayouts/slideLayout3.xml><?xml version="1.0" encoding="utf-8"?>
-<p:sldLayout xmlns:a="http://schemas.openxmlformats.org/drawingml/2006/main" xmlns:r="http://schemas.openxmlformats.org/officeDocument/2006/relationships" xmlns:p="http://schemas.openxmlformats.org/presentationml/2006/main" showMasterPhAnim="0" type="secHead" preserve="1" userDrawn="1">
+<p:sldLayout xmlns:a="http://schemas.openxmlformats.org/drawingml/2006/main" xmlns:r="http://schemas.openxmlformats.org/officeDocument/2006/relationships" xmlns:p="http://schemas.openxmlformats.org/presentationml/2006/main" xmlns:m="http://schemas.openxmlformats.org/officeDocument/2006/math" xmlns:w="http://schemas.openxmlformats.org/wordprocessingml/2006/main" matchingName="" preserve="1" showMasterPhAnim="0" type="secHead" userDrawn="1">
   <p:cSld name="Section Header">
     <p:spTree>
       <p:nvGrpSpPr>
-        <p:cNvPr id="1" name=""/>
+        <p:cNvPr id="1" name="" hidden="0"/>
         <p:cNvGrpSpPr/>
-        <p:nvPr/>
+        <p:nvPr isPhoto="0" userDrawn="0"/>
       </p:nvGrpSpPr>
       <p:grpSpPr bwMode="auto">
         <a:xfrm>
@@ -939,12 +915,12 @@
       </p:grpSpPr>
       <p:sp>
         <p:nvSpPr>
-          <p:cNvPr id="2" name="Title 1"/>
-          <p:cNvSpPr>
-            <a:spLocks noGrp="1"/>
-          </p:cNvSpPr>
-          <p:nvPr>
-            <p:ph type="title"/>
+          <p:cNvPr id="2" name="Title 1" hidden="0"/>
+          <p:cNvSpPr>
+            <a:spLocks noGrp="1"/>
+          </p:cNvSpPr>
+          <p:nvPr isPhoto="0" userDrawn="0">
+            <p:ph type="title" hasCustomPrompt="0"/>
           </p:nvPr>
         </p:nvSpPr>
         <p:spPr bwMode="auto">
@@ -974,12 +950,12 @@
       </p:sp>
       <p:sp>
         <p:nvSpPr>
-          <p:cNvPr id="3" name="Text Placeholder 2"/>
-          <p:cNvSpPr>
-            <a:spLocks noGrp="1"/>
-          </p:cNvSpPr>
-          <p:nvPr>
-            <p:ph type="body" idx="1"/>
+          <p:cNvPr id="3" name="Text Placeholder 2" hidden="0"/>
+          <p:cNvSpPr>
+            <a:spLocks noGrp="1"/>
+          </p:cNvSpPr>
+          <p:nvPr isPhoto="0" userDrawn="0">
+            <p:ph type="body" idx="1" hasCustomPrompt="0"/>
           </p:nvPr>
         </p:nvSpPr>
         <p:spPr bwMode="auto">
@@ -1096,12 +1072,12 @@
       </p:sp>
       <p:sp>
         <p:nvSpPr>
-          <p:cNvPr id="4" name="Date Placeholder 3"/>
-          <p:cNvSpPr>
-            <a:spLocks noGrp="1"/>
-          </p:cNvSpPr>
-          <p:nvPr>
-            <p:ph type="dt" sz="half" idx="10"/>
+          <p:cNvPr id="4" name="Date Placeholder 3" hidden="0"/>
+          <p:cNvSpPr>
+            <a:spLocks noGrp="1"/>
+          </p:cNvSpPr>
+          <p:nvPr isPhoto="0" userDrawn="0">
+            <p:ph type="dt" sz="half" idx="10" hasCustomPrompt="0"/>
           </p:nvPr>
         </p:nvSpPr>
         <p:spPr bwMode="auto"/>
@@ -1114,7 +1090,7 @@
             </a:pPr>
             <a:fld id="{76969C88-B244-455D-A017-012B25B1ACDD}" type="datetimeFigureOut">
               <a:rPr lang="en-US"/>
-              <a:t>5/29/2022</a:t>
+              <a:t/>
             </a:fld>
             <a:endParaRPr lang="en-US"/>
           </a:p>
@@ -1122,12 +1098,12 @@
       </p:sp>
       <p:sp>
         <p:nvSpPr>
-          <p:cNvPr id="5" name="Footer Placeholder 4"/>
-          <p:cNvSpPr>
-            <a:spLocks noGrp="1"/>
-          </p:cNvSpPr>
-          <p:nvPr>
-            <p:ph type="ftr" sz="quarter" idx="11"/>
+          <p:cNvPr id="5" name="Footer Placeholder 4" hidden="0"/>
+          <p:cNvSpPr>
+            <a:spLocks noGrp="1"/>
+          </p:cNvSpPr>
+          <p:nvPr isPhoto="0" userDrawn="0">
+            <p:ph type="ftr" sz="quarter" idx="11" hasCustomPrompt="0"/>
           </p:nvPr>
         </p:nvSpPr>
         <p:spPr bwMode="auto"/>
@@ -1144,12 +1120,12 @@
       </p:sp>
       <p:sp>
         <p:nvSpPr>
-          <p:cNvPr id="6" name="Slide Number Placeholder 5"/>
-          <p:cNvSpPr>
-            <a:spLocks noGrp="1"/>
-          </p:cNvSpPr>
-          <p:nvPr>
-            <p:ph type="sldNum" sz="quarter" idx="12"/>
+          <p:cNvPr id="6" name="Slide Number Placeholder 5" hidden="0"/>
+          <p:cNvSpPr>
+            <a:spLocks noGrp="1"/>
+          </p:cNvSpPr>
+          <p:nvPr isPhoto="0" userDrawn="0">
+            <p:ph type="sldNum" sz="quarter" idx="12" hasCustomPrompt="0"/>
           </p:nvPr>
         </p:nvSpPr>
         <p:spPr bwMode="auto"/>
@@ -1162,7 +1138,7 @@
             </a:pPr>
             <a:fld id="{07CE569E-9B7C-4CB9-AB80-C0841F922CFF}" type="slidenum">
               <a:rPr lang="en-US"/>
-              <a:t>‹nº›</a:t>
+              <a:t/>
             </a:fld>
             <a:endParaRPr lang="en-US"/>
           </a:p>
@@ -1177,13 +1153,13 @@
 </file>
 
 <file path=ppt/slideLayouts/slideLayout4.xml><?xml version="1.0" encoding="utf-8"?>
-<p:sldLayout xmlns:a="http://schemas.openxmlformats.org/drawingml/2006/main" xmlns:r="http://schemas.openxmlformats.org/officeDocument/2006/relationships" xmlns:p="http://schemas.openxmlformats.org/presentationml/2006/main" showMasterPhAnim="0" type="twoObj" preserve="1" userDrawn="1">
+<p:sldLayout xmlns:a="http://schemas.openxmlformats.org/drawingml/2006/main" xmlns:r="http://schemas.openxmlformats.org/officeDocument/2006/relationships" xmlns:p="http://schemas.openxmlformats.org/presentationml/2006/main" xmlns:m="http://schemas.openxmlformats.org/officeDocument/2006/math" xmlns:w="http://schemas.openxmlformats.org/wordprocessingml/2006/main" matchingName="" preserve="1" showMasterPhAnim="0" type="twoObj" userDrawn="1">
   <p:cSld name="Two Content">
     <p:spTree>
       <p:nvGrpSpPr>
-        <p:cNvPr id="1" name=""/>
+        <p:cNvPr id="1" name="" hidden="0"/>
         <p:cNvGrpSpPr/>
-        <p:nvPr/>
+        <p:nvPr isPhoto="0" userDrawn="0"/>
       </p:nvGrpSpPr>
       <p:grpSpPr bwMode="auto">
         <a:xfrm>
@@ -1195,12 +1171,12 @@
       </p:grpSpPr>
       <p:sp>
         <p:nvSpPr>
-          <p:cNvPr id="2" name="Title 1"/>
-          <p:cNvSpPr>
-            <a:spLocks noGrp="1"/>
-          </p:cNvSpPr>
-          <p:nvPr>
-            <p:ph type="title"/>
+          <p:cNvPr id="2" name="Title 1" hidden="0"/>
+          <p:cNvSpPr>
+            <a:spLocks noGrp="1"/>
+          </p:cNvSpPr>
+          <p:nvPr isPhoto="0" userDrawn="0">
+            <p:ph type="title" hasCustomPrompt="0"/>
           </p:nvPr>
         </p:nvSpPr>
         <p:spPr bwMode="auto"/>
@@ -1221,12 +1197,12 @@
       </p:sp>
       <p:sp>
         <p:nvSpPr>
-          <p:cNvPr id="3" name="Content Placeholder 2"/>
-          <p:cNvSpPr>
-            <a:spLocks noGrp="1"/>
-          </p:cNvSpPr>
-          <p:nvPr>
-            <p:ph sz="half" idx="1"/>
+          <p:cNvPr id="3" name="Content Placeholder 2" hidden="0"/>
+          <p:cNvSpPr>
+            <a:spLocks noGrp="1"/>
+          </p:cNvSpPr>
+          <p:nvPr isPhoto="0" userDrawn="0">
+            <p:ph sz="half" idx="1" hasCustomPrompt="0"/>
           </p:nvPr>
         </p:nvSpPr>
         <p:spPr bwMode="auto">
@@ -1292,12 +1268,12 @@
       </p:sp>
       <p:sp>
         <p:nvSpPr>
-          <p:cNvPr id="4" name="Content Placeholder 3"/>
-          <p:cNvSpPr>
-            <a:spLocks noGrp="1"/>
-          </p:cNvSpPr>
-          <p:nvPr>
-            <p:ph sz="half" idx="2"/>
+          <p:cNvPr id="4" name="Content Placeholder 3" hidden="0"/>
+          <p:cNvSpPr>
+            <a:spLocks noGrp="1"/>
+          </p:cNvSpPr>
+          <p:nvPr isPhoto="0" userDrawn="0">
+            <p:ph sz="half" idx="2" hasCustomPrompt="0"/>
           </p:nvPr>
         </p:nvSpPr>
         <p:spPr bwMode="auto">
@@ -1363,12 +1339,12 @@
       </p:sp>
       <p:sp>
         <p:nvSpPr>
-          <p:cNvPr id="5" name="Date Placeholder 4"/>
-          <p:cNvSpPr>
-            <a:spLocks noGrp="1"/>
-          </p:cNvSpPr>
-          <p:nvPr>
-            <p:ph type="dt" sz="half" idx="10"/>
+          <p:cNvPr id="5" name="Date Placeholder 4" hidden="0"/>
+          <p:cNvSpPr>
+            <a:spLocks noGrp="1"/>
+          </p:cNvSpPr>
+          <p:nvPr isPhoto="0" userDrawn="0">
+            <p:ph type="dt" sz="half" idx="10" hasCustomPrompt="0"/>
           </p:nvPr>
         </p:nvSpPr>
         <p:spPr bwMode="auto"/>
@@ -1381,7 +1357,7 @@
             </a:pPr>
             <a:fld id="{76969C88-B244-455D-A017-012B25B1ACDD}" type="datetimeFigureOut">
               <a:rPr lang="en-US"/>
-              <a:t>5/29/2022</a:t>
+              <a:t/>
             </a:fld>
             <a:endParaRPr lang="en-US"/>
           </a:p>
@@ -1389,12 +1365,12 @@
       </p:sp>
       <p:sp>
         <p:nvSpPr>
-          <p:cNvPr id="6" name="Footer Placeholder 5"/>
-          <p:cNvSpPr>
-            <a:spLocks noGrp="1"/>
-          </p:cNvSpPr>
-          <p:nvPr>
-            <p:ph type="ftr" sz="quarter" idx="11"/>
+          <p:cNvPr id="6" name="Footer Placeholder 5" hidden="0"/>
+          <p:cNvSpPr>
+            <a:spLocks noGrp="1"/>
+          </p:cNvSpPr>
+          <p:nvPr isPhoto="0" userDrawn="0">
+            <p:ph type="ftr" sz="quarter" idx="11" hasCustomPrompt="0"/>
           </p:nvPr>
         </p:nvSpPr>
         <p:spPr bwMode="auto"/>
@@ -1411,12 +1387,12 @@
       </p:sp>
       <p:sp>
         <p:nvSpPr>
-          <p:cNvPr id="7" name="Slide Number Placeholder 6"/>
-          <p:cNvSpPr>
-            <a:spLocks noGrp="1"/>
-          </p:cNvSpPr>
-          <p:nvPr>
-            <p:ph type="sldNum" sz="quarter" idx="12"/>
+          <p:cNvPr id="7" name="Slide Number Placeholder 6" hidden="0"/>
+          <p:cNvSpPr>
+            <a:spLocks noGrp="1"/>
+          </p:cNvSpPr>
+          <p:nvPr isPhoto="0" userDrawn="0">
+            <p:ph type="sldNum" sz="quarter" idx="12" hasCustomPrompt="0"/>
           </p:nvPr>
         </p:nvSpPr>
         <p:spPr bwMode="auto"/>
@@ -1429,7 +1405,7 @@
             </a:pPr>
             <a:fld id="{07CE569E-9B7C-4CB9-AB80-C0841F922CFF}" type="slidenum">
               <a:rPr lang="en-US"/>
-              <a:t>‹nº›</a:t>
+              <a:t/>
             </a:fld>
             <a:endParaRPr lang="en-US"/>
           </a:p>
@@ -1444,13 +1420,13 @@
 </file>
 
 <file path=ppt/slideLayouts/slideLayout5.xml><?xml version="1.0" encoding="utf-8"?>
-<p:sldLayout xmlns:a="http://schemas.openxmlformats.org/drawingml/2006/main" xmlns:r="http://schemas.openxmlformats.org/officeDocument/2006/relationships" xmlns:p="http://schemas.openxmlformats.org/presentationml/2006/main" showMasterPhAnim="0" preserve="1" userDrawn="1">
+<p:sldLayout xmlns:a="http://schemas.openxmlformats.org/drawingml/2006/main" xmlns:r="http://schemas.openxmlformats.org/officeDocument/2006/relationships" xmlns:p="http://schemas.openxmlformats.org/presentationml/2006/main" xmlns:m="http://schemas.openxmlformats.org/officeDocument/2006/math" xmlns:w="http://schemas.openxmlformats.org/wordprocessingml/2006/main" matchingName="" preserve="1" showMasterPhAnim="0" userDrawn="1">
   <p:cSld name="Comparison">
     <p:spTree>
       <p:nvGrpSpPr>
-        <p:cNvPr id="1" name=""/>
+        <p:cNvPr id="1" name="" hidden="0"/>
         <p:cNvGrpSpPr/>
-        <p:nvPr/>
+        <p:nvPr isPhoto="0" userDrawn="0"/>
       </p:nvGrpSpPr>
       <p:grpSpPr bwMode="auto">
         <a:xfrm>
@@ -1462,12 +1438,12 @@
       </p:grpSpPr>
       <p:sp>
         <p:nvSpPr>
-          <p:cNvPr id="2" name="Title 1"/>
-          <p:cNvSpPr>
-            <a:spLocks noGrp="1"/>
-          </p:cNvSpPr>
-          <p:nvPr>
-            <p:ph type="title"/>
+          <p:cNvPr id="2" name="Title 1" hidden="0"/>
+          <p:cNvSpPr>
+            <a:spLocks noGrp="1"/>
+          </p:cNvSpPr>
+          <p:nvPr isPhoto="0" userDrawn="0">
+            <p:ph type="title" hasCustomPrompt="0"/>
           </p:nvPr>
         </p:nvSpPr>
         <p:spPr bwMode="auto">
@@ -1493,12 +1469,12 @@
       </p:sp>
       <p:sp>
         <p:nvSpPr>
-          <p:cNvPr id="3" name="Text Placeholder 2"/>
-          <p:cNvSpPr>
-            <a:spLocks noGrp="1"/>
-          </p:cNvSpPr>
-          <p:nvPr>
-            <p:ph type="body" idx="1"/>
+          <p:cNvPr id="3" name="Text Placeholder 2" hidden="0"/>
+          <p:cNvSpPr>
+            <a:spLocks noGrp="1"/>
+          </p:cNvSpPr>
+          <p:nvPr isPhoto="0" userDrawn="0">
+            <p:ph type="body" idx="1" hasCustomPrompt="0"/>
           </p:nvPr>
         </p:nvSpPr>
         <p:spPr bwMode="auto">
@@ -1561,12 +1537,12 @@
       </p:sp>
       <p:sp>
         <p:nvSpPr>
-          <p:cNvPr id="4" name="Content Placeholder 3"/>
-          <p:cNvSpPr>
-            <a:spLocks noGrp="1"/>
-          </p:cNvSpPr>
-          <p:nvPr>
-            <p:ph sz="half" idx="2"/>
+          <p:cNvPr id="4" name="Content Placeholder 3" hidden="0"/>
+          <p:cNvSpPr>
+            <a:spLocks noGrp="1"/>
+          </p:cNvSpPr>
+          <p:nvPr isPhoto="0" userDrawn="0">
+            <p:ph sz="half" idx="2" hasCustomPrompt="0"/>
           </p:nvPr>
         </p:nvSpPr>
         <p:spPr bwMode="auto">
@@ -1632,12 +1608,12 @@
       </p:sp>
       <p:sp>
         <p:nvSpPr>
-          <p:cNvPr id="5" name="Text Placeholder 4"/>
-          <p:cNvSpPr>
-            <a:spLocks noGrp="1"/>
-          </p:cNvSpPr>
-          <p:nvPr>
-            <p:ph type="body" sz="quarter" idx="3"/>
+          <p:cNvPr id="5" name="Text Placeholder 4" hidden="0"/>
+          <p:cNvSpPr>
+            <a:spLocks noGrp="1"/>
+          </p:cNvSpPr>
+          <p:nvPr isPhoto="0" userDrawn="0">
+            <p:ph type="body" sz="quarter" idx="3" hasCustomPrompt="0"/>
           </p:nvPr>
         </p:nvSpPr>
         <p:spPr bwMode="auto">
@@ -1700,12 +1676,12 @@
       </p:sp>
       <p:sp>
         <p:nvSpPr>
-          <p:cNvPr id="6" name="Content Placeholder 5"/>
-          <p:cNvSpPr>
-            <a:spLocks noGrp="1"/>
-          </p:cNvSpPr>
-          <p:nvPr>
-            <p:ph sz="quarter" idx="4"/>
+          <p:cNvPr id="6" name="Content Placeholder 5" hidden="0"/>
+          <p:cNvSpPr>
+            <a:spLocks noGrp="1"/>
+          </p:cNvSpPr>
+          <p:nvPr isPhoto="0" userDrawn="0">
+            <p:ph sz="quarter" idx="4" hasCustomPrompt="0"/>
           </p:nvPr>
         </p:nvSpPr>
         <p:spPr bwMode="auto">
@@ -1771,12 +1747,12 @@
       </p:sp>
       <p:sp>
         <p:nvSpPr>
-          <p:cNvPr id="7" name="Date Placeholder 6"/>
-          <p:cNvSpPr>
-            <a:spLocks noGrp="1"/>
-          </p:cNvSpPr>
-          <p:nvPr>
-            <p:ph type="dt" sz="half" idx="10"/>
+          <p:cNvPr id="7" name="Date Placeholder 6" hidden="0"/>
+          <p:cNvSpPr>
+            <a:spLocks noGrp="1"/>
+          </p:cNvSpPr>
+          <p:nvPr isPhoto="0" userDrawn="0">
+            <p:ph type="dt" sz="half" idx="10" hasCustomPrompt="0"/>
           </p:nvPr>
         </p:nvSpPr>
         <p:spPr bwMode="auto"/>
@@ -1789,7 +1765,7 @@
             </a:pPr>
             <a:fld id="{76969C88-B244-455D-A017-012B25B1ACDD}" type="datetimeFigureOut">
               <a:rPr lang="en-US"/>
-              <a:t>5/29/2022</a:t>
+              <a:t/>
             </a:fld>
             <a:endParaRPr lang="en-US"/>
           </a:p>
@@ -1797,12 +1773,12 @@
       </p:sp>
       <p:sp>
         <p:nvSpPr>
-          <p:cNvPr id="8" name="Footer Placeholder 7"/>
-          <p:cNvSpPr>
-            <a:spLocks noGrp="1"/>
-          </p:cNvSpPr>
-          <p:nvPr>
-            <p:ph type="ftr" sz="quarter" idx="11"/>
+          <p:cNvPr id="8" name="Footer Placeholder 7" hidden="0"/>
+          <p:cNvSpPr>
+            <a:spLocks noGrp="1"/>
+          </p:cNvSpPr>
+          <p:nvPr isPhoto="0" userDrawn="0">
+            <p:ph type="ftr" sz="quarter" idx="11" hasCustomPrompt="0"/>
           </p:nvPr>
         </p:nvSpPr>
         <p:spPr bwMode="auto"/>
@@ -1819,12 +1795,12 @@
       </p:sp>
       <p:sp>
         <p:nvSpPr>
-          <p:cNvPr id="9" name="Slide Number Placeholder 8"/>
-          <p:cNvSpPr>
-            <a:spLocks noGrp="1"/>
-          </p:cNvSpPr>
-          <p:nvPr>
-            <p:ph type="sldNum" sz="quarter" idx="12"/>
+          <p:cNvPr id="9" name="Slide Number Placeholder 8" hidden="0"/>
+          <p:cNvSpPr>
+            <a:spLocks noGrp="1"/>
+          </p:cNvSpPr>
+          <p:nvPr isPhoto="0" userDrawn="0">
+            <p:ph type="sldNum" sz="quarter" idx="12" hasCustomPrompt="0"/>
           </p:nvPr>
         </p:nvSpPr>
         <p:spPr bwMode="auto"/>
@@ -1837,7 +1813,7 @@
             </a:pPr>
             <a:fld id="{07CE569E-9B7C-4CB9-AB80-C0841F922CFF}" type="slidenum">
               <a:rPr lang="en-US"/>
-              <a:t>‹nº›</a:t>
+              <a:t/>
             </a:fld>
             <a:endParaRPr lang="en-US"/>
           </a:p>
@@ -1852,13 +1828,13 @@
 </file>
 
 <file path=ppt/slideLayouts/slideLayout6.xml><?xml version="1.0" encoding="utf-8"?>
-<p:sldLayout xmlns:a="http://schemas.openxmlformats.org/drawingml/2006/main" xmlns:r="http://schemas.openxmlformats.org/officeDocument/2006/relationships" xmlns:p="http://schemas.openxmlformats.org/presentationml/2006/main" showMasterPhAnim="0" type="titleOnly" preserve="1" userDrawn="1">
+<p:sldLayout xmlns:a="http://schemas.openxmlformats.org/drawingml/2006/main" xmlns:r="http://schemas.openxmlformats.org/officeDocument/2006/relationships" xmlns:p="http://schemas.openxmlformats.org/presentationml/2006/main" xmlns:m="http://schemas.openxmlformats.org/officeDocument/2006/math" xmlns:w="http://schemas.openxmlformats.org/wordprocessingml/2006/main" matchingName="" preserve="1" showMasterPhAnim="0" type="titleOnly" userDrawn="1">
   <p:cSld name="Title Only">
     <p:spTree>
       <p:nvGrpSpPr>
-        <p:cNvPr id="1" name=""/>
+        <p:cNvPr id="1" name="" hidden="0"/>
         <p:cNvGrpSpPr/>
-        <p:nvPr/>
+        <p:nvPr isPhoto="0" userDrawn="0"/>
       </p:nvGrpSpPr>
       <p:grpSpPr bwMode="auto">
         <a:xfrm>
@@ -1870,12 +1846,12 @@
       </p:grpSpPr>
       <p:sp>
         <p:nvSpPr>
-          <p:cNvPr id="2" name="Title 1"/>
-          <p:cNvSpPr>
-            <a:spLocks noGrp="1"/>
-          </p:cNvSpPr>
-          <p:nvPr>
-            <p:ph type="title"/>
+          <p:cNvPr id="2" name="Title 1" hidden="0"/>
+          <p:cNvSpPr>
+            <a:spLocks noGrp="1"/>
+          </p:cNvSpPr>
+          <p:nvPr isPhoto="0" userDrawn="0">
+            <p:ph type="title" hasCustomPrompt="0"/>
           </p:nvPr>
         </p:nvSpPr>
         <p:spPr bwMode="auto"/>
@@ -1896,12 +1872,12 @@
       </p:sp>
       <p:sp>
         <p:nvSpPr>
-          <p:cNvPr id="3" name="Date Placeholder 2"/>
-          <p:cNvSpPr>
-            <a:spLocks noGrp="1"/>
-          </p:cNvSpPr>
-          <p:nvPr>
-            <p:ph type="dt" sz="half" idx="10"/>
+          <p:cNvPr id="3" name="Date Placeholder 2" hidden="0"/>
+          <p:cNvSpPr>
+            <a:spLocks noGrp="1"/>
+          </p:cNvSpPr>
+          <p:nvPr isPhoto="0" userDrawn="0">
+            <p:ph type="dt" sz="half" idx="10" hasCustomPrompt="0"/>
           </p:nvPr>
         </p:nvSpPr>
         <p:spPr bwMode="auto"/>
@@ -1914,7 +1890,7 @@
             </a:pPr>
             <a:fld id="{76969C88-B244-455D-A017-012B25B1ACDD}" type="datetimeFigureOut">
               <a:rPr lang="en-US"/>
-              <a:t>5/29/2022</a:t>
+              <a:t/>
             </a:fld>
             <a:endParaRPr lang="en-US"/>
           </a:p>
@@ -1922,12 +1898,12 @@
       </p:sp>
       <p:sp>
         <p:nvSpPr>
-          <p:cNvPr id="4" name="Footer Placeholder 3"/>
-          <p:cNvSpPr>
-            <a:spLocks noGrp="1"/>
-          </p:cNvSpPr>
-          <p:nvPr>
-            <p:ph type="ftr" sz="quarter" idx="11"/>
+          <p:cNvPr id="4" name="Footer Placeholder 3" hidden="0"/>
+          <p:cNvSpPr>
+            <a:spLocks noGrp="1"/>
+          </p:cNvSpPr>
+          <p:nvPr isPhoto="0" userDrawn="0">
+            <p:ph type="ftr" sz="quarter" idx="11" hasCustomPrompt="0"/>
           </p:nvPr>
         </p:nvSpPr>
         <p:spPr bwMode="auto"/>
@@ -1944,12 +1920,12 @@
       </p:sp>
       <p:sp>
         <p:nvSpPr>
-          <p:cNvPr id="5" name="Slide Number Placeholder 4"/>
-          <p:cNvSpPr>
-            <a:spLocks noGrp="1"/>
-          </p:cNvSpPr>
-          <p:nvPr>
-            <p:ph type="sldNum" sz="quarter" idx="12"/>
+          <p:cNvPr id="5" name="Slide Number Placeholder 4" hidden="0"/>
+          <p:cNvSpPr>
+            <a:spLocks noGrp="1"/>
+          </p:cNvSpPr>
+          <p:nvPr isPhoto="0" userDrawn="0">
+            <p:ph type="sldNum" sz="quarter" idx="12" hasCustomPrompt="0"/>
           </p:nvPr>
         </p:nvSpPr>
         <p:spPr bwMode="auto"/>
@@ -1962,7 +1938,7 @@
             </a:pPr>
             <a:fld id="{07CE569E-9B7C-4CB9-AB80-C0841F922CFF}" type="slidenum">
               <a:rPr lang="en-US"/>
-              <a:t>‹nº›</a:t>
+              <a:t/>
             </a:fld>
             <a:endParaRPr lang="en-US"/>
           </a:p>
@@ -1977,13 +1953,13 @@
 </file>
 
 <file path=ppt/slideLayouts/slideLayout7.xml><?xml version="1.0" encoding="utf-8"?>
-<p:sldLayout xmlns:a="http://schemas.openxmlformats.org/drawingml/2006/main" xmlns:r="http://schemas.openxmlformats.org/officeDocument/2006/relationships" xmlns:p="http://schemas.openxmlformats.org/presentationml/2006/main" showMasterPhAnim="0" type="blank" preserve="1" userDrawn="1">
+<p:sldLayout xmlns:a="http://schemas.openxmlformats.org/drawingml/2006/main" xmlns:r="http://schemas.openxmlformats.org/officeDocument/2006/relationships" xmlns:p="http://schemas.openxmlformats.org/presentationml/2006/main" xmlns:m="http://schemas.openxmlformats.org/officeDocument/2006/math" xmlns:w="http://schemas.openxmlformats.org/wordprocessingml/2006/main" matchingName="" preserve="1" showMasterPhAnim="0" type="blank" userDrawn="1">
   <p:cSld name="Blank">
     <p:spTree>
       <p:nvGrpSpPr>
-        <p:cNvPr id="1" name=""/>
+        <p:cNvPr id="1" name="" hidden="0"/>
         <p:cNvGrpSpPr/>
-        <p:nvPr/>
+        <p:nvPr isPhoto="0" userDrawn="0"/>
       </p:nvGrpSpPr>
       <p:grpSpPr bwMode="auto">
         <a:xfrm>
@@ -1995,12 +1971,12 @@
       </p:grpSpPr>
       <p:sp>
         <p:nvSpPr>
-          <p:cNvPr id="2" name="Date Placeholder 1"/>
-          <p:cNvSpPr>
-            <a:spLocks noGrp="1"/>
-          </p:cNvSpPr>
-          <p:nvPr>
-            <p:ph type="dt" sz="half" idx="10"/>
+          <p:cNvPr id="2" name="Date Placeholder 1" hidden="0"/>
+          <p:cNvSpPr>
+            <a:spLocks noGrp="1"/>
+          </p:cNvSpPr>
+          <p:nvPr isPhoto="0" userDrawn="0">
+            <p:ph type="dt" sz="half" idx="10" hasCustomPrompt="0"/>
           </p:nvPr>
         </p:nvSpPr>
         <p:spPr bwMode="auto"/>
@@ -2013,7 +1989,7 @@
             </a:pPr>
             <a:fld id="{76969C88-B244-455D-A017-012B25B1ACDD}" type="datetimeFigureOut">
               <a:rPr lang="en-US"/>
-              <a:t>5/29/2022</a:t>
+              <a:t/>
             </a:fld>
             <a:endParaRPr lang="en-US"/>
           </a:p>
@@ -2021,12 +1997,12 @@
       </p:sp>
       <p:sp>
         <p:nvSpPr>
-          <p:cNvPr id="3" name="Footer Placeholder 2"/>
-          <p:cNvSpPr>
-            <a:spLocks noGrp="1"/>
-          </p:cNvSpPr>
-          <p:nvPr>
-            <p:ph type="ftr" sz="quarter" idx="11"/>
+          <p:cNvPr id="3" name="Footer Placeholder 2" hidden="0"/>
+          <p:cNvSpPr>
+            <a:spLocks noGrp="1"/>
+          </p:cNvSpPr>
+          <p:nvPr isPhoto="0" userDrawn="0">
+            <p:ph type="ftr" sz="quarter" idx="11" hasCustomPrompt="0"/>
           </p:nvPr>
         </p:nvSpPr>
         <p:spPr bwMode="auto"/>
@@ -2043,12 +2019,12 @@
       </p:sp>
       <p:sp>
         <p:nvSpPr>
-          <p:cNvPr id="4" name="Slide Number Placeholder 3"/>
-          <p:cNvSpPr>
-            <a:spLocks noGrp="1"/>
-          </p:cNvSpPr>
-          <p:nvPr>
-            <p:ph type="sldNum" sz="quarter" idx="12"/>
+          <p:cNvPr id="4" name="Slide Number Placeholder 3" hidden="0"/>
+          <p:cNvSpPr>
+            <a:spLocks noGrp="1"/>
+          </p:cNvSpPr>
+          <p:nvPr isPhoto="0" userDrawn="0">
+            <p:ph type="sldNum" sz="quarter" idx="12" hasCustomPrompt="0"/>
           </p:nvPr>
         </p:nvSpPr>
         <p:spPr bwMode="auto"/>
@@ -2061,7 +2037,7 @@
             </a:pPr>
             <a:fld id="{07CE569E-9B7C-4CB9-AB80-C0841F922CFF}" type="slidenum">
               <a:rPr lang="en-US"/>
-              <a:t>‹nº›</a:t>
+              <a:t/>
             </a:fld>
             <a:endParaRPr lang="en-US"/>
           </a:p>
@@ -2076,13 +2052,13 @@
 </file>
 
 <file path=ppt/slideLayouts/slideLayout8.xml><?xml version="1.0" encoding="utf-8"?>
-<p:sldLayout xmlns:a="http://schemas.openxmlformats.org/drawingml/2006/main" xmlns:r="http://schemas.openxmlformats.org/officeDocument/2006/relationships" xmlns:p="http://schemas.openxmlformats.org/presentationml/2006/main" showMasterPhAnim="0" type="objTx" preserve="1" userDrawn="1">
+<p:sldLayout xmlns:a="http://schemas.openxmlformats.org/drawingml/2006/main" xmlns:r="http://schemas.openxmlformats.org/officeDocument/2006/relationships" xmlns:p="http://schemas.openxmlformats.org/presentationml/2006/main" xmlns:m="http://schemas.openxmlformats.org/officeDocument/2006/math" xmlns:w="http://schemas.openxmlformats.org/wordprocessingml/2006/main" matchingName="" preserve="1" showMasterPhAnim="0" type="objTx" userDrawn="1">
   <p:cSld name="Content with Caption">
     <p:spTree>
       <p:nvGrpSpPr>
-        <p:cNvPr id="1" name=""/>
+        <p:cNvPr id="1" name="" hidden="0"/>
         <p:cNvGrpSpPr/>
-        <p:nvPr/>
+        <p:nvPr isPhoto="0" userDrawn="0"/>
       </p:nvGrpSpPr>
       <p:grpSpPr bwMode="auto">
         <a:xfrm>
@@ -2094,12 +2070,12 @@
       </p:grpSpPr>
       <p:sp>
         <p:nvSpPr>
-          <p:cNvPr id="2" name="Title 1"/>
-          <p:cNvSpPr>
-            <a:spLocks noGrp="1"/>
-          </p:cNvSpPr>
-          <p:nvPr>
-            <p:ph type="title"/>
+          <p:cNvPr id="2" name="Title 1" hidden="0"/>
+          <p:cNvSpPr>
+            <a:spLocks noGrp="1"/>
+          </p:cNvSpPr>
+          <p:nvPr isPhoto="0" userDrawn="0">
+            <p:ph type="title" hasCustomPrompt="0"/>
           </p:nvPr>
         </p:nvSpPr>
         <p:spPr bwMode="auto">
@@ -2123,17 +2099,18 @@
               <a:rPr lang="en-US"/>
               <a:t>Click to edit Master title style</a:t>
             </a:r>
-          </a:p>
-        </p:txBody>
-      </p:sp>
-      <p:sp>
-        <p:nvSpPr>
-          <p:cNvPr id="3" name="Content Placeholder 2"/>
-          <p:cNvSpPr>
-            <a:spLocks noGrp="1"/>
-          </p:cNvSpPr>
-          <p:nvPr>
-            <p:ph idx="1"/>
+            <a:endParaRPr/>
+          </a:p>
+        </p:txBody>
+      </p:sp>
+      <p:sp>
+        <p:nvSpPr>
+          <p:cNvPr id="3" name="Content Placeholder 2" hidden="0"/>
+          <p:cNvSpPr>
+            <a:spLocks noGrp="1"/>
+          </p:cNvSpPr>
+          <p:nvPr isPhoto="0" userDrawn="0">
+            <p:ph idx="1" hasCustomPrompt="0"/>
           </p:nvPr>
         </p:nvSpPr>
         <p:spPr bwMode="auto">
@@ -2227,12 +2204,12 @@
       </p:sp>
       <p:sp>
         <p:nvSpPr>
-          <p:cNvPr id="4" name="Text Placeholder 3"/>
-          <p:cNvSpPr>
-            <a:spLocks noGrp="1"/>
-          </p:cNvSpPr>
-          <p:nvPr>
-            <p:ph type="body" sz="half" idx="2"/>
+          <p:cNvPr id="4" name="Text Placeholder 3" hidden="0"/>
+          <p:cNvSpPr>
+            <a:spLocks noGrp="1"/>
+          </p:cNvSpPr>
+          <p:nvPr isPhoto="0" userDrawn="0">
+            <p:ph type="body" sz="half" idx="2" hasCustomPrompt="0"/>
           </p:nvPr>
         </p:nvSpPr>
         <p:spPr bwMode="auto">
@@ -2295,12 +2272,12 @@
       </p:sp>
       <p:sp>
         <p:nvSpPr>
-          <p:cNvPr id="5" name="Date Placeholder 4"/>
-          <p:cNvSpPr>
-            <a:spLocks noGrp="1"/>
-          </p:cNvSpPr>
-          <p:nvPr>
-            <p:ph type="dt" sz="half" idx="10"/>
+          <p:cNvPr id="5" name="Date Placeholder 4" hidden="0"/>
+          <p:cNvSpPr>
+            <a:spLocks noGrp="1"/>
+          </p:cNvSpPr>
+          <p:nvPr isPhoto="0" userDrawn="0">
+            <p:ph type="dt" sz="half" idx="10" hasCustomPrompt="0"/>
           </p:nvPr>
         </p:nvSpPr>
         <p:spPr bwMode="auto"/>
@@ -2313,7 +2290,7 @@
             </a:pPr>
             <a:fld id="{76969C88-B244-455D-A017-012B25B1ACDD}" type="datetimeFigureOut">
               <a:rPr lang="en-US"/>
-              <a:t>5/29/2022</a:t>
+              <a:t/>
             </a:fld>
             <a:endParaRPr lang="en-US"/>
           </a:p>
@@ -2321,12 +2298,12 @@
       </p:sp>
       <p:sp>
         <p:nvSpPr>
-          <p:cNvPr id="6" name="Footer Placeholder 5"/>
-          <p:cNvSpPr>
-            <a:spLocks noGrp="1"/>
-          </p:cNvSpPr>
-          <p:nvPr>
-            <p:ph type="ftr" sz="quarter" idx="11"/>
+          <p:cNvPr id="6" name="Footer Placeholder 5" hidden="0"/>
+          <p:cNvSpPr>
+            <a:spLocks noGrp="1"/>
+          </p:cNvSpPr>
+          <p:nvPr isPhoto="0" userDrawn="0">
+            <p:ph type="ftr" sz="quarter" idx="11" hasCustomPrompt="0"/>
           </p:nvPr>
         </p:nvSpPr>
         <p:spPr bwMode="auto"/>
@@ -2343,12 +2320,12 @@
       </p:sp>
       <p:sp>
         <p:nvSpPr>
-          <p:cNvPr id="7" name="Slide Number Placeholder 6"/>
-          <p:cNvSpPr>
-            <a:spLocks noGrp="1"/>
-          </p:cNvSpPr>
-          <p:nvPr>
-            <p:ph type="sldNum" sz="quarter" idx="12"/>
+          <p:cNvPr id="7" name="Slide Number Placeholder 6" hidden="0"/>
+          <p:cNvSpPr>
+            <a:spLocks noGrp="1"/>
+          </p:cNvSpPr>
+          <p:nvPr isPhoto="0" userDrawn="0">
+            <p:ph type="sldNum" sz="quarter" idx="12" hasCustomPrompt="0"/>
           </p:nvPr>
         </p:nvSpPr>
         <p:spPr bwMode="auto"/>
@@ -2361,7 +2338,7 @@
             </a:pPr>
             <a:fld id="{07CE569E-9B7C-4CB9-AB80-C0841F922CFF}" type="slidenum">
               <a:rPr lang="en-US"/>
-              <a:t>‹nº›</a:t>
+              <a:t/>
             </a:fld>
             <a:endParaRPr lang="en-US"/>
           </a:p>
@@ -2376,13 +2353,13 @@
 </file>
 
 <file path=ppt/slideLayouts/slideLayout9.xml><?xml version="1.0" encoding="utf-8"?>
-<p:sldLayout xmlns:a="http://schemas.openxmlformats.org/drawingml/2006/main" xmlns:r="http://schemas.openxmlformats.org/officeDocument/2006/relationships" xmlns:p="http://schemas.openxmlformats.org/presentationml/2006/main" showMasterPhAnim="0" type="picTx" preserve="1" userDrawn="1">
+<p:sldLayout xmlns:a="http://schemas.openxmlformats.org/drawingml/2006/main" xmlns:r="http://schemas.openxmlformats.org/officeDocument/2006/relationships" xmlns:p="http://schemas.openxmlformats.org/presentationml/2006/main" xmlns:m="http://schemas.openxmlformats.org/officeDocument/2006/math" xmlns:w="http://schemas.openxmlformats.org/wordprocessingml/2006/main" matchingName="" preserve="1" showMasterPhAnim="0" type="picTx" userDrawn="1">
   <p:cSld name="Picture with Caption">
     <p:spTree>
       <p:nvGrpSpPr>
-        <p:cNvPr id="1" name=""/>
+        <p:cNvPr id="1" name="" hidden="0"/>
         <p:cNvGrpSpPr/>
-        <p:nvPr/>
+        <p:nvPr isPhoto="0" userDrawn="0"/>
       </p:nvGrpSpPr>
       <p:grpSpPr bwMode="auto">
         <a:xfrm>
@@ -2394,12 +2371,12 @@
       </p:grpSpPr>
       <p:sp>
         <p:nvSpPr>
-          <p:cNvPr id="2" name="Title 1"/>
-          <p:cNvSpPr>
-            <a:spLocks noGrp="1"/>
-          </p:cNvSpPr>
-          <p:nvPr>
-            <p:ph type="title"/>
+          <p:cNvPr id="2" name="Title 1" hidden="0"/>
+          <p:cNvSpPr>
+            <a:spLocks noGrp="1"/>
+          </p:cNvSpPr>
+          <p:nvPr isPhoto="0" userDrawn="0">
+            <p:ph type="title" hasCustomPrompt="0"/>
           </p:nvPr>
         </p:nvSpPr>
         <p:spPr bwMode="auto">
@@ -2429,12 +2406,12 @@
       </p:sp>
       <p:sp>
         <p:nvSpPr>
-          <p:cNvPr id="3" name="Picture Placeholder 2"/>
-          <p:cNvSpPr>
-            <a:spLocks noGrp="1"/>
-          </p:cNvSpPr>
-          <p:nvPr>
-            <p:ph type="pic" idx="1"/>
+          <p:cNvPr id="3" name="Picture Placeholder 2" hidden="0"/>
+          <p:cNvSpPr>
+            <a:spLocks noGrp="1"/>
+          </p:cNvSpPr>
+          <p:nvPr isPhoto="0" userDrawn="0">
+            <p:ph type="pic" idx="1" hasCustomPrompt="0"/>
           </p:nvPr>
         </p:nvSpPr>
         <p:spPr bwMode="auto">
@@ -2497,12 +2474,12 @@
       </p:sp>
       <p:sp>
         <p:nvSpPr>
-          <p:cNvPr id="4" name="Text Placeholder 3"/>
-          <p:cNvSpPr>
-            <a:spLocks noGrp="1"/>
-          </p:cNvSpPr>
-          <p:nvPr>
-            <p:ph type="body" sz="half" idx="2"/>
+          <p:cNvPr id="4" name="Text Placeholder 3" hidden="0"/>
+          <p:cNvSpPr>
+            <a:spLocks noGrp="1"/>
+          </p:cNvSpPr>
+          <p:nvPr isPhoto="0" userDrawn="0">
+            <p:ph type="body" sz="half" idx="2" hasCustomPrompt="0"/>
           </p:nvPr>
         </p:nvSpPr>
         <p:spPr bwMode="auto">
@@ -2565,12 +2542,12 @@
       </p:sp>
       <p:sp>
         <p:nvSpPr>
-          <p:cNvPr id="5" name="Date Placeholder 4"/>
-          <p:cNvSpPr>
-            <a:spLocks noGrp="1"/>
-          </p:cNvSpPr>
-          <p:nvPr>
-            <p:ph type="dt" sz="half" idx="10"/>
+          <p:cNvPr id="5" name="Date Placeholder 4" hidden="0"/>
+          <p:cNvSpPr>
+            <a:spLocks noGrp="1"/>
+          </p:cNvSpPr>
+          <p:nvPr isPhoto="0" userDrawn="0">
+            <p:ph type="dt" sz="half" idx="10" hasCustomPrompt="0"/>
           </p:nvPr>
         </p:nvSpPr>
         <p:spPr bwMode="auto"/>
@@ -2583,7 +2560,7 @@
             </a:pPr>
             <a:fld id="{76969C88-B244-455D-A017-012B25B1ACDD}" type="datetimeFigureOut">
               <a:rPr lang="en-US"/>
-              <a:t>5/29/2022</a:t>
+              <a:t/>
             </a:fld>
             <a:endParaRPr lang="en-US"/>
           </a:p>
@@ -2591,12 +2568,12 @@
       </p:sp>
       <p:sp>
         <p:nvSpPr>
-          <p:cNvPr id="6" name="Footer Placeholder 5"/>
-          <p:cNvSpPr>
-            <a:spLocks noGrp="1"/>
-          </p:cNvSpPr>
-          <p:nvPr>
-            <p:ph type="ftr" sz="quarter" idx="11"/>
+          <p:cNvPr id="6" name="Footer Placeholder 5" hidden="0"/>
+          <p:cNvSpPr>
+            <a:spLocks noGrp="1"/>
+          </p:cNvSpPr>
+          <p:nvPr isPhoto="0" userDrawn="0">
+            <p:ph type="ftr" sz="quarter" idx="11" hasCustomPrompt="0"/>
           </p:nvPr>
         </p:nvSpPr>
         <p:spPr bwMode="auto"/>
@@ -2613,12 +2590,12 @@
       </p:sp>
       <p:sp>
         <p:nvSpPr>
-          <p:cNvPr id="7" name="Slide Number Placeholder 6"/>
-          <p:cNvSpPr>
-            <a:spLocks noGrp="1"/>
-          </p:cNvSpPr>
-          <p:nvPr>
-            <p:ph type="sldNum" sz="quarter" idx="12"/>
+          <p:cNvPr id="7" name="Slide Number Placeholder 6" hidden="0"/>
+          <p:cNvSpPr>
+            <a:spLocks noGrp="1"/>
+          </p:cNvSpPr>
+          <p:nvPr isPhoto="0" userDrawn="0">
+            <p:ph type="sldNum" sz="quarter" idx="12" hasCustomPrompt="0"/>
           </p:nvPr>
         </p:nvSpPr>
         <p:spPr bwMode="auto"/>
@@ -2631,7 +2608,7 @@
             </a:pPr>
             <a:fld id="{07CE569E-9B7C-4CB9-AB80-C0841F922CFF}" type="slidenum">
               <a:rPr lang="en-US"/>
-              <a:t>‹nº›</a:t>
+              <a:t/>
             </a:fld>
             <a:endParaRPr lang="en-US"/>
           </a:p>
@@ -2646,8 +2623,8 @@
 </file>
 
 <file path=ppt/slideMasters/slideMaster1.xml><?xml version="1.0" encoding="utf-8"?>
-<p:sldMaster xmlns:a="http://schemas.openxmlformats.org/drawingml/2006/main" xmlns:r="http://schemas.openxmlformats.org/officeDocument/2006/relationships" xmlns:p="http://schemas.openxmlformats.org/presentationml/2006/main">
-  <p:cSld>
+<p:sldMaster xmlns:a="http://schemas.openxmlformats.org/drawingml/2006/main" xmlns:r="http://schemas.openxmlformats.org/officeDocument/2006/relationships" xmlns:p="http://schemas.openxmlformats.org/presentationml/2006/main" xmlns:m="http://schemas.openxmlformats.org/officeDocument/2006/math" xmlns:w="http://schemas.openxmlformats.org/wordprocessingml/2006/main" preserve="0">
+  <p:cSld name="">
     <p:bg>
       <p:bgRef idx="1001">
         <a:schemeClr val="bg2"/>
@@ -2655,9 +2632,9 @@
     </p:bg>
     <p:spTree>
       <p:nvGrpSpPr>
-        <p:cNvPr id="1" name=""/>
+        <p:cNvPr id="1" name="" hidden="0"/>
         <p:cNvGrpSpPr/>
-        <p:nvPr/>
+        <p:nvPr isPhoto="0" userDrawn="0"/>
       </p:nvGrpSpPr>
       <p:grpSpPr bwMode="auto">
         <a:xfrm>
@@ -2669,9 +2646,9 @@
       </p:grpSpPr>
       <p:sp>
         <p:nvSpPr>
-          <p:cNvPr id="8" name="Freeform: Shape 7"/>
+          <p:cNvPr id="8" name="Freeform: Shape 7" hidden="0"/>
           <p:cNvSpPr/>
-          <p:nvPr/>
+          <p:nvPr isPhoto="0" userDrawn="0"/>
         </p:nvSpPr>
         <p:spPr bwMode="auto">
           <a:xfrm>
@@ -2737,7 +2714,7 @@
             </a:cxnLst>
             <a:rect l="l" t="t" r="r" b="b"/>
             <a:pathLst>
-              <a:path w="4034156" h="613164" extrusionOk="0">
+              <a:path w="4034156" h="613164" fill="norm" stroke="1" extrusionOk="0">
                 <a:moveTo>
                   <a:pt x="1479137" y="230"/>
                 </a:moveTo>
@@ -2843,9 +2820,9 @@
       </p:sp>
       <p:sp>
         <p:nvSpPr>
-          <p:cNvPr id="11" name="Freeform: Shape 10"/>
+          <p:cNvPr id="11" name="Freeform: Shape 10" hidden="0"/>
           <p:cNvSpPr/>
-          <p:nvPr/>
+          <p:nvPr isPhoto="0" userDrawn="0"/>
         </p:nvSpPr>
         <p:spPr bwMode="auto">
           <a:xfrm>
@@ -2891,7 +2868,7 @@
             </a:cxnLst>
             <a:rect l="l" t="t" r="r" b="b"/>
             <a:pathLst>
-              <a:path w="448491" h="1634252" extrusionOk="0">
+              <a:path w="448491" h="1634252" fill="norm" stroke="1" extrusionOk="0">
                 <a:moveTo>
                   <a:pt x="0" y="0"/>
                 </a:moveTo>
@@ -2963,9 +2940,9 @@
       </p:sp>
       <p:sp>
         <p:nvSpPr>
-          <p:cNvPr id="12" name="Freeform: Shape 11"/>
+          <p:cNvPr id="12" name="Freeform: Shape 11" hidden="0"/>
           <p:cNvSpPr/>
-          <p:nvPr/>
+          <p:nvPr isPhoto="0" userDrawn="0"/>
         </p:nvSpPr>
         <p:spPr bwMode="auto">
           <a:xfrm>
@@ -3064,7 +3041,7 @@
             </a:cxnLst>
             <a:rect l="l" t="t" r="r" b="b"/>
             <a:pathLst>
-              <a:path w="4418271" h="718159" extrusionOk="0">
+              <a:path w="4418271" h="718159" fill="norm" stroke="1" extrusionOk="0">
                 <a:moveTo>
                   <a:pt x="0" y="713930"/>
                 </a:moveTo>
@@ -3156,12 +3133,12 @@
       </p:sp>
       <p:sp>
         <p:nvSpPr>
-          <p:cNvPr id="2" name="Title Placeholder 1"/>
-          <p:cNvSpPr>
-            <a:spLocks noGrp="1"/>
-          </p:cNvSpPr>
-          <p:nvPr>
-            <p:ph type="title"/>
+          <p:cNvPr id="2" name="Title Placeholder 1" hidden="0"/>
+          <p:cNvSpPr>
+            <a:spLocks noGrp="1"/>
+          </p:cNvSpPr>
+          <p:nvPr isPhoto="0" userDrawn="0">
+            <p:ph type="title" hasCustomPrompt="0"/>
           </p:nvPr>
         </p:nvSpPr>
         <p:spPr bwMode="auto">
@@ -3186,17 +3163,18 @@
               <a:rPr lang="en-US"/>
               <a:t>Click to edit Master title style</a:t>
             </a:r>
-          </a:p>
-        </p:txBody>
-      </p:sp>
-      <p:sp>
-        <p:nvSpPr>
-          <p:cNvPr id="3" name="Text Placeholder 2"/>
-          <p:cNvSpPr>
-            <a:spLocks noGrp="1"/>
-          </p:cNvSpPr>
-          <p:nvPr>
-            <p:ph type="body" idx="1"/>
+            <a:endParaRPr/>
+          </a:p>
+        </p:txBody>
+      </p:sp>
+      <p:sp>
+        <p:nvSpPr>
+          <p:cNvPr id="3" name="Text Placeholder 2" hidden="0"/>
+          <p:cNvSpPr>
+            <a:spLocks noGrp="1"/>
+          </p:cNvSpPr>
+          <p:nvPr isPhoto="0" userDrawn="0">
+            <p:ph type="body" idx="1" hasCustomPrompt="0"/>
           </p:nvPr>
         </p:nvSpPr>
         <p:spPr bwMode="auto">
@@ -3261,17 +3239,18 @@
               <a:rPr lang="en-US"/>
               <a:t>Fifth level</a:t>
             </a:r>
-          </a:p>
-        </p:txBody>
-      </p:sp>
-      <p:sp>
-        <p:nvSpPr>
-          <p:cNvPr id="4" name="Date Placeholder 3"/>
-          <p:cNvSpPr>
-            <a:spLocks noGrp="1"/>
-          </p:cNvSpPr>
-          <p:nvPr>
-            <p:ph type="dt" sz="half" idx="2"/>
+            <a:endParaRPr/>
+          </a:p>
+        </p:txBody>
+      </p:sp>
+      <p:sp>
+        <p:nvSpPr>
+          <p:cNvPr id="4" name="Date Placeholder 3" hidden="0"/>
+          <p:cNvSpPr>
+            <a:spLocks noGrp="1"/>
+          </p:cNvSpPr>
+          <p:nvPr isPhoto="0" userDrawn="0">
+            <p:ph type="dt" sz="half" idx="2" hasCustomPrompt="0"/>
           </p:nvPr>
         </p:nvSpPr>
         <p:spPr bwMode="auto">
@@ -3303,7 +3282,7 @@
             </a:pPr>
             <a:fld id="{76969C88-B244-455D-A017-012B25B1ACDD}" type="datetimeFigureOut">
               <a:rPr lang="en-US"/>
-              <a:t>5/29/2022</a:t>
+              <a:t/>
             </a:fld>
             <a:endParaRPr lang="en-US"/>
           </a:p>
@@ -3311,12 +3290,12 @@
       </p:sp>
       <p:sp>
         <p:nvSpPr>
-          <p:cNvPr id="5" name="Footer Placeholder 4"/>
-          <p:cNvSpPr>
-            <a:spLocks noGrp="1"/>
-          </p:cNvSpPr>
-          <p:nvPr>
-            <p:ph type="ftr" sz="quarter" idx="3"/>
+          <p:cNvPr id="5" name="Footer Placeholder 4" hidden="0"/>
+          <p:cNvSpPr>
+            <a:spLocks noGrp="1"/>
+          </p:cNvSpPr>
+          <p:nvPr isPhoto="0" userDrawn="0">
+            <p:ph type="ftr" sz="quarter" idx="3" hasCustomPrompt="0"/>
           </p:nvPr>
         </p:nvSpPr>
         <p:spPr bwMode="auto">
@@ -3352,12 +3331,12 @@
       </p:sp>
       <p:sp>
         <p:nvSpPr>
-          <p:cNvPr id="6" name="Slide Number Placeholder 5"/>
-          <p:cNvSpPr>
-            <a:spLocks noGrp="1"/>
-          </p:cNvSpPr>
-          <p:nvPr>
-            <p:ph type="sldNum" sz="quarter" idx="4"/>
+          <p:cNvPr id="6" name="Slide Number Placeholder 5" hidden="0"/>
+          <p:cNvSpPr>
+            <a:spLocks noGrp="1"/>
+          </p:cNvSpPr>
+          <p:nvPr isPhoto="0" userDrawn="0">
+            <p:ph type="sldNum" sz="quarter" idx="4" hasCustomPrompt="0"/>
           </p:nvPr>
         </p:nvSpPr>
         <p:spPr bwMode="auto">
@@ -3389,7 +3368,7 @@
             </a:pPr>
             <a:fld id="{07CE569E-9B7C-4CB9-AB80-C0841F922CFF}" type="slidenum">
               <a:rPr lang="en-US"/>
-              <a:t>‹nº›</a:t>
+              <a:t/>
             </a:fld>
             <a:endParaRPr lang="en-US"/>
           </a:p>
@@ -3705,21 +3684,20 @@
 </file>
 
 <file path=ppt/slides/slide1.xml><?xml version="1.0" encoding="utf-8"?>
-<p:sld xmlns:a="http://schemas.openxmlformats.org/drawingml/2006/main" xmlns:r="http://schemas.openxmlformats.org/officeDocument/2006/relationships" xmlns:p="http://schemas.openxmlformats.org/presentationml/2006/main" showMasterPhAnim="0">
-  <p:cSld>
+<p:sld xmlns:a="http://schemas.openxmlformats.org/drawingml/2006/main" xmlns:r="http://schemas.openxmlformats.org/officeDocument/2006/relationships" xmlns:p="http://schemas.openxmlformats.org/presentationml/2006/main" xmlns:m="http://schemas.openxmlformats.org/officeDocument/2006/math" xmlns:w="http://schemas.openxmlformats.org/wordprocessingml/2006/main" showMasterPhAnim="0" show="1">
+  <p:cSld name="">
     <p:bg>
-      <p:bgPr>
+      <p:bgPr shadeToTitle="0">
         <a:solidFill>
           <a:schemeClr val="bg2"/>
         </a:solidFill>
-        <a:effectLst/>
       </p:bgPr>
     </p:bg>
     <p:spTree>
       <p:nvGrpSpPr>
-        <p:cNvPr id="1" name=""/>
+        <p:cNvPr id="1" name="" hidden="0"/>
         <p:cNvGrpSpPr/>
-        <p:nvPr/>
+        <p:nvPr isPhoto="0" userDrawn="0"/>
       </p:nvGrpSpPr>
       <p:grpSpPr bwMode="auto">
         <a:xfrm>
@@ -3731,11 +3709,11 @@
       </p:grpSpPr>
       <p:sp useBgFill="1">
         <p:nvSpPr>
-          <p:cNvPr id="71" name="Rectangle 70"/>
-          <p:cNvSpPr>
-            <a:spLocks noGrp="1" noRot="1" noChangeAspect="1" noMove="1" noResize="1" noEditPoints="1" noAdjustHandles="1" noChangeArrowheads="1" noChangeShapeType="1" noTextEdit="1"/>
-          </p:cNvSpPr>
-          <p:nvPr/>
+          <p:cNvPr id="71" name="Rectangle 70" hidden="0"/>
+          <p:cNvSpPr>
+            <a:spLocks noAdjustHandles="1" noChangeArrowheads="1" noChangeAspect="1" noChangeShapeType="1" noEditPoints="1" noGrp="1" noMove="1" noResize="1" noRot="1" noTextEdit="1"/>
+          </p:cNvSpPr>
+          <p:nvPr isPhoto="0" userDrawn="0"/>
         </p:nvSpPr>
         <p:spPr bwMode="auto">
           <a:xfrm>
@@ -3781,12 +3759,12 @@
       </p:sp>
       <p:sp>
         <p:nvSpPr>
-          <p:cNvPr id="2" name="Título 1"/>
-          <p:cNvSpPr>
-            <a:spLocks noGrp="1"/>
-          </p:cNvSpPr>
-          <p:nvPr>
-            <p:ph type="ctrTitle"/>
+          <p:cNvPr id="2" name="Título 1" hidden="0"/>
+          <p:cNvSpPr>
+            <a:spLocks noGrp="1"/>
+          </p:cNvSpPr>
+          <p:nvPr isPhoto="0" userDrawn="0">
+            <p:ph type="ctrTitle" hasCustomPrompt="0"/>
           </p:nvPr>
         </p:nvSpPr>
         <p:spPr bwMode="auto">
@@ -3805,27 +3783,28 @@
               <a:defRPr/>
             </a:pPr>
             <a:r>
-              <a:rPr lang="en-GB" sz="3600" dirty="0"/>
+              <a:rPr lang="en-GB" sz="3600"/>
               <a:t>Supervised Learning Telco Customer Churn</a:t>
             </a:r>
             <a:br>
-              <a:rPr lang="en-GB" sz="3600" dirty="0"/>
+              <a:rPr lang="en-GB" sz="3600"/>
             </a:br>
             <a:r>
-              <a:rPr lang="pt-PT" sz="1600" dirty="0"/>
+              <a:rPr lang="pt-PT" sz="1600"/>
               <a:t>IART Project 2</a:t>
             </a:r>
-          </a:p>
-        </p:txBody>
-      </p:sp>
-      <p:sp>
-        <p:nvSpPr>
-          <p:cNvPr id="3" name="Subtítulo 2"/>
-          <p:cNvSpPr>
-            <a:spLocks noGrp="1"/>
-          </p:cNvSpPr>
-          <p:nvPr>
-            <p:ph type="subTitle" idx="1"/>
+            <a:endParaRPr/>
+          </a:p>
+        </p:txBody>
+      </p:sp>
+      <p:sp>
+        <p:nvSpPr>
+          <p:cNvPr id="3" name="Subtítulo 2" hidden="0"/>
+          <p:cNvSpPr>
+            <a:spLocks noGrp="1"/>
+          </p:cNvSpPr>
+          <p:nvPr isPhoto="0" userDrawn="0">
+            <p:ph type="subTitle" idx="1" hasCustomPrompt="0"/>
           </p:nvPr>
         </p:nvSpPr>
         <p:spPr bwMode="auto">
@@ -3873,11 +3852,11 @@
       </p:sp>
       <p:sp>
         <p:nvSpPr>
-          <p:cNvPr id="73" name="Freeform: Shape 72"/>
-          <p:cNvSpPr>
-            <a:spLocks noGrp="1" noRot="1" noChangeAspect="1" noMove="1" noResize="1" noEditPoints="1" noAdjustHandles="1" noChangeArrowheads="1" noChangeShapeType="1" noTextEdit="1"/>
-          </p:cNvSpPr>
-          <p:nvPr/>
+          <p:cNvPr id="73" name="Freeform: Shape 72" hidden="0"/>
+          <p:cNvSpPr>
+            <a:spLocks noAdjustHandles="1" noChangeArrowheads="1" noChangeAspect="1" noChangeShapeType="1" noEditPoints="1" noGrp="1" noMove="1" noResize="1" noRot="1" noTextEdit="1"/>
+          </p:cNvSpPr>
+          <p:nvPr isPhoto="0" userDrawn="0"/>
         </p:nvSpPr>
         <p:spPr bwMode="auto">
           <a:xfrm>
@@ -3943,7 +3922,7 @@
             </a:cxnLst>
             <a:rect l="l" t="t" r="r" b="b"/>
             <a:pathLst>
-              <a:path w="5948806" h="6095979" extrusionOk="0">
+              <a:path w="5948806" h="6095979" fill="norm" stroke="1" extrusionOk="0">
                 <a:moveTo>
                   <a:pt x="1573832" y="765"/>
                 </a:moveTo>
@@ -4026,11 +4005,11 @@
       </p:sp>
       <p:sp>
         <p:nvSpPr>
-          <p:cNvPr id="75" name="Freeform: Shape 74"/>
-          <p:cNvSpPr>
-            <a:spLocks noGrp="1" noRot="1" noChangeAspect="1" noMove="1" noResize="1" noEditPoints="1" noAdjustHandles="1" noChangeArrowheads="1" noChangeShapeType="1" noTextEdit="1"/>
-          </p:cNvSpPr>
-          <p:nvPr/>
+          <p:cNvPr id="75" name="Freeform: Shape 74" hidden="0"/>
+          <p:cNvSpPr>
+            <a:spLocks noAdjustHandles="1" noChangeArrowheads="1" noChangeAspect="1" noChangeShapeType="1" noEditPoints="1" noGrp="1" noMove="1" noResize="1" noRot="1" noTextEdit="1"/>
+          </p:cNvSpPr>
+          <p:nvPr isPhoto="0" userDrawn="0"/>
         </p:nvSpPr>
         <p:spPr bwMode="auto">
           <a:xfrm rot="5400000" flipH="1">
@@ -4138,7 +4117,7 @@
             </a:cxnLst>
             <a:rect l="l" t="t" r="r" b="b"/>
             <a:pathLst>
-              <a:path w="2154655" h="6858000" extrusionOk="0">
+              <a:path w="2154655" h="6858000" fill="norm" stroke="1" extrusionOk="0">
                 <a:moveTo>
                   <a:pt x="0" y="0"/>
                 </a:moveTo>
@@ -4210,11 +4189,11 @@
       </p:sp>
       <p:pic>
         <p:nvPicPr>
-          <p:cNvPr id="53" name="Imagem 52" descr="Uma imagem com símbolo, exterior, sentado, paragem&#10;&#10;Descrição gerada automaticamente"/>
+          <p:cNvPr id="53" name="Imagem 52" descr="Uma imagem com símbolo, exterior, sentado, paragem&#10;&#10;Descrição gerada automaticamente" hidden="0"/>
           <p:cNvPicPr>
             <a:picLocks noChangeAspect="1"/>
           </p:cNvPicPr>
-          <p:nvPr/>
+          <p:nvPr isPhoto="0" userDrawn="0"/>
         </p:nvPicPr>
         <p:blipFill>
           <a:blip r:embed="rId2"/>
@@ -4235,19 +4214,27 @@
   <p:clrMapOvr>
     <a:masterClrMapping/>
   </p:clrMapOvr>
+  <mc:AlternateContent xmlns:mc="http://schemas.openxmlformats.org/markup-compatibility/2006">
+    <mc:Choice xmlns:p14="http://schemas.microsoft.com/office/powerpoint/2010/main" Requires="p14">
+      <p:transition p14:dur="2000" advClick="1"/>
+    </mc:Choice>
+    <mc:Fallback>
+      <p:transition advClick="1"/>
+    </mc:Fallback>
+  </mc:AlternateContent>
 </p:sld>
 </file>
 
 <file path=ppt/slides/slide2.xml><?xml version="1.0" encoding="utf-8"?>
-<p:sld xmlns:a="http://schemas.openxmlformats.org/drawingml/2006/main" xmlns:r="http://schemas.openxmlformats.org/officeDocument/2006/relationships" xmlns:p="http://schemas.openxmlformats.org/presentationml/2006/main">
-  <p:cSld>
+<p:sld xmlns:a="http://schemas.openxmlformats.org/drawingml/2006/main" xmlns:r="http://schemas.openxmlformats.org/officeDocument/2006/relationships" xmlns:p="http://schemas.openxmlformats.org/presentationml/2006/main" xmlns:m="http://schemas.openxmlformats.org/officeDocument/2006/math" xmlns:w="http://schemas.openxmlformats.org/wordprocessingml/2006/main" showMasterPhAnim="0" show="1">
+  <p:cSld name="">
     <p:spTree>
       <p:nvGrpSpPr>
-        <p:cNvPr id="1" name=""/>
+        <p:cNvPr id="1" name="" hidden="0"/>
         <p:cNvGrpSpPr/>
-        <p:nvPr/>
+        <p:nvPr isPhoto="0" userDrawn="0"/>
       </p:nvGrpSpPr>
-      <p:grpSpPr>
+      <p:grpSpPr bwMode="auto">
         <a:xfrm>
           <a:off x="0" y="0"/>
           <a:ext cx="0" cy="0"/>
@@ -4257,136 +4244,211 @@
       </p:grpSpPr>
       <p:sp>
         <p:nvSpPr>
-          <p:cNvPr id="2" name="Título 1">
-            <a:extLst>
-              <a:ext uri="{FF2B5EF4-FFF2-40B4-BE49-F238E27FC236}">
-                <a16:creationId xmlns:a16="http://schemas.microsoft.com/office/drawing/2014/main" id="{834A517C-04C5-FAB3-9E54-920565ADB954}"/>
-              </a:ext>
-            </a:extLst>
-          </p:cNvPr>
-          <p:cNvSpPr>
-            <a:spLocks noGrp="1"/>
-          </p:cNvSpPr>
-          <p:nvPr>
-            <p:ph type="title"/>
-          </p:nvPr>
-        </p:nvSpPr>
-        <p:spPr/>
+          <p:cNvPr id="2" name="Título 1" hidden="0"/>
+          <p:cNvSpPr>
+            <a:spLocks noGrp="1"/>
+          </p:cNvSpPr>
+          <p:nvPr isPhoto="0" userDrawn="0">
+            <p:ph type="title" hasCustomPrompt="0"/>
+          </p:nvPr>
+        </p:nvSpPr>
+        <p:spPr bwMode="auto"/>
         <p:txBody>
           <a:bodyPr/>
           <a:lstStyle/>
           <a:p>
-            <a:r>
-              <a:rPr lang="pt-PT" dirty="0" err="1"/>
+            <a:pPr>
+              <a:defRPr/>
+            </a:pPr>
+            <a:r>
+              <a:rPr lang="pt-PT"/>
               <a:t>Specification</a:t>
             </a:r>
-          </a:p>
-        </p:txBody>
-      </p:sp>
-      <p:sp>
-        <p:nvSpPr>
-          <p:cNvPr id="3" name="Marcador de Posição de Conteúdo 2">
-            <a:extLst>
-              <a:ext uri="{FF2B5EF4-FFF2-40B4-BE49-F238E27FC236}">
-                <a16:creationId xmlns:a16="http://schemas.microsoft.com/office/drawing/2014/main" id="{0B9A9D25-FF8D-4FEB-BC9E-3217E59B6035}"/>
-              </a:ext>
-            </a:extLst>
-          </p:cNvPr>
-          <p:cNvSpPr>
-            <a:spLocks noGrp="1"/>
-          </p:cNvSpPr>
-          <p:nvPr>
-            <p:ph idx="1"/>
-          </p:nvPr>
-        </p:nvSpPr>
-        <p:spPr>
+            <a:endParaRPr/>
+          </a:p>
+        </p:txBody>
+      </p:sp>
+      <p:sp>
+        <p:nvSpPr>
+          <p:cNvPr id="3" name="Marcador de Posição de Conteúdo 2" hidden="0"/>
+          <p:cNvSpPr>
+            <a:spLocks noGrp="1"/>
+          </p:cNvSpPr>
+          <p:nvPr isPhoto="0" userDrawn="0">
+            <p:ph idx="1" hasCustomPrompt="0"/>
+          </p:nvPr>
+        </p:nvSpPr>
+        <p:spPr bwMode="auto">
           <a:xfrm>
             <a:off x="321325" y="2175831"/>
             <a:ext cx="10668000" cy="3818083"/>
           </a:xfrm>
         </p:spPr>
         <p:txBody>
-          <a:bodyPr vert="horz" lIns="91440" tIns="45720" rIns="91440" bIns="45720" rtlCol="0" anchor="t">
-            <a:normAutofit lnSpcReduction="10000"/>
+          <a:bodyPr vertOverflow="overflow" horzOverflow="clip" vert="horz" wrap="square" lIns="91440" tIns="45720" rIns="91440" bIns="45720" numCol="1" spcCol="0" rtlCol="0" fromWordArt="0" anchor="t" anchorCtr="0" forceAA="0" upright="0" compatLnSpc="0">
+            <a:normAutofit fontScale="65000" lnSpcReduction="7000"/>
           </a:bodyPr>
           <a:lstStyle/>
           <a:p>
-            <a:r>
-              <a:rPr lang="en-GB" dirty="0">
+            <a:pPr>
+              <a:defRPr/>
+            </a:pPr>
+            <a:r>
+              <a:rPr lang="en-GB" sz="2800" b="0" i="0" u="none" strike="noStrike" cap="none" spc="0">
                 <a:solidFill>
-                  <a:srgbClr val="FFFFFF">
+                  <a:schemeClr val="tx1">
                     <a:alpha val="70000"/>
-                  </a:srgbClr>
+                  </a:schemeClr>
                 </a:solidFill>
+                <a:latin typeface="+mn-lt"/>
+                <a:ea typeface="Avenir Next LT Pro"/>
+                <a:cs typeface="Avenir Next LT Pro"/>
               </a:rPr>
-              <a:t>It is important for a company to</a:t>
-            </a:r>
-            <a:r>
-              <a:rPr lang="en-GB" dirty="0">
-                <a:ea typeface="+mn-lt"/>
-                <a:cs typeface="+mn-lt"/>
-              </a:rPr>
-              <a:t> retain customers in order to maintain or even increase profit, so it might be very useful to predict their behaviour.</a:t>
-            </a:r>
-            <a:endParaRPr lang="en-GB" dirty="0">
+              <a:t>It is important for a company to retain customers in order to maintain or even increase profit, so it might be very useful to predict their behaviour. To do that we need to make a market research to answer some questions.</a:t>
+            </a:r>
+            <a:endParaRPr sz="2800">
               <a:solidFill>
                 <a:srgbClr val="FFFFFF">
                   <a:alpha val="70000"/>
                 </a:srgbClr>
               </a:solidFill>
-              <a:ea typeface="+mn-lt"/>
-              <a:cs typeface="+mn-lt"/>
+              <a:ea typeface="Avenir Next LT Pro"/>
+              <a:cs typeface="Avenir Next LT Pro"/>
             </a:endParaRPr>
           </a:p>
           <a:p>
-            <a:r>
-              <a:rPr lang="en-GB" dirty="0">
+            <a:pPr>
+              <a:defRPr/>
+            </a:pPr>
+            <a:r>
+              <a:rPr lang="en-GB" sz="2800" b="0" i="0" u="none" strike="noStrike" cap="none" spc="0">
                 <a:solidFill>
-                  <a:srgbClr val="FFFFFF">
+                  <a:schemeClr val="tx1">
                     <a:alpha val="70000"/>
-                  </a:srgbClr>
+                  </a:schemeClr>
                 </a:solidFill>
+                <a:latin typeface="+mn-lt"/>
+                <a:ea typeface="Avenir Next LT Pro"/>
+                <a:cs typeface="Avenir Next LT Pro"/>
               </a:rPr>
-              <a:t>So, given a dataset with information about telco customers we want to predict if a customer will churn or not.</a:t>
-            </a:r>
-          </a:p>
-          <a:p>
-            <a:r>
-              <a:rPr lang="en-GB" dirty="0">
+              <a:t>So, given a dataset with information about telco customers we want to predict if a customer will churn or not, according to the percentage of churn in the dataset and if that number is affected by any other variable such as gender, services subscribed or even the charges of the customer.</a:t>
+            </a:r>
+            <a:endParaRPr sz="2800">
+              <a:solidFill>
+                <a:srgbClr val="FFFFFF">
+                  <a:alpha val="70000"/>
+                </a:srgbClr>
+              </a:solidFill>
+              <a:ea typeface="Avenir Next LT Pro"/>
+              <a:cs typeface="Avenir Next LT Pro"/>
+            </a:endParaRPr>
+          </a:p>
+          <a:p>
+            <a:pPr>
+              <a:defRPr/>
+            </a:pPr>
+            <a:r>
+              <a:rPr lang="en-GB" sz="2800" b="0" i="0" u="none" strike="noStrike" cap="none" spc="0">
                 <a:solidFill>
-                  <a:srgbClr val="FFFFFF">
+                  <a:schemeClr val="tx1">
                     <a:alpha val="70000"/>
-                  </a:srgbClr>
+                  </a:schemeClr>
                 </a:solidFill>
+                <a:latin typeface="+mn-lt"/>
+                <a:ea typeface="Avenir Next LT Pro"/>
+                <a:cs typeface="Avenir Next LT Pro"/>
               </a:rPr>
-              <a:t>In other words the main goal of this project is to predict if a customer will stop buying products/services in telco.</a:t>
-            </a:r>
+              <a:t>Other important analysis for the company are the profit evaluation such as the most profitable service or feature and the ones not sot profitable.</a:t>
+            </a:r>
+            <a:endParaRPr sz="2800">
+              <a:solidFill>
+                <a:srgbClr val="FFFFFF">
+                  <a:alpha val="70000"/>
+                </a:srgbClr>
+              </a:solidFill>
+            </a:endParaRPr>
+          </a:p>
+          <a:p>
+            <a:pPr>
+              <a:defRPr/>
+            </a:pPr>
+            <a:r>
+              <a:rPr lang="en-GB" sz="2800" b="0" i="0" u="none" strike="noStrike" cap="none" spc="0">
+                <a:solidFill>
+                  <a:schemeClr val="tx1">
+                    <a:alpha val="70000"/>
+                  </a:schemeClr>
+                </a:solidFill>
+                <a:latin typeface="+mn-lt"/>
+                <a:ea typeface="Avenir Next LT Pro"/>
+                <a:cs typeface="Avenir Next LT Pro"/>
+              </a:rPr>
+              <a:t>All of this questions/doubts should be after the study of the dataset and </a:t>
+            </a:r>
+            <a:r>
+              <a:rPr lang="en-GB" sz="2800" b="0" i="0" u="none" strike="noStrike" cap="none" spc="0">
+                <a:solidFill>
+                  <a:schemeClr val="tx1">
+                    <a:alpha val="70000"/>
+                  </a:schemeClr>
+                </a:solidFill>
+                <a:latin typeface="+mn-lt"/>
+                <a:ea typeface="Avenir Next LT Pro"/>
+                <a:cs typeface="Avenir Next LT Pro"/>
+              </a:rPr>
+              <a:t>that'ś</a:t>
+            </a:r>
+            <a:r>
+              <a:rPr lang="en-GB" sz="2800" b="0" i="0" u="none" strike="noStrike" cap="none" spc="0">
+                <a:solidFill>
+                  <a:schemeClr val="tx1">
+                    <a:alpha val="70000"/>
+                  </a:schemeClr>
+                </a:solidFill>
+                <a:latin typeface="+mn-lt"/>
+                <a:ea typeface="Avenir Next LT Pro"/>
+                <a:cs typeface="Avenir Next LT Pro"/>
+              </a:rPr>
+              <a:t> the main goal of this project.</a:t>
+            </a:r>
+            <a:endParaRPr sz="2800">
+              <a:solidFill>
+                <a:srgbClr val="FFFFFF">
+                  <a:alpha val="70000"/>
+                </a:srgbClr>
+              </a:solidFill>
+              <a:ea typeface="Avenir Next LT Pro"/>
+              <a:cs typeface="Avenir Next LT Pro"/>
+            </a:endParaRPr>
           </a:p>
         </p:txBody>
       </p:sp>
     </p:spTree>
-    <p:extLst>
-      <p:ext uri="{BB962C8B-B14F-4D97-AF65-F5344CB8AC3E}">
-        <p14:creationId xmlns:p14="http://schemas.microsoft.com/office/powerpoint/2010/main" val="710486550"/>
-      </p:ext>
-    </p:extLst>
   </p:cSld>
   <p:clrMapOvr>
     <a:masterClrMapping/>
   </p:clrMapOvr>
+  <mc:AlternateContent xmlns:mc="http://schemas.openxmlformats.org/markup-compatibility/2006">
+    <mc:Choice xmlns:p14="http://schemas.microsoft.com/office/powerpoint/2010/main" Requires="p14">
+      <p:transition p14:dur="2000" advClick="1"/>
+    </mc:Choice>
+    <mc:Fallback>
+      <p:transition advClick="1"/>
+    </mc:Fallback>
+  </mc:AlternateContent>
 </p:sld>
 </file>
 
 <file path=ppt/slides/slide3.xml><?xml version="1.0" encoding="utf-8"?>
-<p:sld xmlns:a="http://schemas.openxmlformats.org/drawingml/2006/main" xmlns:r="http://schemas.openxmlformats.org/officeDocument/2006/relationships" xmlns:p="http://schemas.openxmlformats.org/presentationml/2006/main">
-  <p:cSld>
+<p:sld xmlns:a="http://schemas.openxmlformats.org/drawingml/2006/main" xmlns:r="http://schemas.openxmlformats.org/officeDocument/2006/relationships" xmlns:p="http://schemas.openxmlformats.org/presentationml/2006/main" xmlns:m="http://schemas.openxmlformats.org/officeDocument/2006/math" xmlns:w="http://schemas.openxmlformats.org/wordprocessingml/2006/main" showMasterPhAnim="0" show="1">
+  <p:cSld name="">
     <p:spTree>
       <p:nvGrpSpPr>
-        <p:cNvPr id="1" name=""/>
+        <p:cNvPr id="1" name="" hidden="0"/>
         <p:cNvGrpSpPr/>
-        <p:nvPr/>
+        <p:nvPr isPhoto="0" userDrawn="0"/>
       </p:nvGrpSpPr>
-      <p:grpSpPr>
+      <p:grpSpPr bwMode="auto">
         <a:xfrm>
           <a:off x="0" y="0"/>
           <a:ext cx="0" cy="0"/>
@@ -4396,110 +4458,112 @@
       </p:grpSpPr>
       <p:sp>
         <p:nvSpPr>
-          <p:cNvPr id="2" name="Título 1">
-            <a:extLst>
-              <a:ext uri="{FF2B5EF4-FFF2-40B4-BE49-F238E27FC236}">
-                <a16:creationId xmlns:a16="http://schemas.microsoft.com/office/drawing/2014/main" id="{E92206F5-7100-0F38-270D-C45005FB9475}"/>
-              </a:ext>
-            </a:extLst>
-          </p:cNvPr>
-          <p:cNvSpPr>
-            <a:spLocks noGrp="1"/>
-          </p:cNvSpPr>
-          <p:nvPr>
-            <p:ph type="title"/>
-          </p:nvPr>
-        </p:nvSpPr>
-        <p:spPr/>
+          <p:cNvPr id="2" name="Título 1" hidden="0"/>
+          <p:cNvSpPr>
+            <a:spLocks noGrp="1"/>
+          </p:cNvSpPr>
+          <p:nvPr isPhoto="0" userDrawn="0">
+            <p:ph type="title" hasCustomPrompt="0"/>
+          </p:nvPr>
+        </p:nvSpPr>
+        <p:spPr bwMode="auto"/>
         <p:txBody>
           <a:bodyPr/>
           <a:lstStyle/>
           <a:p>
-            <a:r>
-              <a:rPr lang="pt-PT" dirty="0" err="1"/>
+            <a:pPr>
+              <a:defRPr/>
+            </a:pPr>
+            <a:r>
+              <a:rPr lang="pt-PT"/>
               <a:t>Related</a:t>
             </a:r>
             <a:r>
-              <a:rPr lang="pt-PT" dirty="0"/>
+              <a:rPr lang="pt-PT"/>
               <a:t> </a:t>
             </a:r>
             <a:r>
-              <a:rPr lang="pt-PT" dirty="0" err="1"/>
+              <a:rPr lang="pt-PT"/>
               <a:t>Work</a:t>
             </a:r>
-          </a:p>
-        </p:txBody>
-      </p:sp>
-      <p:sp>
-        <p:nvSpPr>
-          <p:cNvPr id="3" name="Marcador de Posição de Conteúdo 2">
-            <a:extLst>
-              <a:ext uri="{FF2B5EF4-FFF2-40B4-BE49-F238E27FC236}">
-                <a16:creationId xmlns:a16="http://schemas.microsoft.com/office/drawing/2014/main" id="{E3E76583-54EE-9690-8E5E-37B1DD1DD744}"/>
-              </a:ext>
-            </a:extLst>
-          </p:cNvPr>
-          <p:cNvSpPr>
-            <a:spLocks noGrp="1"/>
-          </p:cNvSpPr>
-          <p:nvPr>
-            <p:ph idx="1"/>
-          </p:nvPr>
-        </p:nvSpPr>
-        <p:spPr/>
+            <a:endParaRPr/>
+          </a:p>
+        </p:txBody>
+      </p:sp>
+      <p:sp>
+        <p:nvSpPr>
+          <p:cNvPr id="3" name="Marcador de Posição de Conteúdo 2" hidden="0"/>
+          <p:cNvSpPr>
+            <a:spLocks noGrp="1"/>
+          </p:cNvSpPr>
+          <p:nvPr isPhoto="0" userDrawn="0">
+            <p:ph idx="1" hasCustomPrompt="0"/>
+          </p:nvPr>
+        </p:nvSpPr>
+        <p:spPr bwMode="auto"/>
         <p:txBody>
           <a:bodyPr vert="horz" lIns="91440" tIns="45720" rIns="91440" bIns="45720" rtlCol="0" anchor="t">
             <a:normAutofit/>
           </a:bodyPr>
           <a:lstStyle/>
           <a:p>
-            <a:r>
-              <a:rPr lang="pt-PT" u="sng" dirty="0">
+            <a:pPr>
+              <a:defRPr/>
+            </a:pPr>
+            <a:r>
+              <a:rPr lang="pt-PT" u="sng">
                 <a:ea typeface="+mn-lt"/>
                 <a:cs typeface="+mn-lt"/>
-                <a:hlinkClick r:id="rId2"/>
+                <a:hlinkClick r:id="rId2" tooltip="https://moodle.up.pt/"/>
               </a:rPr>
               <a:t>https://moodle.up.pt/</a:t>
             </a:r>
             <a:r>
-              <a:rPr lang="pt-PT" dirty="0">
+              <a:rPr lang="pt-PT">
                 <a:ea typeface="+mn-lt"/>
                 <a:cs typeface="+mn-lt"/>
               </a:rPr>
               <a:t> (</a:t>
             </a:r>
             <a:r>
-              <a:rPr lang="pt-PT" dirty="0" err="1">
+              <a:rPr lang="pt-PT">
                 <a:ea typeface="+mn-lt"/>
                 <a:cs typeface="+mn-lt"/>
               </a:rPr>
               <a:t>course</a:t>
             </a:r>
             <a:r>
-              <a:rPr lang="pt-PT" dirty="0">
+              <a:rPr lang="pt-PT">
                 <a:ea typeface="+mn-lt"/>
                 <a:cs typeface="+mn-lt"/>
               </a:rPr>
               <a:t> files)</a:t>
             </a:r>
-          </a:p>
-          <a:p>
-            <a:r>
-              <a:rPr lang="pt-PT" dirty="0">
+            <a:endParaRPr/>
+          </a:p>
+          <a:p>
+            <a:pPr>
+              <a:defRPr/>
+            </a:pPr>
+            <a:r>
+              <a:rPr lang="pt-PT" u="sng">
                 <a:ea typeface="+mn-lt"/>
                 <a:cs typeface="+mn-lt"/>
-                <a:hlinkClick r:id="rId3"/>
+                <a:hlinkClick r:id="rId3" tooltip="https://www.kaggle.com/datasets/easonlai/sample-telco-customer-churn-dataset"/>
               </a:rPr>
               <a:t>https://www.kaggle.com/datasets/easonlai/sample-telco-customer-churn-dataset</a:t>
             </a:r>
-            <a:endParaRPr lang="pt-PT" dirty="0">
+            <a:endParaRPr lang="pt-PT">
               <a:ea typeface="+mn-lt"/>
               <a:cs typeface="+mn-lt"/>
             </a:endParaRPr>
           </a:p>
           <a:p>
-            <a:r>
-              <a:rPr lang="pt-PT" dirty="0">
+            <a:pPr>
+              <a:defRPr/>
+            </a:pPr>
+            <a:r>
+              <a:rPr lang="pt-PT" u="sng">
                 <a:solidFill>
                   <a:srgbClr val="FFFFFF">
                     <a:alpha val="70000"/>
@@ -4507,11 +4571,11 @@
                 </a:solidFill>
                 <a:ea typeface="+mn-lt"/>
                 <a:cs typeface="Arial"/>
-                <a:hlinkClick r:id="rId4"/>
+                <a:hlinkClick r:id="rId4" tooltip="https://www.kaggle.com/datasets/blastchar/telco-customer-churn"/>
               </a:rPr>
               <a:t>https://www.kaggle.com/datasets/blastchar/telco-customer-churn</a:t>
             </a:r>
-            <a:endParaRPr lang="pt-PT" dirty="0">
+            <a:endParaRPr lang="pt-PT">
               <a:solidFill>
                 <a:srgbClr val="FFFFFF">
                   <a:alpha val="70000"/>
@@ -4522,7 +4586,10 @@
             </a:endParaRPr>
           </a:p>
           <a:p>
-            <a:endParaRPr lang="pt-PT" dirty="0">
+            <a:pPr>
+              <a:defRPr/>
+            </a:pPr>
+            <a:endParaRPr lang="pt-PT">
               <a:solidFill>
                 <a:srgbClr val="FFFFFF">
                   <a:alpha val="70000"/>
@@ -4533,28 +4600,31 @@
         </p:txBody>
       </p:sp>
     </p:spTree>
-    <p:extLst>
-      <p:ext uri="{BB962C8B-B14F-4D97-AF65-F5344CB8AC3E}">
-        <p14:creationId xmlns:p14="http://schemas.microsoft.com/office/powerpoint/2010/main" val="985761188"/>
-      </p:ext>
-    </p:extLst>
   </p:cSld>
   <p:clrMapOvr>
     <a:masterClrMapping/>
   </p:clrMapOvr>
+  <mc:AlternateContent xmlns:mc="http://schemas.openxmlformats.org/markup-compatibility/2006">
+    <mc:Choice xmlns:p14="http://schemas.microsoft.com/office/powerpoint/2010/main" Requires="p14">
+      <p:transition p14:dur="2000" advClick="1"/>
+    </mc:Choice>
+    <mc:Fallback>
+      <p:transition advClick="1"/>
+    </mc:Fallback>
+  </mc:AlternateContent>
 </p:sld>
 </file>
 
 <file path=ppt/slides/slide4.xml><?xml version="1.0" encoding="utf-8"?>
-<p:sld xmlns:a="http://schemas.openxmlformats.org/drawingml/2006/main" xmlns:r="http://schemas.openxmlformats.org/officeDocument/2006/relationships" xmlns:p="http://schemas.openxmlformats.org/presentationml/2006/main">
-  <p:cSld>
+<p:sld xmlns:a="http://schemas.openxmlformats.org/drawingml/2006/main" xmlns:r="http://schemas.openxmlformats.org/officeDocument/2006/relationships" xmlns:p="http://schemas.openxmlformats.org/presentationml/2006/main" xmlns:m="http://schemas.openxmlformats.org/officeDocument/2006/math" xmlns:w="http://schemas.openxmlformats.org/wordprocessingml/2006/main" showMasterPhAnim="0" show="1">
+  <p:cSld name="">
     <p:spTree>
       <p:nvGrpSpPr>
-        <p:cNvPr id="1" name=""/>
+        <p:cNvPr id="1" name="" hidden="0"/>
         <p:cNvGrpSpPr/>
-        <p:nvPr/>
+        <p:nvPr isPhoto="0" userDrawn="0"/>
       </p:nvGrpSpPr>
-      <p:grpSpPr>
+      <p:grpSpPr bwMode="auto">
         <a:xfrm>
           <a:off x="0" y="0"/>
           <a:ext cx="0" cy="0"/>
@@ -4564,82 +4634,80 @@
       </p:grpSpPr>
       <p:sp>
         <p:nvSpPr>
-          <p:cNvPr id="2" name="Título 1">
-            <a:extLst>
-              <a:ext uri="{FF2B5EF4-FFF2-40B4-BE49-F238E27FC236}">
-                <a16:creationId xmlns:a16="http://schemas.microsoft.com/office/drawing/2014/main" id="{7A612364-CBC2-0E41-52C6-B935CF6DEA67}"/>
-              </a:ext>
-            </a:extLst>
-          </p:cNvPr>
-          <p:cNvSpPr>
-            <a:spLocks noGrp="1"/>
-          </p:cNvSpPr>
-          <p:nvPr>
-            <p:ph type="title"/>
-          </p:nvPr>
-        </p:nvSpPr>
-        <p:spPr/>
+          <p:cNvPr id="2" name="Título 1" hidden="0"/>
+          <p:cNvSpPr>
+            <a:spLocks noGrp="1"/>
+          </p:cNvSpPr>
+          <p:nvPr isPhoto="0" userDrawn="0">
+            <p:ph type="title" hasCustomPrompt="0"/>
+          </p:nvPr>
+        </p:nvSpPr>
+        <p:spPr bwMode="auto"/>
         <p:txBody>
           <a:bodyPr/>
           <a:lstStyle/>
           <a:p>
-            <a:r>
-              <a:rPr lang="pt-PT" dirty="0" err="1"/>
+            <a:pPr>
+              <a:defRPr/>
+            </a:pPr>
+            <a:r>
+              <a:rPr lang="pt-PT"/>
               <a:t>Tools</a:t>
             </a:r>
             <a:r>
-              <a:rPr lang="pt-PT" dirty="0"/>
+              <a:rPr lang="pt-PT"/>
               <a:t> </a:t>
             </a:r>
             <a:r>
-              <a:rPr lang="pt-PT" dirty="0" err="1"/>
+              <a:rPr lang="pt-PT"/>
               <a:t>and</a:t>
             </a:r>
             <a:r>
-              <a:rPr lang="pt-PT" dirty="0"/>
+              <a:rPr lang="pt-PT"/>
               <a:t> </a:t>
             </a:r>
             <a:r>
-              <a:rPr lang="pt-PT" dirty="0" err="1"/>
+              <a:rPr lang="pt-PT"/>
               <a:t>algorithms</a:t>
             </a:r>
-          </a:p>
-        </p:txBody>
-      </p:sp>
-      <p:sp>
-        <p:nvSpPr>
-          <p:cNvPr id="3" name="Marcador de Posição de Conteúdo 2">
-            <a:extLst>
-              <a:ext uri="{FF2B5EF4-FFF2-40B4-BE49-F238E27FC236}">
-                <a16:creationId xmlns:a16="http://schemas.microsoft.com/office/drawing/2014/main" id="{B0EFEDED-1772-89D4-DD92-D7BEE7EE0612}"/>
-              </a:ext>
-            </a:extLst>
-          </p:cNvPr>
-          <p:cNvSpPr>
-            <a:spLocks noGrp="1"/>
-          </p:cNvSpPr>
-          <p:nvPr>
-            <p:ph idx="1"/>
-          </p:nvPr>
-        </p:nvSpPr>
-        <p:spPr/>
-        <p:txBody>
-          <a:bodyPr vert="horz" lIns="91440" tIns="45720" rIns="91440" bIns="45720" rtlCol="0" anchor="t">
-            <a:normAutofit fontScale="62500" lnSpcReduction="20000"/>
+            <a:endParaRPr/>
+          </a:p>
+        </p:txBody>
+      </p:sp>
+      <p:sp>
+        <p:nvSpPr>
+          <p:cNvPr id="3" name="Marcador de Posição de Conteúdo 2" hidden="0"/>
+          <p:cNvSpPr>
+            <a:spLocks noGrp="1"/>
+          </p:cNvSpPr>
+          <p:nvPr isPhoto="0" userDrawn="0">
+            <p:ph idx="1" hasCustomPrompt="0"/>
+          </p:nvPr>
+        </p:nvSpPr>
+        <p:spPr bwMode="auto"/>
+        <p:txBody>
+          <a:bodyPr vertOverflow="overflow" horzOverflow="clip" vert="horz" wrap="square" lIns="91440" tIns="45720" rIns="91440" bIns="45720" numCol="1" spcCol="0" rtlCol="0" fromWordArt="0" anchor="t" anchorCtr="0" forceAA="0" upright="0" compatLnSpc="0">
+            <a:normAutofit fontScale="50000" lnSpcReduction="10000"/>
           </a:bodyPr>
           <a:lstStyle/>
           <a:p>
-            <a:r>
-              <a:rPr lang="en-GB" dirty="0">
+            <a:pPr>
+              <a:defRPr/>
+            </a:pPr>
+            <a:r>
+              <a:rPr lang="en-GB" sz="2800" b="0" i="0" u="none" strike="noStrike" cap="none" spc="0">
                 <a:solidFill>
                   <a:srgbClr val="FFFFFF">
                     <a:alpha val="70000"/>
                   </a:srgbClr>
                 </a:solidFill>
+                <a:latin typeface="+mn-lt"/>
+                <a:ea typeface="+mn-ea"/>
+                <a:cs typeface="+mn-cs"/>
               </a:rPr>
               <a:t>For this assignment we will use some python tools and libraries also used in classes which are:</a:t>
             </a:r>
-            <a:endParaRPr lang="pt-PT" dirty="0">
+            <a:endParaRPr sz="2800">
               <a:solidFill>
                 <a:srgbClr val="FFFFFF">
                   <a:alpha val="70000"/>
@@ -4648,221 +4716,354 @@
             </a:endParaRPr>
           </a:p>
           <a:p>
-            <a:r>
-              <a:rPr lang="en-GB" dirty="0">
+            <a:pPr>
+              <a:defRPr/>
+            </a:pPr>
+            <a:r>
+              <a:rPr lang="en-GB" sz="2800" b="0" i="0" u="none" strike="noStrike" cap="none" spc="0">
                 <a:solidFill>
                   <a:srgbClr val="FFFFFF">
                     <a:alpha val="70000"/>
                   </a:srgbClr>
                 </a:solidFill>
+                <a:latin typeface="+mn-lt"/>
+                <a:ea typeface="+mn-ea"/>
+                <a:cs typeface="+mn-cs"/>
               </a:rPr>
               <a:t>- </a:t>
             </a:r>
             <a:r>
-              <a:rPr lang="en-GB" dirty="0" err="1">
+              <a:rPr lang="en-GB" sz="2800" b="0" i="0" u="none" strike="noStrike" cap="none" spc="0">
                 <a:solidFill>
                   <a:srgbClr val="FFFFFF">
                     <a:alpha val="70000"/>
                   </a:srgbClr>
                 </a:solidFill>
+                <a:latin typeface="+mn-lt"/>
+                <a:ea typeface="+mn-ea"/>
+                <a:cs typeface="+mn-cs"/>
               </a:rPr>
               <a:t>numpy</a:t>
             </a:r>
             <a:r>
-              <a:rPr lang="en-GB" dirty="0">
+              <a:rPr lang="en-GB" sz="2800" b="0" i="0" u="none" strike="noStrike" cap="none" spc="0">
                 <a:solidFill>
                   <a:srgbClr val="FFFFFF">
                     <a:alpha val="70000"/>
                   </a:srgbClr>
                 </a:solidFill>
+                <a:latin typeface="+mn-lt"/>
+                <a:ea typeface="+mn-ea"/>
+                <a:cs typeface="+mn-cs"/>
               </a:rPr>
               <a:t> (</a:t>
             </a:r>
             <a:r>
-              <a:rPr lang="en-GB" dirty="0">
-                <a:ea typeface="+mn-lt"/>
-                <a:cs typeface="+mn-lt"/>
+              <a:rPr lang="en-GB" sz="2800" b="0" i="0" u="none" strike="noStrike" cap="none" spc="0">
+                <a:solidFill>
+                  <a:schemeClr val="tx1">
+                    <a:alpha val="70000"/>
+                  </a:schemeClr>
+                </a:solidFill>
+                <a:latin typeface="+mn-lt"/>
+                <a:ea typeface="Avenir Next LT Pro"/>
+                <a:cs typeface="Avenir Next LT Pro"/>
               </a:rPr>
               <a:t>library used for working with arrays</a:t>
             </a:r>
             <a:r>
-              <a:rPr lang="en-GB" dirty="0">
+              <a:rPr lang="en-GB" sz="2800" b="0" i="0" u="none" strike="noStrike" cap="none" spc="0">
                 <a:solidFill>
                   <a:srgbClr val="FFFFFF">
                     <a:alpha val="70000"/>
                   </a:srgbClr>
                 </a:solidFill>
+                <a:latin typeface="+mn-lt"/>
+                <a:ea typeface="+mn-ea"/>
+                <a:cs typeface="+mn-cs"/>
               </a:rPr>
               <a:t>);</a:t>
             </a:r>
-          </a:p>
-          <a:p>
-            <a:r>
-              <a:rPr lang="en-GB" dirty="0">
+            <a:endParaRPr sz="2800"/>
+          </a:p>
+          <a:p>
+            <a:pPr>
+              <a:defRPr/>
+            </a:pPr>
+            <a:r>
+              <a:rPr lang="en-GB" sz="2800" b="0" i="0" u="none" strike="noStrike" cap="none" spc="0">
                 <a:solidFill>
                   <a:srgbClr val="FFFFFF">
                     <a:alpha val="70000"/>
                   </a:srgbClr>
                 </a:solidFill>
+                <a:latin typeface="+mn-lt"/>
+                <a:ea typeface="+mn-ea"/>
+                <a:cs typeface="+mn-cs"/>
               </a:rPr>
               <a:t>- pandas (</a:t>
             </a:r>
             <a:r>
-              <a:rPr lang="en-GB" dirty="0">
-                <a:ea typeface="+mn-lt"/>
-                <a:cs typeface="+mn-lt"/>
+              <a:rPr lang="en-GB" sz="2800" b="0" i="0" u="none" strike="noStrike" cap="none" spc="0">
+                <a:solidFill>
+                  <a:schemeClr val="tx1">
+                    <a:alpha val="70000"/>
+                  </a:schemeClr>
+                </a:solidFill>
+                <a:latin typeface="+mn-lt"/>
+                <a:ea typeface="Avenir Next LT Pro"/>
+                <a:cs typeface="Avenir Next LT Pro"/>
               </a:rPr>
               <a:t>data science/data analysis and machine learning tasks</a:t>
             </a:r>
             <a:r>
-              <a:rPr lang="en-GB" dirty="0">
+              <a:rPr lang="en-GB" sz="2800" b="0" i="0" u="none" strike="noStrike" cap="none" spc="0">
                 <a:solidFill>
                   <a:srgbClr val="FFFFFF">
                     <a:alpha val="70000"/>
                   </a:srgbClr>
                 </a:solidFill>
+                <a:latin typeface="+mn-lt"/>
+                <a:ea typeface="+mn-ea"/>
+                <a:cs typeface="+mn-cs"/>
               </a:rPr>
               <a:t>);</a:t>
             </a:r>
-          </a:p>
-          <a:p>
-            <a:r>
-              <a:rPr lang="en-GB" dirty="0">
+            <a:endParaRPr sz="2800"/>
+          </a:p>
+          <a:p>
+            <a:pPr>
+              <a:defRPr/>
+            </a:pPr>
+            <a:r>
+              <a:rPr lang="en-GB" sz="2800" b="0" i="0" u="none" strike="noStrike" cap="none" spc="0">
                 <a:solidFill>
                   <a:srgbClr val="FFFFFF">
                     <a:alpha val="70000"/>
                   </a:srgbClr>
                 </a:solidFill>
+                <a:latin typeface="+mn-lt"/>
+                <a:ea typeface="+mn-ea"/>
+                <a:cs typeface="+mn-cs"/>
               </a:rPr>
               <a:t>- scikit-learn (</a:t>
             </a:r>
             <a:r>
-              <a:rPr lang="en-GB" dirty="0">
-                <a:ea typeface="+mn-lt"/>
-                <a:cs typeface="+mn-lt"/>
+              <a:rPr lang="en-GB" sz="2800" b="0" i="0" u="none" strike="noStrike" cap="none" spc="0">
+                <a:solidFill>
+                  <a:schemeClr val="tx1">
+                    <a:alpha val="70000"/>
+                  </a:schemeClr>
+                </a:solidFill>
+                <a:latin typeface="+mn-lt"/>
+                <a:ea typeface="Avenir Next LT Pro"/>
+                <a:cs typeface="Avenir Next LT Pro"/>
               </a:rPr>
               <a:t>machine learning and statistical </a:t>
             </a:r>
             <a:r>
-              <a:rPr lang="en-GB" dirty="0" err="1">
-                <a:ea typeface="+mn-lt"/>
-                <a:cs typeface="+mn-lt"/>
+              <a:rPr lang="en-GB" sz="2800" b="0" i="0" u="none" strike="noStrike" cap="none" spc="0">
+                <a:solidFill>
+                  <a:schemeClr val="tx1">
+                    <a:alpha val="70000"/>
+                  </a:schemeClr>
+                </a:solidFill>
+                <a:latin typeface="+mn-lt"/>
+                <a:ea typeface="Avenir Next LT Pro"/>
+                <a:cs typeface="Avenir Next LT Pro"/>
               </a:rPr>
               <a:t>modeling</a:t>
             </a:r>
             <a:r>
-              <a:rPr lang="en-GB" dirty="0">
-                <a:ea typeface="+mn-lt"/>
-                <a:cs typeface="+mn-lt"/>
+              <a:rPr lang="en-GB" sz="2800" b="0" i="0" u="none" strike="noStrike" cap="none" spc="0">
+                <a:solidFill>
+                  <a:schemeClr val="tx1">
+                    <a:alpha val="70000"/>
+                  </a:schemeClr>
+                </a:solidFill>
+                <a:latin typeface="+mn-lt"/>
+                <a:ea typeface="Avenir Next LT Pro"/>
+                <a:cs typeface="Avenir Next LT Pro"/>
               </a:rPr>
               <a:t> including classification, regression, clustering and dimensionality reduction</a:t>
             </a:r>
             <a:r>
-              <a:rPr lang="en-GB" dirty="0">
+              <a:rPr lang="en-GB" sz="2800" b="0" i="0" u="none" strike="noStrike" cap="none" spc="0">
                 <a:solidFill>
                   <a:srgbClr val="FFFFFF">
                     <a:alpha val="70000"/>
                   </a:srgbClr>
                 </a:solidFill>
+                <a:latin typeface="+mn-lt"/>
+                <a:ea typeface="+mn-ea"/>
+                <a:cs typeface="+mn-cs"/>
               </a:rPr>
               <a:t>); </a:t>
             </a:r>
-          </a:p>
-          <a:p>
-            <a:r>
-              <a:rPr lang="en-GB" dirty="0">
+            <a:endParaRPr sz="2800"/>
+          </a:p>
+          <a:p>
+            <a:pPr>
+              <a:defRPr/>
+            </a:pPr>
+            <a:r>
+              <a:rPr lang="en-GB" sz="2800" b="0" i="0" u="none" strike="noStrike" cap="none" spc="0">
                 <a:solidFill>
                   <a:srgbClr val="FFFFFF">
                     <a:alpha val="70000"/>
                   </a:srgbClr>
                 </a:solidFill>
+                <a:latin typeface="+mn-lt"/>
+                <a:ea typeface="+mn-ea"/>
+                <a:cs typeface="+mn-cs"/>
               </a:rPr>
               <a:t>- matplotlib (</a:t>
             </a:r>
             <a:r>
-              <a:rPr lang="en-GB" dirty="0">
-                <a:ea typeface="+mn-lt"/>
-                <a:cs typeface="+mn-lt"/>
+              <a:rPr lang="en-GB" sz="2800" b="0" i="0" u="none" strike="noStrike" cap="none" spc="0">
+                <a:solidFill>
+                  <a:schemeClr val="tx1">
+                    <a:alpha val="70000"/>
+                  </a:schemeClr>
+                </a:solidFill>
+                <a:latin typeface="+mn-lt"/>
+                <a:ea typeface="Avenir Next LT Pro"/>
+                <a:cs typeface="Avenir Next LT Pro"/>
               </a:rPr>
               <a:t>comprehensive library for creating static, animated, and interactive visualizations in Python</a:t>
             </a:r>
             <a:r>
-              <a:rPr lang="en-GB" dirty="0">
+              <a:rPr lang="en-GB" sz="2800" b="0" i="0" u="none" strike="noStrike" cap="none" spc="0">
                 <a:solidFill>
                   <a:srgbClr val="FFFFFF">
                     <a:alpha val="70000"/>
                   </a:srgbClr>
                 </a:solidFill>
+                <a:latin typeface="+mn-lt"/>
+                <a:ea typeface="+mn-ea"/>
+                <a:cs typeface="+mn-cs"/>
               </a:rPr>
               <a:t>);</a:t>
             </a:r>
-          </a:p>
-          <a:p>
-            <a:r>
-              <a:rPr lang="en-GB" dirty="0">
+            <a:endParaRPr sz="2800"/>
+          </a:p>
+          <a:p>
+            <a:pPr>
+              <a:defRPr/>
+            </a:pPr>
+            <a:r>
+              <a:rPr lang="en-GB" sz="2800" b="0" i="0" u="none" strike="noStrike" cap="none" spc="0">
                 <a:solidFill>
                   <a:srgbClr val="FFFFFF">
                     <a:alpha val="70000"/>
                   </a:srgbClr>
                 </a:solidFill>
+                <a:latin typeface="+mn-lt"/>
+                <a:ea typeface="+mn-ea"/>
+                <a:cs typeface="+mn-cs"/>
               </a:rPr>
               <a:t>- seaborn (</a:t>
             </a:r>
             <a:r>
-              <a:rPr lang="en-GB" dirty="0">
-                <a:ea typeface="+mn-lt"/>
-                <a:cs typeface="+mn-lt"/>
+              <a:rPr lang="en-GB" sz="2800" b="0" i="0" u="none" strike="noStrike" cap="none" spc="0">
+                <a:solidFill>
+                  <a:schemeClr val="tx1">
+                    <a:alpha val="70000"/>
+                  </a:schemeClr>
+                </a:solidFill>
+                <a:latin typeface="+mn-lt"/>
+                <a:ea typeface="Avenir Next LT Pro"/>
+                <a:cs typeface="Avenir Next LT Pro"/>
               </a:rPr>
               <a:t>uses Matplotlib underneath to plot graphs</a:t>
             </a:r>
             <a:r>
-              <a:rPr lang="en-GB" dirty="0">
+              <a:rPr lang="en-GB" sz="2800" b="0" i="0" u="none" strike="noStrike" cap="none" spc="0">
                 <a:solidFill>
                   <a:srgbClr val="FFFFFF">
                     <a:alpha val="70000"/>
                   </a:srgbClr>
                 </a:solidFill>
+                <a:latin typeface="+mn-lt"/>
+                <a:ea typeface="+mn-ea"/>
+                <a:cs typeface="+mn-cs"/>
               </a:rPr>
               <a:t>).</a:t>
             </a:r>
-          </a:p>
-          <a:p>
-            <a:r>
-              <a:rPr lang="en-GB" dirty="0">
+            <a:endParaRPr sz="2800">
+              <a:solidFill>
+                <a:srgbClr val="FFFFFF">
+                  <a:alpha val="70000"/>
+                </a:srgbClr>
+              </a:solidFill>
+            </a:endParaRPr>
+          </a:p>
+          <a:p>
+            <a:pPr>
+              <a:defRPr/>
+            </a:pPr>
+            <a:r>
+              <a:rPr lang="en-GB" sz="2800" b="0" i="0" u="none" strike="noStrike" cap="none" spc="0">
                 <a:solidFill>
                   <a:srgbClr val="FFFFFF">
                     <a:alpha val="70000"/>
                   </a:srgbClr>
                 </a:solidFill>
+                <a:latin typeface="+mn-lt"/>
+                <a:ea typeface="+mn-ea"/>
+                <a:cs typeface="+mn-cs"/>
+              </a:rPr>
+              <a:t>Our work will be developed in a python notebook- In our case Jupyter Notebook, so this packages come standard with the Anaconda python distribution.</a:t>
+            </a:r>
+            <a:endParaRPr sz="2800"/>
+          </a:p>
+          <a:p>
+            <a:pPr>
+              <a:defRPr/>
+            </a:pPr>
+            <a:r>
+              <a:rPr lang="en-GB" sz="2800" b="0" i="0" u="none" strike="noStrike" cap="none" spc="0">
+                <a:solidFill>
+                  <a:srgbClr val="FFFFFF">
+                    <a:alpha val="70000"/>
+                  </a:srgbClr>
+                </a:solidFill>
+                <a:latin typeface="+mn-lt"/>
+                <a:ea typeface="+mn-ea"/>
+                <a:cs typeface="+mn-cs"/>
               </a:rPr>
               <a:t>To reach the main goal, we need to implement some classification algorithms for supervised learning such as Support Vector Machine, K-Nearest Neighbours or Decision Tree Classification.</a:t>
             </a:r>
+            <a:endParaRPr sz="2800"/>
           </a:p>
         </p:txBody>
       </p:sp>
     </p:spTree>
-    <p:extLst>
-      <p:ext uri="{BB962C8B-B14F-4D97-AF65-F5344CB8AC3E}">
-        <p14:creationId xmlns:p14="http://schemas.microsoft.com/office/powerpoint/2010/main" val="434271405"/>
-      </p:ext>
-    </p:extLst>
   </p:cSld>
   <p:clrMapOvr>
     <a:masterClrMapping/>
   </p:clrMapOvr>
+  <mc:AlternateContent xmlns:mc="http://schemas.openxmlformats.org/markup-compatibility/2006">
+    <mc:Choice xmlns:p14="http://schemas.microsoft.com/office/powerpoint/2010/main" Requires="p14">
+      <p:transition p14:dur="2000" advClick="1"/>
+    </mc:Choice>
+    <mc:Fallback>
+      <p:transition advClick="1"/>
+    </mc:Fallback>
+  </mc:AlternateContent>
 </p:sld>
 </file>
 
 <file path=ppt/slides/slide5.xml><?xml version="1.0" encoding="utf-8"?>
-<p:sld xmlns:a="http://schemas.openxmlformats.org/drawingml/2006/main" xmlns:r="http://schemas.openxmlformats.org/officeDocument/2006/relationships" xmlns:p="http://schemas.openxmlformats.org/presentationml/2006/main">
-  <p:cSld>
+<p:sld xmlns:a="http://schemas.openxmlformats.org/drawingml/2006/main" xmlns:r="http://schemas.openxmlformats.org/officeDocument/2006/relationships" xmlns:p="http://schemas.openxmlformats.org/presentationml/2006/main" xmlns:m="http://schemas.openxmlformats.org/officeDocument/2006/math" xmlns:w="http://schemas.openxmlformats.org/wordprocessingml/2006/main" showMasterPhAnim="0" show="1">
+  <p:cSld name="">
     <p:spTree>
       <p:nvGrpSpPr>
-        <p:cNvPr id="1" name=""/>
+        <p:cNvPr id="1" name="" hidden="0"/>
         <p:cNvGrpSpPr/>
-        <p:nvPr/>
+        <p:nvPr isPhoto="0" userDrawn="0"/>
       </p:nvGrpSpPr>
-      <p:grpSpPr>
+      <p:grpSpPr bwMode="auto">
         <a:xfrm>
           <a:off x="0" y="0"/>
           <a:ext cx="0" cy="0"/>
@@ -4872,694 +5073,139 @@
       </p:grpSpPr>
       <p:sp>
         <p:nvSpPr>
-          <p:cNvPr id="2" name="Título 1">
-            <a:extLst>
-              <a:ext uri="{FF2B5EF4-FFF2-40B4-BE49-F238E27FC236}">
-                <a16:creationId xmlns:a16="http://schemas.microsoft.com/office/drawing/2014/main" id="{20CE746B-15ED-CAF1-4D2D-DCFE51D55F69}"/>
-              </a:ext>
-            </a:extLst>
-          </p:cNvPr>
-          <p:cNvSpPr>
-            <a:spLocks noGrp="1"/>
-          </p:cNvSpPr>
-          <p:nvPr>
-            <p:ph type="title"/>
-          </p:nvPr>
-        </p:nvSpPr>
-        <p:spPr/>
+          <p:cNvPr id="2" name="Título 1" hidden="0"/>
+          <p:cNvSpPr>
+            <a:spLocks noGrp="1"/>
+          </p:cNvSpPr>
+          <p:nvPr isPhoto="0" userDrawn="0">
+            <p:ph type="title" hasCustomPrompt="0"/>
+          </p:nvPr>
+        </p:nvSpPr>
+        <p:spPr bwMode="auto"/>
         <p:txBody>
           <a:bodyPr/>
           <a:lstStyle/>
           <a:p>
-            <a:r>
-              <a:rPr lang="pt-PT" dirty="0" err="1"/>
+            <a:pPr>
+              <a:defRPr/>
+            </a:pPr>
+            <a:r>
+              <a:rPr lang="pt-PT"/>
               <a:t>Work</a:t>
             </a:r>
             <a:r>
-              <a:rPr lang="pt-PT" dirty="0"/>
+              <a:rPr lang="pt-PT"/>
               <a:t> </a:t>
             </a:r>
             <a:r>
-              <a:rPr lang="pt-PT" dirty="0" err="1"/>
+              <a:rPr lang="pt-PT"/>
               <a:t>already</a:t>
             </a:r>
             <a:r>
-              <a:rPr lang="pt-PT" dirty="0"/>
+              <a:rPr lang="pt-PT"/>
               <a:t> </a:t>
             </a:r>
             <a:r>
-              <a:rPr lang="pt-PT" dirty="0" err="1"/>
+              <a:rPr lang="pt-PT"/>
               <a:t>done</a:t>
             </a:r>
-            <a:endParaRPr lang="pt-PT" dirty="0"/>
-          </a:p>
-        </p:txBody>
-      </p:sp>
-      <p:sp>
-        <p:nvSpPr>
-          <p:cNvPr id="3" name="Marcador de Posição de Conteúdo 2">
-            <a:extLst>
-              <a:ext uri="{FF2B5EF4-FFF2-40B4-BE49-F238E27FC236}">
-                <a16:creationId xmlns:a16="http://schemas.microsoft.com/office/drawing/2014/main" id="{3BE73127-E3F0-EFC7-D7D9-EBDB0DEE9F41}"/>
-              </a:ext>
-            </a:extLst>
-          </p:cNvPr>
-          <p:cNvSpPr>
-            <a:spLocks noGrp="1"/>
-          </p:cNvSpPr>
-          <p:nvPr>
-            <p:ph idx="1"/>
-          </p:nvPr>
-        </p:nvSpPr>
-        <p:spPr/>
-        <p:txBody>
-          <a:bodyPr vert="horz" lIns="91440" tIns="45720" rIns="91440" bIns="45720" rtlCol="0" anchor="t">
-            <a:normAutofit fontScale="85000" lnSpcReduction="10000"/>
+            <a:endParaRPr lang="pt-PT"/>
+          </a:p>
+        </p:txBody>
+      </p:sp>
+      <p:sp>
+        <p:nvSpPr>
+          <p:cNvPr id="3" name="Marcador de Posição de Conteúdo 2" hidden="0"/>
+          <p:cNvSpPr>
+            <a:spLocks noGrp="1"/>
+          </p:cNvSpPr>
+          <p:nvPr isPhoto="0" userDrawn="0">
+            <p:ph idx="1" hasCustomPrompt="0"/>
+          </p:nvPr>
+        </p:nvSpPr>
+        <p:spPr bwMode="auto"/>
+        <p:txBody>
+          <a:bodyPr vertOverflow="overflow" horzOverflow="clip" vert="horz" wrap="square" lIns="91440" tIns="45720" rIns="91440" bIns="45720" numCol="1" spcCol="0" rtlCol="0" fromWordArt="0" anchor="t" anchorCtr="0" forceAA="0" upright="0" compatLnSpc="0">
+            <a:normAutofit fontScale="85000" lnSpcReduction="3000"/>
           </a:bodyPr>
           <a:lstStyle/>
           <a:p>
-            <a:r>
-              <a:rPr lang="pt-PT" sz="2800" b="1" dirty="0" err="1">
+            <a:pPr>
+              <a:defRPr/>
+            </a:pPr>
+            <a:r>
+              <a:rPr lang="pt-PT" sz="2800" b="1">
                 <a:latin typeface="Avenir Next LT Pro (corpo)"/>
-                <a:ea typeface="Roboto" pitchFamily="2" charset="0"/>
+                <a:ea typeface="Roboto"/>
               </a:rPr>
-              <a:t>Programming</a:t>
-            </a:r>
-            <a:r>
-              <a:rPr lang="pt-PT" sz="2800" b="1" dirty="0">
+              <a:t>Data Pre-Processing</a:t>
+            </a:r>
+            <a:r>
+              <a:rPr lang="pt-PT" sz="2800">
                 <a:latin typeface="Avenir Next LT Pro (corpo)"/>
-                <a:ea typeface="Roboto" pitchFamily="2" charset="0"/>
-              </a:rPr>
-              <a:t> </a:t>
-            </a:r>
-            <a:r>
-              <a:rPr lang="pt-PT" sz="2800" b="1" dirty="0" err="1">
-                <a:latin typeface="Avenir Next LT Pro (corpo)"/>
-                <a:ea typeface="Roboto" pitchFamily="2" charset="0"/>
-              </a:rPr>
-              <a:t>language</a:t>
-            </a:r>
-            <a:r>
-              <a:rPr lang="pt-PT" sz="2800" dirty="0">
-                <a:latin typeface="Avenir Next LT Pro (corpo)"/>
-                <a:ea typeface="Roboto" pitchFamily="2" charset="0"/>
+                <a:ea typeface="Roboto"/>
               </a:rPr>
               <a:t>: </a:t>
             </a:r>
             <a:r>
-              <a:rPr lang="pt-PT" sz="2800" dirty="0" err="1">
+              <a:rPr lang="pt-PT" sz="2800">
                 <a:latin typeface="Avenir Next LT Pro (corpo)"/>
-                <a:ea typeface="Roboto" pitchFamily="2" charset="0"/>
-                <a:hlinkClick r:id="rId2"/>
+                <a:ea typeface="Roboto"/>
               </a:rPr>
-              <a:t>Python</a:t>
-            </a:r>
-            <a:r>
-              <a:rPr lang="pt-PT" sz="2800" dirty="0">
+              <a:t>for this part we have already done a simple explanation of what each column represents as weel as loading all the </a:t>
+            </a:r>
+            <a:r>
+              <a:rPr lang="pt-PT" sz="2800">
                 <a:latin typeface="Avenir Next LT Pro (corpo)"/>
-                <a:ea typeface="Roboto" pitchFamily="2" charset="0"/>
+                <a:ea typeface="Roboto"/>
               </a:rPr>
-              <a:t>, </a:t>
-            </a:r>
-            <a:r>
-              <a:rPr lang="pt-PT" sz="2800" dirty="0" err="1">
+              <a:t>data. After that we verify the existance of any missing values (no null values were found) or repeated values (only the customerId must be unique) and remove unnecessary columns for our analysis (customerId will have no impact for the data study).</a:t>
+            </a:r>
+            <a:r>
+              <a:rPr lang="pt-PT" sz="2800">
                 <a:latin typeface="Avenir Next LT Pro (corpo)"/>
-                <a:ea typeface="Roboto" pitchFamily="2" charset="0"/>
-                <a:hlinkClick r:id="rId3"/>
+                <a:ea typeface="Roboto"/>
               </a:rPr>
-              <a:t>OpenAI</a:t>
-            </a:r>
-            <a:r>
-              <a:rPr lang="pt-PT" sz="2800" dirty="0">
+              <a:t>  </a:t>
+            </a:r>
+            <a:endParaRPr lang="pt-PT" sz="2800">
+              <a:latin typeface="Avenir Next LT Pro (corpo)"/>
+              <a:ea typeface="Roboto"/>
+            </a:endParaRPr>
+          </a:p>
+          <a:p>
+            <a:pPr algn="l">
+              <a:buFont typeface="Arial"/>
+              <a:buChar char="•"/>
+              <a:defRPr/>
+            </a:pPr>
+            <a:r>
+              <a:rPr lang="pt-PT" sz="2800" b="1" i="0" u="none" strike="noStrike" cap="none" spc="0">
+                <a:solidFill>
+                  <a:schemeClr val="tx1">
+                    <a:alpha val="70000"/>
+                  </a:schemeClr>
+                </a:solidFill>
                 <a:latin typeface="Avenir Next LT Pro (corpo)"/>
-                <a:ea typeface="Roboto" pitchFamily="2" charset="0"/>
+                <a:ea typeface="Roboto"/>
+                <a:cs typeface="Avenir Next LT Pro (corpo)"/>
               </a:rPr>
-              <a:t>, </a:t>
-            </a:r>
-            <a:r>
-              <a:rPr lang="pt-PT" sz="2800" dirty="0" err="1">
+              <a:t>Data Visualization</a:t>
+            </a:r>
+            <a:r>
+              <a:rPr lang="pt-PT" sz="2800" b="0" i="0" u="none" strike="noStrike" cap="none" spc="0">
+                <a:solidFill>
+                  <a:schemeClr val="tx1">
+                    <a:alpha val="70000"/>
+                  </a:schemeClr>
+                </a:solidFill>
                 <a:latin typeface="Avenir Next LT Pro (corpo)"/>
-                <a:ea typeface="Roboto" pitchFamily="2" charset="0"/>
-                <a:hlinkClick r:id="rId4"/>
+                <a:ea typeface="Roboto"/>
+                <a:cs typeface="Avenir Next LT Pro (corpo)"/>
               </a:rPr>
-              <a:t>Jupyter</a:t>
-            </a:r>
-            <a:r>
-              <a:rPr lang="pt-PT" sz="2800" dirty="0">
-                <a:latin typeface="Avenir Next LT Pro (corpo)"/>
-                <a:ea typeface="Roboto" pitchFamily="2" charset="0"/>
-                <a:hlinkClick r:id="rId4"/>
-              </a:rPr>
-              <a:t> Notebook</a:t>
-            </a:r>
-            <a:r>
-              <a:rPr lang="pt-PT" sz="2800" dirty="0">
-                <a:latin typeface="Avenir Next LT Pro (corpo)"/>
-                <a:ea typeface="Roboto" pitchFamily="2" charset="0"/>
-              </a:rPr>
-              <a:t> (</a:t>
-            </a:r>
-            <a:r>
-              <a:rPr lang="pt-PT" sz="2800" dirty="0" err="1">
-                <a:latin typeface="Avenir Next LT Pro (corpo)"/>
-                <a:ea typeface="Roboto" pitchFamily="2" charset="0"/>
-              </a:rPr>
-              <a:t>with</a:t>
-            </a:r>
-            <a:r>
-              <a:rPr lang="pt-PT" sz="2800" dirty="0">
-                <a:latin typeface="Avenir Next LT Pro (corpo)"/>
-                <a:ea typeface="Roboto" pitchFamily="2" charset="0"/>
-              </a:rPr>
-              <a:t> </a:t>
-            </a:r>
-            <a:r>
-              <a:rPr lang="pt-PT" sz="2800" dirty="0">
-                <a:latin typeface="Avenir Next LT Pro (corpo)"/>
-                <a:ea typeface="Roboto" pitchFamily="2" charset="0"/>
-                <a:hlinkClick r:id="rId5"/>
-              </a:rPr>
-              <a:t>Anaconda</a:t>
-            </a:r>
-            <a:r>
-              <a:rPr lang="pt-PT" sz="2800" dirty="0">
-                <a:latin typeface="Avenir Next LT Pro (corpo)"/>
-                <a:ea typeface="Roboto" pitchFamily="2" charset="0"/>
-              </a:rPr>
-              <a:t>)</a:t>
-            </a:r>
-            <a:endParaRPr lang="pt-PT" sz="2800" b="1" dirty="0">
-              <a:latin typeface="Avenir Next LT Pro (corpo)"/>
-              <a:ea typeface="Roboto" pitchFamily="2" charset="0"/>
-            </a:endParaRPr>
-          </a:p>
-          <a:p>
-            <a:r>
-              <a:rPr lang="pt-PT" sz="2800" b="1" dirty="0" err="1">
-                <a:latin typeface="Avenir Next LT Pro (corpo)"/>
-                <a:ea typeface="Roboto" pitchFamily="2" charset="0"/>
-              </a:rPr>
-              <a:t>Development</a:t>
-            </a:r>
-            <a:r>
-              <a:rPr lang="pt-PT" sz="2800" b="1" dirty="0">
-                <a:latin typeface="Avenir Next LT Pro (corpo)"/>
-                <a:ea typeface="Roboto" pitchFamily="2" charset="0"/>
-              </a:rPr>
-              <a:t> </a:t>
-            </a:r>
-            <a:r>
-              <a:rPr lang="pt-PT" sz="2800" b="1" dirty="0" err="1">
-                <a:latin typeface="Avenir Next LT Pro (corpo)"/>
-                <a:ea typeface="Roboto" pitchFamily="2" charset="0"/>
-              </a:rPr>
-              <a:t>environment</a:t>
-            </a:r>
-            <a:r>
-              <a:rPr lang="pt-PT" sz="2800" dirty="0">
-                <a:latin typeface="Avenir Next LT Pro (corpo)"/>
-                <a:ea typeface="Roboto" pitchFamily="2" charset="0"/>
-              </a:rPr>
-              <a:t>: </a:t>
-            </a:r>
-            <a:r>
-              <a:rPr lang="pt-PT" sz="2800" dirty="0" err="1">
-                <a:latin typeface="Avenir Next LT Pro (corpo)"/>
-                <a:ea typeface="Roboto" pitchFamily="2" charset="0"/>
-              </a:rPr>
-              <a:t>VSCode</a:t>
-            </a:r>
-            <a:r>
-              <a:rPr lang="pt-PT" sz="2800" dirty="0">
-                <a:latin typeface="Avenir Next LT Pro (corpo)"/>
-                <a:ea typeface="Roboto" pitchFamily="2" charset="0"/>
-              </a:rPr>
-              <a:t>, </a:t>
-            </a:r>
-            <a:r>
-              <a:rPr lang="pt-PT" sz="2800" dirty="0" err="1">
-                <a:latin typeface="Avenir Next LT Pro (corpo)"/>
-                <a:ea typeface="Roboto" pitchFamily="2" charset="0"/>
-              </a:rPr>
-              <a:t>IntelliJ</a:t>
-            </a:r>
-            <a:r>
-              <a:rPr lang="pt-PT" sz="2800" dirty="0">
-                <a:latin typeface="Avenir Next LT Pro (corpo)"/>
-                <a:ea typeface="Roboto" pitchFamily="2" charset="0"/>
-              </a:rPr>
-              <a:t>, </a:t>
-            </a:r>
-            <a:r>
-              <a:rPr lang="pt-PT" sz="2800" dirty="0" err="1">
-                <a:latin typeface="Avenir Next LT Pro (corpo)"/>
-                <a:ea typeface="Roboto" pitchFamily="2" charset="0"/>
-              </a:rPr>
-              <a:t>Pycharm</a:t>
-            </a:r>
-            <a:endParaRPr lang="pt-PT" sz="2800" dirty="0">
-              <a:latin typeface="Avenir Next LT Pro (corpo)"/>
-              <a:ea typeface="Roboto" pitchFamily="2" charset="0"/>
-            </a:endParaRPr>
-          </a:p>
-          <a:p>
-            <a:r>
-              <a:rPr lang="pt-PT" sz="2800" b="1" dirty="0">
-                <a:latin typeface="Avenir Next LT Pro (corpo)"/>
-                <a:ea typeface="Roboto" pitchFamily="2" charset="0"/>
-              </a:rPr>
-              <a:t>Data </a:t>
-            </a:r>
-            <a:r>
-              <a:rPr lang="pt-PT" sz="2800" b="1" dirty="0" err="1">
-                <a:latin typeface="Avenir Next LT Pro (corpo)"/>
-                <a:ea typeface="Roboto" pitchFamily="2" charset="0"/>
-              </a:rPr>
-              <a:t>Structures</a:t>
-            </a:r>
-            <a:r>
-              <a:rPr lang="pt-PT" sz="2800" dirty="0">
-                <a:latin typeface="Avenir Next LT Pro (corpo)"/>
-                <a:ea typeface="Roboto" pitchFamily="2" charset="0"/>
-              </a:rPr>
-              <a:t>:</a:t>
-            </a:r>
-            <a:r>
-              <a:rPr lang="pt-PT" dirty="0">
-                <a:latin typeface="Avenir Next LT Pro (corpo)"/>
-                <a:ea typeface="Roboto" pitchFamily="2" charset="0"/>
-              </a:rPr>
-              <a:t> </a:t>
-            </a:r>
-            <a:r>
-              <a:rPr lang="pt-PT" sz="2800" dirty="0" err="1">
-                <a:latin typeface="Avenir Next LT Pro (corpo)"/>
-                <a:ea typeface="Roboto" pitchFamily="2" charset="0"/>
-              </a:rPr>
-              <a:t>We</a:t>
-            </a:r>
-            <a:r>
-              <a:rPr lang="pt-PT" sz="2800" dirty="0">
-                <a:latin typeface="Avenir Next LT Pro (corpo)"/>
-                <a:ea typeface="Roboto" pitchFamily="2" charset="0"/>
-              </a:rPr>
-              <a:t> </a:t>
-            </a:r>
-            <a:r>
-              <a:rPr lang="pt-PT" sz="2800" dirty="0" err="1">
-                <a:latin typeface="Avenir Next LT Pro (corpo)"/>
-                <a:ea typeface="Roboto" pitchFamily="2" charset="0"/>
-              </a:rPr>
-              <a:t>used</a:t>
-            </a:r>
-            <a:r>
-              <a:rPr lang="pt-PT" sz="2800" dirty="0">
-                <a:latin typeface="Avenir Next LT Pro (corpo)"/>
-                <a:ea typeface="Roboto" pitchFamily="2" charset="0"/>
-              </a:rPr>
-              <a:t> </a:t>
-            </a:r>
-            <a:r>
-              <a:rPr lang="pt-PT" sz="2800" dirty="0" err="1">
-                <a:latin typeface="Avenir Next LT Pro (corpo)"/>
-                <a:ea typeface="Roboto" pitchFamily="2" charset="0"/>
-              </a:rPr>
-              <a:t>our</a:t>
-            </a:r>
-            <a:r>
-              <a:rPr lang="pt-PT" sz="2800" dirty="0">
-                <a:latin typeface="Avenir Next LT Pro (corpo)"/>
-                <a:ea typeface="Roboto" pitchFamily="2" charset="0"/>
-              </a:rPr>
-              <a:t> </a:t>
-            </a:r>
-            <a:r>
-              <a:rPr lang="pt-PT" sz="2800" dirty="0" err="1">
-                <a:latin typeface="Avenir Next LT Pro (corpo)"/>
-                <a:ea typeface="Roboto" pitchFamily="2" charset="0"/>
-              </a:rPr>
-              <a:t>imports</a:t>
-            </a:r>
-            <a:r>
-              <a:rPr lang="pt-PT" sz="2800" dirty="0">
-                <a:latin typeface="Avenir Next LT Pro (corpo)"/>
-                <a:ea typeface="Roboto" pitchFamily="2" charset="0"/>
-              </a:rPr>
-              <a:t> to </a:t>
-            </a:r>
-            <a:r>
-              <a:rPr lang="pt-PT" sz="2800" dirty="0" err="1">
-                <a:latin typeface="Avenir Next LT Pro (corpo)"/>
-                <a:ea typeface="Roboto" pitchFamily="2" charset="0"/>
-              </a:rPr>
-              <a:t>manage</a:t>
-            </a:r>
-            <a:r>
-              <a:rPr lang="pt-PT" dirty="0">
-                <a:latin typeface="Avenir Next LT Pro (corpo)"/>
-                <a:ea typeface="Roboto" pitchFamily="2" charset="0"/>
-              </a:rPr>
-              <a:t>, </a:t>
-            </a:r>
-            <a:r>
-              <a:rPr lang="pt-PT" dirty="0" err="1">
-                <a:latin typeface="Avenir Next LT Pro (corpo)"/>
-                <a:ea typeface="Roboto" pitchFamily="2" charset="0"/>
-              </a:rPr>
-              <a:t>access</a:t>
-            </a:r>
-            <a:r>
-              <a:rPr lang="pt-PT" dirty="0">
-                <a:latin typeface="Avenir Next LT Pro (corpo)"/>
-                <a:ea typeface="Roboto" pitchFamily="2" charset="0"/>
-              </a:rPr>
-              <a:t> </a:t>
-            </a:r>
-            <a:r>
-              <a:rPr lang="pt-PT" dirty="0" err="1">
-                <a:latin typeface="Avenir Next LT Pro (corpo)"/>
-                <a:ea typeface="Roboto" pitchFamily="2" charset="0"/>
-              </a:rPr>
-              <a:t>and</a:t>
-            </a:r>
-            <a:r>
-              <a:rPr lang="pt-PT" dirty="0">
-                <a:latin typeface="Avenir Next LT Pro (corpo)"/>
-                <a:ea typeface="Roboto" pitchFamily="2" charset="0"/>
-              </a:rPr>
-              <a:t> </a:t>
-            </a:r>
-            <a:r>
-              <a:rPr lang="pt-PT" dirty="0" err="1">
-                <a:latin typeface="Avenir Next LT Pro (corpo)"/>
-                <a:ea typeface="Roboto" pitchFamily="2" charset="0"/>
-              </a:rPr>
-              <a:t>store</a:t>
-            </a:r>
-            <a:r>
-              <a:rPr lang="pt-PT">
-                <a:latin typeface="Avenir Next LT Pro (corpo)"/>
-                <a:ea typeface="Roboto" pitchFamily="2" charset="0"/>
-              </a:rPr>
-              <a:t> data</a:t>
-            </a:r>
-            <a:endParaRPr lang="pt-PT" sz="2800" dirty="0">
-              <a:latin typeface="Avenir Next LT Pro (corpo)"/>
-              <a:ea typeface="Roboto" pitchFamily="2" charset="0"/>
-            </a:endParaRPr>
-          </a:p>
-          <a:p>
-            <a:r>
-              <a:rPr lang="pt-PT" sz="2800" b="1" dirty="0">
-                <a:latin typeface="Avenir Next LT Pro (corpo)"/>
-                <a:ea typeface="Roboto" pitchFamily="2" charset="0"/>
-              </a:rPr>
-              <a:t>File </a:t>
-            </a:r>
-            <a:r>
-              <a:rPr lang="pt-PT" sz="2800" b="1" dirty="0" err="1">
-                <a:latin typeface="Avenir Next LT Pro (corpo)"/>
-                <a:ea typeface="Roboto" pitchFamily="2" charset="0"/>
-              </a:rPr>
-              <a:t>Structure</a:t>
-            </a:r>
-            <a:r>
-              <a:rPr lang="pt-PT" sz="2800" dirty="0">
-                <a:latin typeface="Avenir Next LT Pro (corpo)"/>
-                <a:ea typeface="Roboto" pitchFamily="2" charset="0"/>
-              </a:rPr>
-              <a:t>: </a:t>
-            </a:r>
-            <a:r>
-              <a:rPr lang="pt-PT" sz="2800" dirty="0" err="1">
-                <a:latin typeface="Avenir Next LT Pro (corpo)"/>
-                <a:ea typeface="Roboto" pitchFamily="2" charset="0"/>
-              </a:rPr>
-              <a:t>The</a:t>
-            </a:r>
-            <a:r>
-              <a:rPr lang="pt-PT" sz="2800" dirty="0">
-                <a:latin typeface="Avenir Next LT Pro (corpo)"/>
-                <a:ea typeface="Roboto" pitchFamily="2" charset="0"/>
-              </a:rPr>
-              <a:t> </a:t>
-            </a:r>
-            <a:r>
-              <a:rPr lang="pt-PT" sz="2800" dirty="0" err="1">
-                <a:latin typeface="Avenir Next LT Pro (corpo)"/>
-                <a:ea typeface="Roboto" pitchFamily="2" charset="0"/>
-              </a:rPr>
-              <a:t>Project’s</a:t>
-            </a:r>
-            <a:r>
-              <a:rPr lang="pt-PT" sz="2800" dirty="0">
-                <a:latin typeface="Avenir Next LT Pro (corpo)"/>
-                <a:ea typeface="Roboto" pitchFamily="2" charset="0"/>
-              </a:rPr>
-              <a:t> </a:t>
-            </a:r>
-            <a:r>
-              <a:rPr lang="pt-PT" sz="2800" dirty="0" err="1">
-                <a:latin typeface="Avenir Next LT Pro (corpo)"/>
-                <a:ea typeface="Roboto" pitchFamily="2" charset="0"/>
-              </a:rPr>
-              <a:t>Repository</a:t>
-            </a:r>
-            <a:r>
-              <a:rPr lang="pt-PT" sz="2800" dirty="0">
-                <a:latin typeface="Avenir Next LT Pro (corpo)"/>
-                <a:ea typeface="Roboto" pitchFamily="2" charset="0"/>
-              </a:rPr>
-              <a:t> </a:t>
-            </a:r>
-            <a:r>
-              <a:rPr lang="pt-PT" sz="2800" dirty="0" err="1">
-                <a:latin typeface="Avenir Next LT Pro (corpo)"/>
-                <a:ea typeface="Roboto" pitchFamily="2" charset="0"/>
-              </a:rPr>
-              <a:t>is</a:t>
-            </a:r>
-            <a:r>
-              <a:rPr lang="pt-PT" sz="2800" dirty="0">
-                <a:latin typeface="Avenir Next LT Pro (corpo)"/>
-                <a:ea typeface="Roboto" pitchFamily="2" charset="0"/>
-              </a:rPr>
-              <a:t> </a:t>
-            </a:r>
-            <a:r>
-              <a:rPr lang="pt-PT" sz="2800" dirty="0" err="1">
-                <a:latin typeface="Avenir Next LT Pro (corpo)"/>
-                <a:ea typeface="Roboto" pitchFamily="2" charset="0"/>
-              </a:rPr>
-              <a:t>available</a:t>
-            </a:r>
-            <a:r>
-              <a:rPr lang="pt-PT" sz="2800" dirty="0">
-                <a:latin typeface="Avenir Next LT Pro (corpo)"/>
-                <a:ea typeface="Roboto" pitchFamily="2" charset="0"/>
-              </a:rPr>
-              <a:t> </a:t>
-            </a:r>
-            <a:r>
-              <a:rPr lang="pt-PT" sz="2800" dirty="0" err="1">
-                <a:latin typeface="Avenir Next LT Pro (corpo)"/>
-                <a:ea typeface="Roboto" pitchFamily="2" charset="0"/>
-              </a:rPr>
-              <a:t>at</a:t>
-            </a:r>
-            <a:r>
-              <a:rPr lang="pt-PT" sz="2800" dirty="0">
-                <a:latin typeface="Avenir Next LT Pro (corpo)"/>
-                <a:ea typeface="Roboto" pitchFamily="2" charset="0"/>
-              </a:rPr>
-              <a:t> </a:t>
-            </a:r>
-            <a:r>
-              <a:rPr lang="pt-PT" sz="2800" dirty="0" err="1">
-                <a:latin typeface="Avenir Next LT Pro (corpo)"/>
-                <a:ea typeface="Roboto" pitchFamily="2" charset="0"/>
-                <a:hlinkClick r:id="rId6"/>
-              </a:rPr>
-              <a:t>Github</a:t>
-            </a:r>
-            <a:endParaRPr lang="pt-PT" sz="2800" dirty="0">
-              <a:latin typeface="Avenir Next LT Pro (corpo)"/>
-              <a:ea typeface="Roboto" pitchFamily="2" charset="0"/>
-            </a:endParaRPr>
-          </a:p>
-          <a:p>
-            <a:r>
-              <a:rPr lang="pt-PT" sz="2800" b="1" dirty="0" err="1">
-                <a:latin typeface="Avenir Next LT Pro (corpo)"/>
-                <a:ea typeface="Roboto" pitchFamily="2" charset="0"/>
-              </a:rPr>
-              <a:t>Implemented</a:t>
-            </a:r>
-            <a:r>
-              <a:rPr lang="pt-PT" sz="2800" b="1" dirty="0">
-                <a:latin typeface="Avenir Next LT Pro (corpo)"/>
-                <a:ea typeface="Roboto" pitchFamily="2" charset="0"/>
-              </a:rPr>
-              <a:t> </a:t>
-            </a:r>
-            <a:r>
-              <a:rPr lang="pt-PT" sz="2800" b="1" dirty="0" err="1">
-                <a:latin typeface="Avenir Next LT Pro (corpo)"/>
-                <a:ea typeface="Roboto" pitchFamily="2" charset="0"/>
-              </a:rPr>
-              <a:t>Work</a:t>
-            </a:r>
-            <a:r>
-              <a:rPr lang="pt-PT" sz="2800" dirty="0">
-                <a:latin typeface="Avenir Next LT Pro (corpo)"/>
-                <a:ea typeface="Roboto" pitchFamily="2" charset="0"/>
-              </a:rPr>
-              <a:t>: </a:t>
-            </a:r>
-            <a:r>
-              <a:rPr lang="pt-PT" dirty="0">
-                <a:latin typeface="Avenir Next LT Pro (corpo)"/>
-                <a:ea typeface="Roboto" pitchFamily="2" charset="0"/>
-              </a:rPr>
-              <a:t>Data </a:t>
-            </a:r>
-            <a:r>
-              <a:rPr lang="pt-PT" dirty="0" err="1">
-                <a:latin typeface="Avenir Next LT Pro (corpo)"/>
-                <a:ea typeface="Roboto" pitchFamily="2" charset="0"/>
-              </a:rPr>
-              <a:t>Pre-Processing</a:t>
-            </a:r>
-            <a:r>
-              <a:rPr lang="pt-PT" dirty="0">
-                <a:latin typeface="Avenir Next LT Pro (corpo)"/>
-                <a:ea typeface="Roboto" pitchFamily="2" charset="0"/>
-              </a:rPr>
-              <a:t>, data </a:t>
-            </a:r>
-            <a:r>
-              <a:rPr lang="pt-PT" dirty="0" err="1">
-                <a:latin typeface="Avenir Next LT Pro (corpo)"/>
-                <a:ea typeface="Roboto" pitchFamily="2" charset="0"/>
-              </a:rPr>
-              <a:t>graphics</a:t>
-            </a:r>
-            <a:r>
-              <a:rPr lang="pt-PT" dirty="0">
-                <a:latin typeface="Avenir Next LT Pro (corpo)"/>
-                <a:ea typeface="Roboto" pitchFamily="2" charset="0"/>
-              </a:rPr>
-              <a:t>, </a:t>
-            </a:r>
-            <a:r>
-              <a:rPr lang="pt-PT" dirty="0" err="1">
-                <a:latin typeface="Avenir Next LT Pro (corpo)"/>
-                <a:ea typeface="Roboto" pitchFamily="2" charset="0"/>
-              </a:rPr>
-              <a:t>repeated</a:t>
-            </a:r>
-            <a:r>
-              <a:rPr lang="pt-PT" dirty="0">
-                <a:latin typeface="Avenir Next LT Pro (corpo)"/>
-                <a:ea typeface="Roboto" pitchFamily="2" charset="0"/>
-              </a:rPr>
-              <a:t> </a:t>
-            </a:r>
-            <a:r>
-              <a:rPr lang="pt-PT" dirty="0" err="1">
-                <a:latin typeface="Avenir Next LT Pro (corpo)"/>
-                <a:ea typeface="Roboto" pitchFamily="2" charset="0"/>
-              </a:rPr>
-              <a:t>values</a:t>
-            </a:r>
-            <a:r>
-              <a:rPr lang="pt-PT" dirty="0">
-                <a:latin typeface="Avenir Next LT Pro (corpo)"/>
-                <a:ea typeface="Roboto" pitchFamily="2" charset="0"/>
-              </a:rPr>
-              <a:t>, </a:t>
-            </a:r>
-            <a:r>
-              <a:rPr lang="pt-PT" dirty="0" err="1">
-                <a:latin typeface="Avenir Next LT Pro (corpo)"/>
-                <a:ea typeface="Roboto" pitchFamily="2" charset="0"/>
-              </a:rPr>
-              <a:t>null</a:t>
-            </a:r>
-            <a:r>
-              <a:rPr lang="pt-PT" dirty="0">
-                <a:latin typeface="Avenir Next LT Pro (corpo)"/>
-                <a:ea typeface="Roboto" pitchFamily="2" charset="0"/>
-              </a:rPr>
-              <a:t> </a:t>
-            </a:r>
-            <a:r>
-              <a:rPr lang="pt-PT" dirty="0" err="1">
-                <a:latin typeface="Avenir Next LT Pro (corpo)"/>
-                <a:ea typeface="Roboto" pitchFamily="2" charset="0"/>
-              </a:rPr>
-              <a:t>values</a:t>
-            </a:r>
-            <a:r>
-              <a:rPr lang="pt-PT" dirty="0">
-                <a:latin typeface="Avenir Next LT Pro (corpo)"/>
-                <a:ea typeface="Roboto" pitchFamily="2" charset="0"/>
-              </a:rPr>
-              <a:t> </a:t>
-            </a:r>
-            <a:r>
-              <a:rPr lang="pt-PT" dirty="0" err="1">
-                <a:latin typeface="Avenir Next LT Pro (corpo)"/>
-                <a:ea typeface="Roboto" pitchFamily="2" charset="0"/>
-              </a:rPr>
-              <a:t>and</a:t>
-            </a:r>
-            <a:r>
-              <a:rPr lang="pt-PT" dirty="0">
-                <a:latin typeface="Avenir Next LT Pro (corpo)"/>
-                <a:ea typeface="Roboto" pitchFamily="2" charset="0"/>
-              </a:rPr>
-              <a:t> </a:t>
-            </a:r>
-            <a:r>
-              <a:rPr lang="pt-PT" dirty="0" err="1">
-                <a:latin typeface="Avenir Next LT Pro (corpo)"/>
-                <a:ea typeface="Roboto" pitchFamily="2" charset="0"/>
-              </a:rPr>
-              <a:t>unnecessary</a:t>
-            </a:r>
-            <a:r>
-              <a:rPr lang="pt-PT" dirty="0">
-                <a:latin typeface="Avenir Next LT Pro (corpo)"/>
-                <a:ea typeface="Roboto" pitchFamily="2" charset="0"/>
-              </a:rPr>
-              <a:t> </a:t>
-            </a:r>
-            <a:r>
-              <a:rPr lang="pt-PT" dirty="0" err="1">
-                <a:latin typeface="Avenir Next LT Pro (corpo)"/>
-                <a:ea typeface="Roboto" pitchFamily="2" charset="0"/>
-              </a:rPr>
-              <a:t>columns</a:t>
-            </a:r>
-            <a:r>
-              <a:rPr lang="pt-PT" dirty="0">
-                <a:latin typeface="Avenir Next LT Pro (corpo)"/>
-                <a:ea typeface="Roboto" pitchFamily="2" charset="0"/>
-              </a:rPr>
-              <a:t>;</a:t>
-            </a:r>
-            <a:endParaRPr lang="pt-PT" sz="2800" dirty="0">
-              <a:latin typeface="Avenir Next LT Pro (corpo)"/>
-              <a:ea typeface="Roboto" pitchFamily="2" charset="0"/>
-            </a:endParaRPr>
-          </a:p>
-          <a:p>
-            <a:pPr algn="l">
-              <a:buFont typeface="Arial" panose="020B0604020202020204" pitchFamily="34" charset="0"/>
-              <a:buChar char="•"/>
-            </a:pPr>
-            <a:endParaRPr lang="pt-PT" dirty="0">
+              <a:t>: we made a simple bar plot to compare the churn and an histogram to verify any relation between tenure, gender and churn.</a:t>
+            </a:r>
+            <a:endParaRPr lang="pt-PT">
               <a:solidFill>
                 <a:srgbClr val="FFFFFF">
                   <a:alpha val="70000"/>
@@ -5571,20 +5217,23 @@
         </p:txBody>
       </p:sp>
     </p:spTree>
-    <p:extLst>
-      <p:ext uri="{BB962C8B-B14F-4D97-AF65-F5344CB8AC3E}">
-        <p14:creationId xmlns:p14="http://schemas.microsoft.com/office/powerpoint/2010/main" val="4042985322"/>
-      </p:ext>
-    </p:extLst>
   </p:cSld>
   <p:clrMapOvr>
     <a:masterClrMapping/>
   </p:clrMapOvr>
+  <mc:AlternateContent xmlns:mc="http://schemas.openxmlformats.org/markup-compatibility/2006">
+    <mc:Choice xmlns:p14="http://schemas.microsoft.com/office/powerpoint/2010/main" Requires="p14">
+      <p:transition p14:dur="2000" advClick="1"/>
+    </mc:Choice>
+    <mc:Fallback>
+      <p:transition advClick="1"/>
+    </mc:Fallback>
+  </mc:AlternateContent>
 </p:sld>
 </file>
 
 <file path=ppt/theme/theme1.xml><?xml version="1.0" encoding="utf-8"?>
-<a:theme xmlns:a="http://schemas.openxmlformats.org/drawingml/2006/main" name="PebbleVTI">
+<a:theme xmlns:a="http://schemas.openxmlformats.org/drawingml/2006/main" xmlns:r="http://schemas.openxmlformats.org/officeDocument/2006/relationships" xmlns:p="http://schemas.openxmlformats.org/presentationml/2006/main" name="PebbleVTI">
   <a:themeElements>
     <a:clrScheme name="Blush 3">
       <a:dk1>
@@ -5787,6 +5436,5 @@
     </a:fmtScheme>
   </a:themeElements>
   <a:objectDefaults/>
-  <a:extraClrSchemeLst/>
 </a:theme>
 </file>
--- a/proj2/iart_proj2_checkpoint.pptx
+++ b/proj2/iart_proj2_checkpoint.pptx
@@ -1,15 +1,18 @@
 
 <file path=ppt/presentation.xml><?xml version="1.0" encoding="utf-8"?>
-<p:presentation xmlns:a="http://schemas.openxmlformats.org/drawingml/2006/main" xmlns:r="http://schemas.openxmlformats.org/officeDocument/2006/relationships" xmlns:p="http://schemas.openxmlformats.org/presentationml/2006/main" xmlns:m="http://schemas.openxmlformats.org/officeDocument/2006/math" xmlns:w="http://schemas.openxmlformats.org/wordprocessingml/2006/main" saveSubsetFonts="1">
+<p:presentation xmlns:a="http://schemas.openxmlformats.org/drawingml/2006/main" xmlns:r="http://schemas.openxmlformats.org/officeDocument/2006/relationships" xmlns:p="http://schemas.openxmlformats.org/presentationml/2006/main" saveSubsetFonts="1">
   <p:sldMasterIdLst>
     <p:sldMasterId id="2147483648" r:id="rId1"/>
   </p:sldMasterIdLst>
+  <p:notesMasterIdLst>
+    <p:notesMasterId r:id="rId7"/>
+  </p:notesMasterIdLst>
   <p:sldIdLst>
-    <p:sldId id="256" r:id="rId3"/>
-    <p:sldId id="257" r:id="rId4"/>
-    <p:sldId id="258" r:id="rId5"/>
-    <p:sldId id="259" r:id="rId6"/>
-    <p:sldId id="260" r:id="rId7"/>
+    <p:sldId id="256" r:id="rId2"/>
+    <p:sldId id="257" r:id="rId3"/>
+    <p:sldId id="258" r:id="rId4"/>
+    <p:sldId id="259" r:id="rId5"/>
+    <p:sldId id="260" r:id="rId6"/>
   </p:sldIdLst>
   <p:sldSz cx="12192000" cy="6858000"/>
   <p:notesSz cx="12192000" cy="6858000"/>
@@ -108,17 +111,466 @@
       </a:defRPr>
     </a:lvl9pPr>
   </p:defaultTextStyle>
+  <p:extLst>
+    <p:ext uri="{EFAFB233-063F-42B5-8137-9DF3F51BA10A}">
+      <p15:sldGuideLst xmlns:p15="http://schemas.microsoft.com/office/powerpoint/2012/main">
+        <p15:guide id="1" orient="horz" pos="2160">
+          <p15:clr>
+            <a:srgbClr val="A4A3A4"/>
+          </p15:clr>
+        </p15:guide>
+        <p15:guide id="2" pos="2880">
+          <p15:clr>
+            <a:srgbClr val="A4A3A4"/>
+          </p15:clr>
+        </p15:guide>
+      </p15:sldGuideLst>
+    </p:ext>
+  </p:extLst>
 </p:presentation>
 </file>
 
+<file path=ppt/notesMasters/notesMaster1.xml><?xml version="1.0" encoding="utf-8"?>
+<p:notesMaster xmlns:a="http://schemas.openxmlformats.org/drawingml/2006/main" xmlns:r="http://schemas.openxmlformats.org/officeDocument/2006/relationships" xmlns:p="http://schemas.openxmlformats.org/presentationml/2006/main">
+  <p:cSld>
+    <p:bg>
+      <p:bgRef idx="1001">
+        <a:schemeClr val="bg1"/>
+      </p:bgRef>
+    </p:bg>
+    <p:spTree>
+      <p:nvGrpSpPr>
+        <p:cNvPr id="1" name=""/>
+        <p:cNvGrpSpPr/>
+        <p:nvPr/>
+      </p:nvGrpSpPr>
+      <p:grpSpPr>
+        <a:xfrm>
+          <a:off x="0" y="0"/>
+          <a:ext cx="0" cy="0"/>
+          <a:chOff x="0" y="0"/>
+          <a:chExt cx="0" cy="0"/>
+        </a:xfrm>
+      </p:grpSpPr>
+      <p:sp>
+        <p:nvSpPr>
+          <p:cNvPr id="2" name="Marcador de Posição do Cabeçalho 1"/>
+          <p:cNvSpPr>
+            <a:spLocks noGrp="1"/>
+          </p:cNvSpPr>
+          <p:nvPr>
+            <p:ph type="hdr" sz="quarter"/>
+          </p:nvPr>
+        </p:nvSpPr>
+        <p:spPr>
+          <a:xfrm>
+            <a:off x="0" y="0"/>
+            <a:ext cx="5283200" cy="344488"/>
+          </a:xfrm>
+          <a:prstGeom prst="rect">
+            <a:avLst/>
+          </a:prstGeom>
+        </p:spPr>
+        <p:txBody>
+          <a:bodyPr vert="horz" lIns="91440" tIns="45720" rIns="91440" bIns="45720" rtlCol="0"/>
+          <a:lstStyle>
+            <a:lvl1pPr algn="l">
+              <a:defRPr sz="1200"/>
+            </a:lvl1pPr>
+          </a:lstStyle>
+          <a:p>
+            <a:endParaRPr lang="pt-PT"/>
+          </a:p>
+        </p:txBody>
+      </p:sp>
+      <p:sp>
+        <p:nvSpPr>
+          <p:cNvPr id="3" name="Marcador de Posição da Data 2"/>
+          <p:cNvSpPr>
+            <a:spLocks noGrp="1"/>
+          </p:cNvSpPr>
+          <p:nvPr>
+            <p:ph type="dt" idx="1"/>
+          </p:nvPr>
+        </p:nvSpPr>
+        <p:spPr>
+          <a:xfrm>
+            <a:off x="6905625" y="0"/>
+            <a:ext cx="5283200" cy="344488"/>
+          </a:xfrm>
+          <a:prstGeom prst="rect">
+            <a:avLst/>
+          </a:prstGeom>
+        </p:spPr>
+        <p:txBody>
+          <a:bodyPr vert="horz" lIns="91440" tIns="45720" rIns="91440" bIns="45720" rtlCol="0"/>
+          <a:lstStyle>
+            <a:lvl1pPr algn="r">
+              <a:defRPr sz="1200"/>
+            </a:lvl1pPr>
+          </a:lstStyle>
+          <a:p>
+            <a:fld id="{30A5F19B-3EB1-F848-A302-20FE57755276}" type="datetimeFigureOut">
+              <a:rPr lang="pt-PT" smtClean="0"/>
+              <a:t>31/05/22</a:t>
+            </a:fld>
+            <a:endParaRPr lang="pt-PT"/>
+          </a:p>
+        </p:txBody>
+      </p:sp>
+      <p:sp>
+        <p:nvSpPr>
+          <p:cNvPr id="4" name="Marcador de Posição da Imagem do Diapositivo 3"/>
+          <p:cNvSpPr>
+            <a:spLocks noGrp="1" noRot="1" noChangeAspect="1"/>
+          </p:cNvSpPr>
+          <p:nvPr>
+            <p:ph type="sldImg" idx="2"/>
+          </p:nvPr>
+        </p:nvSpPr>
+        <p:spPr>
+          <a:xfrm>
+            <a:off x="4038600" y="857250"/>
+            <a:ext cx="4114800" cy="2314575"/>
+          </a:xfrm>
+          <a:prstGeom prst="rect">
+            <a:avLst/>
+          </a:prstGeom>
+          <a:noFill/>
+          <a:ln w="12700">
+            <a:solidFill>
+              <a:prstClr val="black"/>
+            </a:solidFill>
+          </a:ln>
+        </p:spPr>
+        <p:txBody>
+          <a:bodyPr vert="horz" lIns="91440" tIns="45720" rIns="91440" bIns="45720" rtlCol="0" anchor="ctr"/>
+          <a:lstStyle/>
+          <a:p>
+            <a:endParaRPr lang="pt-PT"/>
+          </a:p>
+        </p:txBody>
+      </p:sp>
+      <p:sp>
+        <p:nvSpPr>
+          <p:cNvPr id="5" name="Marcador de Posição de Notas 4"/>
+          <p:cNvSpPr>
+            <a:spLocks noGrp="1"/>
+          </p:cNvSpPr>
+          <p:nvPr>
+            <p:ph type="body" sz="quarter" idx="3"/>
+          </p:nvPr>
+        </p:nvSpPr>
+        <p:spPr>
+          <a:xfrm>
+            <a:off x="1219200" y="3300413"/>
+            <a:ext cx="9753600" cy="2700337"/>
+          </a:xfrm>
+          <a:prstGeom prst="rect">
+            <a:avLst/>
+          </a:prstGeom>
+        </p:spPr>
+        <p:txBody>
+          <a:bodyPr vert="horz" lIns="91440" tIns="45720" rIns="91440" bIns="45720" rtlCol="0"/>
+          <a:lstStyle/>
+          <a:p>
+            <a:pPr lvl="0"/>
+            <a:r>
+              <a:rPr lang="pt-PT"/>
+              <a:t>Clique para editar os estilos do texto de Modelo Global</a:t>
+            </a:r>
+          </a:p>
+          <a:p>
+            <a:pPr lvl="1"/>
+            <a:r>
+              <a:rPr lang="pt-PT"/>
+              <a:t>Segundo nível</a:t>
+            </a:r>
+          </a:p>
+          <a:p>
+            <a:pPr lvl="2"/>
+            <a:r>
+              <a:rPr lang="pt-PT"/>
+              <a:t>Terceiro nível</a:t>
+            </a:r>
+          </a:p>
+          <a:p>
+            <a:pPr lvl="3"/>
+            <a:r>
+              <a:rPr lang="pt-PT"/>
+              <a:t>Quarto nível</a:t>
+            </a:r>
+          </a:p>
+          <a:p>
+            <a:pPr lvl="4"/>
+            <a:r>
+              <a:rPr lang="pt-PT"/>
+              <a:t>Quinto nível</a:t>
+            </a:r>
+          </a:p>
+        </p:txBody>
+      </p:sp>
+      <p:sp>
+        <p:nvSpPr>
+          <p:cNvPr id="6" name="Marcador de Posição do Rodapé 5"/>
+          <p:cNvSpPr>
+            <a:spLocks noGrp="1"/>
+          </p:cNvSpPr>
+          <p:nvPr>
+            <p:ph type="ftr" sz="quarter" idx="4"/>
+          </p:nvPr>
+        </p:nvSpPr>
+        <p:spPr>
+          <a:xfrm>
+            <a:off x="0" y="6513513"/>
+            <a:ext cx="5283200" cy="344487"/>
+          </a:xfrm>
+          <a:prstGeom prst="rect">
+            <a:avLst/>
+          </a:prstGeom>
+        </p:spPr>
+        <p:txBody>
+          <a:bodyPr vert="horz" lIns="91440" tIns="45720" rIns="91440" bIns="45720" rtlCol="0" anchor="b"/>
+          <a:lstStyle>
+            <a:lvl1pPr algn="l">
+              <a:defRPr sz="1200"/>
+            </a:lvl1pPr>
+          </a:lstStyle>
+          <a:p>
+            <a:endParaRPr lang="pt-PT"/>
+          </a:p>
+        </p:txBody>
+      </p:sp>
+      <p:sp>
+        <p:nvSpPr>
+          <p:cNvPr id="7" name="Marcador de Posição do Número do Diapositivo 6"/>
+          <p:cNvSpPr>
+            <a:spLocks noGrp="1"/>
+          </p:cNvSpPr>
+          <p:nvPr>
+            <p:ph type="sldNum" sz="quarter" idx="5"/>
+          </p:nvPr>
+        </p:nvSpPr>
+        <p:spPr>
+          <a:xfrm>
+            <a:off x="6905625" y="6513513"/>
+            <a:ext cx="5283200" cy="344487"/>
+          </a:xfrm>
+          <a:prstGeom prst="rect">
+            <a:avLst/>
+          </a:prstGeom>
+        </p:spPr>
+        <p:txBody>
+          <a:bodyPr vert="horz" lIns="91440" tIns="45720" rIns="91440" bIns="45720" rtlCol="0" anchor="b"/>
+          <a:lstStyle>
+            <a:lvl1pPr algn="r">
+              <a:defRPr sz="1200"/>
+            </a:lvl1pPr>
+          </a:lstStyle>
+          <a:p>
+            <a:fld id="{BAFA80C9-E1B6-9741-9321-29D15646B04A}" type="slidenum">
+              <a:rPr lang="pt-PT" smtClean="0"/>
+              <a:t>‹nº›</a:t>
+            </a:fld>
+            <a:endParaRPr lang="pt-PT"/>
+          </a:p>
+        </p:txBody>
+      </p:sp>
+    </p:spTree>
+    <p:extLst>
+      <p:ext uri="{BB962C8B-B14F-4D97-AF65-F5344CB8AC3E}">
+        <p14:creationId xmlns:p14="http://schemas.microsoft.com/office/powerpoint/2010/main" val="497964751"/>
+      </p:ext>
+    </p:extLst>
+  </p:cSld>
+  <p:clrMap bg1="lt1" tx1="dk1" bg2="lt2" tx2="dk2" accent1="accent1" accent2="accent2" accent3="accent3" accent4="accent4" accent5="accent5" accent6="accent6" hlink="hlink" folHlink="folHlink"/>
+  <p:notesStyle>
+    <a:lvl1pPr marL="0" algn="l" defTabSz="914400" rtl="0" eaLnBrk="1" latinLnBrk="0" hangingPunct="1">
+      <a:defRPr sz="1200" kern="1200">
+        <a:solidFill>
+          <a:schemeClr val="tx1"/>
+        </a:solidFill>
+        <a:latin typeface="+mn-lt"/>
+        <a:ea typeface="+mn-ea"/>
+        <a:cs typeface="+mn-cs"/>
+      </a:defRPr>
+    </a:lvl1pPr>
+    <a:lvl2pPr marL="457200" algn="l" defTabSz="914400" rtl="0" eaLnBrk="1" latinLnBrk="0" hangingPunct="1">
+      <a:defRPr sz="1200" kern="1200">
+        <a:solidFill>
+          <a:schemeClr val="tx1"/>
+        </a:solidFill>
+        <a:latin typeface="+mn-lt"/>
+        <a:ea typeface="+mn-ea"/>
+        <a:cs typeface="+mn-cs"/>
+      </a:defRPr>
+    </a:lvl2pPr>
+    <a:lvl3pPr marL="914400" algn="l" defTabSz="914400" rtl="0" eaLnBrk="1" latinLnBrk="0" hangingPunct="1">
+      <a:defRPr sz="1200" kern="1200">
+        <a:solidFill>
+          <a:schemeClr val="tx1"/>
+        </a:solidFill>
+        <a:latin typeface="+mn-lt"/>
+        <a:ea typeface="+mn-ea"/>
+        <a:cs typeface="+mn-cs"/>
+      </a:defRPr>
+    </a:lvl3pPr>
+    <a:lvl4pPr marL="1371600" algn="l" defTabSz="914400" rtl="0" eaLnBrk="1" latinLnBrk="0" hangingPunct="1">
+      <a:defRPr sz="1200" kern="1200">
+        <a:solidFill>
+          <a:schemeClr val="tx1"/>
+        </a:solidFill>
+        <a:latin typeface="+mn-lt"/>
+        <a:ea typeface="+mn-ea"/>
+        <a:cs typeface="+mn-cs"/>
+      </a:defRPr>
+    </a:lvl4pPr>
+    <a:lvl5pPr marL="1828800" algn="l" defTabSz="914400" rtl="0" eaLnBrk="1" latinLnBrk="0" hangingPunct="1">
+      <a:defRPr sz="1200" kern="1200">
+        <a:solidFill>
+          <a:schemeClr val="tx1"/>
+        </a:solidFill>
+        <a:latin typeface="+mn-lt"/>
+        <a:ea typeface="+mn-ea"/>
+        <a:cs typeface="+mn-cs"/>
+      </a:defRPr>
+    </a:lvl5pPr>
+    <a:lvl6pPr marL="2286000" algn="l" defTabSz="914400" rtl="0" eaLnBrk="1" latinLnBrk="0" hangingPunct="1">
+      <a:defRPr sz="1200" kern="1200">
+        <a:solidFill>
+          <a:schemeClr val="tx1"/>
+        </a:solidFill>
+        <a:latin typeface="+mn-lt"/>
+        <a:ea typeface="+mn-ea"/>
+        <a:cs typeface="+mn-cs"/>
+      </a:defRPr>
+    </a:lvl6pPr>
+    <a:lvl7pPr marL="2743200" algn="l" defTabSz="914400" rtl="0" eaLnBrk="1" latinLnBrk="0" hangingPunct="1">
+      <a:defRPr sz="1200" kern="1200">
+        <a:solidFill>
+          <a:schemeClr val="tx1"/>
+        </a:solidFill>
+        <a:latin typeface="+mn-lt"/>
+        <a:ea typeface="+mn-ea"/>
+        <a:cs typeface="+mn-cs"/>
+      </a:defRPr>
+    </a:lvl7pPr>
+    <a:lvl8pPr marL="3200400" algn="l" defTabSz="914400" rtl="0" eaLnBrk="1" latinLnBrk="0" hangingPunct="1">
+      <a:defRPr sz="1200" kern="1200">
+        <a:solidFill>
+          <a:schemeClr val="tx1"/>
+        </a:solidFill>
+        <a:latin typeface="+mn-lt"/>
+        <a:ea typeface="+mn-ea"/>
+        <a:cs typeface="+mn-cs"/>
+      </a:defRPr>
+    </a:lvl8pPr>
+    <a:lvl9pPr marL="3657600" algn="l" defTabSz="914400" rtl="0" eaLnBrk="1" latinLnBrk="0" hangingPunct="1">
+      <a:defRPr sz="1200" kern="1200">
+        <a:solidFill>
+          <a:schemeClr val="tx1"/>
+        </a:solidFill>
+        <a:latin typeface="+mn-lt"/>
+        <a:ea typeface="+mn-ea"/>
+        <a:cs typeface="+mn-cs"/>
+      </a:defRPr>
+    </a:lvl9pPr>
+  </p:notesStyle>
+</p:notesMaster>
+</file>
+
+<file path=ppt/notesSlides/notesSlide1.xml><?xml version="1.0" encoding="utf-8"?>
+<p:notes xmlns:a="http://schemas.openxmlformats.org/drawingml/2006/main" xmlns:r="http://schemas.openxmlformats.org/officeDocument/2006/relationships" xmlns:p="http://schemas.openxmlformats.org/presentationml/2006/main">
+  <p:cSld>
+    <p:spTree>
+      <p:nvGrpSpPr>
+        <p:cNvPr id="1" name=""/>
+        <p:cNvGrpSpPr/>
+        <p:nvPr/>
+      </p:nvGrpSpPr>
+      <p:grpSpPr>
+        <a:xfrm>
+          <a:off x="0" y="0"/>
+          <a:ext cx="0" cy="0"/>
+          <a:chOff x="0" y="0"/>
+          <a:chExt cx="0" cy="0"/>
+        </a:xfrm>
+      </p:grpSpPr>
+      <p:sp>
+        <p:nvSpPr>
+          <p:cNvPr id="2" name="Marcador de Posição da Imagem do Diapositivo 1"/>
+          <p:cNvSpPr>
+            <a:spLocks noGrp="1" noRot="1" noChangeAspect="1"/>
+          </p:cNvSpPr>
+          <p:nvPr>
+            <p:ph type="sldImg"/>
+          </p:nvPr>
+        </p:nvSpPr>
+        <p:spPr/>
+      </p:sp>
+      <p:sp>
+        <p:nvSpPr>
+          <p:cNvPr id="3" name="Marcador de Posição de Notas 2"/>
+          <p:cNvSpPr>
+            <a:spLocks noGrp="1"/>
+          </p:cNvSpPr>
+          <p:nvPr>
+            <p:ph type="body" idx="1"/>
+          </p:nvPr>
+        </p:nvSpPr>
+        <p:spPr/>
+        <p:txBody>
+          <a:bodyPr/>
+          <a:lstStyle/>
+          <a:p>
+            <a:endParaRPr lang="pt-PT" dirty="0"/>
+          </a:p>
+        </p:txBody>
+      </p:sp>
+      <p:sp>
+        <p:nvSpPr>
+          <p:cNvPr id="4" name="Marcador de Posição do Número do Diapositivo 3"/>
+          <p:cNvSpPr>
+            <a:spLocks noGrp="1"/>
+          </p:cNvSpPr>
+          <p:nvPr>
+            <p:ph type="sldNum" sz="quarter" idx="5"/>
+          </p:nvPr>
+        </p:nvSpPr>
+        <p:spPr/>
+        <p:txBody>
+          <a:bodyPr/>
+          <a:lstStyle/>
+          <a:p>
+            <a:fld id="{BAFA80C9-E1B6-9741-9321-29D15646B04A}" type="slidenum">
+              <a:rPr lang="pt-PT" smtClean="0"/>
+              <a:t>5</a:t>
+            </a:fld>
+            <a:endParaRPr lang="pt-PT"/>
+          </a:p>
+        </p:txBody>
+      </p:sp>
+    </p:spTree>
+    <p:extLst>
+      <p:ext uri="{BB962C8B-B14F-4D97-AF65-F5344CB8AC3E}">
+        <p14:creationId xmlns:p14="http://schemas.microsoft.com/office/powerpoint/2010/main" val="3630483391"/>
+      </p:ext>
+    </p:extLst>
+  </p:cSld>
+  <p:clrMapOvr>
+    <a:masterClrMapping/>
+  </p:clrMapOvr>
+</p:notes>
+</file>
+
 <file path=ppt/slideLayouts/slideLayout1.xml><?xml version="1.0" encoding="utf-8"?>
-<p:sldLayout xmlns:a="http://schemas.openxmlformats.org/drawingml/2006/main" xmlns:r="http://schemas.openxmlformats.org/officeDocument/2006/relationships" xmlns:p="http://schemas.openxmlformats.org/presentationml/2006/main" xmlns:m="http://schemas.openxmlformats.org/officeDocument/2006/math" xmlns:w="http://schemas.openxmlformats.org/wordprocessingml/2006/main" matchingName="" preserve="1" showMasterPhAnim="0" type="title" userDrawn="1">
+<p:sldLayout xmlns:a="http://schemas.openxmlformats.org/drawingml/2006/main" xmlns:r="http://schemas.openxmlformats.org/officeDocument/2006/relationships" xmlns:p="http://schemas.openxmlformats.org/presentationml/2006/main" showMasterPhAnim="0" type="title" preserve="1" userDrawn="1">
   <p:cSld name="Title Slide">
     <p:spTree>
       <p:nvGrpSpPr>
-        <p:cNvPr id="1" name="" hidden="0"/>
+        <p:cNvPr id="1" name=""/>
         <p:cNvGrpSpPr/>
-        <p:nvPr isPhoto="0" userDrawn="0"/>
+        <p:nvPr/>
       </p:nvGrpSpPr>
       <p:grpSpPr bwMode="auto">
         <a:xfrm>
@@ -130,12 +582,12 @@
       </p:grpSpPr>
       <p:sp>
         <p:nvSpPr>
-          <p:cNvPr id="2" name="Title 1" hidden="0"/>
-          <p:cNvSpPr>
-            <a:spLocks noGrp="1"/>
-          </p:cNvSpPr>
-          <p:nvPr isPhoto="0" userDrawn="0">
-            <p:ph type="ctrTitle" hasCustomPrompt="0"/>
+          <p:cNvPr id="2" name="Title 1"/>
+          <p:cNvSpPr>
+            <a:spLocks noGrp="1"/>
+          </p:cNvSpPr>
+          <p:nvPr>
+            <p:ph type="ctrTitle"/>
           </p:nvPr>
         </p:nvSpPr>
         <p:spPr bwMode="auto">
@@ -165,12 +617,12 @@
       </p:sp>
       <p:sp>
         <p:nvSpPr>
-          <p:cNvPr id="3" name="Subtitle 2" hidden="0"/>
-          <p:cNvSpPr>
-            <a:spLocks noGrp="1"/>
-          </p:cNvSpPr>
-          <p:nvPr isPhoto="0" userDrawn="0">
-            <p:ph type="subTitle" idx="1" hasCustomPrompt="0"/>
+          <p:cNvPr id="3" name="Subtitle 2"/>
+          <p:cNvSpPr>
+            <a:spLocks noGrp="1"/>
+          </p:cNvSpPr>
+          <p:nvPr>
+            <p:ph type="subTitle" idx="1"/>
           </p:nvPr>
         </p:nvSpPr>
         <p:spPr bwMode="auto">
@@ -233,12 +685,12 @@
       </p:sp>
       <p:sp>
         <p:nvSpPr>
-          <p:cNvPr id="4" name="Date Placeholder 3" hidden="0"/>
-          <p:cNvSpPr>
-            <a:spLocks noGrp="1"/>
-          </p:cNvSpPr>
-          <p:nvPr isPhoto="0" userDrawn="0">
-            <p:ph type="dt" sz="half" idx="10" hasCustomPrompt="0"/>
+          <p:cNvPr id="4" name="Date Placeholder 3"/>
+          <p:cNvSpPr>
+            <a:spLocks noGrp="1"/>
+          </p:cNvSpPr>
+          <p:nvPr>
+            <p:ph type="dt" sz="half" idx="10"/>
           </p:nvPr>
         </p:nvSpPr>
         <p:spPr bwMode="auto"/>
@@ -251,7 +703,7 @@
             </a:pPr>
             <a:fld id="{76969C88-B244-455D-A017-012B25B1ACDD}" type="datetimeFigureOut">
               <a:rPr lang="en-US"/>
-              <a:t/>
+              <a:t>5/31/22</a:t>
             </a:fld>
             <a:endParaRPr lang="en-US"/>
           </a:p>
@@ -259,12 +711,12 @@
       </p:sp>
       <p:sp>
         <p:nvSpPr>
-          <p:cNvPr id="5" name="Footer Placeholder 4" hidden="0"/>
-          <p:cNvSpPr>
-            <a:spLocks noGrp="1"/>
-          </p:cNvSpPr>
-          <p:nvPr isPhoto="0" userDrawn="0">
-            <p:ph type="ftr" sz="quarter" idx="11" hasCustomPrompt="0"/>
+          <p:cNvPr id="5" name="Footer Placeholder 4"/>
+          <p:cNvSpPr>
+            <a:spLocks noGrp="1"/>
+          </p:cNvSpPr>
+          <p:nvPr>
+            <p:ph type="ftr" sz="quarter" idx="11"/>
           </p:nvPr>
         </p:nvSpPr>
         <p:spPr bwMode="auto"/>
@@ -281,12 +733,12 @@
       </p:sp>
       <p:sp>
         <p:nvSpPr>
-          <p:cNvPr id="6" name="Slide Number Placeholder 5" hidden="0"/>
-          <p:cNvSpPr>
-            <a:spLocks noGrp="1"/>
-          </p:cNvSpPr>
-          <p:nvPr isPhoto="0" userDrawn="0">
-            <p:ph type="sldNum" sz="quarter" idx="12" hasCustomPrompt="0"/>
+          <p:cNvPr id="6" name="Slide Number Placeholder 5"/>
+          <p:cNvSpPr>
+            <a:spLocks noGrp="1"/>
+          </p:cNvSpPr>
+          <p:nvPr>
+            <p:ph type="sldNum" sz="quarter" idx="12"/>
           </p:nvPr>
         </p:nvSpPr>
         <p:spPr bwMode="auto"/>
@@ -299,7 +751,7 @@
             </a:pPr>
             <a:fld id="{07CE569E-9B7C-4CB9-AB80-C0841F922CFF}" type="slidenum">
               <a:rPr lang="en-US"/>
-              <a:t/>
+              <a:t>‹nº›</a:t>
             </a:fld>
             <a:endParaRPr lang="en-US"/>
           </a:p>
@@ -314,13 +766,13 @@
 </file>
 
 <file path=ppt/slideLayouts/slideLayout10.xml><?xml version="1.0" encoding="utf-8"?>
-<p:sldLayout xmlns:a="http://schemas.openxmlformats.org/drawingml/2006/main" xmlns:r="http://schemas.openxmlformats.org/officeDocument/2006/relationships" xmlns:p="http://schemas.openxmlformats.org/presentationml/2006/main" xmlns:m="http://schemas.openxmlformats.org/officeDocument/2006/math" xmlns:w="http://schemas.openxmlformats.org/wordprocessingml/2006/main" matchingName="" preserve="1" showMasterPhAnim="0" type="vertTx" userDrawn="1">
+<p:sldLayout xmlns:a="http://schemas.openxmlformats.org/drawingml/2006/main" xmlns:r="http://schemas.openxmlformats.org/officeDocument/2006/relationships" xmlns:p="http://schemas.openxmlformats.org/presentationml/2006/main" showMasterPhAnim="0" type="vertTx" preserve="1" userDrawn="1">
   <p:cSld name="Title and Vertical Text">
     <p:spTree>
       <p:nvGrpSpPr>
-        <p:cNvPr id="1" name="" hidden="0"/>
+        <p:cNvPr id="1" name=""/>
         <p:cNvGrpSpPr/>
-        <p:nvPr isPhoto="0" userDrawn="0"/>
+        <p:nvPr/>
       </p:nvGrpSpPr>
       <p:grpSpPr bwMode="auto">
         <a:xfrm>
@@ -332,12 +784,12 @@
       </p:grpSpPr>
       <p:sp>
         <p:nvSpPr>
-          <p:cNvPr id="2" name="Title 1" hidden="0"/>
-          <p:cNvSpPr>
-            <a:spLocks noGrp="1"/>
-          </p:cNvSpPr>
-          <p:nvPr isPhoto="0" userDrawn="0">
-            <p:ph type="title" hasCustomPrompt="0"/>
+          <p:cNvPr id="2" name="Title 1"/>
+          <p:cNvSpPr>
+            <a:spLocks noGrp="1"/>
+          </p:cNvSpPr>
+          <p:nvPr>
+            <p:ph type="title"/>
           </p:nvPr>
         </p:nvSpPr>
         <p:spPr bwMode="auto"/>
@@ -358,12 +810,12 @@
       </p:sp>
       <p:sp>
         <p:nvSpPr>
-          <p:cNvPr id="3" name="Vertical Text Placeholder 2" hidden="0"/>
-          <p:cNvSpPr>
-            <a:spLocks noGrp="1"/>
-          </p:cNvSpPr>
-          <p:nvPr isPhoto="0" userDrawn="0">
-            <p:ph type="body" orient="vert" idx="1" hasCustomPrompt="0"/>
+          <p:cNvPr id="3" name="Vertical Text Placeholder 2"/>
+          <p:cNvSpPr>
+            <a:spLocks noGrp="1"/>
+          </p:cNvSpPr>
+          <p:nvPr>
+            <p:ph type="body" orient="vert" idx="1"/>
           </p:nvPr>
         </p:nvSpPr>
         <p:spPr bwMode="auto"/>
@@ -424,12 +876,12 @@
       </p:sp>
       <p:sp>
         <p:nvSpPr>
-          <p:cNvPr id="4" name="Date Placeholder 3" hidden="0"/>
-          <p:cNvSpPr>
-            <a:spLocks noGrp="1"/>
-          </p:cNvSpPr>
-          <p:nvPr isPhoto="0" userDrawn="0">
-            <p:ph type="dt" sz="half" idx="10" hasCustomPrompt="0"/>
+          <p:cNvPr id="4" name="Date Placeholder 3"/>
+          <p:cNvSpPr>
+            <a:spLocks noGrp="1"/>
+          </p:cNvSpPr>
+          <p:nvPr>
+            <p:ph type="dt" sz="half" idx="10"/>
           </p:nvPr>
         </p:nvSpPr>
         <p:spPr bwMode="auto"/>
@@ -442,7 +894,7 @@
             </a:pPr>
             <a:fld id="{76969C88-B244-455D-A017-012B25B1ACDD}" type="datetimeFigureOut">
               <a:rPr lang="en-US"/>
-              <a:t/>
+              <a:t>5/31/22</a:t>
             </a:fld>
             <a:endParaRPr lang="en-US"/>
           </a:p>
@@ -450,12 +902,12 @@
       </p:sp>
       <p:sp>
         <p:nvSpPr>
-          <p:cNvPr id="5" name="Footer Placeholder 4" hidden="0"/>
-          <p:cNvSpPr>
-            <a:spLocks noGrp="1"/>
-          </p:cNvSpPr>
-          <p:nvPr isPhoto="0" userDrawn="0">
-            <p:ph type="ftr" sz="quarter" idx="11" hasCustomPrompt="0"/>
+          <p:cNvPr id="5" name="Footer Placeholder 4"/>
+          <p:cNvSpPr>
+            <a:spLocks noGrp="1"/>
+          </p:cNvSpPr>
+          <p:nvPr>
+            <p:ph type="ftr" sz="quarter" idx="11"/>
           </p:nvPr>
         </p:nvSpPr>
         <p:spPr bwMode="auto"/>
@@ -472,12 +924,12 @@
       </p:sp>
       <p:sp>
         <p:nvSpPr>
-          <p:cNvPr id="6" name="Slide Number Placeholder 5" hidden="0"/>
-          <p:cNvSpPr>
-            <a:spLocks noGrp="1"/>
-          </p:cNvSpPr>
-          <p:nvPr isPhoto="0" userDrawn="0">
-            <p:ph type="sldNum" sz="quarter" idx="12" hasCustomPrompt="0"/>
+          <p:cNvPr id="6" name="Slide Number Placeholder 5"/>
+          <p:cNvSpPr>
+            <a:spLocks noGrp="1"/>
+          </p:cNvSpPr>
+          <p:nvPr>
+            <p:ph type="sldNum" sz="quarter" idx="12"/>
           </p:nvPr>
         </p:nvSpPr>
         <p:spPr bwMode="auto"/>
@@ -490,7 +942,7 @@
             </a:pPr>
             <a:fld id="{07CE569E-9B7C-4CB9-AB80-C0841F922CFF}" type="slidenum">
               <a:rPr lang="en-US"/>
-              <a:t/>
+              <a:t>‹nº›</a:t>
             </a:fld>
             <a:endParaRPr lang="en-US"/>
           </a:p>
@@ -505,13 +957,13 @@
 </file>
 
 <file path=ppt/slideLayouts/slideLayout11.xml><?xml version="1.0" encoding="utf-8"?>
-<p:sldLayout xmlns:a="http://schemas.openxmlformats.org/drawingml/2006/main" xmlns:r="http://schemas.openxmlformats.org/officeDocument/2006/relationships" xmlns:p="http://schemas.openxmlformats.org/presentationml/2006/main" xmlns:m="http://schemas.openxmlformats.org/officeDocument/2006/math" xmlns:w="http://schemas.openxmlformats.org/wordprocessingml/2006/main" matchingName="" preserve="1" showMasterPhAnim="0" type="vertTitleAndTx" userDrawn="1">
+<p:sldLayout xmlns:a="http://schemas.openxmlformats.org/drawingml/2006/main" xmlns:r="http://schemas.openxmlformats.org/officeDocument/2006/relationships" xmlns:p="http://schemas.openxmlformats.org/presentationml/2006/main" showMasterPhAnim="0" type="vertTitleAndTx" preserve="1" userDrawn="1">
   <p:cSld name="Vertical Title and Text">
     <p:spTree>
       <p:nvGrpSpPr>
-        <p:cNvPr id="1" name="" hidden="0"/>
+        <p:cNvPr id="1" name=""/>
         <p:cNvGrpSpPr/>
-        <p:nvPr isPhoto="0" userDrawn="0"/>
+        <p:nvPr/>
       </p:nvGrpSpPr>
       <p:grpSpPr bwMode="auto">
         <a:xfrm>
@@ -523,12 +975,12 @@
       </p:grpSpPr>
       <p:sp>
         <p:nvSpPr>
-          <p:cNvPr id="2" name="Vertical Title 1" hidden="0"/>
-          <p:cNvSpPr>
-            <a:spLocks noGrp="1"/>
-          </p:cNvSpPr>
-          <p:nvPr isPhoto="0" userDrawn="0">
-            <p:ph type="title" orient="vert" hasCustomPrompt="0"/>
+          <p:cNvPr id="2" name="Vertical Title 1"/>
+          <p:cNvSpPr>
+            <a:spLocks noGrp="1"/>
+          </p:cNvSpPr>
+          <p:nvPr>
+            <p:ph type="title" orient="vert"/>
           </p:nvPr>
         </p:nvSpPr>
         <p:spPr bwMode="auto">
@@ -554,12 +1006,12 @@
       </p:sp>
       <p:sp>
         <p:nvSpPr>
-          <p:cNvPr id="3" name="Vertical Text Placeholder 2" hidden="0"/>
-          <p:cNvSpPr>
-            <a:spLocks noGrp="1"/>
-          </p:cNvSpPr>
-          <p:nvPr isPhoto="0" userDrawn="0">
-            <p:ph type="body" orient="vert" idx="1" hasCustomPrompt="0"/>
+          <p:cNvPr id="3" name="Vertical Text Placeholder 2"/>
+          <p:cNvSpPr>
+            <a:spLocks noGrp="1"/>
+          </p:cNvSpPr>
+          <p:nvPr>
+            <p:ph type="body" orient="vert" idx="1"/>
           </p:nvPr>
         </p:nvSpPr>
         <p:spPr bwMode="auto">
@@ -625,12 +1077,12 @@
       </p:sp>
       <p:sp>
         <p:nvSpPr>
-          <p:cNvPr id="4" name="Date Placeholder 3" hidden="0"/>
-          <p:cNvSpPr>
-            <a:spLocks noGrp="1"/>
-          </p:cNvSpPr>
-          <p:nvPr isPhoto="0" userDrawn="0">
-            <p:ph type="dt" sz="half" idx="10" hasCustomPrompt="0"/>
+          <p:cNvPr id="4" name="Date Placeholder 3"/>
+          <p:cNvSpPr>
+            <a:spLocks noGrp="1"/>
+          </p:cNvSpPr>
+          <p:nvPr>
+            <p:ph type="dt" sz="half" idx="10"/>
           </p:nvPr>
         </p:nvSpPr>
         <p:spPr bwMode="auto"/>
@@ -643,7 +1095,7 @@
             </a:pPr>
             <a:fld id="{76969C88-B244-455D-A017-012B25B1ACDD}" type="datetimeFigureOut">
               <a:rPr lang="en-US"/>
-              <a:t/>
+              <a:t>5/31/22</a:t>
             </a:fld>
             <a:endParaRPr lang="en-US"/>
           </a:p>
@@ -651,12 +1103,12 @@
       </p:sp>
       <p:sp>
         <p:nvSpPr>
-          <p:cNvPr id="5" name="Footer Placeholder 4" hidden="0"/>
-          <p:cNvSpPr>
-            <a:spLocks noGrp="1"/>
-          </p:cNvSpPr>
-          <p:nvPr isPhoto="0" userDrawn="0">
-            <p:ph type="ftr" sz="quarter" idx="11" hasCustomPrompt="0"/>
+          <p:cNvPr id="5" name="Footer Placeholder 4"/>
+          <p:cNvSpPr>
+            <a:spLocks noGrp="1"/>
+          </p:cNvSpPr>
+          <p:nvPr>
+            <p:ph type="ftr" sz="quarter" idx="11"/>
           </p:nvPr>
         </p:nvSpPr>
         <p:spPr bwMode="auto"/>
@@ -673,12 +1125,12 @@
       </p:sp>
       <p:sp>
         <p:nvSpPr>
-          <p:cNvPr id="6" name="Slide Number Placeholder 5" hidden="0"/>
-          <p:cNvSpPr>
-            <a:spLocks noGrp="1"/>
-          </p:cNvSpPr>
-          <p:nvPr isPhoto="0" userDrawn="0">
-            <p:ph type="sldNum" sz="quarter" idx="12" hasCustomPrompt="0"/>
+          <p:cNvPr id="6" name="Slide Number Placeholder 5"/>
+          <p:cNvSpPr>
+            <a:spLocks noGrp="1"/>
+          </p:cNvSpPr>
+          <p:nvPr>
+            <p:ph type="sldNum" sz="quarter" idx="12"/>
           </p:nvPr>
         </p:nvSpPr>
         <p:spPr bwMode="auto"/>
@@ -691,7 +1143,7 @@
             </a:pPr>
             <a:fld id="{07CE569E-9B7C-4CB9-AB80-C0841F922CFF}" type="slidenum">
               <a:rPr lang="en-US"/>
-              <a:t/>
+              <a:t>‹nº›</a:t>
             </a:fld>
             <a:endParaRPr lang="en-US"/>
           </a:p>
@@ -706,13 +1158,13 @@
 </file>
 
 <file path=ppt/slideLayouts/slideLayout2.xml><?xml version="1.0" encoding="utf-8"?>
-<p:sldLayout xmlns:a="http://schemas.openxmlformats.org/drawingml/2006/main" xmlns:r="http://schemas.openxmlformats.org/officeDocument/2006/relationships" xmlns:p="http://schemas.openxmlformats.org/presentationml/2006/main" xmlns:m="http://schemas.openxmlformats.org/officeDocument/2006/math" xmlns:w="http://schemas.openxmlformats.org/wordprocessingml/2006/main" matchingName="" preserve="1" showMasterPhAnim="0" type="obj" userDrawn="1">
+<p:sldLayout xmlns:a="http://schemas.openxmlformats.org/drawingml/2006/main" xmlns:r="http://schemas.openxmlformats.org/officeDocument/2006/relationships" xmlns:p="http://schemas.openxmlformats.org/presentationml/2006/main" showMasterPhAnim="0" type="obj" preserve="1" userDrawn="1">
   <p:cSld name="Title and Content">
     <p:spTree>
       <p:nvGrpSpPr>
-        <p:cNvPr id="1" name="" hidden="0"/>
+        <p:cNvPr id="1" name=""/>
         <p:cNvGrpSpPr/>
-        <p:nvPr isPhoto="0" userDrawn="0"/>
+        <p:nvPr/>
       </p:nvGrpSpPr>
       <p:grpSpPr bwMode="auto">
         <a:xfrm>
@@ -724,12 +1176,12 @@
       </p:grpSpPr>
       <p:sp>
         <p:nvSpPr>
-          <p:cNvPr id="2" name="Title 1" hidden="0"/>
-          <p:cNvSpPr>
-            <a:spLocks noGrp="1"/>
-          </p:cNvSpPr>
-          <p:nvPr isPhoto="0" userDrawn="0">
-            <p:ph type="title" hasCustomPrompt="0"/>
+          <p:cNvPr id="2" name="Title 1"/>
+          <p:cNvSpPr>
+            <a:spLocks noGrp="1"/>
+          </p:cNvSpPr>
+          <p:nvPr>
+            <p:ph type="title"/>
           </p:nvPr>
         </p:nvSpPr>
         <p:spPr bwMode="auto"/>
@@ -750,12 +1202,12 @@
       </p:sp>
       <p:sp>
         <p:nvSpPr>
-          <p:cNvPr id="3" name="Content Placeholder 2" hidden="0"/>
-          <p:cNvSpPr>
-            <a:spLocks noGrp="1"/>
-          </p:cNvSpPr>
-          <p:nvPr isPhoto="0" userDrawn="0">
-            <p:ph idx="1" hasCustomPrompt="0"/>
+          <p:cNvPr id="3" name="Content Placeholder 2"/>
+          <p:cNvSpPr>
+            <a:spLocks noGrp="1"/>
+          </p:cNvSpPr>
+          <p:nvPr>
+            <p:ph idx="1"/>
           </p:nvPr>
         </p:nvSpPr>
         <p:spPr bwMode="auto"/>
@@ -816,12 +1268,12 @@
       </p:sp>
       <p:sp>
         <p:nvSpPr>
-          <p:cNvPr id="4" name="Date Placeholder 3" hidden="0"/>
-          <p:cNvSpPr>
-            <a:spLocks noGrp="1"/>
-          </p:cNvSpPr>
-          <p:nvPr isPhoto="0" userDrawn="0">
-            <p:ph type="dt" sz="half" idx="10" hasCustomPrompt="0"/>
+          <p:cNvPr id="4" name="Date Placeholder 3"/>
+          <p:cNvSpPr>
+            <a:spLocks noGrp="1"/>
+          </p:cNvSpPr>
+          <p:nvPr>
+            <p:ph type="dt" sz="half" idx="10"/>
           </p:nvPr>
         </p:nvSpPr>
         <p:spPr bwMode="auto"/>
@@ -834,7 +1286,7 @@
             </a:pPr>
             <a:fld id="{76969C88-B244-455D-A017-012B25B1ACDD}" type="datetimeFigureOut">
               <a:rPr lang="en-US"/>
-              <a:t/>
+              <a:t>5/31/22</a:t>
             </a:fld>
             <a:endParaRPr lang="en-US"/>
           </a:p>
@@ -842,12 +1294,12 @@
       </p:sp>
       <p:sp>
         <p:nvSpPr>
-          <p:cNvPr id="5" name="Footer Placeholder 4" hidden="0"/>
-          <p:cNvSpPr>
-            <a:spLocks noGrp="1"/>
-          </p:cNvSpPr>
-          <p:nvPr isPhoto="0" userDrawn="0">
-            <p:ph type="ftr" sz="quarter" idx="11" hasCustomPrompt="0"/>
+          <p:cNvPr id="5" name="Footer Placeholder 4"/>
+          <p:cNvSpPr>
+            <a:spLocks noGrp="1"/>
+          </p:cNvSpPr>
+          <p:nvPr>
+            <p:ph type="ftr" sz="quarter" idx="11"/>
           </p:nvPr>
         </p:nvSpPr>
         <p:spPr bwMode="auto"/>
@@ -864,12 +1316,12 @@
       </p:sp>
       <p:sp>
         <p:nvSpPr>
-          <p:cNvPr id="6" name="Slide Number Placeholder 5" hidden="0"/>
-          <p:cNvSpPr>
-            <a:spLocks noGrp="1"/>
-          </p:cNvSpPr>
-          <p:nvPr isPhoto="0" userDrawn="0">
-            <p:ph type="sldNum" sz="quarter" idx="12" hasCustomPrompt="0"/>
+          <p:cNvPr id="6" name="Slide Number Placeholder 5"/>
+          <p:cNvSpPr>
+            <a:spLocks noGrp="1"/>
+          </p:cNvSpPr>
+          <p:nvPr>
+            <p:ph type="sldNum" sz="quarter" idx="12"/>
           </p:nvPr>
         </p:nvSpPr>
         <p:spPr bwMode="auto"/>
@@ -882,7 +1334,7 @@
             </a:pPr>
             <a:fld id="{07CE569E-9B7C-4CB9-AB80-C0841F922CFF}" type="slidenum">
               <a:rPr lang="en-US"/>
-              <a:t/>
+              <a:t>‹nº›</a:t>
             </a:fld>
             <a:endParaRPr lang="en-US"/>
           </a:p>
@@ -897,13 +1349,13 @@
 </file>
 
 <file path=ppt/slideLayouts/slideLayout3.xml><?xml version="1.0" encoding="utf-8"?>
-<p:sldLayout xmlns:a="http://schemas.openxmlformats.org/drawingml/2006/main" xmlns:r="http://schemas.openxmlformats.org/officeDocument/2006/relationships" xmlns:p="http://schemas.openxmlformats.org/presentationml/2006/main" xmlns:m="http://schemas.openxmlformats.org/officeDocument/2006/math" xmlns:w="http://schemas.openxmlformats.org/wordprocessingml/2006/main" matchingName="" preserve="1" showMasterPhAnim="0" type="secHead" userDrawn="1">
+<p:sldLayout xmlns:a="http://schemas.openxmlformats.org/drawingml/2006/main" xmlns:r="http://schemas.openxmlformats.org/officeDocument/2006/relationships" xmlns:p="http://schemas.openxmlformats.org/presentationml/2006/main" showMasterPhAnim="0" type="secHead" preserve="1" userDrawn="1">
   <p:cSld name="Section Header">
     <p:spTree>
       <p:nvGrpSpPr>
-        <p:cNvPr id="1" name="" hidden="0"/>
+        <p:cNvPr id="1" name=""/>
         <p:cNvGrpSpPr/>
-        <p:nvPr isPhoto="0" userDrawn="0"/>
+        <p:nvPr/>
       </p:nvGrpSpPr>
       <p:grpSpPr bwMode="auto">
         <a:xfrm>
@@ -915,12 +1367,12 @@
       </p:grpSpPr>
       <p:sp>
         <p:nvSpPr>
-          <p:cNvPr id="2" name="Title 1" hidden="0"/>
-          <p:cNvSpPr>
-            <a:spLocks noGrp="1"/>
-          </p:cNvSpPr>
-          <p:nvPr isPhoto="0" userDrawn="0">
-            <p:ph type="title" hasCustomPrompt="0"/>
+          <p:cNvPr id="2" name="Title 1"/>
+          <p:cNvSpPr>
+            <a:spLocks noGrp="1"/>
+          </p:cNvSpPr>
+          <p:nvPr>
+            <p:ph type="title"/>
           </p:nvPr>
         </p:nvSpPr>
         <p:spPr bwMode="auto">
@@ -950,12 +1402,12 @@
       </p:sp>
       <p:sp>
         <p:nvSpPr>
-          <p:cNvPr id="3" name="Text Placeholder 2" hidden="0"/>
-          <p:cNvSpPr>
-            <a:spLocks noGrp="1"/>
-          </p:cNvSpPr>
-          <p:nvPr isPhoto="0" userDrawn="0">
-            <p:ph type="body" idx="1" hasCustomPrompt="0"/>
+          <p:cNvPr id="3" name="Text Placeholder 2"/>
+          <p:cNvSpPr>
+            <a:spLocks noGrp="1"/>
+          </p:cNvSpPr>
+          <p:nvPr>
+            <p:ph type="body" idx="1"/>
           </p:nvPr>
         </p:nvSpPr>
         <p:spPr bwMode="auto">
@@ -1072,12 +1524,12 @@
       </p:sp>
       <p:sp>
         <p:nvSpPr>
-          <p:cNvPr id="4" name="Date Placeholder 3" hidden="0"/>
-          <p:cNvSpPr>
-            <a:spLocks noGrp="1"/>
-          </p:cNvSpPr>
-          <p:nvPr isPhoto="0" userDrawn="0">
-            <p:ph type="dt" sz="half" idx="10" hasCustomPrompt="0"/>
+          <p:cNvPr id="4" name="Date Placeholder 3"/>
+          <p:cNvSpPr>
+            <a:spLocks noGrp="1"/>
+          </p:cNvSpPr>
+          <p:nvPr>
+            <p:ph type="dt" sz="half" idx="10"/>
           </p:nvPr>
         </p:nvSpPr>
         <p:spPr bwMode="auto"/>
@@ -1090,7 +1542,7 @@
             </a:pPr>
             <a:fld id="{76969C88-B244-455D-A017-012B25B1ACDD}" type="datetimeFigureOut">
               <a:rPr lang="en-US"/>
-              <a:t/>
+              <a:t>5/31/22</a:t>
             </a:fld>
             <a:endParaRPr lang="en-US"/>
           </a:p>
@@ -1098,12 +1550,12 @@
       </p:sp>
       <p:sp>
         <p:nvSpPr>
-          <p:cNvPr id="5" name="Footer Placeholder 4" hidden="0"/>
-          <p:cNvSpPr>
-            <a:spLocks noGrp="1"/>
-          </p:cNvSpPr>
-          <p:nvPr isPhoto="0" userDrawn="0">
-            <p:ph type="ftr" sz="quarter" idx="11" hasCustomPrompt="0"/>
+          <p:cNvPr id="5" name="Footer Placeholder 4"/>
+          <p:cNvSpPr>
+            <a:spLocks noGrp="1"/>
+          </p:cNvSpPr>
+          <p:nvPr>
+            <p:ph type="ftr" sz="quarter" idx="11"/>
           </p:nvPr>
         </p:nvSpPr>
         <p:spPr bwMode="auto"/>
@@ -1120,12 +1572,12 @@
       </p:sp>
       <p:sp>
         <p:nvSpPr>
-          <p:cNvPr id="6" name="Slide Number Placeholder 5" hidden="0"/>
-          <p:cNvSpPr>
-            <a:spLocks noGrp="1"/>
-          </p:cNvSpPr>
-          <p:nvPr isPhoto="0" userDrawn="0">
-            <p:ph type="sldNum" sz="quarter" idx="12" hasCustomPrompt="0"/>
+          <p:cNvPr id="6" name="Slide Number Placeholder 5"/>
+          <p:cNvSpPr>
+            <a:spLocks noGrp="1"/>
+          </p:cNvSpPr>
+          <p:nvPr>
+            <p:ph type="sldNum" sz="quarter" idx="12"/>
           </p:nvPr>
         </p:nvSpPr>
         <p:spPr bwMode="auto"/>
@@ -1138,7 +1590,7 @@
             </a:pPr>
             <a:fld id="{07CE569E-9B7C-4CB9-AB80-C0841F922CFF}" type="slidenum">
               <a:rPr lang="en-US"/>
-              <a:t/>
+              <a:t>‹nº›</a:t>
             </a:fld>
             <a:endParaRPr lang="en-US"/>
           </a:p>
@@ -1153,13 +1605,13 @@
 </file>
 
 <file path=ppt/slideLayouts/slideLayout4.xml><?xml version="1.0" encoding="utf-8"?>
-<p:sldLayout xmlns:a="http://schemas.openxmlformats.org/drawingml/2006/main" xmlns:r="http://schemas.openxmlformats.org/officeDocument/2006/relationships" xmlns:p="http://schemas.openxmlformats.org/presentationml/2006/main" xmlns:m="http://schemas.openxmlformats.org/officeDocument/2006/math" xmlns:w="http://schemas.openxmlformats.org/wordprocessingml/2006/main" matchingName="" preserve="1" showMasterPhAnim="0" type="twoObj" userDrawn="1">
+<p:sldLayout xmlns:a="http://schemas.openxmlformats.org/drawingml/2006/main" xmlns:r="http://schemas.openxmlformats.org/officeDocument/2006/relationships" xmlns:p="http://schemas.openxmlformats.org/presentationml/2006/main" showMasterPhAnim="0" type="twoObj" preserve="1" userDrawn="1">
   <p:cSld name="Two Content">
     <p:spTree>
       <p:nvGrpSpPr>
-        <p:cNvPr id="1" name="" hidden="0"/>
+        <p:cNvPr id="1" name=""/>
         <p:cNvGrpSpPr/>
-        <p:nvPr isPhoto="0" userDrawn="0"/>
+        <p:nvPr/>
       </p:nvGrpSpPr>
       <p:grpSpPr bwMode="auto">
         <a:xfrm>
@@ -1171,12 +1623,12 @@
       </p:grpSpPr>
       <p:sp>
         <p:nvSpPr>
-          <p:cNvPr id="2" name="Title 1" hidden="0"/>
-          <p:cNvSpPr>
-            <a:spLocks noGrp="1"/>
-          </p:cNvSpPr>
-          <p:nvPr isPhoto="0" userDrawn="0">
-            <p:ph type="title" hasCustomPrompt="0"/>
+          <p:cNvPr id="2" name="Title 1"/>
+          <p:cNvSpPr>
+            <a:spLocks noGrp="1"/>
+          </p:cNvSpPr>
+          <p:nvPr>
+            <p:ph type="title"/>
           </p:nvPr>
         </p:nvSpPr>
         <p:spPr bwMode="auto"/>
@@ -1197,12 +1649,12 @@
       </p:sp>
       <p:sp>
         <p:nvSpPr>
-          <p:cNvPr id="3" name="Content Placeholder 2" hidden="0"/>
-          <p:cNvSpPr>
-            <a:spLocks noGrp="1"/>
-          </p:cNvSpPr>
-          <p:nvPr isPhoto="0" userDrawn="0">
-            <p:ph sz="half" idx="1" hasCustomPrompt="0"/>
+          <p:cNvPr id="3" name="Content Placeholder 2"/>
+          <p:cNvSpPr>
+            <a:spLocks noGrp="1"/>
+          </p:cNvSpPr>
+          <p:nvPr>
+            <p:ph sz="half" idx="1"/>
           </p:nvPr>
         </p:nvSpPr>
         <p:spPr bwMode="auto">
@@ -1268,12 +1720,12 @@
       </p:sp>
       <p:sp>
         <p:nvSpPr>
-          <p:cNvPr id="4" name="Content Placeholder 3" hidden="0"/>
-          <p:cNvSpPr>
-            <a:spLocks noGrp="1"/>
-          </p:cNvSpPr>
-          <p:nvPr isPhoto="0" userDrawn="0">
-            <p:ph sz="half" idx="2" hasCustomPrompt="0"/>
+          <p:cNvPr id="4" name="Content Placeholder 3"/>
+          <p:cNvSpPr>
+            <a:spLocks noGrp="1"/>
+          </p:cNvSpPr>
+          <p:nvPr>
+            <p:ph sz="half" idx="2"/>
           </p:nvPr>
         </p:nvSpPr>
         <p:spPr bwMode="auto">
@@ -1339,12 +1791,12 @@
       </p:sp>
       <p:sp>
         <p:nvSpPr>
-          <p:cNvPr id="5" name="Date Placeholder 4" hidden="0"/>
-          <p:cNvSpPr>
-            <a:spLocks noGrp="1"/>
-          </p:cNvSpPr>
-          <p:nvPr isPhoto="0" userDrawn="0">
-            <p:ph type="dt" sz="half" idx="10" hasCustomPrompt="0"/>
+          <p:cNvPr id="5" name="Date Placeholder 4"/>
+          <p:cNvSpPr>
+            <a:spLocks noGrp="1"/>
+          </p:cNvSpPr>
+          <p:nvPr>
+            <p:ph type="dt" sz="half" idx="10"/>
           </p:nvPr>
         </p:nvSpPr>
         <p:spPr bwMode="auto"/>
@@ -1357,7 +1809,7 @@
             </a:pPr>
             <a:fld id="{76969C88-B244-455D-A017-012B25B1ACDD}" type="datetimeFigureOut">
               <a:rPr lang="en-US"/>
-              <a:t/>
+              <a:t>5/31/22</a:t>
             </a:fld>
             <a:endParaRPr lang="en-US"/>
           </a:p>
@@ -1365,12 +1817,12 @@
       </p:sp>
       <p:sp>
         <p:nvSpPr>
-          <p:cNvPr id="6" name="Footer Placeholder 5" hidden="0"/>
-          <p:cNvSpPr>
-            <a:spLocks noGrp="1"/>
-          </p:cNvSpPr>
-          <p:nvPr isPhoto="0" userDrawn="0">
-            <p:ph type="ftr" sz="quarter" idx="11" hasCustomPrompt="0"/>
+          <p:cNvPr id="6" name="Footer Placeholder 5"/>
+          <p:cNvSpPr>
+            <a:spLocks noGrp="1"/>
+          </p:cNvSpPr>
+          <p:nvPr>
+            <p:ph type="ftr" sz="quarter" idx="11"/>
           </p:nvPr>
         </p:nvSpPr>
         <p:spPr bwMode="auto"/>
@@ -1387,12 +1839,12 @@
       </p:sp>
       <p:sp>
         <p:nvSpPr>
-          <p:cNvPr id="7" name="Slide Number Placeholder 6" hidden="0"/>
-          <p:cNvSpPr>
-            <a:spLocks noGrp="1"/>
-          </p:cNvSpPr>
-          <p:nvPr isPhoto="0" userDrawn="0">
-            <p:ph type="sldNum" sz="quarter" idx="12" hasCustomPrompt="0"/>
+          <p:cNvPr id="7" name="Slide Number Placeholder 6"/>
+          <p:cNvSpPr>
+            <a:spLocks noGrp="1"/>
+          </p:cNvSpPr>
+          <p:nvPr>
+            <p:ph type="sldNum" sz="quarter" idx="12"/>
           </p:nvPr>
         </p:nvSpPr>
         <p:spPr bwMode="auto"/>
@@ -1405,7 +1857,7 @@
             </a:pPr>
             <a:fld id="{07CE569E-9B7C-4CB9-AB80-C0841F922CFF}" type="slidenum">
               <a:rPr lang="en-US"/>
-              <a:t/>
+              <a:t>‹nº›</a:t>
             </a:fld>
             <a:endParaRPr lang="en-US"/>
           </a:p>
@@ -1420,13 +1872,13 @@
 </file>
 
 <file path=ppt/slideLayouts/slideLayout5.xml><?xml version="1.0" encoding="utf-8"?>
-<p:sldLayout xmlns:a="http://schemas.openxmlformats.org/drawingml/2006/main" xmlns:r="http://schemas.openxmlformats.org/officeDocument/2006/relationships" xmlns:p="http://schemas.openxmlformats.org/presentationml/2006/main" xmlns:m="http://schemas.openxmlformats.org/officeDocument/2006/math" xmlns:w="http://schemas.openxmlformats.org/wordprocessingml/2006/main" matchingName="" preserve="1" showMasterPhAnim="0" userDrawn="1">
+<p:sldLayout xmlns:a="http://schemas.openxmlformats.org/drawingml/2006/main" xmlns:r="http://schemas.openxmlformats.org/officeDocument/2006/relationships" xmlns:p="http://schemas.openxmlformats.org/presentationml/2006/main" showMasterPhAnim="0" preserve="1" userDrawn="1">
   <p:cSld name="Comparison">
     <p:spTree>
       <p:nvGrpSpPr>
-        <p:cNvPr id="1" name="" hidden="0"/>
+        <p:cNvPr id="1" name=""/>
         <p:cNvGrpSpPr/>
-        <p:nvPr isPhoto="0" userDrawn="0"/>
+        <p:nvPr/>
       </p:nvGrpSpPr>
       <p:grpSpPr bwMode="auto">
         <a:xfrm>
@@ -1438,12 +1890,12 @@
       </p:grpSpPr>
       <p:sp>
         <p:nvSpPr>
-          <p:cNvPr id="2" name="Title 1" hidden="0"/>
-          <p:cNvSpPr>
-            <a:spLocks noGrp="1"/>
-          </p:cNvSpPr>
-          <p:nvPr isPhoto="0" userDrawn="0">
-            <p:ph type="title" hasCustomPrompt="0"/>
+          <p:cNvPr id="2" name="Title 1"/>
+          <p:cNvSpPr>
+            <a:spLocks noGrp="1"/>
+          </p:cNvSpPr>
+          <p:nvPr>
+            <p:ph type="title"/>
           </p:nvPr>
         </p:nvSpPr>
         <p:spPr bwMode="auto">
@@ -1469,12 +1921,12 @@
       </p:sp>
       <p:sp>
         <p:nvSpPr>
-          <p:cNvPr id="3" name="Text Placeholder 2" hidden="0"/>
-          <p:cNvSpPr>
-            <a:spLocks noGrp="1"/>
-          </p:cNvSpPr>
-          <p:nvPr isPhoto="0" userDrawn="0">
-            <p:ph type="body" idx="1" hasCustomPrompt="0"/>
+          <p:cNvPr id="3" name="Text Placeholder 2"/>
+          <p:cNvSpPr>
+            <a:spLocks noGrp="1"/>
+          </p:cNvSpPr>
+          <p:nvPr>
+            <p:ph type="body" idx="1"/>
           </p:nvPr>
         </p:nvSpPr>
         <p:spPr bwMode="auto">
@@ -1537,12 +1989,12 @@
       </p:sp>
       <p:sp>
         <p:nvSpPr>
-          <p:cNvPr id="4" name="Content Placeholder 3" hidden="0"/>
-          <p:cNvSpPr>
-            <a:spLocks noGrp="1"/>
-          </p:cNvSpPr>
-          <p:nvPr isPhoto="0" userDrawn="0">
-            <p:ph sz="half" idx="2" hasCustomPrompt="0"/>
+          <p:cNvPr id="4" name="Content Placeholder 3"/>
+          <p:cNvSpPr>
+            <a:spLocks noGrp="1"/>
+          </p:cNvSpPr>
+          <p:nvPr>
+            <p:ph sz="half" idx="2"/>
           </p:nvPr>
         </p:nvSpPr>
         <p:spPr bwMode="auto">
@@ -1608,12 +2060,12 @@
       </p:sp>
       <p:sp>
         <p:nvSpPr>
-          <p:cNvPr id="5" name="Text Placeholder 4" hidden="0"/>
-          <p:cNvSpPr>
-            <a:spLocks noGrp="1"/>
-          </p:cNvSpPr>
-          <p:nvPr isPhoto="0" userDrawn="0">
-            <p:ph type="body" sz="quarter" idx="3" hasCustomPrompt="0"/>
+          <p:cNvPr id="5" name="Text Placeholder 4"/>
+          <p:cNvSpPr>
+            <a:spLocks noGrp="1"/>
+          </p:cNvSpPr>
+          <p:nvPr>
+            <p:ph type="body" sz="quarter" idx="3"/>
           </p:nvPr>
         </p:nvSpPr>
         <p:spPr bwMode="auto">
@@ -1676,12 +2128,12 @@
       </p:sp>
       <p:sp>
         <p:nvSpPr>
-          <p:cNvPr id="6" name="Content Placeholder 5" hidden="0"/>
-          <p:cNvSpPr>
-            <a:spLocks noGrp="1"/>
-          </p:cNvSpPr>
-          <p:nvPr isPhoto="0" userDrawn="0">
-            <p:ph sz="quarter" idx="4" hasCustomPrompt="0"/>
+          <p:cNvPr id="6" name="Content Placeholder 5"/>
+          <p:cNvSpPr>
+            <a:spLocks noGrp="1"/>
+          </p:cNvSpPr>
+          <p:nvPr>
+            <p:ph sz="quarter" idx="4"/>
           </p:nvPr>
         </p:nvSpPr>
         <p:spPr bwMode="auto">
@@ -1747,12 +2199,12 @@
       </p:sp>
       <p:sp>
         <p:nvSpPr>
-          <p:cNvPr id="7" name="Date Placeholder 6" hidden="0"/>
-          <p:cNvSpPr>
-            <a:spLocks noGrp="1"/>
-          </p:cNvSpPr>
-          <p:nvPr isPhoto="0" userDrawn="0">
-            <p:ph type="dt" sz="half" idx="10" hasCustomPrompt="0"/>
+          <p:cNvPr id="7" name="Date Placeholder 6"/>
+          <p:cNvSpPr>
+            <a:spLocks noGrp="1"/>
+          </p:cNvSpPr>
+          <p:nvPr>
+            <p:ph type="dt" sz="half" idx="10"/>
           </p:nvPr>
         </p:nvSpPr>
         <p:spPr bwMode="auto"/>
@@ -1765,7 +2217,7 @@
             </a:pPr>
             <a:fld id="{76969C88-B244-455D-A017-012B25B1ACDD}" type="datetimeFigureOut">
               <a:rPr lang="en-US"/>
-              <a:t/>
+              <a:t>5/31/22</a:t>
             </a:fld>
             <a:endParaRPr lang="en-US"/>
           </a:p>
@@ -1773,12 +2225,12 @@
       </p:sp>
       <p:sp>
         <p:nvSpPr>
-          <p:cNvPr id="8" name="Footer Placeholder 7" hidden="0"/>
-          <p:cNvSpPr>
-            <a:spLocks noGrp="1"/>
-          </p:cNvSpPr>
-          <p:nvPr isPhoto="0" userDrawn="0">
-            <p:ph type="ftr" sz="quarter" idx="11" hasCustomPrompt="0"/>
+          <p:cNvPr id="8" name="Footer Placeholder 7"/>
+          <p:cNvSpPr>
+            <a:spLocks noGrp="1"/>
+          </p:cNvSpPr>
+          <p:nvPr>
+            <p:ph type="ftr" sz="quarter" idx="11"/>
           </p:nvPr>
         </p:nvSpPr>
         <p:spPr bwMode="auto"/>
@@ -1795,12 +2247,12 @@
       </p:sp>
       <p:sp>
         <p:nvSpPr>
-          <p:cNvPr id="9" name="Slide Number Placeholder 8" hidden="0"/>
-          <p:cNvSpPr>
-            <a:spLocks noGrp="1"/>
-          </p:cNvSpPr>
-          <p:nvPr isPhoto="0" userDrawn="0">
-            <p:ph type="sldNum" sz="quarter" idx="12" hasCustomPrompt="0"/>
+          <p:cNvPr id="9" name="Slide Number Placeholder 8"/>
+          <p:cNvSpPr>
+            <a:spLocks noGrp="1"/>
+          </p:cNvSpPr>
+          <p:nvPr>
+            <p:ph type="sldNum" sz="quarter" idx="12"/>
           </p:nvPr>
         </p:nvSpPr>
         <p:spPr bwMode="auto"/>
@@ -1813,7 +2265,7 @@
             </a:pPr>
             <a:fld id="{07CE569E-9B7C-4CB9-AB80-C0841F922CFF}" type="slidenum">
               <a:rPr lang="en-US"/>
-              <a:t/>
+              <a:t>‹nº›</a:t>
             </a:fld>
             <a:endParaRPr lang="en-US"/>
           </a:p>
@@ -1828,13 +2280,13 @@
 </file>
 
 <file path=ppt/slideLayouts/slideLayout6.xml><?xml version="1.0" encoding="utf-8"?>
-<p:sldLayout xmlns:a="http://schemas.openxmlformats.org/drawingml/2006/main" xmlns:r="http://schemas.openxmlformats.org/officeDocument/2006/relationships" xmlns:p="http://schemas.openxmlformats.org/presentationml/2006/main" xmlns:m="http://schemas.openxmlformats.org/officeDocument/2006/math" xmlns:w="http://schemas.openxmlformats.org/wordprocessingml/2006/main" matchingName="" preserve="1" showMasterPhAnim="0" type="titleOnly" userDrawn="1">
+<p:sldLayout xmlns:a="http://schemas.openxmlformats.org/drawingml/2006/main" xmlns:r="http://schemas.openxmlformats.org/officeDocument/2006/relationships" xmlns:p="http://schemas.openxmlformats.org/presentationml/2006/main" showMasterPhAnim="0" type="titleOnly" preserve="1" userDrawn="1">
   <p:cSld name="Title Only">
     <p:spTree>
       <p:nvGrpSpPr>
-        <p:cNvPr id="1" name="" hidden="0"/>
+        <p:cNvPr id="1" name=""/>
         <p:cNvGrpSpPr/>
-        <p:nvPr isPhoto="0" userDrawn="0"/>
+        <p:nvPr/>
       </p:nvGrpSpPr>
       <p:grpSpPr bwMode="auto">
         <a:xfrm>
@@ -1846,12 +2298,12 @@
       </p:grpSpPr>
       <p:sp>
         <p:nvSpPr>
-          <p:cNvPr id="2" name="Title 1" hidden="0"/>
-          <p:cNvSpPr>
-            <a:spLocks noGrp="1"/>
-          </p:cNvSpPr>
-          <p:nvPr isPhoto="0" userDrawn="0">
-            <p:ph type="title" hasCustomPrompt="0"/>
+          <p:cNvPr id="2" name="Title 1"/>
+          <p:cNvSpPr>
+            <a:spLocks noGrp="1"/>
+          </p:cNvSpPr>
+          <p:nvPr>
+            <p:ph type="title"/>
           </p:nvPr>
         </p:nvSpPr>
         <p:spPr bwMode="auto"/>
@@ -1872,12 +2324,12 @@
       </p:sp>
       <p:sp>
         <p:nvSpPr>
-          <p:cNvPr id="3" name="Date Placeholder 2" hidden="0"/>
-          <p:cNvSpPr>
-            <a:spLocks noGrp="1"/>
-          </p:cNvSpPr>
-          <p:nvPr isPhoto="0" userDrawn="0">
-            <p:ph type="dt" sz="half" idx="10" hasCustomPrompt="0"/>
+          <p:cNvPr id="3" name="Date Placeholder 2"/>
+          <p:cNvSpPr>
+            <a:spLocks noGrp="1"/>
+          </p:cNvSpPr>
+          <p:nvPr>
+            <p:ph type="dt" sz="half" idx="10"/>
           </p:nvPr>
         </p:nvSpPr>
         <p:spPr bwMode="auto"/>
@@ -1890,7 +2342,7 @@
             </a:pPr>
             <a:fld id="{76969C88-B244-455D-A017-012B25B1ACDD}" type="datetimeFigureOut">
               <a:rPr lang="en-US"/>
-              <a:t/>
+              <a:t>5/31/22</a:t>
             </a:fld>
             <a:endParaRPr lang="en-US"/>
           </a:p>
@@ -1898,12 +2350,12 @@
       </p:sp>
       <p:sp>
         <p:nvSpPr>
-          <p:cNvPr id="4" name="Footer Placeholder 3" hidden="0"/>
-          <p:cNvSpPr>
-            <a:spLocks noGrp="1"/>
-          </p:cNvSpPr>
-          <p:nvPr isPhoto="0" userDrawn="0">
-            <p:ph type="ftr" sz="quarter" idx="11" hasCustomPrompt="0"/>
+          <p:cNvPr id="4" name="Footer Placeholder 3"/>
+          <p:cNvSpPr>
+            <a:spLocks noGrp="1"/>
+          </p:cNvSpPr>
+          <p:nvPr>
+            <p:ph type="ftr" sz="quarter" idx="11"/>
           </p:nvPr>
         </p:nvSpPr>
         <p:spPr bwMode="auto"/>
@@ -1920,12 +2372,12 @@
       </p:sp>
       <p:sp>
         <p:nvSpPr>
-          <p:cNvPr id="5" name="Slide Number Placeholder 4" hidden="0"/>
-          <p:cNvSpPr>
-            <a:spLocks noGrp="1"/>
-          </p:cNvSpPr>
-          <p:nvPr isPhoto="0" userDrawn="0">
-            <p:ph type="sldNum" sz="quarter" idx="12" hasCustomPrompt="0"/>
+          <p:cNvPr id="5" name="Slide Number Placeholder 4"/>
+          <p:cNvSpPr>
+            <a:spLocks noGrp="1"/>
+          </p:cNvSpPr>
+          <p:nvPr>
+            <p:ph type="sldNum" sz="quarter" idx="12"/>
           </p:nvPr>
         </p:nvSpPr>
         <p:spPr bwMode="auto"/>
@@ -1938,7 +2390,7 @@
             </a:pPr>
             <a:fld id="{07CE569E-9B7C-4CB9-AB80-C0841F922CFF}" type="slidenum">
               <a:rPr lang="en-US"/>
-              <a:t/>
+              <a:t>‹nº›</a:t>
             </a:fld>
             <a:endParaRPr lang="en-US"/>
           </a:p>
@@ -1953,13 +2405,13 @@
 </file>
 
 <file path=ppt/slideLayouts/slideLayout7.xml><?xml version="1.0" encoding="utf-8"?>
-<p:sldLayout xmlns:a="http://schemas.openxmlformats.org/drawingml/2006/main" xmlns:r="http://schemas.openxmlformats.org/officeDocument/2006/relationships" xmlns:p="http://schemas.openxmlformats.org/presentationml/2006/main" xmlns:m="http://schemas.openxmlformats.org/officeDocument/2006/math" xmlns:w="http://schemas.openxmlformats.org/wordprocessingml/2006/main" matchingName="" preserve="1" showMasterPhAnim="0" type="blank" userDrawn="1">
+<p:sldLayout xmlns:a="http://schemas.openxmlformats.org/drawingml/2006/main" xmlns:r="http://schemas.openxmlformats.org/officeDocument/2006/relationships" xmlns:p="http://schemas.openxmlformats.org/presentationml/2006/main" showMasterPhAnim="0" type="blank" preserve="1" userDrawn="1">
   <p:cSld name="Blank">
     <p:spTree>
       <p:nvGrpSpPr>
-        <p:cNvPr id="1" name="" hidden="0"/>
+        <p:cNvPr id="1" name=""/>
         <p:cNvGrpSpPr/>
-        <p:nvPr isPhoto="0" userDrawn="0"/>
+        <p:nvPr/>
       </p:nvGrpSpPr>
       <p:grpSpPr bwMode="auto">
         <a:xfrm>
@@ -1971,12 +2423,12 @@
       </p:grpSpPr>
       <p:sp>
         <p:nvSpPr>
-          <p:cNvPr id="2" name="Date Placeholder 1" hidden="0"/>
-          <p:cNvSpPr>
-            <a:spLocks noGrp="1"/>
-          </p:cNvSpPr>
-          <p:nvPr isPhoto="0" userDrawn="0">
-            <p:ph type="dt" sz="half" idx="10" hasCustomPrompt="0"/>
+          <p:cNvPr id="2" name="Date Placeholder 1"/>
+          <p:cNvSpPr>
+            <a:spLocks noGrp="1"/>
+          </p:cNvSpPr>
+          <p:nvPr>
+            <p:ph type="dt" sz="half" idx="10"/>
           </p:nvPr>
         </p:nvSpPr>
         <p:spPr bwMode="auto"/>
@@ -1989,7 +2441,7 @@
             </a:pPr>
             <a:fld id="{76969C88-B244-455D-A017-012B25B1ACDD}" type="datetimeFigureOut">
               <a:rPr lang="en-US"/>
-              <a:t/>
+              <a:t>5/31/22</a:t>
             </a:fld>
             <a:endParaRPr lang="en-US"/>
           </a:p>
@@ -1997,12 +2449,12 @@
       </p:sp>
       <p:sp>
         <p:nvSpPr>
-          <p:cNvPr id="3" name="Footer Placeholder 2" hidden="0"/>
-          <p:cNvSpPr>
-            <a:spLocks noGrp="1"/>
-          </p:cNvSpPr>
-          <p:nvPr isPhoto="0" userDrawn="0">
-            <p:ph type="ftr" sz="quarter" idx="11" hasCustomPrompt="0"/>
+          <p:cNvPr id="3" name="Footer Placeholder 2"/>
+          <p:cNvSpPr>
+            <a:spLocks noGrp="1"/>
+          </p:cNvSpPr>
+          <p:nvPr>
+            <p:ph type="ftr" sz="quarter" idx="11"/>
           </p:nvPr>
         </p:nvSpPr>
         <p:spPr bwMode="auto"/>
@@ -2019,12 +2471,12 @@
       </p:sp>
       <p:sp>
         <p:nvSpPr>
-          <p:cNvPr id="4" name="Slide Number Placeholder 3" hidden="0"/>
-          <p:cNvSpPr>
-            <a:spLocks noGrp="1"/>
-          </p:cNvSpPr>
-          <p:nvPr isPhoto="0" userDrawn="0">
-            <p:ph type="sldNum" sz="quarter" idx="12" hasCustomPrompt="0"/>
+          <p:cNvPr id="4" name="Slide Number Placeholder 3"/>
+          <p:cNvSpPr>
+            <a:spLocks noGrp="1"/>
+          </p:cNvSpPr>
+          <p:nvPr>
+            <p:ph type="sldNum" sz="quarter" idx="12"/>
           </p:nvPr>
         </p:nvSpPr>
         <p:spPr bwMode="auto"/>
@@ -2037,7 +2489,7 @@
             </a:pPr>
             <a:fld id="{07CE569E-9B7C-4CB9-AB80-C0841F922CFF}" type="slidenum">
               <a:rPr lang="en-US"/>
-              <a:t/>
+              <a:t>‹nº›</a:t>
             </a:fld>
             <a:endParaRPr lang="en-US"/>
           </a:p>
@@ -2052,13 +2504,13 @@
 </file>
 
 <file path=ppt/slideLayouts/slideLayout8.xml><?xml version="1.0" encoding="utf-8"?>
-<p:sldLayout xmlns:a="http://schemas.openxmlformats.org/drawingml/2006/main" xmlns:r="http://schemas.openxmlformats.org/officeDocument/2006/relationships" xmlns:p="http://schemas.openxmlformats.org/presentationml/2006/main" xmlns:m="http://schemas.openxmlformats.org/officeDocument/2006/math" xmlns:w="http://schemas.openxmlformats.org/wordprocessingml/2006/main" matchingName="" preserve="1" showMasterPhAnim="0" type="objTx" userDrawn="1">
+<p:sldLayout xmlns:a="http://schemas.openxmlformats.org/drawingml/2006/main" xmlns:r="http://schemas.openxmlformats.org/officeDocument/2006/relationships" xmlns:p="http://schemas.openxmlformats.org/presentationml/2006/main" showMasterPhAnim="0" type="objTx" preserve="1" userDrawn="1">
   <p:cSld name="Content with Caption">
     <p:spTree>
       <p:nvGrpSpPr>
-        <p:cNvPr id="1" name="" hidden="0"/>
+        <p:cNvPr id="1" name=""/>
         <p:cNvGrpSpPr/>
-        <p:nvPr isPhoto="0" userDrawn="0"/>
+        <p:nvPr/>
       </p:nvGrpSpPr>
       <p:grpSpPr bwMode="auto">
         <a:xfrm>
@@ -2070,12 +2522,12 @@
       </p:grpSpPr>
       <p:sp>
         <p:nvSpPr>
-          <p:cNvPr id="2" name="Title 1" hidden="0"/>
-          <p:cNvSpPr>
-            <a:spLocks noGrp="1"/>
-          </p:cNvSpPr>
-          <p:nvPr isPhoto="0" userDrawn="0">
-            <p:ph type="title" hasCustomPrompt="0"/>
+          <p:cNvPr id="2" name="Title 1"/>
+          <p:cNvSpPr>
+            <a:spLocks noGrp="1"/>
+          </p:cNvSpPr>
+          <p:nvPr>
+            <p:ph type="title"/>
           </p:nvPr>
         </p:nvSpPr>
         <p:spPr bwMode="auto">
@@ -2105,12 +2557,12 @@
       </p:sp>
       <p:sp>
         <p:nvSpPr>
-          <p:cNvPr id="3" name="Content Placeholder 2" hidden="0"/>
-          <p:cNvSpPr>
-            <a:spLocks noGrp="1"/>
-          </p:cNvSpPr>
-          <p:nvPr isPhoto="0" userDrawn="0">
-            <p:ph idx="1" hasCustomPrompt="0"/>
+          <p:cNvPr id="3" name="Content Placeholder 2"/>
+          <p:cNvSpPr>
+            <a:spLocks noGrp="1"/>
+          </p:cNvSpPr>
+          <p:nvPr>
+            <p:ph idx="1"/>
           </p:nvPr>
         </p:nvSpPr>
         <p:spPr bwMode="auto">
@@ -2204,12 +2656,12 @@
       </p:sp>
       <p:sp>
         <p:nvSpPr>
-          <p:cNvPr id="4" name="Text Placeholder 3" hidden="0"/>
-          <p:cNvSpPr>
-            <a:spLocks noGrp="1"/>
-          </p:cNvSpPr>
-          <p:nvPr isPhoto="0" userDrawn="0">
-            <p:ph type="body" sz="half" idx="2" hasCustomPrompt="0"/>
+          <p:cNvPr id="4" name="Text Placeholder 3"/>
+          <p:cNvSpPr>
+            <a:spLocks noGrp="1"/>
+          </p:cNvSpPr>
+          <p:nvPr>
+            <p:ph type="body" sz="half" idx="2"/>
           </p:nvPr>
         </p:nvSpPr>
         <p:spPr bwMode="auto">
@@ -2272,12 +2724,12 @@
       </p:sp>
       <p:sp>
         <p:nvSpPr>
-          <p:cNvPr id="5" name="Date Placeholder 4" hidden="0"/>
-          <p:cNvSpPr>
-            <a:spLocks noGrp="1"/>
-          </p:cNvSpPr>
-          <p:nvPr isPhoto="0" userDrawn="0">
-            <p:ph type="dt" sz="half" idx="10" hasCustomPrompt="0"/>
+          <p:cNvPr id="5" name="Date Placeholder 4"/>
+          <p:cNvSpPr>
+            <a:spLocks noGrp="1"/>
+          </p:cNvSpPr>
+          <p:nvPr>
+            <p:ph type="dt" sz="half" idx="10"/>
           </p:nvPr>
         </p:nvSpPr>
         <p:spPr bwMode="auto"/>
@@ -2290,7 +2742,7 @@
             </a:pPr>
             <a:fld id="{76969C88-B244-455D-A017-012B25B1ACDD}" type="datetimeFigureOut">
               <a:rPr lang="en-US"/>
-              <a:t/>
+              <a:t>5/31/22</a:t>
             </a:fld>
             <a:endParaRPr lang="en-US"/>
           </a:p>
@@ -2298,12 +2750,12 @@
       </p:sp>
       <p:sp>
         <p:nvSpPr>
-          <p:cNvPr id="6" name="Footer Placeholder 5" hidden="0"/>
-          <p:cNvSpPr>
-            <a:spLocks noGrp="1"/>
-          </p:cNvSpPr>
-          <p:nvPr isPhoto="0" userDrawn="0">
-            <p:ph type="ftr" sz="quarter" idx="11" hasCustomPrompt="0"/>
+          <p:cNvPr id="6" name="Footer Placeholder 5"/>
+          <p:cNvSpPr>
+            <a:spLocks noGrp="1"/>
+          </p:cNvSpPr>
+          <p:nvPr>
+            <p:ph type="ftr" sz="quarter" idx="11"/>
           </p:nvPr>
         </p:nvSpPr>
         <p:spPr bwMode="auto"/>
@@ -2320,12 +2772,12 @@
       </p:sp>
       <p:sp>
         <p:nvSpPr>
-          <p:cNvPr id="7" name="Slide Number Placeholder 6" hidden="0"/>
-          <p:cNvSpPr>
-            <a:spLocks noGrp="1"/>
-          </p:cNvSpPr>
-          <p:nvPr isPhoto="0" userDrawn="0">
-            <p:ph type="sldNum" sz="quarter" idx="12" hasCustomPrompt="0"/>
+          <p:cNvPr id="7" name="Slide Number Placeholder 6"/>
+          <p:cNvSpPr>
+            <a:spLocks noGrp="1"/>
+          </p:cNvSpPr>
+          <p:nvPr>
+            <p:ph type="sldNum" sz="quarter" idx="12"/>
           </p:nvPr>
         </p:nvSpPr>
         <p:spPr bwMode="auto"/>
@@ -2338,7 +2790,7 @@
             </a:pPr>
             <a:fld id="{07CE569E-9B7C-4CB9-AB80-C0841F922CFF}" type="slidenum">
               <a:rPr lang="en-US"/>
-              <a:t/>
+              <a:t>‹nº›</a:t>
             </a:fld>
             <a:endParaRPr lang="en-US"/>
           </a:p>
@@ -2353,13 +2805,13 @@
 </file>
 
 <file path=ppt/slideLayouts/slideLayout9.xml><?xml version="1.0" encoding="utf-8"?>
-<p:sldLayout xmlns:a="http://schemas.openxmlformats.org/drawingml/2006/main" xmlns:r="http://schemas.openxmlformats.org/officeDocument/2006/relationships" xmlns:p="http://schemas.openxmlformats.org/presentationml/2006/main" xmlns:m="http://schemas.openxmlformats.org/officeDocument/2006/math" xmlns:w="http://schemas.openxmlformats.org/wordprocessingml/2006/main" matchingName="" preserve="1" showMasterPhAnim="0" type="picTx" userDrawn="1">
+<p:sldLayout xmlns:a="http://schemas.openxmlformats.org/drawingml/2006/main" xmlns:r="http://schemas.openxmlformats.org/officeDocument/2006/relationships" xmlns:p="http://schemas.openxmlformats.org/presentationml/2006/main" showMasterPhAnim="0" type="picTx" preserve="1" userDrawn="1">
   <p:cSld name="Picture with Caption">
     <p:spTree>
       <p:nvGrpSpPr>
-        <p:cNvPr id="1" name="" hidden="0"/>
+        <p:cNvPr id="1" name=""/>
         <p:cNvGrpSpPr/>
-        <p:nvPr isPhoto="0" userDrawn="0"/>
+        <p:nvPr/>
       </p:nvGrpSpPr>
       <p:grpSpPr bwMode="auto">
         <a:xfrm>
@@ -2371,12 +2823,12 @@
       </p:grpSpPr>
       <p:sp>
         <p:nvSpPr>
-          <p:cNvPr id="2" name="Title 1" hidden="0"/>
-          <p:cNvSpPr>
-            <a:spLocks noGrp="1"/>
-          </p:cNvSpPr>
-          <p:nvPr isPhoto="0" userDrawn="0">
-            <p:ph type="title" hasCustomPrompt="0"/>
+          <p:cNvPr id="2" name="Title 1"/>
+          <p:cNvSpPr>
+            <a:spLocks noGrp="1"/>
+          </p:cNvSpPr>
+          <p:nvPr>
+            <p:ph type="title"/>
           </p:nvPr>
         </p:nvSpPr>
         <p:spPr bwMode="auto">
@@ -2406,12 +2858,12 @@
       </p:sp>
       <p:sp>
         <p:nvSpPr>
-          <p:cNvPr id="3" name="Picture Placeholder 2" hidden="0"/>
-          <p:cNvSpPr>
-            <a:spLocks noGrp="1"/>
-          </p:cNvSpPr>
-          <p:nvPr isPhoto="0" userDrawn="0">
-            <p:ph type="pic" idx="1" hasCustomPrompt="0"/>
+          <p:cNvPr id="3" name="Picture Placeholder 2"/>
+          <p:cNvSpPr>
+            <a:spLocks noGrp="1"/>
+          </p:cNvSpPr>
+          <p:nvPr>
+            <p:ph type="pic" idx="1"/>
           </p:nvPr>
         </p:nvSpPr>
         <p:spPr bwMode="auto">
@@ -2474,12 +2926,12 @@
       </p:sp>
       <p:sp>
         <p:nvSpPr>
-          <p:cNvPr id="4" name="Text Placeholder 3" hidden="0"/>
-          <p:cNvSpPr>
-            <a:spLocks noGrp="1"/>
-          </p:cNvSpPr>
-          <p:nvPr isPhoto="0" userDrawn="0">
-            <p:ph type="body" sz="half" idx="2" hasCustomPrompt="0"/>
+          <p:cNvPr id="4" name="Text Placeholder 3"/>
+          <p:cNvSpPr>
+            <a:spLocks noGrp="1"/>
+          </p:cNvSpPr>
+          <p:nvPr>
+            <p:ph type="body" sz="half" idx="2"/>
           </p:nvPr>
         </p:nvSpPr>
         <p:spPr bwMode="auto">
@@ -2542,12 +2994,12 @@
       </p:sp>
       <p:sp>
         <p:nvSpPr>
-          <p:cNvPr id="5" name="Date Placeholder 4" hidden="0"/>
-          <p:cNvSpPr>
-            <a:spLocks noGrp="1"/>
-          </p:cNvSpPr>
-          <p:nvPr isPhoto="0" userDrawn="0">
-            <p:ph type="dt" sz="half" idx="10" hasCustomPrompt="0"/>
+          <p:cNvPr id="5" name="Date Placeholder 4"/>
+          <p:cNvSpPr>
+            <a:spLocks noGrp="1"/>
+          </p:cNvSpPr>
+          <p:nvPr>
+            <p:ph type="dt" sz="half" idx="10"/>
           </p:nvPr>
         </p:nvSpPr>
         <p:spPr bwMode="auto"/>
@@ -2560,7 +3012,7 @@
             </a:pPr>
             <a:fld id="{76969C88-B244-455D-A017-012B25B1ACDD}" type="datetimeFigureOut">
               <a:rPr lang="en-US"/>
-              <a:t/>
+              <a:t>5/31/22</a:t>
             </a:fld>
             <a:endParaRPr lang="en-US"/>
           </a:p>
@@ -2568,12 +3020,12 @@
       </p:sp>
       <p:sp>
         <p:nvSpPr>
-          <p:cNvPr id="6" name="Footer Placeholder 5" hidden="0"/>
-          <p:cNvSpPr>
-            <a:spLocks noGrp="1"/>
-          </p:cNvSpPr>
-          <p:nvPr isPhoto="0" userDrawn="0">
-            <p:ph type="ftr" sz="quarter" idx="11" hasCustomPrompt="0"/>
+          <p:cNvPr id="6" name="Footer Placeholder 5"/>
+          <p:cNvSpPr>
+            <a:spLocks noGrp="1"/>
+          </p:cNvSpPr>
+          <p:nvPr>
+            <p:ph type="ftr" sz="quarter" idx="11"/>
           </p:nvPr>
         </p:nvSpPr>
         <p:spPr bwMode="auto"/>
@@ -2590,12 +3042,12 @@
       </p:sp>
       <p:sp>
         <p:nvSpPr>
-          <p:cNvPr id="7" name="Slide Number Placeholder 6" hidden="0"/>
-          <p:cNvSpPr>
-            <a:spLocks noGrp="1"/>
-          </p:cNvSpPr>
-          <p:nvPr isPhoto="0" userDrawn="0">
-            <p:ph type="sldNum" sz="quarter" idx="12" hasCustomPrompt="0"/>
+          <p:cNvPr id="7" name="Slide Number Placeholder 6"/>
+          <p:cNvSpPr>
+            <a:spLocks noGrp="1"/>
+          </p:cNvSpPr>
+          <p:nvPr>
+            <p:ph type="sldNum" sz="quarter" idx="12"/>
           </p:nvPr>
         </p:nvSpPr>
         <p:spPr bwMode="auto"/>
@@ -2608,7 +3060,7 @@
             </a:pPr>
             <a:fld id="{07CE569E-9B7C-4CB9-AB80-C0841F922CFF}" type="slidenum">
               <a:rPr lang="en-US"/>
-              <a:t/>
+              <a:t>‹nº›</a:t>
             </a:fld>
             <a:endParaRPr lang="en-US"/>
           </a:p>
@@ -2623,8 +3075,8 @@
 </file>
 
 <file path=ppt/slideMasters/slideMaster1.xml><?xml version="1.0" encoding="utf-8"?>
-<p:sldMaster xmlns:a="http://schemas.openxmlformats.org/drawingml/2006/main" xmlns:r="http://schemas.openxmlformats.org/officeDocument/2006/relationships" xmlns:p="http://schemas.openxmlformats.org/presentationml/2006/main" xmlns:m="http://schemas.openxmlformats.org/officeDocument/2006/math" xmlns:w="http://schemas.openxmlformats.org/wordprocessingml/2006/main" preserve="0">
-  <p:cSld name="">
+<p:sldMaster xmlns:a="http://schemas.openxmlformats.org/drawingml/2006/main" xmlns:r="http://schemas.openxmlformats.org/officeDocument/2006/relationships" xmlns:p="http://schemas.openxmlformats.org/presentationml/2006/main">
+  <p:cSld>
     <p:bg>
       <p:bgRef idx="1001">
         <a:schemeClr val="bg2"/>
@@ -2632,9 +3084,9 @@
     </p:bg>
     <p:spTree>
       <p:nvGrpSpPr>
-        <p:cNvPr id="1" name="" hidden="0"/>
+        <p:cNvPr id="1" name=""/>
         <p:cNvGrpSpPr/>
-        <p:nvPr isPhoto="0" userDrawn="0"/>
+        <p:nvPr/>
       </p:nvGrpSpPr>
       <p:grpSpPr bwMode="auto">
         <a:xfrm>
@@ -2646,9 +3098,9 @@
       </p:grpSpPr>
       <p:sp>
         <p:nvSpPr>
-          <p:cNvPr id="8" name="Freeform: Shape 7" hidden="0"/>
+          <p:cNvPr id="8" name="Freeform: Shape 7"/>
           <p:cNvSpPr/>
-          <p:nvPr isPhoto="0" userDrawn="0"/>
+          <p:nvPr/>
         </p:nvSpPr>
         <p:spPr bwMode="auto">
           <a:xfrm>
@@ -2714,7 +3166,7 @@
             </a:cxnLst>
             <a:rect l="l" t="t" r="r" b="b"/>
             <a:pathLst>
-              <a:path w="4034156" h="613164" fill="norm" stroke="1" extrusionOk="0">
+              <a:path w="4034156" h="613164" extrusionOk="0">
                 <a:moveTo>
                   <a:pt x="1479137" y="230"/>
                 </a:moveTo>
@@ -2820,9 +3272,9 @@
       </p:sp>
       <p:sp>
         <p:nvSpPr>
-          <p:cNvPr id="11" name="Freeform: Shape 10" hidden="0"/>
+          <p:cNvPr id="11" name="Freeform: Shape 10"/>
           <p:cNvSpPr/>
-          <p:nvPr isPhoto="0" userDrawn="0"/>
+          <p:nvPr/>
         </p:nvSpPr>
         <p:spPr bwMode="auto">
           <a:xfrm>
@@ -2868,7 +3320,7 @@
             </a:cxnLst>
             <a:rect l="l" t="t" r="r" b="b"/>
             <a:pathLst>
-              <a:path w="448491" h="1634252" fill="norm" stroke="1" extrusionOk="0">
+              <a:path w="448491" h="1634252" extrusionOk="0">
                 <a:moveTo>
                   <a:pt x="0" y="0"/>
                 </a:moveTo>
@@ -2940,9 +3392,9 @@
       </p:sp>
       <p:sp>
         <p:nvSpPr>
-          <p:cNvPr id="12" name="Freeform: Shape 11" hidden="0"/>
+          <p:cNvPr id="12" name="Freeform: Shape 11"/>
           <p:cNvSpPr/>
-          <p:nvPr isPhoto="0" userDrawn="0"/>
+          <p:nvPr/>
         </p:nvSpPr>
         <p:spPr bwMode="auto">
           <a:xfrm>
@@ -3041,7 +3493,7 @@
             </a:cxnLst>
             <a:rect l="l" t="t" r="r" b="b"/>
             <a:pathLst>
-              <a:path w="4418271" h="718159" fill="norm" stroke="1" extrusionOk="0">
+              <a:path w="4418271" h="718159" extrusionOk="0">
                 <a:moveTo>
                   <a:pt x="0" y="713930"/>
                 </a:moveTo>
@@ -3133,12 +3585,12 @@
       </p:sp>
       <p:sp>
         <p:nvSpPr>
-          <p:cNvPr id="2" name="Title Placeholder 1" hidden="0"/>
-          <p:cNvSpPr>
-            <a:spLocks noGrp="1"/>
-          </p:cNvSpPr>
-          <p:nvPr isPhoto="0" userDrawn="0">
-            <p:ph type="title" hasCustomPrompt="0"/>
+          <p:cNvPr id="2" name="Title Placeholder 1"/>
+          <p:cNvSpPr>
+            <a:spLocks noGrp="1"/>
+          </p:cNvSpPr>
+          <p:nvPr>
+            <p:ph type="title"/>
           </p:nvPr>
         </p:nvSpPr>
         <p:spPr bwMode="auto">
@@ -3169,12 +3621,12 @@
       </p:sp>
       <p:sp>
         <p:nvSpPr>
-          <p:cNvPr id="3" name="Text Placeholder 2" hidden="0"/>
-          <p:cNvSpPr>
-            <a:spLocks noGrp="1"/>
-          </p:cNvSpPr>
-          <p:nvPr isPhoto="0" userDrawn="0">
-            <p:ph type="body" idx="1" hasCustomPrompt="0"/>
+          <p:cNvPr id="3" name="Text Placeholder 2"/>
+          <p:cNvSpPr>
+            <a:spLocks noGrp="1"/>
+          </p:cNvSpPr>
+          <p:nvPr>
+            <p:ph type="body" idx="1"/>
           </p:nvPr>
         </p:nvSpPr>
         <p:spPr bwMode="auto">
@@ -3245,12 +3697,12 @@
       </p:sp>
       <p:sp>
         <p:nvSpPr>
-          <p:cNvPr id="4" name="Date Placeholder 3" hidden="0"/>
-          <p:cNvSpPr>
-            <a:spLocks noGrp="1"/>
-          </p:cNvSpPr>
-          <p:nvPr isPhoto="0" userDrawn="0">
-            <p:ph type="dt" sz="half" idx="2" hasCustomPrompt="0"/>
+          <p:cNvPr id="4" name="Date Placeholder 3"/>
+          <p:cNvSpPr>
+            <a:spLocks noGrp="1"/>
+          </p:cNvSpPr>
+          <p:nvPr>
+            <p:ph type="dt" sz="half" idx="2"/>
           </p:nvPr>
         </p:nvSpPr>
         <p:spPr bwMode="auto">
@@ -3282,7 +3734,7 @@
             </a:pPr>
             <a:fld id="{76969C88-B244-455D-A017-012B25B1ACDD}" type="datetimeFigureOut">
               <a:rPr lang="en-US"/>
-              <a:t/>
+              <a:t>5/31/22</a:t>
             </a:fld>
             <a:endParaRPr lang="en-US"/>
           </a:p>
@@ -3290,12 +3742,12 @@
       </p:sp>
       <p:sp>
         <p:nvSpPr>
-          <p:cNvPr id="5" name="Footer Placeholder 4" hidden="0"/>
-          <p:cNvSpPr>
-            <a:spLocks noGrp="1"/>
-          </p:cNvSpPr>
-          <p:nvPr isPhoto="0" userDrawn="0">
-            <p:ph type="ftr" sz="quarter" idx="3" hasCustomPrompt="0"/>
+          <p:cNvPr id="5" name="Footer Placeholder 4"/>
+          <p:cNvSpPr>
+            <a:spLocks noGrp="1"/>
+          </p:cNvSpPr>
+          <p:nvPr>
+            <p:ph type="ftr" sz="quarter" idx="3"/>
           </p:nvPr>
         </p:nvSpPr>
         <p:spPr bwMode="auto">
@@ -3331,12 +3783,12 @@
       </p:sp>
       <p:sp>
         <p:nvSpPr>
-          <p:cNvPr id="6" name="Slide Number Placeholder 5" hidden="0"/>
-          <p:cNvSpPr>
-            <a:spLocks noGrp="1"/>
-          </p:cNvSpPr>
-          <p:nvPr isPhoto="0" userDrawn="0">
-            <p:ph type="sldNum" sz="quarter" idx="4" hasCustomPrompt="0"/>
+          <p:cNvPr id="6" name="Slide Number Placeholder 5"/>
+          <p:cNvSpPr>
+            <a:spLocks noGrp="1"/>
+          </p:cNvSpPr>
+          <p:nvPr>
+            <p:ph type="sldNum" sz="quarter" idx="4"/>
           </p:nvPr>
         </p:nvSpPr>
         <p:spPr bwMode="auto">
@@ -3368,7 +3820,7 @@
             </a:pPr>
             <a:fld id="{07CE569E-9B7C-4CB9-AB80-C0841F922CFF}" type="slidenum">
               <a:rPr lang="en-US"/>
-              <a:t/>
+              <a:t>‹nº›</a:t>
             </a:fld>
             <a:endParaRPr lang="en-US"/>
           </a:p>
@@ -3684,20 +4136,21 @@
 </file>
 
 <file path=ppt/slides/slide1.xml><?xml version="1.0" encoding="utf-8"?>
-<p:sld xmlns:a="http://schemas.openxmlformats.org/drawingml/2006/main" xmlns:r="http://schemas.openxmlformats.org/officeDocument/2006/relationships" xmlns:p="http://schemas.openxmlformats.org/presentationml/2006/main" xmlns:m="http://schemas.openxmlformats.org/officeDocument/2006/math" xmlns:w="http://schemas.openxmlformats.org/wordprocessingml/2006/main" showMasterPhAnim="0" show="1">
-  <p:cSld name="">
+<p:sld xmlns:a="http://schemas.openxmlformats.org/drawingml/2006/main" xmlns:r="http://schemas.openxmlformats.org/officeDocument/2006/relationships" xmlns:p="http://schemas.openxmlformats.org/presentationml/2006/main" showMasterPhAnim="0">
+  <p:cSld>
     <p:bg>
-      <p:bgPr shadeToTitle="0">
+      <p:bgPr>
         <a:solidFill>
           <a:schemeClr val="bg2"/>
         </a:solidFill>
+        <a:effectLst/>
       </p:bgPr>
     </p:bg>
     <p:spTree>
       <p:nvGrpSpPr>
-        <p:cNvPr id="1" name="" hidden="0"/>
+        <p:cNvPr id="1" name=""/>
         <p:cNvGrpSpPr/>
-        <p:nvPr isPhoto="0" userDrawn="0"/>
+        <p:nvPr/>
       </p:nvGrpSpPr>
       <p:grpSpPr bwMode="auto">
         <a:xfrm>
@@ -3709,11 +4162,11 @@
       </p:grpSpPr>
       <p:sp useBgFill="1">
         <p:nvSpPr>
-          <p:cNvPr id="71" name="Rectangle 70" hidden="0"/>
-          <p:cNvSpPr>
-            <a:spLocks noAdjustHandles="1" noChangeArrowheads="1" noChangeAspect="1" noChangeShapeType="1" noEditPoints="1" noGrp="1" noMove="1" noResize="1" noRot="1" noTextEdit="1"/>
-          </p:cNvSpPr>
-          <p:nvPr isPhoto="0" userDrawn="0"/>
+          <p:cNvPr id="71" name="Rectangle 70"/>
+          <p:cNvSpPr>
+            <a:spLocks noGrp="1" noRot="1" noChangeAspect="1" noMove="1" noResize="1" noEditPoints="1" noAdjustHandles="1" noChangeArrowheads="1" noChangeShapeType="1" noTextEdit="1"/>
+          </p:cNvSpPr>
+          <p:nvPr/>
         </p:nvSpPr>
         <p:spPr bwMode="auto">
           <a:xfrm>
@@ -3759,12 +4212,12 @@
       </p:sp>
       <p:sp>
         <p:nvSpPr>
-          <p:cNvPr id="2" name="Título 1" hidden="0"/>
-          <p:cNvSpPr>
-            <a:spLocks noGrp="1"/>
-          </p:cNvSpPr>
-          <p:nvPr isPhoto="0" userDrawn="0">
-            <p:ph type="ctrTitle" hasCustomPrompt="0"/>
+          <p:cNvPr id="2" name="Título 1"/>
+          <p:cNvSpPr>
+            <a:spLocks noGrp="1"/>
+          </p:cNvSpPr>
+          <p:nvPr>
+            <p:ph type="ctrTitle"/>
           </p:nvPr>
         </p:nvSpPr>
         <p:spPr bwMode="auto">
@@ -3799,12 +4252,12 @@
       </p:sp>
       <p:sp>
         <p:nvSpPr>
-          <p:cNvPr id="3" name="Subtítulo 2" hidden="0"/>
-          <p:cNvSpPr>
-            <a:spLocks noGrp="1"/>
-          </p:cNvSpPr>
-          <p:nvPr isPhoto="0" userDrawn="0">
-            <p:ph type="subTitle" idx="1" hasCustomPrompt="0"/>
+          <p:cNvPr id="3" name="Subtítulo 2"/>
+          <p:cNvSpPr>
+            <a:spLocks noGrp="1"/>
+          </p:cNvSpPr>
+          <p:nvPr>
+            <p:ph type="subTitle" idx="1"/>
           </p:nvPr>
         </p:nvSpPr>
         <p:spPr bwMode="auto">
@@ -3852,11 +4305,11 @@
       </p:sp>
       <p:sp>
         <p:nvSpPr>
-          <p:cNvPr id="73" name="Freeform: Shape 72" hidden="0"/>
-          <p:cNvSpPr>
-            <a:spLocks noAdjustHandles="1" noChangeArrowheads="1" noChangeAspect="1" noChangeShapeType="1" noEditPoints="1" noGrp="1" noMove="1" noResize="1" noRot="1" noTextEdit="1"/>
-          </p:cNvSpPr>
-          <p:nvPr isPhoto="0" userDrawn="0"/>
+          <p:cNvPr id="73" name="Freeform: Shape 72"/>
+          <p:cNvSpPr>
+            <a:spLocks noGrp="1" noRot="1" noChangeAspect="1" noMove="1" noResize="1" noEditPoints="1" noAdjustHandles="1" noChangeArrowheads="1" noChangeShapeType="1" noTextEdit="1"/>
+          </p:cNvSpPr>
+          <p:nvPr/>
         </p:nvSpPr>
         <p:spPr bwMode="auto">
           <a:xfrm>
@@ -3922,7 +4375,7 @@
             </a:cxnLst>
             <a:rect l="l" t="t" r="r" b="b"/>
             <a:pathLst>
-              <a:path w="5948806" h="6095979" fill="norm" stroke="1" extrusionOk="0">
+              <a:path w="5948806" h="6095979" extrusionOk="0">
                 <a:moveTo>
                   <a:pt x="1573832" y="765"/>
                 </a:moveTo>
@@ -4005,11 +4458,11 @@
       </p:sp>
       <p:sp>
         <p:nvSpPr>
-          <p:cNvPr id="75" name="Freeform: Shape 74" hidden="0"/>
-          <p:cNvSpPr>
-            <a:spLocks noAdjustHandles="1" noChangeArrowheads="1" noChangeAspect="1" noChangeShapeType="1" noEditPoints="1" noGrp="1" noMove="1" noResize="1" noRot="1" noTextEdit="1"/>
-          </p:cNvSpPr>
-          <p:nvPr isPhoto="0" userDrawn="0"/>
+          <p:cNvPr id="75" name="Freeform: Shape 74"/>
+          <p:cNvSpPr>
+            <a:spLocks noGrp="1" noRot="1" noChangeAspect="1" noMove="1" noResize="1" noEditPoints="1" noAdjustHandles="1" noChangeArrowheads="1" noChangeShapeType="1" noTextEdit="1"/>
+          </p:cNvSpPr>
+          <p:nvPr/>
         </p:nvSpPr>
         <p:spPr bwMode="auto">
           <a:xfrm rot="5400000" flipH="1">
@@ -4117,7 +4570,7 @@
             </a:cxnLst>
             <a:rect l="l" t="t" r="r" b="b"/>
             <a:pathLst>
-              <a:path w="2154655" h="6858000" fill="norm" stroke="1" extrusionOk="0">
+              <a:path w="2154655" h="6858000" extrusionOk="0">
                 <a:moveTo>
                   <a:pt x="0" y="0"/>
                 </a:moveTo>
@@ -4189,11 +4642,11 @@
       </p:sp>
       <p:pic>
         <p:nvPicPr>
-          <p:cNvPr id="53" name="Imagem 52" descr="Uma imagem com símbolo, exterior, sentado, paragem&#10;&#10;Descrição gerada automaticamente" hidden="0"/>
+          <p:cNvPr id="53" name="Imagem 52" descr="Uma imagem com símbolo, exterior, sentado, paragem&#10;&#10;Descrição gerada automaticamente"/>
           <p:cNvPicPr>
             <a:picLocks noChangeAspect="1"/>
           </p:cNvPicPr>
-          <p:nvPr isPhoto="0" userDrawn="0"/>
+          <p:nvPr/>
         </p:nvPicPr>
         <p:blipFill>
           <a:blip r:embed="rId2"/>
@@ -4214,25 +4667,17 @@
   <p:clrMapOvr>
     <a:masterClrMapping/>
   </p:clrMapOvr>
-  <mc:AlternateContent xmlns:mc="http://schemas.openxmlformats.org/markup-compatibility/2006">
-    <mc:Choice xmlns:p14="http://schemas.microsoft.com/office/powerpoint/2010/main" Requires="p14">
-      <p:transition p14:dur="2000" advClick="1"/>
-    </mc:Choice>
-    <mc:Fallback>
-      <p:transition advClick="1"/>
-    </mc:Fallback>
-  </mc:AlternateContent>
 </p:sld>
 </file>
 
 <file path=ppt/slides/slide2.xml><?xml version="1.0" encoding="utf-8"?>
-<p:sld xmlns:a="http://schemas.openxmlformats.org/drawingml/2006/main" xmlns:r="http://schemas.openxmlformats.org/officeDocument/2006/relationships" xmlns:p="http://schemas.openxmlformats.org/presentationml/2006/main" xmlns:m="http://schemas.openxmlformats.org/officeDocument/2006/math" xmlns:w="http://schemas.openxmlformats.org/wordprocessingml/2006/main" showMasterPhAnim="0" show="1">
-  <p:cSld name="">
+<p:sld xmlns:a="http://schemas.openxmlformats.org/drawingml/2006/main" xmlns:r="http://schemas.openxmlformats.org/officeDocument/2006/relationships" xmlns:p="http://schemas.openxmlformats.org/presentationml/2006/main" showMasterPhAnim="0">
+  <p:cSld>
     <p:spTree>
       <p:nvGrpSpPr>
-        <p:cNvPr id="1" name="" hidden="0"/>
+        <p:cNvPr id="1" name=""/>
         <p:cNvGrpSpPr/>
-        <p:nvPr isPhoto="0" userDrawn="0"/>
+        <p:nvPr/>
       </p:nvGrpSpPr>
       <p:grpSpPr bwMode="auto">
         <a:xfrm>
@@ -4244,12 +4689,12 @@
       </p:grpSpPr>
       <p:sp>
         <p:nvSpPr>
-          <p:cNvPr id="2" name="Título 1" hidden="0"/>
-          <p:cNvSpPr>
-            <a:spLocks noGrp="1"/>
-          </p:cNvSpPr>
-          <p:nvPr isPhoto="0" userDrawn="0">
-            <p:ph type="title" hasCustomPrompt="0"/>
+          <p:cNvPr id="2" name="Título 1"/>
+          <p:cNvSpPr>
+            <a:spLocks noGrp="1"/>
+          </p:cNvSpPr>
+          <p:nvPr>
+            <p:ph type="title"/>
           </p:nvPr>
         </p:nvSpPr>
         <p:spPr bwMode="auto"/>
@@ -4270,12 +4715,12 @@
       </p:sp>
       <p:sp>
         <p:nvSpPr>
-          <p:cNvPr id="3" name="Marcador de Posição de Conteúdo 2" hidden="0"/>
-          <p:cNvSpPr>
-            <a:spLocks noGrp="1"/>
-          </p:cNvSpPr>
-          <p:nvPr isPhoto="0" userDrawn="0">
-            <p:ph idx="1" hasCustomPrompt="0"/>
+          <p:cNvPr id="3" name="Marcador de Posição de Conteúdo 2"/>
+          <p:cNvSpPr>
+            <a:spLocks noGrp="1"/>
+          </p:cNvSpPr>
+          <p:nvPr>
+            <p:ph idx="1"/>
           </p:nvPr>
         </p:nvSpPr>
         <p:spPr bwMode="auto">
@@ -4402,25 +4847,17 @@
   <p:clrMapOvr>
     <a:masterClrMapping/>
   </p:clrMapOvr>
-  <mc:AlternateContent xmlns:mc="http://schemas.openxmlformats.org/markup-compatibility/2006">
-    <mc:Choice xmlns:p14="http://schemas.microsoft.com/office/powerpoint/2010/main" Requires="p14">
-      <p:transition p14:dur="2000" advClick="1"/>
-    </mc:Choice>
-    <mc:Fallback>
-      <p:transition advClick="1"/>
-    </mc:Fallback>
-  </mc:AlternateContent>
 </p:sld>
 </file>
 
 <file path=ppt/slides/slide3.xml><?xml version="1.0" encoding="utf-8"?>
-<p:sld xmlns:a="http://schemas.openxmlformats.org/drawingml/2006/main" xmlns:r="http://schemas.openxmlformats.org/officeDocument/2006/relationships" xmlns:p="http://schemas.openxmlformats.org/presentationml/2006/main" xmlns:m="http://schemas.openxmlformats.org/officeDocument/2006/math" xmlns:w="http://schemas.openxmlformats.org/wordprocessingml/2006/main" showMasterPhAnim="0" show="1">
-  <p:cSld name="">
+<p:sld xmlns:a="http://schemas.openxmlformats.org/drawingml/2006/main" xmlns:r="http://schemas.openxmlformats.org/officeDocument/2006/relationships" xmlns:p="http://schemas.openxmlformats.org/presentationml/2006/main" showMasterPhAnim="0">
+  <p:cSld>
     <p:spTree>
       <p:nvGrpSpPr>
-        <p:cNvPr id="1" name="" hidden="0"/>
+        <p:cNvPr id="1" name=""/>
         <p:cNvGrpSpPr/>
-        <p:nvPr isPhoto="0" userDrawn="0"/>
+        <p:nvPr/>
       </p:nvGrpSpPr>
       <p:grpSpPr bwMode="auto">
         <a:xfrm>
@@ -4432,12 +4869,12 @@
       </p:grpSpPr>
       <p:sp>
         <p:nvSpPr>
-          <p:cNvPr id="2" name="Título 1" hidden="0"/>
-          <p:cNvSpPr>
-            <a:spLocks noGrp="1"/>
-          </p:cNvSpPr>
-          <p:nvPr isPhoto="0" userDrawn="0">
-            <p:ph type="title" hasCustomPrompt="0"/>
+          <p:cNvPr id="2" name="Título 1"/>
+          <p:cNvSpPr>
+            <a:spLocks noGrp="1"/>
+          </p:cNvSpPr>
+          <p:nvPr>
+            <p:ph type="title"/>
           </p:nvPr>
         </p:nvSpPr>
         <p:spPr bwMode="auto"/>
@@ -4458,12 +4895,12 @@
       </p:sp>
       <p:sp>
         <p:nvSpPr>
-          <p:cNvPr id="3" name="Marcador de Posição de Conteúdo 2" hidden="0"/>
-          <p:cNvSpPr>
-            <a:spLocks noGrp="1"/>
-          </p:cNvSpPr>
-          <p:nvPr isPhoto="0" userDrawn="0">
-            <p:ph idx="1" hasCustomPrompt="0"/>
+          <p:cNvPr id="3" name="Marcador de Posição de Conteúdo 2"/>
+          <p:cNvSpPr>
+            <a:spLocks noGrp="1"/>
+          </p:cNvSpPr>
+          <p:nvPr>
+            <p:ph idx="1"/>
           </p:nvPr>
         </p:nvSpPr>
         <p:spPr bwMode="auto"/>
@@ -4556,25 +4993,17 @@
   <p:clrMapOvr>
     <a:masterClrMapping/>
   </p:clrMapOvr>
-  <mc:AlternateContent xmlns:mc="http://schemas.openxmlformats.org/markup-compatibility/2006">
-    <mc:Choice xmlns:p14="http://schemas.microsoft.com/office/powerpoint/2010/main" Requires="p14">
-      <p:transition p14:dur="2000" advClick="1"/>
-    </mc:Choice>
-    <mc:Fallback>
-      <p:transition advClick="1"/>
-    </mc:Fallback>
-  </mc:AlternateContent>
 </p:sld>
 </file>
 
 <file path=ppt/slides/slide4.xml><?xml version="1.0" encoding="utf-8"?>
-<p:sld xmlns:a="http://schemas.openxmlformats.org/drawingml/2006/main" xmlns:r="http://schemas.openxmlformats.org/officeDocument/2006/relationships" xmlns:p="http://schemas.openxmlformats.org/presentationml/2006/main" xmlns:m="http://schemas.openxmlformats.org/officeDocument/2006/math" xmlns:w="http://schemas.openxmlformats.org/wordprocessingml/2006/main" showMasterPhAnim="0" show="1">
-  <p:cSld name="">
+<p:sld xmlns:a="http://schemas.openxmlformats.org/drawingml/2006/main" xmlns:r="http://schemas.openxmlformats.org/officeDocument/2006/relationships" xmlns:p="http://schemas.openxmlformats.org/presentationml/2006/main" showMasterPhAnim="0">
+  <p:cSld>
     <p:spTree>
       <p:nvGrpSpPr>
-        <p:cNvPr id="1" name="" hidden="0"/>
+        <p:cNvPr id="1" name=""/>
         <p:cNvGrpSpPr/>
-        <p:nvPr isPhoto="0" userDrawn="0"/>
+        <p:nvPr/>
       </p:nvGrpSpPr>
       <p:grpSpPr bwMode="auto">
         <a:xfrm>
@@ -4586,12 +5015,12 @@
       </p:grpSpPr>
       <p:sp>
         <p:nvSpPr>
-          <p:cNvPr id="2" name="Título 1" hidden="0"/>
-          <p:cNvSpPr>
-            <a:spLocks noGrp="1"/>
-          </p:cNvSpPr>
-          <p:nvPr isPhoto="0" userDrawn="0">
-            <p:ph type="title" hasCustomPrompt="0"/>
+          <p:cNvPr id="2" name="Título 1"/>
+          <p:cNvSpPr>
+            <a:spLocks noGrp="1"/>
+          </p:cNvSpPr>
+          <p:nvPr>
+            <p:ph type="title"/>
           </p:nvPr>
         </p:nvSpPr>
         <p:spPr bwMode="auto"/>
@@ -4603,43 +5032,43 @@
               <a:defRPr/>
             </a:pPr>
             <a:r>
-              <a:rPr lang="pt-PT"/>
+              <a:rPr lang="pt-PT" dirty="0" err="1"/>
               <a:t>Tools</a:t>
             </a:r>
             <a:r>
-              <a:rPr lang="pt-PT"/>
+              <a:rPr lang="pt-PT" dirty="0"/>
               <a:t> </a:t>
             </a:r>
             <a:r>
-              <a:rPr lang="pt-PT"/>
+              <a:rPr lang="pt-PT" dirty="0" err="1"/>
               <a:t>and</a:t>
             </a:r>
             <a:r>
-              <a:rPr lang="pt-PT"/>
+              <a:rPr lang="pt-PT" dirty="0"/>
               <a:t> </a:t>
             </a:r>
             <a:r>
-              <a:rPr lang="pt-PT"/>
+              <a:rPr lang="pt-PT" dirty="0" err="1"/>
               <a:t>algorithms</a:t>
             </a:r>
-            <a:endParaRPr/>
-          </a:p>
-        </p:txBody>
-      </p:sp>
-      <p:sp>
-        <p:nvSpPr>
-          <p:cNvPr id="3" name="Marcador de Posição de Conteúdo 2" hidden="0"/>
-          <p:cNvSpPr>
-            <a:spLocks noGrp="1"/>
-          </p:cNvSpPr>
-          <p:nvPr isPhoto="0" userDrawn="0">
-            <p:ph idx="1" hasCustomPrompt="0"/>
+            <a:endParaRPr dirty="0"/>
+          </a:p>
+        </p:txBody>
+      </p:sp>
+      <p:sp>
+        <p:nvSpPr>
+          <p:cNvPr id="3" name="Marcador de Posição de Conteúdo 2"/>
+          <p:cNvSpPr>
+            <a:spLocks noGrp="1"/>
+          </p:cNvSpPr>
+          <p:nvPr>
+            <p:ph idx="1"/>
           </p:nvPr>
         </p:nvSpPr>
         <p:spPr bwMode="auto"/>
         <p:txBody>
-          <a:bodyPr vertOverflow="overflow" horzOverflow="clip" vert="horz" wrap="square" lIns="91440" tIns="45720" rIns="91440" bIns="45720" numCol="1" spcCol="0" rtlCol="0" fromWordArt="0" anchor="t" anchorCtr="0" forceAA="0" upright="0" compatLnSpc="0">
-            <a:normAutofit fontScale="45000" lnSpcReduction="11000"/>
+          <a:bodyPr vertOverflow="overflow" horzOverflow="clip" vert="horz" wrap="square" lIns="91440" tIns="45720" rIns="91440" bIns="45720" numCol="1" spcCol="0" rtlCol="0" fromWordArt="0" anchor="t" anchorCtr="0" forceAA="0" compatLnSpc="0">
+            <a:normAutofit fontScale="50000" lnSpcReduction="20000"/>
           </a:bodyPr>
           <a:lstStyle/>
           <a:p>
@@ -4647,7 +5076,7 @@
               <a:defRPr/>
             </a:pPr>
             <a:r>
-              <a:rPr lang="en-GB" sz="2800" b="0" i="0" u="none" strike="noStrike" cap="none" spc="0">
+              <a:rPr lang="en-GB" sz="2800" b="0" i="0" u="none" strike="noStrike" cap="none" spc="0" dirty="0">
                 <a:solidFill>
                   <a:srgbClr val="FFFFFF">
                     <a:alpha val="70000"/>
@@ -4659,7 +5088,7 @@
               </a:rPr>
               <a:t>For this assignment we will use some python tools and libraries also used in classes which are:</a:t>
             </a:r>
-            <a:endParaRPr sz="2800">
+            <a:endParaRPr sz="2800" dirty="0">
               <a:solidFill>
                 <a:srgbClr val="FFFFFF">
                   <a:alpha val="70000"/>
@@ -4672,7 +5101,7 @@
               <a:defRPr/>
             </a:pPr>
             <a:r>
-              <a:rPr lang="en-GB" sz="2800" b="0" i="0" u="none" strike="noStrike" cap="none" spc="0">
+              <a:rPr lang="en-GB" sz="2800" b="0" i="0" u="none" strike="noStrike" cap="none" spc="0" dirty="0" err="1">
                 <a:solidFill>
                   <a:srgbClr val="FFFFFF">
                     <a:alpha val="70000"/>
@@ -4685,7 +5114,7 @@
               <a:t>numpy</a:t>
             </a:r>
             <a:r>
-              <a:rPr lang="en-GB" sz="2800" b="0" i="0" u="none" strike="noStrike" cap="none" spc="0">
+              <a:rPr lang="en-GB" sz="2800" b="0" i="0" u="none" strike="noStrike" cap="none" spc="0" dirty="0">
                 <a:solidFill>
                   <a:srgbClr val="FFFFFF">
                     <a:alpha val="70000"/>
@@ -4698,7 +5127,7 @@
               <a:t> (</a:t>
             </a:r>
             <a:r>
-              <a:rPr lang="en-GB" sz="2800" b="0" i="0" u="none" strike="noStrike" cap="none" spc="0">
+              <a:rPr lang="en-GB" sz="2800" b="0" i="0" u="none" strike="noStrike" cap="none" spc="0" dirty="0">
                 <a:solidFill>
                   <a:schemeClr val="tx1">
                     <a:alpha val="70000"/>
@@ -4711,7 +5140,7 @@
               <a:t>library used for working with arrays</a:t>
             </a:r>
             <a:r>
-              <a:rPr lang="en-GB" sz="2800" b="0" i="0" u="none" strike="noStrike" cap="none" spc="0">
+              <a:rPr lang="en-GB" sz="2800" b="0" i="0" u="none" strike="noStrike" cap="none" spc="0" dirty="0">
                 <a:solidFill>
                   <a:srgbClr val="FFFFFF">
                     <a:alpha val="70000"/>
@@ -4723,14 +5152,14 @@
               </a:rPr>
               <a:t>);</a:t>
             </a:r>
-            <a:endParaRPr sz="2800"/>
+            <a:endParaRPr sz="2800" dirty="0"/>
           </a:p>
           <a:p>
             <a:pPr>
               <a:defRPr/>
             </a:pPr>
             <a:r>
-              <a:rPr lang="en-GB" sz="2800" b="0" i="0" u="none" strike="noStrike" cap="none" spc="0">
+              <a:rPr lang="en-GB" sz="2800" b="0" i="0" u="none" strike="noStrike" cap="none" spc="0" dirty="0">
                 <a:solidFill>
                   <a:srgbClr val="FFFFFF">
                     <a:alpha val="70000"/>
@@ -4743,7 +5172,7 @@
               <a:t>pandas (</a:t>
             </a:r>
             <a:r>
-              <a:rPr lang="en-GB" sz="2800" b="0" i="0" u="none" strike="noStrike" cap="none" spc="0">
+              <a:rPr lang="en-GB" sz="2800" b="0" i="0" u="none" strike="noStrike" cap="none" spc="0" dirty="0">
                 <a:solidFill>
                   <a:schemeClr val="tx1">
                     <a:alpha val="70000"/>
@@ -4756,7 +5185,7 @@
               <a:t>data science/data analysis and machine learning tasks</a:t>
             </a:r>
             <a:r>
-              <a:rPr lang="en-GB" sz="2800" b="0" i="0" u="none" strike="noStrike" cap="none" spc="0">
+              <a:rPr lang="en-GB" sz="2800" b="0" i="0" u="none" strike="noStrike" cap="none" spc="0" dirty="0">
                 <a:solidFill>
                   <a:srgbClr val="FFFFFF">
                     <a:alpha val="70000"/>
@@ -4768,14 +5197,14 @@
               </a:rPr>
               <a:t>);</a:t>
             </a:r>
-            <a:endParaRPr sz="2800"/>
+            <a:endParaRPr sz="2800" dirty="0"/>
           </a:p>
           <a:p>
             <a:pPr>
               <a:defRPr/>
             </a:pPr>
             <a:r>
-              <a:rPr lang="en-GB" sz="2800" b="0" i="0" u="none" strike="noStrike" cap="none" spc="0">
+              <a:rPr lang="en-GB" sz="2800" b="0" i="0" u="none" strike="noStrike" cap="none" spc="0" dirty="0" err="1">
                 <a:solidFill>
                   <a:srgbClr val="FFFFFF">
                     <a:alpha val="70000"/>
@@ -4788,7 +5217,7 @@
               <a:t>cikit</a:t>
             </a:r>
             <a:r>
-              <a:rPr lang="en-GB" sz="2800" b="0" i="0" u="none" strike="noStrike" cap="none" spc="0">
+              <a:rPr lang="en-GB" sz="2800" b="0" i="0" u="none" strike="noStrike" cap="none" spc="0" dirty="0">
                 <a:solidFill>
                   <a:srgbClr val="FFFFFF">
                     <a:alpha val="70000"/>
@@ -4801,7 +5230,7 @@
               <a:t>-learn (</a:t>
             </a:r>
             <a:r>
-              <a:rPr lang="en-GB" sz="2800" b="0" i="0" u="none" strike="noStrike" cap="none" spc="0">
+              <a:rPr lang="en-GB" sz="2800" b="0" i="0" u="none" strike="noStrike" cap="none" spc="0" dirty="0">
                 <a:solidFill>
                   <a:schemeClr val="tx1">
                     <a:alpha val="70000"/>
@@ -4814,7 +5243,7 @@
               <a:t>machine learning and statistical </a:t>
             </a:r>
             <a:r>
-              <a:rPr lang="en-GB" sz="2800" b="0" i="0" u="none" strike="noStrike" cap="none" spc="0">
+              <a:rPr lang="en-GB" sz="2800" b="0" i="0" u="none" strike="noStrike" cap="none" spc="0" dirty="0" err="1">
                 <a:solidFill>
                   <a:schemeClr val="tx1">
                     <a:alpha val="70000"/>
@@ -4827,7 +5256,7 @@
               <a:t>modeling</a:t>
             </a:r>
             <a:r>
-              <a:rPr lang="en-GB" sz="2800" b="0" i="0" u="none" strike="noStrike" cap="none" spc="0">
+              <a:rPr lang="en-GB" sz="2800" b="0" i="0" u="none" strike="noStrike" cap="none" spc="0" dirty="0">
                 <a:solidFill>
                   <a:schemeClr val="tx1">
                     <a:alpha val="70000"/>
@@ -4840,7 +5269,7 @@
               <a:t> including classification, regression, clustering and dimensionality reduction</a:t>
             </a:r>
             <a:r>
-              <a:rPr lang="en-GB" sz="2800" b="0" i="0" u="none" strike="noStrike" cap="none" spc="0">
+              <a:rPr lang="en-GB" sz="2800" b="0" i="0" u="none" strike="noStrike" cap="none" spc="0" dirty="0">
                 <a:solidFill>
                   <a:srgbClr val="FFFFFF">
                     <a:alpha val="70000"/>
@@ -4852,14 +5281,14 @@
               </a:rPr>
               <a:t>); </a:t>
             </a:r>
-            <a:endParaRPr sz="2800"/>
+            <a:endParaRPr sz="2800" dirty="0"/>
           </a:p>
           <a:p>
             <a:pPr>
               <a:defRPr/>
             </a:pPr>
             <a:r>
-              <a:rPr lang="en-GB" sz="2800" b="0" i="0" u="none" strike="noStrike" cap="none" spc="0">
+              <a:rPr lang="en-GB" sz="2800" b="0" i="0" u="none" strike="noStrike" cap="none" spc="0" dirty="0">
                 <a:solidFill>
                   <a:srgbClr val="FFFFFF">
                     <a:alpha val="70000"/>
@@ -4872,7 +5301,7 @@
               <a:t>matplotlib (</a:t>
             </a:r>
             <a:r>
-              <a:rPr lang="en-GB" sz="2800" b="0" i="0" u="none" strike="noStrike" cap="none" spc="0">
+              <a:rPr lang="en-GB" sz="2800" b="0" i="0" u="none" strike="noStrike" cap="none" spc="0" dirty="0">
                 <a:solidFill>
                   <a:schemeClr val="tx1">
                     <a:alpha val="70000"/>
@@ -4885,7 +5314,7 @@
               <a:t>comprehensive library for creating static, animated, and interactive visualizations in Python</a:t>
             </a:r>
             <a:r>
-              <a:rPr lang="en-GB" sz="2800" b="0" i="0" u="none" strike="noStrike" cap="none" spc="0">
+              <a:rPr lang="en-GB" sz="2800" b="0" i="0" u="none" strike="noStrike" cap="none" spc="0" dirty="0">
                 <a:solidFill>
                   <a:srgbClr val="FFFFFF">
                     <a:alpha val="70000"/>
@@ -4897,14 +5326,14 @@
               </a:rPr>
               <a:t>);</a:t>
             </a:r>
-            <a:endParaRPr sz="2800"/>
+            <a:endParaRPr sz="2800" dirty="0"/>
           </a:p>
           <a:p>
             <a:pPr>
               <a:defRPr/>
             </a:pPr>
             <a:r>
-              <a:rPr lang="en-GB" sz="2800" b="0" i="0" u="none" strike="noStrike" cap="none" spc="0">
+              <a:rPr lang="en-GB" sz="2800" b="0" i="0" u="none" strike="noStrike" cap="none" spc="0" dirty="0">
                 <a:solidFill>
                   <a:srgbClr val="FFFFFF">
                     <a:alpha val="70000"/>
@@ -4917,7 +5346,7 @@
               <a:t>seaborn (</a:t>
             </a:r>
             <a:r>
-              <a:rPr lang="en-GB" sz="2800" b="0" i="0" u="none" strike="noStrike" cap="none" spc="0">
+              <a:rPr lang="en-GB" sz="2800" b="0" i="0" u="none" strike="noStrike" cap="none" spc="0" dirty="0">
                 <a:solidFill>
                   <a:schemeClr val="tx1">
                     <a:alpha val="70000"/>
@@ -4930,7 +5359,7 @@
               <a:t>uses Matplotlib underneath to plot graphs</a:t>
             </a:r>
             <a:r>
-              <a:rPr lang="en-GB" sz="2800" b="0" i="0" u="none" strike="noStrike" cap="none" spc="0">
+              <a:rPr lang="en-GB" sz="2800" b="0" i="0" u="none" strike="noStrike" cap="none" spc="0" dirty="0">
                 <a:solidFill>
                   <a:srgbClr val="FFFFFF">
                     <a:alpha val="70000"/>
@@ -4942,14 +5371,13 @@
               </a:rPr>
               <a:t>),</a:t>
             </a:r>
-            <a:endParaRPr/>
           </a:p>
           <a:p>
             <a:pPr>
               <a:defRPr/>
             </a:pPr>
             <a:r>
-              <a:rPr lang="pt-PT">
+              <a:rPr lang="pt-PT" dirty="0" err="1">
                 <a:solidFill>
                   <a:srgbClr val="FFFFFF">
                     <a:alpha val="70000"/>
@@ -4959,36 +5387,26 @@
               <a:t>p</a:t>
             </a:r>
             <a:r>
-              <a:rPr lang="pt-PT" sz="2800">
+              <a:rPr lang="pt-PT" sz="2800" dirty="0" err="1">
                 <a:solidFill>
                   <a:srgbClr val="FFFFFF">
                     <a:alpha val="70000"/>
                   </a:srgbClr>
                 </a:solidFill>
               </a:rPr>
-              <a:t>lotpy ( provides online graphing, analysis and statistics tools for individuals and collaboration, as well as scientific graphing libraries for python</a:t>
-            </a:r>
-            <a:r>
-              <a:rPr lang="pt-PT" sz="2800">
+              <a:t>lotpy</a:t>
+            </a:r>
+            <a:r>
+              <a:rPr lang="pt-PT" dirty="0">
                 <a:solidFill>
                   <a:srgbClr val="FFFFFF">
                     <a:alpha val="70000"/>
                   </a:srgbClr>
                 </a:solidFill>
               </a:rPr>
-              <a:t>)</a:t>
-            </a:r>
-            <a:r>
-              <a:rPr lang="pt-PT">
-                <a:solidFill>
-                  <a:srgbClr val="FFFFFF">
-                    <a:alpha val="70000"/>
-                  </a:srgbClr>
-                </a:solidFill>
-              </a:rPr>
               <a:t>;</a:t>
             </a:r>
-            <a:endParaRPr sz="2800">
+            <a:endParaRPr sz="2800" dirty="0">
               <a:solidFill>
                 <a:srgbClr val="FFFFFF">
                   <a:alpha val="70000"/>
@@ -5001,7 +5419,7 @@
               <a:defRPr/>
             </a:pPr>
             <a:r>
-              <a:rPr lang="en-GB" sz="2800" b="0" i="0" u="none" strike="noStrike" cap="none" spc="0">
+              <a:rPr lang="en-GB" sz="2800" b="0" i="0" u="none" strike="noStrike" cap="none" spc="0" dirty="0">
                 <a:solidFill>
                   <a:srgbClr val="FFFFFF">
                     <a:alpha val="70000"/>
@@ -5014,7 +5432,7 @@
               <a:t>Our work will be developed in a python notebook- In our case </a:t>
             </a:r>
             <a:r>
-              <a:rPr lang="en-GB" sz="2800" b="0" i="0" u="none" strike="noStrike" cap="none" spc="0">
+              <a:rPr lang="en-GB" sz="2800" b="0" i="0" u="none" strike="noStrike" cap="none" spc="0" dirty="0" err="1">
                 <a:solidFill>
                   <a:srgbClr val="FFFFFF">
                     <a:alpha val="70000"/>
@@ -5027,7 +5445,7 @@
               <a:t>Jupyter</a:t>
             </a:r>
             <a:r>
-              <a:rPr lang="en-GB" sz="2800" b="0" i="0" u="none" strike="noStrike" cap="none" spc="0">
+              <a:rPr lang="en-GB" sz="2800" b="0" i="0" u="none" strike="noStrike" cap="none" spc="0" dirty="0">
                 <a:solidFill>
                   <a:srgbClr val="FFFFFF">
                     <a:alpha val="70000"/>
@@ -5039,14 +5457,14 @@
               </a:rPr>
               <a:t> Notebook, so this packages come standard with the Anaconda python distribution;</a:t>
             </a:r>
-            <a:endParaRPr sz="2800"/>
+            <a:endParaRPr sz="2800" dirty="0"/>
           </a:p>
           <a:p>
             <a:pPr>
               <a:defRPr/>
             </a:pPr>
             <a:r>
-              <a:rPr lang="en-GB" sz="2800" b="0" i="0" u="none" strike="noStrike" cap="none" spc="0">
+              <a:rPr lang="en-GB" sz="2800" b="0" i="0" u="none" strike="noStrike" cap="none" spc="0" dirty="0">
                 <a:solidFill>
                   <a:srgbClr val="FFFFFF">
                     <a:alpha val="70000"/>
@@ -5058,7 +5476,7 @@
               </a:rPr>
               <a:t>To reach the main goal, we need to implement some classification algorithms for supervised learning such as Support Vector Machine, K-Nearest Neighbours or Decision Tree Classification;</a:t>
             </a:r>
-            <a:endParaRPr sz="2800"/>
+            <a:endParaRPr sz="2800" dirty="0"/>
           </a:p>
         </p:txBody>
       </p:sp>
@@ -5067,25 +5485,17 @@
   <p:clrMapOvr>
     <a:masterClrMapping/>
   </p:clrMapOvr>
-  <mc:AlternateContent xmlns:mc="http://schemas.openxmlformats.org/markup-compatibility/2006">
-    <mc:Choice xmlns:p14="http://schemas.microsoft.com/office/powerpoint/2010/main" Requires="p14">
-      <p:transition p14:dur="2000" advClick="1"/>
-    </mc:Choice>
-    <mc:Fallback>
-      <p:transition advClick="1"/>
-    </mc:Fallback>
-  </mc:AlternateContent>
 </p:sld>
 </file>
 
 <file path=ppt/slides/slide5.xml><?xml version="1.0" encoding="utf-8"?>
-<p:sld xmlns:a="http://schemas.openxmlformats.org/drawingml/2006/main" xmlns:r="http://schemas.openxmlformats.org/officeDocument/2006/relationships" xmlns:p="http://schemas.openxmlformats.org/presentationml/2006/main" xmlns:m="http://schemas.openxmlformats.org/officeDocument/2006/math" xmlns:w="http://schemas.openxmlformats.org/wordprocessingml/2006/main" showMasterPhAnim="0" show="1">
-  <p:cSld name="">
+<p:sld xmlns:a="http://schemas.openxmlformats.org/drawingml/2006/main" xmlns:r="http://schemas.openxmlformats.org/officeDocument/2006/relationships" xmlns:p="http://schemas.openxmlformats.org/presentationml/2006/main" showMasterPhAnim="0">
+  <p:cSld>
     <p:spTree>
       <p:nvGrpSpPr>
-        <p:cNvPr id="1" name="" hidden="0"/>
+        <p:cNvPr id="1" name=""/>
         <p:cNvGrpSpPr/>
-        <p:nvPr isPhoto="0" userDrawn="0"/>
+        <p:nvPr/>
       </p:nvGrpSpPr>
       <p:grpSpPr bwMode="auto">
         <a:xfrm>
@@ -5097,12 +5507,12 @@
       </p:grpSpPr>
       <p:sp>
         <p:nvSpPr>
-          <p:cNvPr id="2" name="Título 1" hidden="0"/>
-          <p:cNvSpPr>
-            <a:spLocks noGrp="1"/>
-          </p:cNvSpPr>
-          <p:nvPr isPhoto="0" userDrawn="0">
-            <p:ph type="title" hasCustomPrompt="0"/>
+          <p:cNvPr id="2" name="Título 1"/>
+          <p:cNvSpPr>
+            <a:spLocks noGrp="1"/>
+          </p:cNvSpPr>
+          <p:nvPr>
+            <p:ph type="title"/>
           </p:nvPr>
         </p:nvSpPr>
         <p:spPr bwMode="auto"/>
@@ -5114,37 +5524,37 @@
               <a:defRPr/>
             </a:pPr>
             <a:r>
-              <a:rPr lang="pt-PT"/>
+              <a:rPr lang="pt-PT" dirty="0" err="1"/>
               <a:t>Work</a:t>
             </a:r>
             <a:r>
-              <a:rPr lang="pt-PT"/>
+              <a:rPr lang="pt-PT" dirty="0"/>
               <a:t> </a:t>
             </a:r>
             <a:r>
-              <a:rPr lang="pt-PT"/>
+              <a:rPr lang="pt-PT" dirty="0" err="1"/>
               <a:t>already</a:t>
             </a:r>
             <a:r>
-              <a:rPr lang="pt-PT"/>
+              <a:rPr lang="pt-PT" dirty="0"/>
               <a:t> </a:t>
             </a:r>
             <a:r>
-              <a:rPr lang="pt-PT"/>
+              <a:rPr lang="pt-PT" dirty="0" err="1"/>
               <a:t>done</a:t>
             </a:r>
-            <a:endParaRPr lang="pt-PT"/>
-          </a:p>
-        </p:txBody>
-      </p:sp>
-      <p:sp>
-        <p:nvSpPr>
-          <p:cNvPr id="3" name="Marcador de Posição de Conteúdo 2" hidden="0"/>
-          <p:cNvSpPr>
-            <a:spLocks noGrp="1"/>
-          </p:cNvSpPr>
-          <p:nvPr isPhoto="0" userDrawn="0">
-            <p:ph idx="1" hasCustomPrompt="0"/>
+            <a:endParaRPr lang="pt-PT" dirty="0"/>
+          </a:p>
+        </p:txBody>
+      </p:sp>
+      <p:sp>
+        <p:nvSpPr>
+          <p:cNvPr id="3" name="Marcador de Posição de Conteúdo 2"/>
+          <p:cNvSpPr>
+            <a:spLocks noGrp="1"/>
+          </p:cNvSpPr>
+          <p:nvPr>
+            <p:ph idx="1"/>
           </p:nvPr>
         </p:nvSpPr>
         <p:spPr bwMode="auto"/>
@@ -5158,727 +5568,726 @@
               <a:defRPr/>
             </a:pPr>
             <a:r>
-              <a:rPr lang="pt-PT" sz="2800" b="1">
+              <a:rPr lang="pt-PT" sz="2800" b="1" dirty="0">
                 <a:latin typeface="Avenir Next LT Pro (corpo)"/>
                 <a:ea typeface="Roboto"/>
               </a:rPr>
               <a:t>Data </a:t>
             </a:r>
             <a:r>
-              <a:rPr lang="pt-PT" sz="2800" b="1">
+              <a:rPr lang="pt-PT" sz="2800" b="1" dirty="0" err="1">
                 <a:latin typeface="Avenir Next LT Pro (corpo)"/>
                 <a:ea typeface="Roboto"/>
               </a:rPr>
               <a:t>Pre-Processing</a:t>
             </a:r>
             <a:r>
-              <a:rPr lang="pt-PT" sz="2800">
+              <a:rPr lang="pt-PT" sz="2800" dirty="0">
                 <a:latin typeface="Avenir Next LT Pro (corpo)"/>
                 <a:ea typeface="Roboto"/>
               </a:rPr>
               <a:t>: for </a:t>
             </a:r>
             <a:r>
-              <a:rPr lang="pt-PT" sz="2800">
+              <a:rPr lang="pt-PT" sz="2800" dirty="0" err="1">
                 <a:latin typeface="Avenir Next LT Pro (corpo)"/>
                 <a:ea typeface="Roboto"/>
               </a:rPr>
               <a:t>this</a:t>
             </a:r>
             <a:r>
-              <a:rPr lang="pt-PT" sz="2800">
+              <a:rPr lang="pt-PT" sz="2800" dirty="0">
                 <a:latin typeface="Avenir Next LT Pro (corpo)"/>
                 <a:ea typeface="Roboto"/>
               </a:rPr>
               <a:t> </a:t>
             </a:r>
             <a:r>
-              <a:rPr lang="pt-PT" sz="2800">
+              <a:rPr lang="pt-PT" sz="2800" dirty="0" err="1">
                 <a:latin typeface="Avenir Next LT Pro (corpo)"/>
                 <a:ea typeface="Roboto"/>
               </a:rPr>
               <a:t>part</a:t>
             </a:r>
             <a:r>
-              <a:rPr lang="pt-PT" sz="2800">
+              <a:rPr lang="pt-PT" sz="2800" dirty="0">
                 <a:latin typeface="Avenir Next LT Pro (corpo)"/>
                 <a:ea typeface="Roboto"/>
               </a:rPr>
               <a:t> </a:t>
             </a:r>
             <a:r>
-              <a:rPr lang="pt-PT" sz="2800">
+              <a:rPr lang="pt-PT" sz="2800" dirty="0" err="1">
                 <a:latin typeface="Avenir Next LT Pro (corpo)"/>
                 <a:ea typeface="Roboto"/>
               </a:rPr>
               <a:t>we</a:t>
             </a:r>
             <a:r>
-              <a:rPr lang="pt-PT" sz="2800">
+              <a:rPr lang="pt-PT" sz="2800" dirty="0">
                 <a:latin typeface="Avenir Next LT Pro (corpo)"/>
                 <a:ea typeface="Roboto"/>
               </a:rPr>
               <a:t> </a:t>
             </a:r>
             <a:r>
-              <a:rPr lang="pt-PT" sz="2800">
+              <a:rPr lang="pt-PT" sz="2800" dirty="0" err="1">
                 <a:latin typeface="Avenir Next LT Pro (corpo)"/>
                 <a:ea typeface="Roboto"/>
               </a:rPr>
               <a:t>have</a:t>
             </a:r>
             <a:r>
-              <a:rPr lang="pt-PT" sz="2800">
+              <a:rPr lang="pt-PT" sz="2800" dirty="0">
                 <a:latin typeface="Avenir Next LT Pro (corpo)"/>
                 <a:ea typeface="Roboto"/>
               </a:rPr>
               <a:t> </a:t>
             </a:r>
             <a:r>
-              <a:rPr lang="pt-PT" sz="2800">
+              <a:rPr lang="pt-PT" sz="2800" dirty="0" err="1">
                 <a:latin typeface="Avenir Next LT Pro (corpo)"/>
                 <a:ea typeface="Roboto"/>
               </a:rPr>
               <a:t>already</a:t>
             </a:r>
             <a:r>
-              <a:rPr lang="pt-PT" sz="2800">
+              <a:rPr lang="pt-PT" sz="2800" dirty="0">
                 <a:latin typeface="Avenir Next LT Pro (corpo)"/>
                 <a:ea typeface="Roboto"/>
               </a:rPr>
               <a:t> </a:t>
             </a:r>
             <a:r>
-              <a:rPr lang="pt-PT" sz="2800">
+              <a:rPr lang="pt-PT" sz="2800" dirty="0" err="1">
                 <a:latin typeface="Avenir Next LT Pro (corpo)"/>
                 <a:ea typeface="Roboto"/>
               </a:rPr>
               <a:t>done</a:t>
             </a:r>
             <a:r>
-              <a:rPr lang="pt-PT" sz="2800">
+              <a:rPr lang="pt-PT" sz="2800" dirty="0">
                 <a:latin typeface="Avenir Next LT Pro (corpo)"/>
                 <a:ea typeface="Roboto"/>
               </a:rPr>
               <a:t> a </a:t>
             </a:r>
             <a:r>
-              <a:rPr lang="pt-PT" sz="2800">
+              <a:rPr lang="pt-PT" sz="2800" dirty="0" err="1">
                 <a:latin typeface="Avenir Next LT Pro (corpo)"/>
                 <a:ea typeface="Roboto"/>
               </a:rPr>
               <a:t>simple</a:t>
             </a:r>
             <a:r>
-              <a:rPr lang="pt-PT" sz="2800">
+              <a:rPr lang="pt-PT" sz="2800" dirty="0">
                 <a:latin typeface="Avenir Next LT Pro (corpo)"/>
                 <a:ea typeface="Roboto"/>
               </a:rPr>
               <a:t> </a:t>
             </a:r>
             <a:r>
-              <a:rPr lang="pt-PT" sz="2800">
+              <a:rPr lang="pt-PT" sz="2800" dirty="0" err="1">
                 <a:latin typeface="Avenir Next LT Pro (corpo)"/>
                 <a:ea typeface="Roboto"/>
               </a:rPr>
               <a:t>explanation</a:t>
             </a:r>
             <a:r>
-              <a:rPr lang="pt-PT" sz="2800">
+              <a:rPr lang="pt-PT" sz="2800" dirty="0">
                 <a:latin typeface="Avenir Next LT Pro (corpo)"/>
                 <a:ea typeface="Roboto"/>
               </a:rPr>
               <a:t> </a:t>
             </a:r>
             <a:r>
-              <a:rPr lang="pt-PT" sz="2800">
+              <a:rPr lang="pt-PT" sz="2800" dirty="0" err="1">
                 <a:latin typeface="Avenir Next LT Pro (corpo)"/>
                 <a:ea typeface="Roboto"/>
               </a:rPr>
               <a:t>of</a:t>
             </a:r>
             <a:r>
-              <a:rPr lang="pt-PT" sz="2800">
+              <a:rPr lang="pt-PT" sz="2800" dirty="0">
                 <a:latin typeface="Avenir Next LT Pro (corpo)"/>
                 <a:ea typeface="Roboto"/>
               </a:rPr>
               <a:t> </a:t>
             </a:r>
             <a:r>
-              <a:rPr lang="pt-PT" sz="2800">
+              <a:rPr lang="pt-PT" sz="2800" dirty="0" err="1">
                 <a:latin typeface="Avenir Next LT Pro (corpo)"/>
                 <a:ea typeface="Roboto"/>
               </a:rPr>
               <a:t>what</a:t>
             </a:r>
             <a:r>
-              <a:rPr lang="pt-PT" sz="2800">
+              <a:rPr lang="pt-PT" sz="2800" dirty="0">
                 <a:latin typeface="Avenir Next LT Pro (corpo)"/>
                 <a:ea typeface="Roboto"/>
               </a:rPr>
               <a:t> </a:t>
             </a:r>
             <a:r>
-              <a:rPr lang="pt-PT" sz="2800">
+              <a:rPr lang="pt-PT" sz="2800" dirty="0" err="1">
                 <a:latin typeface="Avenir Next LT Pro (corpo)"/>
                 <a:ea typeface="Roboto"/>
               </a:rPr>
               <a:t>each</a:t>
             </a:r>
             <a:r>
-              <a:rPr lang="pt-PT" sz="2800">
+              <a:rPr lang="pt-PT" sz="2800" dirty="0">
                 <a:latin typeface="Avenir Next LT Pro (corpo)"/>
                 <a:ea typeface="Roboto"/>
               </a:rPr>
               <a:t> </a:t>
             </a:r>
             <a:r>
-              <a:rPr lang="pt-PT" sz="2800">
+              <a:rPr lang="pt-PT" sz="2800" dirty="0" err="1">
                 <a:latin typeface="Avenir Next LT Pro (corpo)"/>
                 <a:ea typeface="Roboto"/>
               </a:rPr>
               <a:t>column</a:t>
             </a:r>
             <a:r>
-              <a:rPr lang="pt-PT" sz="2800">
+              <a:rPr lang="pt-PT" sz="2800" dirty="0">
                 <a:latin typeface="Avenir Next LT Pro (corpo)"/>
                 <a:ea typeface="Roboto"/>
               </a:rPr>
               <a:t> </a:t>
             </a:r>
             <a:r>
-              <a:rPr lang="pt-PT" sz="2800">
+              <a:rPr lang="pt-PT" sz="2800" dirty="0" err="1">
                 <a:latin typeface="Avenir Next LT Pro (corpo)"/>
                 <a:ea typeface="Roboto"/>
               </a:rPr>
               <a:t>represents</a:t>
             </a:r>
             <a:r>
-              <a:rPr lang="pt-PT" sz="2800">
+              <a:rPr lang="pt-PT" sz="2800" dirty="0">
                 <a:latin typeface="Avenir Next LT Pro (corpo)"/>
                 <a:ea typeface="Roboto"/>
               </a:rPr>
               <a:t> as </a:t>
             </a:r>
             <a:r>
-              <a:rPr lang="pt-PT" sz="2800">
+              <a:rPr lang="pt-PT" sz="2800" dirty="0" err="1">
                 <a:latin typeface="Avenir Next LT Pro (corpo)"/>
                 <a:ea typeface="Roboto"/>
               </a:rPr>
               <a:t>well</a:t>
             </a:r>
             <a:r>
-              <a:rPr lang="pt-PT" sz="2800">
+              <a:rPr lang="pt-PT" sz="2800" dirty="0">
                 <a:latin typeface="Avenir Next LT Pro (corpo)"/>
                 <a:ea typeface="Roboto"/>
               </a:rPr>
               <a:t> as </a:t>
             </a:r>
             <a:r>
-              <a:rPr lang="pt-PT" sz="2800">
+              <a:rPr lang="pt-PT" sz="2800" dirty="0" err="1">
                 <a:latin typeface="Avenir Next LT Pro (corpo)"/>
                 <a:ea typeface="Roboto"/>
               </a:rPr>
               <a:t>loading</a:t>
             </a:r>
             <a:r>
-              <a:rPr lang="pt-PT" sz="2800">
+              <a:rPr lang="pt-PT" sz="2800" dirty="0">
                 <a:latin typeface="Avenir Next LT Pro (corpo)"/>
                 <a:ea typeface="Roboto"/>
               </a:rPr>
               <a:t> </a:t>
             </a:r>
             <a:r>
-              <a:rPr lang="pt-PT" sz="2800">
+              <a:rPr lang="pt-PT" sz="2800" dirty="0" err="1">
                 <a:latin typeface="Avenir Next LT Pro (corpo)"/>
                 <a:ea typeface="Roboto"/>
               </a:rPr>
               <a:t>all</a:t>
             </a:r>
             <a:r>
-              <a:rPr lang="pt-PT" sz="2800">
+              <a:rPr lang="pt-PT" sz="2800" dirty="0">
                 <a:latin typeface="Avenir Next LT Pro (corpo)"/>
                 <a:ea typeface="Roboto"/>
               </a:rPr>
               <a:t> </a:t>
             </a:r>
             <a:r>
-              <a:rPr lang="pt-PT" sz="2800">
+              <a:rPr lang="pt-PT" sz="2800" dirty="0" err="1">
                 <a:latin typeface="Avenir Next LT Pro (corpo)"/>
                 <a:ea typeface="Roboto"/>
               </a:rPr>
               <a:t>the</a:t>
             </a:r>
             <a:r>
-              <a:rPr lang="pt-PT" sz="2800">
+              <a:rPr lang="pt-PT" sz="2800" dirty="0">
                 <a:latin typeface="Avenir Next LT Pro (corpo)"/>
                 <a:ea typeface="Roboto"/>
               </a:rPr>
               <a:t> data. </a:t>
             </a:r>
             <a:r>
-              <a:rPr lang="pt-PT" sz="2800">
+              <a:rPr lang="pt-PT" sz="2800" dirty="0" err="1">
                 <a:latin typeface="Avenir Next LT Pro (corpo)"/>
                 <a:ea typeface="Roboto"/>
               </a:rPr>
               <a:t>After</a:t>
             </a:r>
             <a:r>
-              <a:rPr lang="pt-PT" sz="2800">
+              <a:rPr lang="pt-PT" sz="2800" dirty="0">
                 <a:latin typeface="Avenir Next LT Pro (corpo)"/>
                 <a:ea typeface="Roboto"/>
               </a:rPr>
               <a:t> </a:t>
             </a:r>
             <a:r>
-              <a:rPr lang="pt-PT" sz="2800">
+              <a:rPr lang="pt-PT" sz="2800" dirty="0" err="1">
                 <a:latin typeface="Avenir Next LT Pro (corpo)"/>
                 <a:ea typeface="Roboto"/>
               </a:rPr>
               <a:t>that</a:t>
             </a:r>
             <a:r>
-              <a:rPr lang="pt-PT" sz="2800">
+              <a:rPr lang="pt-PT" sz="2800" dirty="0">
                 <a:latin typeface="Avenir Next LT Pro (corpo)"/>
                 <a:ea typeface="Roboto"/>
               </a:rPr>
               <a:t> </a:t>
             </a:r>
             <a:r>
-              <a:rPr lang="pt-PT" sz="2800">
+              <a:rPr lang="pt-PT" sz="2800" dirty="0" err="1">
                 <a:latin typeface="Avenir Next LT Pro (corpo)"/>
                 <a:ea typeface="Roboto"/>
               </a:rPr>
               <a:t>we</a:t>
             </a:r>
             <a:r>
-              <a:rPr lang="pt-PT" sz="2800">
+              <a:rPr lang="pt-PT" sz="2800" dirty="0">
                 <a:latin typeface="Avenir Next LT Pro (corpo)"/>
                 <a:ea typeface="Roboto"/>
               </a:rPr>
               <a:t> </a:t>
             </a:r>
             <a:r>
-              <a:rPr lang="pt-PT" sz="2800">
+              <a:rPr lang="pt-PT" sz="2800" dirty="0" err="1">
                 <a:latin typeface="Avenir Next LT Pro (corpo)"/>
                 <a:ea typeface="Roboto"/>
               </a:rPr>
               <a:t>verify</a:t>
             </a:r>
             <a:r>
-              <a:rPr lang="pt-PT" sz="2800">
+              <a:rPr lang="pt-PT" sz="2800" dirty="0">
                 <a:latin typeface="Avenir Next LT Pro (corpo)"/>
                 <a:ea typeface="Roboto"/>
               </a:rPr>
               <a:t> </a:t>
             </a:r>
             <a:r>
-              <a:rPr lang="pt-PT" sz="2800">
+              <a:rPr lang="pt-PT" sz="2800" dirty="0" err="1">
                 <a:latin typeface="Avenir Next LT Pro (corpo)"/>
                 <a:ea typeface="Roboto"/>
               </a:rPr>
               <a:t>the</a:t>
             </a:r>
             <a:r>
-              <a:rPr lang="pt-PT" sz="2800">
+              <a:rPr lang="pt-PT" sz="2800" dirty="0">
                 <a:latin typeface="Avenir Next LT Pro (corpo)"/>
                 <a:ea typeface="Roboto"/>
               </a:rPr>
               <a:t> </a:t>
             </a:r>
             <a:r>
-              <a:rPr lang="pt-PT" sz="2800">
+              <a:rPr lang="pt-PT" sz="2800" dirty="0" err="1">
                 <a:latin typeface="Avenir Next LT Pro (corpo)"/>
                 <a:ea typeface="Roboto"/>
               </a:rPr>
               <a:t>existance</a:t>
             </a:r>
             <a:r>
-              <a:rPr lang="pt-PT" sz="2800">
+              <a:rPr lang="pt-PT" sz="2800" dirty="0">
                 <a:latin typeface="Avenir Next LT Pro (corpo)"/>
                 <a:ea typeface="Roboto"/>
               </a:rPr>
               <a:t> </a:t>
             </a:r>
             <a:r>
-              <a:rPr lang="pt-PT" sz="2800">
+              <a:rPr lang="pt-PT" sz="2800" dirty="0" err="1">
                 <a:latin typeface="Avenir Next LT Pro (corpo)"/>
                 <a:ea typeface="Roboto"/>
               </a:rPr>
               <a:t>of</a:t>
             </a:r>
             <a:r>
-              <a:rPr lang="pt-PT" sz="2800">
+              <a:rPr lang="pt-PT" sz="2800" dirty="0">
                 <a:latin typeface="Avenir Next LT Pro (corpo)"/>
                 <a:ea typeface="Roboto"/>
               </a:rPr>
               <a:t> </a:t>
             </a:r>
             <a:r>
-              <a:rPr lang="pt-PT" sz="2800">
+              <a:rPr lang="pt-PT" sz="2800" dirty="0" err="1">
                 <a:latin typeface="Avenir Next LT Pro (corpo)"/>
                 <a:ea typeface="Roboto"/>
               </a:rPr>
               <a:t>any</a:t>
             </a:r>
             <a:r>
-              <a:rPr lang="pt-PT" sz="2800">
+              <a:rPr lang="pt-PT" sz="2800" dirty="0">
                 <a:latin typeface="Avenir Next LT Pro (corpo)"/>
                 <a:ea typeface="Roboto"/>
               </a:rPr>
               <a:t> </a:t>
             </a:r>
             <a:r>
-              <a:rPr lang="pt-PT" sz="2800">
+              <a:rPr lang="pt-PT" sz="2800" dirty="0" err="1">
                 <a:latin typeface="Avenir Next LT Pro (corpo)"/>
                 <a:ea typeface="Roboto"/>
               </a:rPr>
               <a:t>missing</a:t>
             </a:r>
             <a:r>
-              <a:rPr lang="pt-PT" sz="2800">
+              <a:rPr lang="pt-PT" sz="2800" dirty="0">
                 <a:latin typeface="Avenir Next LT Pro (corpo)"/>
                 <a:ea typeface="Roboto"/>
               </a:rPr>
               <a:t> </a:t>
             </a:r>
             <a:r>
-              <a:rPr lang="pt-PT" sz="2800">
+              <a:rPr lang="pt-PT" sz="2800" dirty="0" err="1">
                 <a:latin typeface="Avenir Next LT Pro (corpo)"/>
                 <a:ea typeface="Roboto"/>
               </a:rPr>
               <a:t>values</a:t>
             </a:r>
             <a:r>
-              <a:rPr lang="pt-PT" sz="2800">
+              <a:rPr lang="pt-PT" sz="2800" dirty="0">
                 <a:latin typeface="Avenir Next LT Pro (corpo)"/>
                 <a:ea typeface="Roboto"/>
               </a:rPr>
               <a:t> (no </a:t>
             </a:r>
             <a:r>
-              <a:rPr lang="pt-PT" sz="2800">
+              <a:rPr lang="pt-PT" sz="2800" dirty="0" err="1">
                 <a:latin typeface="Avenir Next LT Pro (corpo)"/>
                 <a:ea typeface="Roboto"/>
               </a:rPr>
               <a:t>null</a:t>
             </a:r>
             <a:r>
-              <a:rPr lang="pt-PT" sz="2800">
+              <a:rPr lang="pt-PT" sz="2800" dirty="0">
                 <a:latin typeface="Avenir Next LT Pro (corpo)"/>
                 <a:ea typeface="Roboto"/>
               </a:rPr>
               <a:t> </a:t>
             </a:r>
             <a:r>
-              <a:rPr lang="pt-PT" sz="2800">
+              <a:rPr lang="pt-PT" sz="2800" dirty="0" err="1">
                 <a:latin typeface="Avenir Next LT Pro (corpo)"/>
                 <a:ea typeface="Roboto"/>
               </a:rPr>
               <a:t>values</a:t>
             </a:r>
             <a:r>
-              <a:rPr lang="pt-PT" sz="2800">
+              <a:rPr lang="pt-PT" sz="2800" dirty="0">
                 <a:latin typeface="Avenir Next LT Pro (corpo)"/>
                 <a:ea typeface="Roboto"/>
               </a:rPr>
               <a:t> </a:t>
             </a:r>
             <a:r>
-              <a:rPr lang="pt-PT" sz="2800">
+              <a:rPr lang="pt-PT" sz="2800" dirty="0" err="1">
                 <a:latin typeface="Avenir Next LT Pro (corpo)"/>
                 <a:ea typeface="Roboto"/>
               </a:rPr>
               <a:t>were</a:t>
             </a:r>
             <a:r>
-              <a:rPr lang="pt-PT" sz="2800">
+              <a:rPr lang="pt-PT" sz="2800" dirty="0">
                 <a:latin typeface="Avenir Next LT Pro (corpo)"/>
                 <a:ea typeface="Roboto"/>
               </a:rPr>
               <a:t> </a:t>
             </a:r>
             <a:r>
-              <a:rPr lang="pt-PT" sz="2800">
+              <a:rPr lang="pt-PT" sz="2800" dirty="0" err="1">
                 <a:latin typeface="Avenir Next LT Pro (corpo)"/>
                 <a:ea typeface="Roboto"/>
               </a:rPr>
               <a:t>found</a:t>
             </a:r>
             <a:r>
-              <a:rPr lang="pt-PT" sz="2800">
+              <a:rPr lang="pt-PT" sz="2800" dirty="0">
                 <a:latin typeface="Avenir Next LT Pro (corpo)"/>
                 <a:ea typeface="Roboto"/>
               </a:rPr>
               <a:t>) </a:t>
             </a:r>
             <a:r>
-              <a:rPr lang="pt-PT" sz="2800">
+              <a:rPr lang="pt-PT" sz="2800" dirty="0" err="1">
                 <a:latin typeface="Avenir Next LT Pro (corpo)"/>
                 <a:ea typeface="Roboto"/>
               </a:rPr>
               <a:t>or</a:t>
             </a:r>
             <a:r>
-              <a:rPr lang="pt-PT" sz="2800">
+              <a:rPr lang="pt-PT" sz="2800" dirty="0">
                 <a:latin typeface="Avenir Next LT Pro (corpo)"/>
                 <a:ea typeface="Roboto"/>
               </a:rPr>
               <a:t> </a:t>
             </a:r>
             <a:r>
-              <a:rPr lang="pt-PT" sz="2800">
+              <a:rPr lang="pt-PT" sz="2800" dirty="0" err="1">
                 <a:latin typeface="Avenir Next LT Pro (corpo)"/>
                 <a:ea typeface="Roboto"/>
               </a:rPr>
               <a:t>repeated</a:t>
             </a:r>
             <a:r>
-              <a:rPr lang="pt-PT" sz="2800">
+              <a:rPr lang="pt-PT" sz="2800" dirty="0">
                 <a:latin typeface="Avenir Next LT Pro (corpo)"/>
                 <a:ea typeface="Roboto"/>
               </a:rPr>
               <a:t> </a:t>
             </a:r>
             <a:r>
-              <a:rPr lang="pt-PT" sz="2800">
+              <a:rPr lang="pt-PT" sz="2800" dirty="0" err="1">
                 <a:latin typeface="Avenir Next LT Pro (corpo)"/>
                 <a:ea typeface="Roboto"/>
               </a:rPr>
               <a:t>values</a:t>
             </a:r>
             <a:r>
-              <a:rPr lang="pt-PT" sz="2800">
+              <a:rPr lang="pt-PT" sz="2800" dirty="0">
                 <a:latin typeface="Avenir Next LT Pro (corpo)"/>
                 <a:ea typeface="Roboto"/>
               </a:rPr>
               <a:t> (</a:t>
             </a:r>
             <a:r>
-              <a:rPr lang="pt-PT" sz="2800">
+              <a:rPr lang="pt-PT" sz="2800" dirty="0" err="1">
                 <a:latin typeface="Avenir Next LT Pro (corpo)"/>
                 <a:ea typeface="Roboto"/>
               </a:rPr>
               <a:t>only</a:t>
             </a:r>
             <a:r>
-              <a:rPr lang="pt-PT" sz="2800">
+              <a:rPr lang="pt-PT" sz="2800" dirty="0">
                 <a:latin typeface="Avenir Next LT Pro (corpo)"/>
                 <a:ea typeface="Roboto"/>
               </a:rPr>
               <a:t> </a:t>
             </a:r>
             <a:r>
-              <a:rPr lang="pt-PT" sz="2800">
+              <a:rPr lang="pt-PT" sz="2800" dirty="0" err="1">
                 <a:latin typeface="Avenir Next LT Pro (corpo)"/>
                 <a:ea typeface="Roboto"/>
               </a:rPr>
               <a:t>the</a:t>
             </a:r>
             <a:r>
-              <a:rPr lang="pt-PT" sz="2800">
+              <a:rPr lang="pt-PT" sz="2800" dirty="0">
                 <a:latin typeface="Avenir Next LT Pro (corpo)"/>
                 <a:ea typeface="Roboto"/>
               </a:rPr>
               <a:t> </a:t>
             </a:r>
             <a:r>
-              <a:rPr lang="pt-PT" sz="2800">
+              <a:rPr lang="pt-PT" sz="2800" dirty="0" err="1">
                 <a:latin typeface="Avenir Next LT Pro (corpo)"/>
                 <a:ea typeface="Roboto"/>
               </a:rPr>
               <a:t>customerId</a:t>
             </a:r>
             <a:r>
-              <a:rPr lang="pt-PT" sz="2800">
+              <a:rPr lang="pt-PT" sz="2800" dirty="0">
                 <a:latin typeface="Avenir Next LT Pro (corpo)"/>
                 <a:ea typeface="Roboto"/>
               </a:rPr>
               <a:t> must </a:t>
             </a:r>
             <a:r>
-              <a:rPr lang="pt-PT" sz="2800">
+              <a:rPr lang="pt-PT" sz="2800" dirty="0" err="1">
                 <a:latin typeface="Avenir Next LT Pro (corpo)"/>
                 <a:ea typeface="Roboto"/>
               </a:rPr>
               <a:t>be</a:t>
             </a:r>
             <a:r>
-              <a:rPr lang="pt-PT" sz="2800">
+              <a:rPr lang="pt-PT" sz="2800" dirty="0">
                 <a:latin typeface="Avenir Next LT Pro (corpo)"/>
                 <a:ea typeface="Roboto"/>
               </a:rPr>
               <a:t> </a:t>
             </a:r>
             <a:r>
-              <a:rPr lang="pt-PT" sz="2800">
+              <a:rPr lang="pt-PT" sz="2800" dirty="0" err="1">
                 <a:latin typeface="Avenir Next LT Pro (corpo)"/>
                 <a:ea typeface="Roboto"/>
               </a:rPr>
               <a:t>unique</a:t>
             </a:r>
             <a:r>
-              <a:rPr lang="pt-PT" sz="2800">
+              <a:rPr lang="pt-PT" sz="2800" dirty="0">
                 <a:latin typeface="Avenir Next LT Pro (corpo)"/>
                 <a:ea typeface="Roboto"/>
               </a:rPr>
               <a:t>) </a:t>
             </a:r>
             <a:r>
-              <a:rPr lang="pt-PT" sz="2800">
+              <a:rPr lang="pt-PT" sz="2800" dirty="0" err="1">
                 <a:latin typeface="Avenir Next LT Pro (corpo)"/>
                 <a:ea typeface="Roboto"/>
               </a:rPr>
               <a:t>and</a:t>
             </a:r>
             <a:r>
-              <a:rPr lang="pt-PT" sz="2800">
+              <a:rPr lang="pt-PT" sz="2800" dirty="0">
                 <a:latin typeface="Avenir Next LT Pro (corpo)"/>
                 <a:ea typeface="Roboto"/>
               </a:rPr>
               <a:t> remove </a:t>
             </a:r>
             <a:r>
-              <a:rPr lang="pt-PT" sz="2800">
+              <a:rPr lang="pt-PT" sz="2800" dirty="0" err="1">
                 <a:latin typeface="Avenir Next LT Pro (corpo)"/>
                 <a:ea typeface="Roboto"/>
               </a:rPr>
               <a:t>unnecessary</a:t>
             </a:r>
             <a:r>
-              <a:rPr lang="pt-PT" sz="2800">
+              <a:rPr lang="pt-PT" sz="2800" dirty="0">
                 <a:latin typeface="Avenir Next LT Pro (corpo)"/>
                 <a:ea typeface="Roboto"/>
               </a:rPr>
               <a:t> </a:t>
             </a:r>
             <a:r>
-              <a:rPr lang="pt-PT" sz="2800">
+              <a:rPr lang="pt-PT" sz="2800" dirty="0" err="1">
                 <a:latin typeface="Avenir Next LT Pro (corpo)"/>
                 <a:ea typeface="Roboto"/>
               </a:rPr>
               <a:t>columns</a:t>
             </a:r>
             <a:r>
-              <a:rPr lang="pt-PT" sz="2800">
+              <a:rPr lang="pt-PT" sz="2800" dirty="0">
                 <a:latin typeface="Avenir Next LT Pro (corpo)"/>
                 <a:ea typeface="Roboto"/>
               </a:rPr>
               <a:t> for </a:t>
             </a:r>
             <a:r>
-              <a:rPr lang="pt-PT" sz="2800">
+              <a:rPr lang="pt-PT" sz="2800" dirty="0" err="1">
                 <a:latin typeface="Avenir Next LT Pro (corpo)"/>
                 <a:ea typeface="Roboto"/>
               </a:rPr>
               <a:t>our</a:t>
             </a:r>
             <a:r>
-              <a:rPr lang="pt-PT" sz="2800">
+              <a:rPr lang="pt-PT" sz="2800" dirty="0">
                 <a:latin typeface="Avenir Next LT Pro (corpo)"/>
                 <a:ea typeface="Roboto"/>
               </a:rPr>
               <a:t> </a:t>
             </a:r>
             <a:r>
-              <a:rPr lang="pt-PT" sz="2800">
+              <a:rPr lang="pt-PT" sz="2800" dirty="0" err="1">
                 <a:latin typeface="Avenir Next LT Pro (corpo)"/>
                 <a:ea typeface="Roboto"/>
               </a:rPr>
               <a:t>analysis</a:t>
             </a:r>
             <a:r>
-              <a:rPr lang="pt-PT" sz="2800">
+              <a:rPr lang="pt-PT" sz="2800" dirty="0">
                 <a:latin typeface="Avenir Next LT Pro (corpo)"/>
                 <a:ea typeface="Roboto"/>
               </a:rPr>
               <a:t> (</a:t>
             </a:r>
             <a:r>
-              <a:rPr lang="pt-PT" sz="2800">
+              <a:rPr lang="pt-PT" sz="2800" dirty="0" err="1">
                 <a:latin typeface="Avenir Next LT Pro (corpo)"/>
                 <a:ea typeface="Roboto"/>
               </a:rPr>
               <a:t>customerId</a:t>
             </a:r>
             <a:r>
-              <a:rPr lang="pt-PT" sz="2800">
+              <a:rPr lang="pt-PT" sz="2800" dirty="0">
                 <a:latin typeface="Avenir Next LT Pro (corpo)"/>
                 <a:ea typeface="Roboto"/>
               </a:rPr>
               <a:t> </a:t>
             </a:r>
             <a:r>
-              <a:rPr lang="pt-PT" sz="2800">
+              <a:rPr lang="pt-PT" sz="2800" dirty="0" err="1">
                 <a:latin typeface="Avenir Next LT Pro (corpo)"/>
                 <a:ea typeface="Roboto"/>
               </a:rPr>
               <a:t>will</a:t>
             </a:r>
             <a:r>
-              <a:rPr lang="pt-PT" sz="2800">
+              <a:rPr lang="pt-PT" sz="2800" dirty="0">
                 <a:latin typeface="Avenir Next LT Pro (corpo)"/>
                 <a:ea typeface="Roboto"/>
               </a:rPr>
               <a:t> </a:t>
             </a:r>
             <a:r>
-              <a:rPr lang="pt-PT" sz="2800">
+              <a:rPr lang="pt-PT" sz="2800" dirty="0" err="1">
                 <a:latin typeface="Avenir Next LT Pro (corpo)"/>
                 <a:ea typeface="Roboto"/>
               </a:rPr>
               <a:t>have</a:t>
             </a:r>
             <a:r>
-              <a:rPr lang="pt-PT" sz="2800">
+              <a:rPr lang="pt-PT" sz="2800" dirty="0">
                 <a:latin typeface="Avenir Next LT Pro (corpo)"/>
                 <a:ea typeface="Roboto"/>
               </a:rPr>
               <a:t> no </a:t>
             </a:r>
             <a:r>
-              <a:rPr lang="pt-PT" sz="2800">
+              <a:rPr lang="pt-PT" sz="2800" dirty="0" err="1">
                 <a:latin typeface="Avenir Next LT Pro (corpo)"/>
                 <a:ea typeface="Roboto"/>
               </a:rPr>
               <a:t>impact</a:t>
             </a:r>
             <a:r>
-              <a:rPr lang="pt-PT" sz="2800">
+              <a:rPr lang="pt-PT" sz="2800" dirty="0">
                 <a:latin typeface="Avenir Next LT Pro (corpo)"/>
                 <a:ea typeface="Roboto"/>
               </a:rPr>
               <a:t> for </a:t>
             </a:r>
             <a:r>
-              <a:rPr lang="pt-PT" sz="2800">
+              <a:rPr lang="pt-PT" sz="2800" dirty="0" err="1">
                 <a:latin typeface="Avenir Next LT Pro (corpo)"/>
                 <a:ea typeface="Roboto"/>
               </a:rPr>
               <a:t>the</a:t>
             </a:r>
             <a:r>
-              <a:rPr lang="pt-PT" sz="2800">
+              <a:rPr lang="pt-PT" sz="2800" dirty="0">
                 <a:latin typeface="Avenir Next LT Pro (corpo)"/>
                 <a:ea typeface="Roboto"/>
               </a:rPr>
               <a:t> data </a:t>
             </a:r>
             <a:r>
-              <a:rPr lang="pt-PT" sz="2800">
+              <a:rPr lang="pt-PT" sz="2800" dirty="0" err="1">
                 <a:latin typeface="Avenir Next LT Pro (corpo)"/>
                 <a:ea typeface="Roboto"/>
               </a:rPr>
               <a:t>study</a:t>
             </a:r>
             <a:r>
-              <a:rPr lang="pt-PT" sz="2800">
+              <a:rPr lang="pt-PT" sz="2800" dirty="0">
                 <a:latin typeface="Avenir Next LT Pro (corpo)"/>
                 <a:ea typeface="Roboto"/>
               </a:rPr>
               <a:t>).  </a:t>
             </a:r>
-            <a:endParaRPr/>
           </a:p>
           <a:p>
             <a:pPr algn="l">
@@ -5887,7 +6296,7 @@
               <a:defRPr/>
             </a:pPr>
             <a:r>
-              <a:rPr lang="pt-PT" sz="2800" b="1" i="0" u="none" strike="noStrike" cap="none" spc="0">
+              <a:rPr lang="pt-PT" sz="2800" b="1" i="0" u="none" strike="noStrike" cap="none" spc="0" dirty="0">
                 <a:solidFill>
                   <a:schemeClr val="tx1">
                     <a:alpha val="70000"/>
@@ -5900,7 +6309,7 @@
               <a:t>Data </a:t>
             </a:r>
             <a:r>
-              <a:rPr lang="pt-PT" sz="2800" b="1" i="0" u="none" strike="noStrike" cap="none" spc="0">
+              <a:rPr lang="pt-PT" sz="2800" b="1" i="0" u="none" strike="noStrike" cap="none" spc="0" dirty="0" err="1">
                 <a:solidFill>
                   <a:schemeClr val="tx1">
                     <a:alpha val="70000"/>
@@ -5913,7 +6322,7 @@
               <a:t>Visualization</a:t>
             </a:r>
             <a:r>
-              <a:rPr lang="pt-PT" sz="2800" b="0" i="0" u="none" strike="noStrike" cap="none" spc="0">
+              <a:rPr lang="pt-PT" sz="2800" b="0" i="0" u="none" strike="noStrike" cap="none" spc="0" dirty="0">
                 <a:solidFill>
                   <a:schemeClr val="tx1">
                     <a:alpha val="70000"/>
@@ -5926,7 +6335,7 @@
               <a:t>: </a:t>
             </a:r>
             <a:r>
-              <a:rPr lang="pt-PT" sz="2800" b="0" i="0" u="none" strike="noStrike" cap="none" spc="0">
+              <a:rPr lang="pt-PT" sz="2800" b="0" i="0" u="none" strike="noStrike" cap="none" spc="0" dirty="0" err="1">
                 <a:solidFill>
                   <a:schemeClr val="tx1">
                     <a:alpha val="70000"/>
@@ -5939,7 +6348,7 @@
               <a:t>we</a:t>
             </a:r>
             <a:r>
-              <a:rPr lang="pt-PT" sz="2800" b="0" i="0" u="none" strike="noStrike" cap="none" spc="0">
+              <a:rPr lang="pt-PT" sz="2800" b="0" i="0" u="none" strike="noStrike" cap="none" spc="0" dirty="0">
                 <a:solidFill>
                   <a:schemeClr val="tx1">
                     <a:alpha val="70000"/>
@@ -5952,7 +6361,7 @@
               <a:t> </a:t>
             </a:r>
             <a:r>
-              <a:rPr lang="pt-PT" sz="2800" b="0" i="0" u="none" strike="noStrike" cap="none" spc="0">
+              <a:rPr lang="pt-PT" sz="2800" b="0" i="0" u="none" strike="noStrike" cap="none" spc="0" dirty="0" err="1">
                 <a:solidFill>
                   <a:schemeClr val="tx1">
                     <a:alpha val="70000"/>
@@ -5965,7 +6374,7 @@
               <a:t>made</a:t>
             </a:r>
             <a:r>
-              <a:rPr lang="pt-PT" sz="2800" b="0" i="0" u="none" strike="noStrike" cap="none" spc="0">
+              <a:rPr lang="pt-PT" sz="2800" b="0" i="0" u="none" strike="noStrike" cap="none" spc="0" dirty="0">
                 <a:solidFill>
                   <a:schemeClr val="tx1">
                     <a:alpha val="70000"/>
@@ -5978,7 +6387,7 @@
               <a:t> a </a:t>
             </a:r>
             <a:r>
-              <a:rPr lang="pt-PT" sz="2800" b="0" i="0" u="none" strike="noStrike" cap="none" spc="0">
+              <a:rPr lang="pt-PT" sz="2800" b="0" i="0" u="none" strike="noStrike" cap="none" spc="0" dirty="0" err="1">
                 <a:solidFill>
                   <a:schemeClr val="tx1">
                     <a:alpha val="70000"/>
@@ -5991,7 +6400,7 @@
               <a:t>simple</a:t>
             </a:r>
             <a:r>
-              <a:rPr lang="pt-PT" sz="2800" b="0" i="0" u="none" strike="noStrike" cap="none" spc="0">
+              <a:rPr lang="pt-PT" sz="2800" b="0" i="0" u="none" strike="noStrike" cap="none" spc="0" dirty="0">
                 <a:solidFill>
                   <a:schemeClr val="tx1">
                     <a:alpha val="70000"/>
@@ -6004,7 +6413,7 @@
               <a:t> bar </a:t>
             </a:r>
             <a:r>
-              <a:rPr lang="pt-PT" sz="2800" b="0" i="0" u="none" strike="noStrike" cap="none" spc="0">
+              <a:rPr lang="pt-PT" sz="2800" b="0" i="0" u="none" strike="noStrike" cap="none" spc="0" dirty="0" err="1">
                 <a:solidFill>
                   <a:schemeClr val="tx1">
                     <a:alpha val="70000"/>
@@ -6017,7 +6426,7 @@
               <a:t>plot</a:t>
             </a:r>
             <a:r>
-              <a:rPr lang="pt-PT" sz="2800" b="0" i="0" u="none" strike="noStrike" cap="none" spc="0">
+              <a:rPr lang="pt-PT" sz="2800" b="0" i="0" u="none" strike="noStrike" cap="none" spc="0" dirty="0">
                 <a:solidFill>
                   <a:schemeClr val="tx1">
                     <a:alpha val="70000"/>
@@ -6030,7 +6439,7 @@
               <a:t> to compare </a:t>
             </a:r>
             <a:r>
-              <a:rPr lang="pt-PT" sz="2800" b="0" i="0" u="none" strike="noStrike" cap="none" spc="0">
+              <a:rPr lang="pt-PT" sz="2800" b="0" i="0" u="none" strike="noStrike" cap="none" spc="0" dirty="0" err="1">
                 <a:solidFill>
                   <a:schemeClr val="tx1">
                     <a:alpha val="70000"/>
@@ -6043,7 +6452,7 @@
               <a:t>the</a:t>
             </a:r>
             <a:r>
-              <a:rPr lang="pt-PT" sz="2800" b="0" i="0" u="none" strike="noStrike" cap="none" spc="0">
+              <a:rPr lang="pt-PT" sz="2800" b="0" i="0" u="none" strike="noStrike" cap="none" spc="0" dirty="0">
                 <a:solidFill>
                   <a:schemeClr val="tx1">
                     <a:alpha val="70000"/>
@@ -6056,7 +6465,7 @@
               <a:t> </a:t>
             </a:r>
             <a:r>
-              <a:rPr lang="pt-PT" sz="2800" b="0" i="0" u="none" strike="noStrike" cap="none" spc="0">
+              <a:rPr lang="pt-PT" sz="2800" b="0" i="0" u="none" strike="noStrike" cap="none" spc="0" dirty="0" err="1">
                 <a:solidFill>
                   <a:schemeClr val="tx1">
                     <a:alpha val="70000"/>
@@ -6069,7 +6478,7 @@
               <a:t>churn</a:t>
             </a:r>
             <a:r>
-              <a:rPr lang="pt-PT" sz="2800" b="0" i="0" u="none" strike="noStrike" cap="none" spc="0">
+              <a:rPr lang="pt-PT" sz="2800" b="0" i="0" u="none" strike="noStrike" cap="none" spc="0" dirty="0">
                 <a:solidFill>
                   <a:schemeClr val="tx1">
                     <a:alpha val="70000"/>
@@ -6082,7 +6491,7 @@
               <a:t> </a:t>
             </a:r>
             <a:r>
-              <a:rPr lang="pt-PT" sz="2800" b="0" i="0" u="none" strike="noStrike" cap="none" spc="0">
+              <a:rPr lang="pt-PT" sz="2800" b="0" i="0" u="none" strike="noStrike" cap="none" spc="0" dirty="0" err="1">
                 <a:solidFill>
                   <a:schemeClr val="tx1">
                     <a:alpha val="70000"/>
@@ -6095,7 +6504,7 @@
               <a:t>and</a:t>
             </a:r>
             <a:r>
-              <a:rPr lang="pt-PT" sz="2800" b="0" i="0" u="none" strike="noStrike" cap="none" spc="0">
+              <a:rPr lang="pt-PT" sz="2800" b="0" i="0" u="none" strike="noStrike" cap="none" spc="0" dirty="0">
                 <a:solidFill>
                   <a:schemeClr val="tx1">
                     <a:alpha val="70000"/>
@@ -6108,7 +6517,7 @@
               <a:t> </a:t>
             </a:r>
             <a:r>
-              <a:rPr lang="pt-PT" sz="2800" b="0" i="0" u="none" strike="noStrike" cap="none" spc="0">
+              <a:rPr lang="pt-PT" sz="2800" b="0" i="0" u="none" strike="noStrike" cap="none" spc="0" dirty="0" err="1">
                 <a:solidFill>
                   <a:schemeClr val="tx1">
                     <a:alpha val="70000"/>
@@ -6121,7 +6530,7 @@
               <a:t>an</a:t>
             </a:r>
             <a:r>
-              <a:rPr lang="pt-PT" sz="2800" b="0" i="0" u="none" strike="noStrike" cap="none" spc="0">
+              <a:rPr lang="pt-PT" sz="2800" b="0" i="0" u="none" strike="noStrike" cap="none" spc="0" dirty="0">
                 <a:solidFill>
                   <a:schemeClr val="tx1">
                     <a:alpha val="70000"/>
@@ -6134,7 +6543,7 @@
               <a:t> </a:t>
             </a:r>
             <a:r>
-              <a:rPr lang="pt-PT" sz="2800" b="0" i="0" u="none" strike="noStrike" cap="none" spc="0">
+              <a:rPr lang="pt-PT" sz="2800" b="0" i="0" u="none" strike="noStrike" cap="none" spc="0" dirty="0" err="1">
                 <a:solidFill>
                   <a:schemeClr val="tx1">
                     <a:alpha val="70000"/>
@@ -6147,7 +6556,7 @@
               <a:t>histogram</a:t>
             </a:r>
             <a:r>
-              <a:rPr lang="pt-PT" sz="2800" b="0" i="0" u="none" strike="noStrike" cap="none" spc="0">
+              <a:rPr lang="pt-PT" sz="2800" b="0" i="0" u="none" strike="noStrike" cap="none" spc="0" dirty="0">
                 <a:solidFill>
                   <a:schemeClr val="tx1">
                     <a:alpha val="70000"/>
@@ -6160,7 +6569,7 @@
               <a:t> to </a:t>
             </a:r>
             <a:r>
-              <a:rPr lang="pt-PT" sz="2800" b="0" i="0" u="none" strike="noStrike" cap="none" spc="0">
+              <a:rPr lang="pt-PT" sz="2800" b="0" i="0" u="none" strike="noStrike" cap="none" spc="0" dirty="0" err="1">
                 <a:solidFill>
                   <a:schemeClr val="tx1">
                     <a:alpha val="70000"/>
@@ -6173,7 +6582,7 @@
               <a:t>verify</a:t>
             </a:r>
             <a:r>
-              <a:rPr lang="pt-PT" sz="2800" b="0" i="0" u="none" strike="noStrike" cap="none" spc="0">
+              <a:rPr lang="pt-PT" sz="2800" b="0" i="0" u="none" strike="noStrike" cap="none" spc="0" dirty="0">
                 <a:solidFill>
                   <a:schemeClr val="tx1">
                     <a:alpha val="70000"/>
@@ -6186,7 +6595,7 @@
               <a:t> </a:t>
             </a:r>
             <a:r>
-              <a:rPr lang="pt-PT" sz="2800" b="0" i="0" u="none" strike="noStrike" cap="none" spc="0">
+              <a:rPr lang="pt-PT" sz="2800" b="0" i="0" u="none" strike="noStrike" cap="none" spc="0" dirty="0" err="1">
                 <a:solidFill>
                   <a:schemeClr val="tx1">
                     <a:alpha val="70000"/>
@@ -6199,7 +6608,7 @@
               <a:t>any</a:t>
             </a:r>
             <a:r>
-              <a:rPr lang="pt-PT" sz="2800" b="0" i="0" u="none" strike="noStrike" cap="none" spc="0">
+              <a:rPr lang="pt-PT" sz="2800" b="0" i="0" u="none" strike="noStrike" cap="none" spc="0" dirty="0">
                 <a:solidFill>
                   <a:schemeClr val="tx1">
                     <a:alpha val="70000"/>
@@ -6212,7 +6621,7 @@
               <a:t> </a:t>
             </a:r>
             <a:r>
-              <a:rPr lang="pt-PT" sz="2800" b="0" i="0" u="none" strike="noStrike" cap="none" spc="0">
+              <a:rPr lang="pt-PT" sz="2800" b="0" i="0" u="none" strike="noStrike" cap="none" spc="0" dirty="0" err="1">
                 <a:solidFill>
                   <a:schemeClr val="tx1">
                     <a:alpha val="70000"/>
@@ -6225,7 +6634,7 @@
               <a:t>relation</a:t>
             </a:r>
             <a:r>
-              <a:rPr lang="pt-PT" sz="2800" b="0" i="0" u="none" strike="noStrike" cap="none" spc="0">
+              <a:rPr lang="pt-PT" sz="2800" b="0" i="0" u="none" strike="noStrike" cap="none" spc="0" dirty="0">
                 <a:solidFill>
                   <a:schemeClr val="tx1">
                     <a:alpha val="70000"/>
@@ -6238,7 +6647,7 @@
               <a:t> </a:t>
             </a:r>
             <a:r>
-              <a:rPr lang="pt-PT" sz="2800" b="0" i="0" u="none" strike="noStrike" cap="none" spc="0">
+              <a:rPr lang="pt-PT" sz="2800" b="0" i="0" u="none" strike="noStrike" cap="none" spc="0" dirty="0" err="1">
                 <a:solidFill>
                   <a:schemeClr val="tx1">
                     <a:alpha val="70000"/>
@@ -6251,7 +6660,7 @@
               <a:t>between</a:t>
             </a:r>
             <a:r>
-              <a:rPr lang="pt-PT" sz="2800" b="0" i="0" u="none" strike="noStrike" cap="none" spc="0">
+              <a:rPr lang="pt-PT" sz="2800" b="0" i="0" u="none" strike="noStrike" cap="none" spc="0" dirty="0">
                 <a:solidFill>
                   <a:schemeClr val="tx1">
                     <a:alpha val="70000"/>
@@ -6264,7 +6673,7 @@
               <a:t> </a:t>
             </a:r>
             <a:r>
-              <a:rPr lang="pt-PT" sz="2800" b="0" i="0" u="none" strike="noStrike" cap="none" spc="0">
+              <a:rPr lang="pt-PT" sz="2800" b="0" i="0" u="none" strike="noStrike" cap="none" spc="0" dirty="0" err="1">
                 <a:solidFill>
                   <a:schemeClr val="tx1">
                     <a:alpha val="70000"/>
@@ -6277,7 +6686,7 @@
               <a:t>tenure</a:t>
             </a:r>
             <a:r>
-              <a:rPr lang="pt-PT" sz="2800" b="0" i="0" u="none" strike="noStrike" cap="none" spc="0">
+              <a:rPr lang="pt-PT" sz="2800" b="0" i="0" u="none" strike="noStrike" cap="none" spc="0" dirty="0">
                 <a:solidFill>
                   <a:schemeClr val="tx1">
                     <a:alpha val="70000"/>
@@ -6290,7 +6699,7 @@
               <a:t>, gender </a:t>
             </a:r>
             <a:r>
-              <a:rPr lang="pt-PT" sz="2800" b="0" i="0" u="none" strike="noStrike" cap="none" spc="0">
+              <a:rPr lang="pt-PT" sz="2800" b="0" i="0" u="none" strike="noStrike" cap="none" spc="0" dirty="0" err="1">
                 <a:solidFill>
                   <a:schemeClr val="tx1">
                     <a:alpha val="70000"/>
@@ -6303,7 +6712,7 @@
               <a:t>and</a:t>
             </a:r>
             <a:r>
-              <a:rPr lang="pt-PT" sz="2800" b="0" i="0" u="none" strike="noStrike" cap="none" spc="0">
+              <a:rPr lang="pt-PT" sz="2800" b="0" i="0" u="none" strike="noStrike" cap="none" spc="0" dirty="0">
                 <a:solidFill>
                   <a:schemeClr val="tx1">
                     <a:alpha val="70000"/>
@@ -6316,7 +6725,7 @@
               <a:t> </a:t>
             </a:r>
             <a:r>
-              <a:rPr lang="pt-PT" sz="2800" b="0" i="0" u="none" strike="noStrike" cap="none" spc="0">
+              <a:rPr lang="pt-PT" sz="2800" b="0" i="0" u="none" strike="noStrike" cap="none" spc="0" dirty="0" err="1">
                 <a:solidFill>
                   <a:schemeClr val="tx1">
                     <a:alpha val="70000"/>
@@ -6329,7 +6738,7 @@
               <a:t>churn</a:t>
             </a:r>
             <a:r>
-              <a:rPr lang="pt-PT" sz="2800" b="0" i="0" u="none" strike="noStrike" cap="none" spc="0">
+              <a:rPr lang="pt-PT" sz="2800" b="0" i="0" u="none" strike="noStrike" cap="none" spc="0" dirty="0">
                 <a:solidFill>
                   <a:schemeClr val="tx1">
                     <a:alpha val="70000"/>
@@ -6342,7 +6751,7 @@
               <a:t>. Also, </a:t>
             </a:r>
             <a:r>
-              <a:rPr lang="pt-PT" sz="2800" b="0" i="0" u="none" strike="noStrike" cap="none" spc="0">
+              <a:rPr lang="pt-PT" sz="2800" b="0" i="0" u="none" strike="noStrike" cap="none" spc="0" dirty="0" err="1">
                 <a:solidFill>
                   <a:schemeClr val="tx1">
                     <a:alpha val="70000"/>
@@ -6355,7 +6764,7 @@
               <a:t>we</a:t>
             </a:r>
             <a:r>
-              <a:rPr lang="pt-PT" sz="2800" b="0" i="0" u="none" strike="noStrike" cap="none" spc="0">
+              <a:rPr lang="pt-PT" sz="2800" b="0" i="0" u="none" strike="noStrike" cap="none" spc="0" dirty="0">
                 <a:solidFill>
                   <a:schemeClr val="tx1">
                     <a:alpha val="70000"/>
@@ -6368,7 +6777,7 @@
               <a:t> </a:t>
             </a:r>
             <a:r>
-              <a:rPr lang="pt-PT" sz="2800" b="0" i="0" u="none" strike="noStrike" cap="none" spc="0">
+              <a:rPr lang="pt-PT" sz="2800" b="0" i="0" u="none" strike="noStrike" cap="none" spc="0" dirty="0" err="1">
                 <a:solidFill>
                   <a:schemeClr val="tx1">
                     <a:alpha val="70000"/>
@@ -6381,7 +6790,7 @@
               <a:t>create</a:t>
             </a:r>
             <a:r>
-              <a:rPr lang="pt-PT" sz="2800" b="0" i="0" u="none" strike="noStrike" cap="none" spc="0">
+              <a:rPr lang="pt-PT" sz="2800" b="0" i="0" u="none" strike="noStrike" cap="none" spc="0" dirty="0">
                 <a:solidFill>
                   <a:schemeClr val="tx1">
                     <a:alpha val="70000"/>
@@ -6394,7 +6803,7 @@
               <a:t> </a:t>
             </a:r>
             <a:r>
-              <a:rPr lang="pt-PT" sz="2800" b="0" i="0" u="none" strike="noStrike" cap="none" spc="0">
+              <a:rPr lang="pt-PT" sz="2800" b="0" i="0" u="none" strike="noStrike" cap="none" spc="0" dirty="0" err="1">
                 <a:solidFill>
                   <a:schemeClr val="tx1">
                     <a:alpha val="70000"/>
@@ -6407,7 +6816,7 @@
               <a:t>another</a:t>
             </a:r>
             <a:r>
-              <a:rPr lang="pt-PT" sz="2800" b="0" i="0" u="none" strike="noStrike" cap="none" spc="0">
+              <a:rPr lang="pt-PT" sz="2800" b="0" i="0" u="none" strike="noStrike" cap="none" spc="0" dirty="0">
                 <a:solidFill>
                   <a:schemeClr val="tx1">
                     <a:alpha val="70000"/>
@@ -6420,7 +6829,7 @@
               <a:t> bar </a:t>
             </a:r>
             <a:r>
-              <a:rPr lang="pt-PT" sz="2800" b="0" i="0" u="none" strike="noStrike" cap="none" spc="0">
+              <a:rPr lang="pt-PT" sz="2800" b="0" i="0" u="none" strike="noStrike" cap="none" spc="0" dirty="0" err="1">
                 <a:solidFill>
                   <a:schemeClr val="tx1">
                     <a:alpha val="70000"/>
@@ -6433,7 +6842,7 @@
               <a:t>plot</a:t>
             </a:r>
             <a:r>
-              <a:rPr lang="pt-PT" sz="2800" b="0" i="0" u="none" strike="noStrike" cap="none" spc="0">
+              <a:rPr lang="pt-PT" sz="2800" b="0" i="0" u="none" strike="noStrike" cap="none" spc="0" dirty="0">
                 <a:solidFill>
                   <a:schemeClr val="tx1">
                     <a:alpha val="70000"/>
@@ -6446,7 +6855,7 @@
               <a:t> to compare </a:t>
             </a:r>
             <a:r>
-              <a:rPr lang="pt-PT" sz="2800" b="0" i="0" u="none" strike="noStrike" cap="none" spc="0">
+              <a:rPr lang="pt-PT" sz="2800" b="0" i="0" u="none" strike="noStrike" cap="none" spc="0" dirty="0" err="1">
                 <a:solidFill>
                   <a:schemeClr val="tx1">
                     <a:alpha val="70000"/>
@@ -6459,7 +6868,7 @@
               <a:t>the</a:t>
             </a:r>
             <a:r>
-              <a:rPr lang="pt-PT" sz="2800" b="0" i="0" u="none" strike="noStrike" cap="none" spc="0">
+              <a:rPr lang="pt-PT" sz="2800" b="0" i="0" u="none" strike="noStrike" cap="none" spc="0" dirty="0">
                 <a:solidFill>
                   <a:schemeClr val="tx1">
                     <a:alpha val="70000"/>
@@ -6472,7 +6881,7 @@
               <a:t> </a:t>
             </a:r>
             <a:r>
-              <a:rPr lang="pt-PT" sz="2800" b="0" i="0" u="none" strike="noStrike" cap="none" spc="0">
+              <a:rPr lang="pt-PT" sz="2800" b="0" i="0" u="none" strike="noStrike" cap="none" spc="0" dirty="0" err="1">
                 <a:solidFill>
                   <a:schemeClr val="tx1">
                     <a:alpha val="70000"/>
@@ -6485,7 +6894,7 @@
               <a:t>churn</a:t>
             </a:r>
             <a:r>
-              <a:rPr lang="pt-PT" sz="2800" b="0" i="0" u="none" strike="noStrike" cap="none" spc="0">
+              <a:rPr lang="pt-PT" sz="2800" b="0" i="0" u="none" strike="noStrike" cap="none" spc="0" dirty="0">
                 <a:solidFill>
                   <a:schemeClr val="tx1">
                     <a:alpha val="70000"/>
@@ -6498,7 +6907,7 @@
               <a:t> for </a:t>
             </a:r>
             <a:r>
-              <a:rPr lang="pt-PT" sz="2800" b="0" i="0" u="none" strike="noStrike" cap="none" spc="0">
+              <a:rPr lang="pt-PT" sz="2800" b="0" i="0" u="none" strike="noStrike" cap="none" spc="0" dirty="0" err="1">
                 <a:solidFill>
                   <a:schemeClr val="tx1">
                     <a:alpha val="70000"/>
@@ -6511,7 +6920,7 @@
               <a:t>each</a:t>
             </a:r>
             <a:r>
-              <a:rPr lang="pt-PT" sz="2800" b="0" i="0" u="none" strike="noStrike" cap="none" spc="0">
+              <a:rPr lang="pt-PT" sz="2800" b="0" i="0" u="none" strike="noStrike" cap="none" spc="0" dirty="0">
                 <a:solidFill>
                   <a:schemeClr val="tx1">
                     <a:alpha val="70000"/>
@@ -6524,7 +6933,7 @@
               <a:t> </a:t>
             </a:r>
             <a:r>
-              <a:rPr lang="pt-PT" sz="2800" b="0" i="0" u="none" strike="noStrike" cap="none" spc="0">
+              <a:rPr lang="pt-PT" sz="2800" b="0" i="0" u="none" strike="noStrike" cap="none" spc="0" dirty="0" err="1">
                 <a:solidFill>
                   <a:schemeClr val="tx1">
                     <a:alpha val="70000"/>
@@ -6537,7 +6946,7 @@
               <a:t>type</a:t>
             </a:r>
             <a:r>
-              <a:rPr lang="pt-PT" sz="2800" b="0" i="0" u="none" strike="noStrike" cap="none" spc="0">
+              <a:rPr lang="pt-PT" sz="2800" b="0" i="0" u="none" strike="noStrike" cap="none" spc="0" dirty="0">
                 <a:solidFill>
                   <a:schemeClr val="tx1">
                     <a:alpha val="70000"/>
@@ -6550,7 +6959,7 @@
               <a:t> </a:t>
             </a:r>
             <a:r>
-              <a:rPr lang="pt-PT" sz="2800" b="0" i="0" u="none" strike="noStrike" cap="none" spc="0">
+              <a:rPr lang="pt-PT" sz="2800" b="0" i="0" u="none" strike="noStrike" cap="none" spc="0" dirty="0" err="1">
                 <a:solidFill>
                   <a:schemeClr val="tx1">
                     <a:alpha val="70000"/>
@@ -6563,7 +6972,7 @@
               <a:t>of</a:t>
             </a:r>
             <a:r>
-              <a:rPr lang="pt-PT" sz="2800" b="0" i="0" u="none" strike="noStrike" cap="none" spc="0">
+              <a:rPr lang="pt-PT" sz="2800" b="0" i="0" u="none" strike="noStrike" cap="none" spc="0" dirty="0">
                 <a:solidFill>
                   <a:schemeClr val="tx1">
                     <a:alpha val="70000"/>
@@ -6576,7 +6985,7 @@
               <a:t> </a:t>
             </a:r>
             <a:r>
-              <a:rPr lang="pt-PT" sz="2800" b="0" i="0" u="none" strike="noStrike" cap="none" spc="0">
+              <a:rPr lang="pt-PT" sz="2800" b="0" i="0" u="none" strike="noStrike" cap="none" spc="0" dirty="0" err="1">
                 <a:solidFill>
                   <a:schemeClr val="tx1">
                     <a:alpha val="70000"/>
@@ -6589,7 +6998,7 @@
               <a:t>contract</a:t>
             </a:r>
             <a:r>
-              <a:rPr lang="pt-PT" sz="2800" b="0" i="0" u="none" strike="noStrike" cap="none" spc="0">
+              <a:rPr lang="pt-PT" sz="2800" b="0" i="0" u="none" strike="noStrike" cap="none" spc="0" dirty="0">
                 <a:solidFill>
                   <a:schemeClr val="tx1">
                     <a:alpha val="70000"/>
@@ -6601,7 +7010,7 @@
               </a:rPr>
               <a:t>.</a:t>
             </a:r>
-            <a:endParaRPr lang="pt-PT">
+            <a:endParaRPr lang="pt-PT" dirty="0">
               <a:solidFill>
                 <a:srgbClr val="FFFFFF">
                   <a:alpha val="70000"/>
@@ -6617,19 +7026,11 @@
   <p:clrMapOvr>
     <a:masterClrMapping/>
   </p:clrMapOvr>
-  <mc:AlternateContent xmlns:mc="http://schemas.openxmlformats.org/markup-compatibility/2006">
-    <mc:Choice xmlns:p14="http://schemas.microsoft.com/office/powerpoint/2010/main" Requires="p14">
-      <p:transition p14:dur="2000" advClick="1"/>
-    </mc:Choice>
-    <mc:Fallback>
-      <p:transition advClick="1"/>
-    </mc:Fallback>
-  </mc:AlternateContent>
 </p:sld>
 </file>
 
 <file path=ppt/theme/theme1.xml><?xml version="1.0" encoding="utf-8"?>
-<a:theme xmlns:a="http://schemas.openxmlformats.org/drawingml/2006/main" xmlns:r="http://schemas.openxmlformats.org/officeDocument/2006/relationships" xmlns:p="http://schemas.openxmlformats.org/presentationml/2006/main" name="PebbleVTI">
+<a:theme xmlns:a="http://schemas.openxmlformats.org/drawingml/2006/main" name="PebbleVTI">
   <a:themeElements>
     <a:clrScheme name="Blush 3">
       <a:dk1>
@@ -6832,5 +7233,301 @@
     </a:fmtScheme>
   </a:themeElements>
   <a:objectDefaults/>
+  <a:extraClrSchemeLst/>
+</a:theme>
+</file>
+
+<file path=ppt/theme/theme2.xml><?xml version="1.0" encoding="utf-8"?>
+<a:theme xmlns:a="http://schemas.openxmlformats.org/drawingml/2006/main" name="Tema do Office">
+  <a:themeElements>
+    <a:clrScheme name="Office">
+      <a:dk1>
+        <a:sysClr val="windowText" lastClr="000000"/>
+      </a:dk1>
+      <a:lt1>
+        <a:sysClr val="window" lastClr="FFFFFF"/>
+      </a:lt1>
+      <a:dk2>
+        <a:srgbClr val="44546A"/>
+      </a:dk2>
+      <a:lt2>
+        <a:srgbClr val="E7E6E6"/>
+      </a:lt2>
+      <a:accent1>
+        <a:srgbClr val="4472C4"/>
+      </a:accent1>
+      <a:accent2>
+        <a:srgbClr val="ED7D31"/>
+      </a:accent2>
+      <a:accent3>
+        <a:srgbClr val="A5A5A5"/>
+      </a:accent3>
+      <a:accent4>
+        <a:srgbClr val="FFC000"/>
+      </a:accent4>
+      <a:accent5>
+        <a:srgbClr val="5B9BD5"/>
+      </a:accent5>
+      <a:accent6>
+        <a:srgbClr val="70AD47"/>
+      </a:accent6>
+      <a:hlink>
+        <a:srgbClr val="0563C1"/>
+      </a:hlink>
+      <a:folHlink>
+        <a:srgbClr val="954F72"/>
+      </a:folHlink>
+    </a:clrScheme>
+    <a:fontScheme name="Office">
+      <a:majorFont>
+        <a:latin typeface="Calibri Light" panose="020F0302020204030204"/>
+        <a:ea typeface=""/>
+        <a:cs typeface=""/>
+        <a:font script="Jpan" typeface="游ゴシック Light"/>
+        <a:font script="Hang" typeface="맑은 고딕"/>
+        <a:font script="Hans" typeface="等线 Light"/>
+        <a:font script="Hant" typeface="新細明體"/>
+        <a:font script="Arab" typeface="Times New Roman"/>
+        <a:font script="Hebr" typeface="Times New Roman"/>
+        <a:font script="Thai" typeface="Angsana New"/>
+        <a:font script="Ethi" typeface="Nyala"/>
+        <a:font script="Beng" typeface="Vrinda"/>
+        <a:font script="Gujr" typeface="Shruti"/>
+        <a:font script="Khmr" typeface="MoolBoran"/>
+        <a:font script="Knda" typeface="Tunga"/>
+        <a:font script="Guru" typeface="Raavi"/>
+        <a:font script="Cans" typeface="Euphemia"/>
+        <a:font script="Cher" typeface="Plantagenet Cherokee"/>
+        <a:font script="Yiii" typeface="Microsoft Yi Baiti"/>
+        <a:font script="Tibt" typeface="Microsoft Himalaya"/>
+        <a:font script="Thaa" typeface="MV Boli"/>
+        <a:font script="Deva" typeface="Mangal"/>
+        <a:font script="Telu" typeface="Gautami"/>
+        <a:font script="Taml" typeface="Latha"/>
+        <a:font script="Syrc" typeface="Estrangelo Edessa"/>
+        <a:font script="Orya" typeface="Kalinga"/>
+        <a:font script="Mlym" typeface="Kartika"/>
+        <a:font script="Laoo" typeface="DokChampa"/>
+        <a:font script="Sinh" typeface="Iskoola Pota"/>
+        <a:font script="Mong" typeface="Mongolian Baiti"/>
+        <a:font script="Viet" typeface="Times New Roman"/>
+        <a:font script="Uigh" typeface="Microsoft Uighur"/>
+        <a:font script="Geor" typeface="Sylfaen"/>
+        <a:font script="Armn" typeface="Arial"/>
+        <a:font script="Bugi" typeface="Leelawadee UI"/>
+        <a:font script="Bopo" typeface="Microsoft JhengHei"/>
+        <a:font script="Java" typeface="Javanese Text"/>
+        <a:font script="Lisu" typeface="Segoe UI"/>
+        <a:font script="Mymr" typeface="Myanmar Text"/>
+        <a:font script="Nkoo" typeface="Ebrima"/>
+        <a:font script="Olck" typeface="Nirmala UI"/>
+        <a:font script="Osma" typeface="Ebrima"/>
+        <a:font script="Phag" typeface="Phagspa"/>
+        <a:font script="Syrn" typeface="Estrangelo Edessa"/>
+        <a:font script="Syrj" typeface="Estrangelo Edessa"/>
+        <a:font script="Syre" typeface="Estrangelo Edessa"/>
+        <a:font script="Sora" typeface="Nirmala UI"/>
+        <a:font script="Tale" typeface="Microsoft Tai Le"/>
+        <a:font script="Talu" typeface="Microsoft New Tai Lue"/>
+        <a:font script="Tfng" typeface="Ebrima"/>
+      </a:majorFont>
+      <a:minorFont>
+        <a:latin typeface="Calibri" panose="020F0502020204030204"/>
+        <a:ea typeface=""/>
+        <a:cs typeface=""/>
+        <a:font script="Jpan" typeface="游ゴシック"/>
+        <a:font script="Hang" typeface="맑은 고딕"/>
+        <a:font script="Hans" typeface="等线"/>
+        <a:font script="Hant" typeface="新細明體"/>
+        <a:font script="Arab" typeface="Arial"/>
+        <a:font script="Hebr" typeface="Arial"/>
+        <a:font script="Thai" typeface="Cordia New"/>
+        <a:font script="Ethi" typeface="Nyala"/>
+        <a:font script="Beng" typeface="Vrinda"/>
+        <a:font script="Gujr" typeface="Shruti"/>
+        <a:font script="Khmr" typeface="DaunPenh"/>
+        <a:font script="Knda" typeface="Tunga"/>
+        <a:font script="Guru" typeface="Raavi"/>
+        <a:font script="Cans" typeface="Euphemia"/>
+        <a:font script="Cher" typeface="Plantagenet Cherokee"/>
+        <a:font script="Yiii" typeface="Microsoft Yi Baiti"/>
+        <a:font script="Tibt" typeface="Microsoft Himalaya"/>
+        <a:font script="Thaa" typeface="MV Boli"/>
+        <a:font script="Deva" typeface="Mangal"/>
+        <a:font script="Telu" typeface="Gautami"/>
+        <a:font script="Taml" typeface="Latha"/>
+        <a:font script="Syrc" typeface="Estrangelo Edessa"/>
+        <a:font script="Orya" typeface="Kalinga"/>
+        <a:font script="Mlym" typeface="Kartika"/>
+        <a:font script="Laoo" typeface="DokChampa"/>
+        <a:font script="Sinh" typeface="Iskoola Pota"/>
+        <a:font script="Mong" typeface="Mongolian Baiti"/>
+        <a:font script="Viet" typeface="Arial"/>
+        <a:font script="Uigh" typeface="Microsoft Uighur"/>
+        <a:font script="Geor" typeface="Sylfaen"/>
+        <a:font script="Armn" typeface="Arial"/>
+        <a:font script="Bugi" typeface="Leelawadee UI"/>
+        <a:font script="Bopo" typeface="Microsoft JhengHei"/>
+        <a:font script="Java" typeface="Javanese Text"/>
+        <a:font script="Lisu" typeface="Segoe UI"/>
+        <a:font script="Mymr" typeface="Myanmar Text"/>
+        <a:font script="Nkoo" typeface="Ebrima"/>
+        <a:font script="Olck" typeface="Nirmala UI"/>
+        <a:font script="Osma" typeface="Ebrima"/>
+        <a:font script="Phag" typeface="Phagspa"/>
+        <a:font script="Syrn" typeface="Estrangelo Edessa"/>
+        <a:font script="Syrj" typeface="Estrangelo Edessa"/>
+        <a:font script="Syre" typeface="Estrangelo Edessa"/>
+        <a:font script="Sora" typeface="Nirmala UI"/>
+        <a:font script="Tale" typeface="Microsoft Tai Le"/>
+        <a:font script="Talu" typeface="Microsoft New Tai Lue"/>
+        <a:font script="Tfng" typeface="Ebrima"/>
+      </a:minorFont>
+    </a:fontScheme>
+    <a:fmtScheme name="Office">
+      <a:fillStyleLst>
+        <a:solidFill>
+          <a:schemeClr val="phClr"/>
+        </a:solidFill>
+        <a:gradFill rotWithShape="1">
+          <a:gsLst>
+            <a:gs pos="0">
+              <a:schemeClr val="phClr">
+                <a:lumMod val="110000"/>
+                <a:satMod val="105000"/>
+                <a:tint val="67000"/>
+              </a:schemeClr>
+            </a:gs>
+            <a:gs pos="50000">
+              <a:schemeClr val="phClr">
+                <a:lumMod val="105000"/>
+                <a:satMod val="103000"/>
+                <a:tint val="73000"/>
+              </a:schemeClr>
+            </a:gs>
+            <a:gs pos="100000">
+              <a:schemeClr val="phClr">
+                <a:lumMod val="105000"/>
+                <a:satMod val="109000"/>
+                <a:tint val="81000"/>
+              </a:schemeClr>
+            </a:gs>
+          </a:gsLst>
+          <a:lin ang="5400000" scaled="0"/>
+        </a:gradFill>
+        <a:gradFill rotWithShape="1">
+          <a:gsLst>
+            <a:gs pos="0">
+              <a:schemeClr val="phClr">
+                <a:satMod val="103000"/>
+                <a:lumMod val="102000"/>
+                <a:tint val="94000"/>
+              </a:schemeClr>
+            </a:gs>
+            <a:gs pos="50000">
+              <a:schemeClr val="phClr">
+                <a:satMod val="110000"/>
+                <a:lumMod val="100000"/>
+                <a:shade val="100000"/>
+              </a:schemeClr>
+            </a:gs>
+            <a:gs pos="100000">
+              <a:schemeClr val="phClr">
+                <a:lumMod val="99000"/>
+                <a:satMod val="120000"/>
+                <a:shade val="78000"/>
+              </a:schemeClr>
+            </a:gs>
+          </a:gsLst>
+          <a:lin ang="5400000" scaled="0"/>
+        </a:gradFill>
+      </a:fillStyleLst>
+      <a:lnStyleLst>
+        <a:ln w="6350" cap="flat" cmpd="sng" algn="ctr">
+          <a:solidFill>
+            <a:schemeClr val="phClr"/>
+          </a:solidFill>
+          <a:prstDash val="solid"/>
+          <a:miter lim="800000"/>
+        </a:ln>
+        <a:ln w="12700" cap="flat" cmpd="sng" algn="ctr">
+          <a:solidFill>
+            <a:schemeClr val="phClr"/>
+          </a:solidFill>
+          <a:prstDash val="solid"/>
+          <a:miter lim="800000"/>
+        </a:ln>
+        <a:ln w="19050" cap="flat" cmpd="sng" algn="ctr">
+          <a:solidFill>
+            <a:schemeClr val="phClr"/>
+          </a:solidFill>
+          <a:prstDash val="solid"/>
+          <a:miter lim="800000"/>
+        </a:ln>
+      </a:lnStyleLst>
+      <a:effectStyleLst>
+        <a:effectStyle>
+          <a:effectLst/>
+        </a:effectStyle>
+        <a:effectStyle>
+          <a:effectLst/>
+        </a:effectStyle>
+        <a:effectStyle>
+          <a:effectLst>
+            <a:outerShdw blurRad="57150" dist="19050" dir="5400000" algn="ctr" rotWithShape="0">
+              <a:srgbClr val="000000">
+                <a:alpha val="63000"/>
+              </a:srgbClr>
+            </a:outerShdw>
+          </a:effectLst>
+        </a:effectStyle>
+      </a:effectStyleLst>
+      <a:bgFillStyleLst>
+        <a:solidFill>
+          <a:schemeClr val="phClr"/>
+        </a:solidFill>
+        <a:solidFill>
+          <a:schemeClr val="phClr">
+            <a:tint val="95000"/>
+            <a:satMod val="170000"/>
+          </a:schemeClr>
+        </a:solidFill>
+        <a:gradFill rotWithShape="1">
+          <a:gsLst>
+            <a:gs pos="0">
+              <a:schemeClr val="phClr">
+                <a:tint val="93000"/>
+                <a:satMod val="150000"/>
+                <a:shade val="98000"/>
+                <a:lumMod val="102000"/>
+              </a:schemeClr>
+            </a:gs>
+            <a:gs pos="50000">
+              <a:schemeClr val="phClr">
+                <a:tint val="98000"/>
+                <a:satMod val="130000"/>
+                <a:shade val="90000"/>
+                <a:lumMod val="103000"/>
+              </a:schemeClr>
+            </a:gs>
+            <a:gs pos="100000">
+              <a:schemeClr val="phClr">
+                <a:shade val="63000"/>
+                <a:satMod val="120000"/>
+              </a:schemeClr>
+            </a:gs>
+          </a:gsLst>
+          <a:lin ang="5400000" scaled="0"/>
+        </a:gradFill>
+      </a:bgFillStyleLst>
+    </a:fmtScheme>
+  </a:themeElements>
+  <a:objectDefaults/>
+  <a:extraClrSchemeLst/>
+  <a:extLst>
+    <a:ext uri="{05A4C25C-085E-4340-85A3-A5531E510DB2}">
+      <thm15:themeFamily xmlns:thm15="http://schemas.microsoft.com/office/thememl/2012/main" name="Office Theme" id="{62F939B6-93AF-4DB8-9C6B-D6C7DFDC589F}" vid="{4A3C46E8-61CC-4603-A589-7422A47A8E4A}"/>
+    </a:ext>
+  </a:extLst>
 </a:theme>
 </file>